--- a/Bringing the Analog World to Digital Design_EC551_Final Project.pptx
+++ b/Bringing the Analog World to Digital Design_EC551_Final Project.pptx
@@ -1,28 +1,29 @@
 
 <file path=ppt/presentation.xml><?xml version="1.0" encoding="utf-8"?>
-<p:presentation xmlns:a="http://schemas.openxmlformats.org/drawingml/2006/main" xmlns:r="http://schemas.openxmlformats.org/officeDocument/2006/relationships" xmlns:p="http://schemas.openxmlformats.org/presentationml/2006/main">
+<p:presentation xmlns:a="http://schemas.openxmlformats.org/drawingml/2006/main" xmlns:r="http://schemas.openxmlformats.org/officeDocument/2006/relationships" xmlns:p="http://schemas.openxmlformats.org/presentationml/2006/main" xmlns:m="http://schemas.openxmlformats.org/officeDocument/2006/math" xmlns:a14="http://schemas.microsoft.com/office/drawing/2010/main">
   <p:sldMasterIdLst>
-    <p:sldMasterId id="2147483648" r:id="rId1"/>
+    <p:sldMasterId id="2147483648" r:id="rId5"/>
   </p:sldMasterIdLst>
   <p:notesMasterIdLst>
-    <p:notesMasterId r:id="rId17"/>
+    <p:notesMasterId r:id="rId7"/>
   </p:notesMasterIdLst>
   <p:sldIdLst>
-    <p:sldId id="256" r:id="rId2"/>
-    <p:sldId id="257" r:id="rId3"/>
-    <p:sldId id="274" r:id="rId4"/>
-    <p:sldId id="275" r:id="rId5"/>
-    <p:sldId id="276" r:id="rId6"/>
-    <p:sldId id="281" r:id="rId7"/>
-    <p:sldId id="282" r:id="rId8"/>
-    <p:sldId id="277" r:id="rId9"/>
-    <p:sldId id="278" r:id="rId10"/>
-    <p:sldId id="279" r:id="rId11"/>
-    <p:sldId id="280" r:id="rId12"/>
-    <p:sldId id="284" r:id="rId13"/>
-    <p:sldId id="283" r:id="rId14"/>
-    <p:sldId id="268" r:id="rId15"/>
-    <p:sldId id="258" r:id="rId16"/>
+    <p:sldId id="256" r:id="rId8"/>
+    <p:sldId id="257" r:id="rId9"/>
+    <p:sldId id="258" r:id="rId10"/>
+    <p:sldId id="259" r:id="rId11"/>
+    <p:sldId id="260" r:id="rId12"/>
+    <p:sldId id="261" r:id="rId13"/>
+    <p:sldId id="262" r:id="rId14"/>
+    <p:sldId id="263" r:id="rId15"/>
+    <p:sldId id="264" r:id="rId16"/>
+    <p:sldId id="265" r:id="rId17"/>
+    <p:sldId id="266" r:id="rId18"/>
+    <p:sldId id="267" r:id="rId19"/>
+    <p:sldId id="268" r:id="rId20"/>
+    <p:sldId id="269" r:id="rId21"/>
+    <p:sldId id="270" r:id="rId22"/>
+    <p:sldId id="271" r:id="rId23"/>
   </p:sldIdLst>
   <p:sldSz cx="12192000" cy="6858000"/>
   <p:notesSz cx="6858000" cy="9144000"/>
@@ -42,7 +43,7 @@
       <a:buFontTx/>
       <a:buNone/>
       <a:tabLst/>
-      <a:defRPr kumimoji="0" sz="1800" b="0" i="0" u="none" strike="noStrike" cap="none" spc="0" normalizeH="0" baseline="0">
+      <a:defRPr b="0" baseline="0" cap="none" i="0" spc="0" strike="noStrike" sz="1800" u="none" kumimoji="0" normalizeH="0">
         <a:ln>
           <a:noFill/>
         </a:ln>
@@ -68,7 +69,7 @@
       <a:buFontTx/>
       <a:buNone/>
       <a:tabLst/>
-      <a:defRPr kumimoji="0" sz="1800" b="0" i="0" u="none" strike="noStrike" cap="none" spc="0" normalizeH="0" baseline="0">
+      <a:defRPr b="0" baseline="0" cap="none" i="0" spc="0" strike="noStrike" sz="1800" u="none" kumimoji="0" normalizeH="0">
         <a:ln>
           <a:noFill/>
         </a:ln>
@@ -77,13 +78,13 @@
         </a:solidFill>
         <a:effectLst/>
         <a:uFillTx/>
-        <a:latin typeface="Arial"/>
-        <a:ea typeface="Arial"/>
-        <a:cs typeface="Arial"/>
-        <a:sym typeface="Arial"/>
+        <a:latin typeface="+mj-lt"/>
+        <a:ea typeface="+mj-ea"/>
+        <a:cs typeface="+mj-cs"/>
+        <a:sym typeface="Calibri"/>
       </a:defRPr>
     </a:lvl1pPr>
-    <a:lvl2pPr marL="0" marR="0" indent="457200" algn="l" defTabSz="914400" rtl="0" fontAlgn="auto" latinLnBrk="0" hangingPunct="0">
+    <a:lvl2pPr marL="0" marR="0" indent="0" algn="l" defTabSz="914400" rtl="0" fontAlgn="auto" latinLnBrk="0" hangingPunct="0">
       <a:lnSpc>
         <a:spcPct val="100000"/>
       </a:lnSpc>
@@ -98,7 +99,7 @@
       <a:buFontTx/>
       <a:buNone/>
       <a:tabLst/>
-      <a:defRPr kumimoji="0" sz="1800" b="0" i="0" u="none" strike="noStrike" cap="none" spc="0" normalizeH="0" baseline="0">
+      <a:defRPr b="0" baseline="0" cap="none" i="0" spc="0" strike="noStrike" sz="1800" u="none" kumimoji="0" normalizeH="0">
         <a:ln>
           <a:noFill/>
         </a:ln>
@@ -107,13 +108,13 @@
         </a:solidFill>
         <a:effectLst/>
         <a:uFillTx/>
-        <a:latin typeface="Arial"/>
-        <a:ea typeface="Arial"/>
-        <a:cs typeface="Arial"/>
-        <a:sym typeface="Arial"/>
+        <a:latin typeface="+mj-lt"/>
+        <a:ea typeface="+mj-ea"/>
+        <a:cs typeface="+mj-cs"/>
+        <a:sym typeface="Calibri"/>
       </a:defRPr>
     </a:lvl2pPr>
-    <a:lvl3pPr marL="0" marR="0" indent="914400" algn="l" defTabSz="914400" rtl="0" fontAlgn="auto" latinLnBrk="0" hangingPunct="0">
+    <a:lvl3pPr marL="0" marR="0" indent="0" algn="l" defTabSz="914400" rtl="0" fontAlgn="auto" latinLnBrk="0" hangingPunct="0">
       <a:lnSpc>
         <a:spcPct val="100000"/>
       </a:lnSpc>
@@ -128,7 +129,7 @@
       <a:buFontTx/>
       <a:buNone/>
       <a:tabLst/>
-      <a:defRPr kumimoji="0" sz="1800" b="0" i="0" u="none" strike="noStrike" cap="none" spc="0" normalizeH="0" baseline="0">
+      <a:defRPr b="0" baseline="0" cap="none" i="0" spc="0" strike="noStrike" sz="1800" u="none" kumimoji="0" normalizeH="0">
         <a:ln>
           <a:noFill/>
         </a:ln>
@@ -137,13 +138,13 @@
         </a:solidFill>
         <a:effectLst/>
         <a:uFillTx/>
-        <a:latin typeface="Arial"/>
-        <a:ea typeface="Arial"/>
-        <a:cs typeface="Arial"/>
-        <a:sym typeface="Arial"/>
+        <a:latin typeface="+mj-lt"/>
+        <a:ea typeface="+mj-ea"/>
+        <a:cs typeface="+mj-cs"/>
+        <a:sym typeface="Calibri"/>
       </a:defRPr>
     </a:lvl3pPr>
-    <a:lvl4pPr marL="0" marR="0" indent="1371600" algn="l" defTabSz="914400" rtl="0" fontAlgn="auto" latinLnBrk="0" hangingPunct="0">
+    <a:lvl4pPr marL="0" marR="0" indent="0" algn="l" defTabSz="914400" rtl="0" fontAlgn="auto" latinLnBrk="0" hangingPunct="0">
       <a:lnSpc>
         <a:spcPct val="100000"/>
       </a:lnSpc>
@@ -158,7 +159,7 @@
       <a:buFontTx/>
       <a:buNone/>
       <a:tabLst/>
-      <a:defRPr kumimoji="0" sz="1800" b="0" i="0" u="none" strike="noStrike" cap="none" spc="0" normalizeH="0" baseline="0">
+      <a:defRPr b="0" baseline="0" cap="none" i="0" spc="0" strike="noStrike" sz="1800" u="none" kumimoji="0" normalizeH="0">
         <a:ln>
           <a:noFill/>
         </a:ln>
@@ -167,13 +168,13 @@
         </a:solidFill>
         <a:effectLst/>
         <a:uFillTx/>
-        <a:latin typeface="Arial"/>
-        <a:ea typeface="Arial"/>
-        <a:cs typeface="Arial"/>
-        <a:sym typeface="Arial"/>
+        <a:latin typeface="+mj-lt"/>
+        <a:ea typeface="+mj-ea"/>
+        <a:cs typeface="+mj-cs"/>
+        <a:sym typeface="Calibri"/>
       </a:defRPr>
     </a:lvl4pPr>
-    <a:lvl5pPr marL="0" marR="0" indent="1828800" algn="l" defTabSz="914400" rtl="0" fontAlgn="auto" latinLnBrk="0" hangingPunct="0">
+    <a:lvl5pPr marL="0" marR="0" indent="0" algn="l" defTabSz="914400" rtl="0" fontAlgn="auto" latinLnBrk="0" hangingPunct="0">
       <a:lnSpc>
         <a:spcPct val="100000"/>
       </a:lnSpc>
@@ -188,7 +189,7 @@
       <a:buFontTx/>
       <a:buNone/>
       <a:tabLst/>
-      <a:defRPr kumimoji="0" sz="1800" b="0" i="0" u="none" strike="noStrike" cap="none" spc="0" normalizeH="0" baseline="0">
+      <a:defRPr b="0" baseline="0" cap="none" i="0" spc="0" strike="noStrike" sz="1800" u="none" kumimoji="0" normalizeH="0">
         <a:ln>
           <a:noFill/>
         </a:ln>
@@ -197,13 +198,13 @@
         </a:solidFill>
         <a:effectLst/>
         <a:uFillTx/>
-        <a:latin typeface="Arial"/>
-        <a:ea typeface="Arial"/>
-        <a:cs typeface="Arial"/>
-        <a:sym typeface="Arial"/>
+        <a:latin typeface="+mj-lt"/>
+        <a:ea typeface="+mj-ea"/>
+        <a:cs typeface="+mj-cs"/>
+        <a:sym typeface="Calibri"/>
       </a:defRPr>
     </a:lvl5pPr>
-    <a:lvl6pPr marL="0" marR="0" indent="2286000" algn="l" defTabSz="914400" rtl="0" fontAlgn="auto" latinLnBrk="0" hangingPunct="0">
+    <a:lvl6pPr marL="0" marR="0" indent="0" algn="l" defTabSz="914400" rtl="0" fontAlgn="auto" latinLnBrk="0" hangingPunct="0">
       <a:lnSpc>
         <a:spcPct val="100000"/>
       </a:lnSpc>
@@ -218,7 +219,7 @@
       <a:buFontTx/>
       <a:buNone/>
       <a:tabLst/>
-      <a:defRPr kumimoji="0" sz="1800" b="0" i="0" u="none" strike="noStrike" cap="none" spc="0" normalizeH="0" baseline="0">
+      <a:defRPr b="0" baseline="0" cap="none" i="0" spc="0" strike="noStrike" sz="1800" u="none" kumimoji="0" normalizeH="0">
         <a:ln>
           <a:noFill/>
         </a:ln>
@@ -227,13 +228,13 @@
         </a:solidFill>
         <a:effectLst/>
         <a:uFillTx/>
-        <a:latin typeface="Arial"/>
-        <a:ea typeface="Arial"/>
-        <a:cs typeface="Arial"/>
-        <a:sym typeface="Arial"/>
+        <a:latin typeface="+mj-lt"/>
+        <a:ea typeface="+mj-ea"/>
+        <a:cs typeface="+mj-cs"/>
+        <a:sym typeface="Calibri"/>
       </a:defRPr>
     </a:lvl6pPr>
-    <a:lvl7pPr marL="0" marR="0" indent="2743200" algn="l" defTabSz="914400" rtl="0" fontAlgn="auto" latinLnBrk="0" hangingPunct="0">
+    <a:lvl7pPr marL="0" marR="0" indent="0" algn="l" defTabSz="914400" rtl="0" fontAlgn="auto" latinLnBrk="0" hangingPunct="0">
       <a:lnSpc>
         <a:spcPct val="100000"/>
       </a:lnSpc>
@@ -248,7 +249,7 @@
       <a:buFontTx/>
       <a:buNone/>
       <a:tabLst/>
-      <a:defRPr kumimoji="0" sz="1800" b="0" i="0" u="none" strike="noStrike" cap="none" spc="0" normalizeH="0" baseline="0">
+      <a:defRPr b="0" baseline="0" cap="none" i="0" spc="0" strike="noStrike" sz="1800" u="none" kumimoji="0" normalizeH="0">
         <a:ln>
           <a:noFill/>
         </a:ln>
@@ -257,13 +258,13 @@
         </a:solidFill>
         <a:effectLst/>
         <a:uFillTx/>
-        <a:latin typeface="Arial"/>
-        <a:ea typeface="Arial"/>
-        <a:cs typeface="Arial"/>
-        <a:sym typeface="Arial"/>
+        <a:latin typeface="+mj-lt"/>
+        <a:ea typeface="+mj-ea"/>
+        <a:cs typeface="+mj-cs"/>
+        <a:sym typeface="Calibri"/>
       </a:defRPr>
     </a:lvl7pPr>
-    <a:lvl8pPr marL="0" marR="0" indent="3200400" algn="l" defTabSz="914400" rtl="0" fontAlgn="auto" latinLnBrk="0" hangingPunct="0">
+    <a:lvl8pPr marL="0" marR="0" indent="0" algn="l" defTabSz="914400" rtl="0" fontAlgn="auto" latinLnBrk="0" hangingPunct="0">
       <a:lnSpc>
         <a:spcPct val="100000"/>
       </a:lnSpc>
@@ -278,7 +279,7 @@
       <a:buFontTx/>
       <a:buNone/>
       <a:tabLst/>
-      <a:defRPr kumimoji="0" sz="1800" b="0" i="0" u="none" strike="noStrike" cap="none" spc="0" normalizeH="0" baseline="0">
+      <a:defRPr b="0" baseline="0" cap="none" i="0" spc="0" strike="noStrike" sz="1800" u="none" kumimoji="0" normalizeH="0">
         <a:ln>
           <a:noFill/>
         </a:ln>
@@ -287,13 +288,13 @@
         </a:solidFill>
         <a:effectLst/>
         <a:uFillTx/>
-        <a:latin typeface="Arial"/>
-        <a:ea typeface="Arial"/>
-        <a:cs typeface="Arial"/>
-        <a:sym typeface="Arial"/>
+        <a:latin typeface="+mj-lt"/>
+        <a:ea typeface="+mj-ea"/>
+        <a:cs typeface="+mj-cs"/>
+        <a:sym typeface="Calibri"/>
       </a:defRPr>
     </a:lvl8pPr>
-    <a:lvl9pPr marL="0" marR="0" indent="3657600" algn="l" defTabSz="914400" rtl="0" fontAlgn="auto" latinLnBrk="0" hangingPunct="0">
+    <a:lvl9pPr marL="0" marR="0" indent="0" algn="l" defTabSz="914400" rtl="0" fontAlgn="auto" latinLnBrk="0" hangingPunct="0">
       <a:lnSpc>
         <a:spcPct val="100000"/>
       </a:lnSpc>
@@ -308,7 +309,7 @@
       <a:buFontTx/>
       <a:buNone/>
       <a:tabLst/>
-      <a:defRPr kumimoji="0" sz="1800" b="0" i="0" u="none" strike="noStrike" cap="none" spc="0" normalizeH="0" baseline="0">
+      <a:defRPr b="0" baseline="0" cap="none" i="0" spc="0" strike="noStrike" sz="1800" u="none" kumimoji="0" normalizeH="0">
         <a:ln>
           <a:noFill/>
         </a:ln>
@@ -317,29 +318,23 @@
         </a:solidFill>
         <a:effectLst/>
         <a:uFillTx/>
-        <a:latin typeface="Arial"/>
-        <a:ea typeface="Arial"/>
-        <a:cs typeface="Arial"/>
-        <a:sym typeface="Arial"/>
+        <a:latin typeface="+mj-lt"/>
+        <a:ea typeface="+mj-ea"/>
+        <a:cs typeface="+mj-cs"/>
+        <a:sym typeface="Calibri"/>
       </a:defRPr>
     </a:lvl9pPr>
   </p:defaultTextStyle>
-  <p:extLst>
-    <p:ext uri="{EFAFB233-063F-42B5-8137-9DF3F51BA10A}">
-      <p15:sldGuideLst xmlns:p15="http://schemas.microsoft.com/office/powerpoint/2012/main"/>
-    </p:ext>
-  </p:extLst>
 </p:presentation>
 </file>
 
+<file path=ppt/commentAuthors.xml><?xml version="1.0" encoding="utf-8"?>
+<p:cmAuthorLst xmlns:a="http://schemas.openxmlformats.org/drawingml/2006/main" xmlns:r="http://schemas.openxmlformats.org/officeDocument/2006/relationships" xmlns:p="http://schemas.openxmlformats.org/presentationml/2006/main" xmlns:m="http://schemas.openxmlformats.org/officeDocument/2006/math" xmlns:a14="http://schemas.microsoft.com/office/drawing/2010/main"/>
+</file>
+
 <file path=ppt/notesMasters/notesMaster1.xml><?xml version="1.0" encoding="utf-8"?>
-<p:notesMaster xmlns:a="http://schemas.openxmlformats.org/drawingml/2006/main" xmlns:r="http://schemas.openxmlformats.org/officeDocument/2006/relationships" xmlns:p="http://schemas.openxmlformats.org/presentationml/2006/main">
+<p:notesMaster xmlns:a="http://schemas.openxmlformats.org/drawingml/2006/main" xmlns:r="http://schemas.openxmlformats.org/officeDocument/2006/relationships" xmlns:p="http://schemas.openxmlformats.org/presentationml/2006/main" xmlns:m="http://schemas.openxmlformats.org/officeDocument/2006/math" xmlns:a14="http://schemas.microsoft.com/office/drawing/2010/main">
   <p:cSld>
-    <p:bg>
-      <p:bgRef idx="1001">
-        <a:schemeClr val="bg1"/>
-      </p:bgRef>
-    </p:bg>
     <p:spTree>
       <p:nvGrpSpPr>
         <p:cNvPr id="1" name=""/>
@@ -356,10 +351,8 @@
       </p:grpSpPr>
       <p:sp>
         <p:nvSpPr>
-          <p:cNvPr id="126" name="Shape 126"/>
-          <p:cNvSpPr>
-            <a:spLocks noGrp="1" noRot="1" noChangeAspect="1"/>
-          </p:cNvSpPr>
+          <p:cNvPr id="115" name="Shape 115"/>
+          <p:cNvSpPr/>
           <p:nvPr>
             <p:ph type="sldImg"/>
           </p:nvPr>
@@ -377,16 +370,14 @@
           <a:bodyPr/>
           <a:lstStyle/>
           <a:p>
-            <a:endParaRPr/>
+            <a:pPr/>
           </a:p>
         </p:txBody>
       </p:sp>
       <p:sp>
         <p:nvSpPr>
-          <p:cNvPr id="127" name="Shape 127"/>
-          <p:cNvSpPr>
-            <a:spLocks noGrp="1"/>
-          </p:cNvSpPr>
+          <p:cNvPr id="116" name="Shape 116"/>
+          <p:cNvSpPr/>
           <p:nvPr>
             <p:ph type="body" sz="quarter" idx="1"/>
           </p:nvPr>
@@ -404,7 +395,7 @@
           <a:bodyPr/>
           <a:lstStyle/>
           <a:p>
-            <a:endParaRPr/>
+            <a:pPr/>
           </a:p>
         </p:txBody>
       </p:sp>
@@ -414,73 +405,73 @@
   <p:notesStyle>
     <a:lvl1pPr latinLnBrk="0">
       <a:defRPr sz="1200">
-        <a:latin typeface="+mn-lt"/>
-        <a:ea typeface="+mn-ea"/>
-        <a:cs typeface="+mn-cs"/>
+        <a:latin typeface="+mj-lt"/>
+        <a:ea typeface="+mj-ea"/>
+        <a:cs typeface="+mj-cs"/>
         <a:sym typeface="Calibri"/>
       </a:defRPr>
     </a:lvl1pPr>
     <a:lvl2pPr indent="228600" latinLnBrk="0">
       <a:defRPr sz="1200">
-        <a:latin typeface="+mn-lt"/>
-        <a:ea typeface="+mn-ea"/>
-        <a:cs typeface="+mn-cs"/>
+        <a:latin typeface="+mj-lt"/>
+        <a:ea typeface="+mj-ea"/>
+        <a:cs typeface="+mj-cs"/>
         <a:sym typeface="Calibri"/>
       </a:defRPr>
     </a:lvl2pPr>
     <a:lvl3pPr indent="457200" latinLnBrk="0">
       <a:defRPr sz="1200">
-        <a:latin typeface="+mn-lt"/>
-        <a:ea typeface="+mn-ea"/>
-        <a:cs typeface="+mn-cs"/>
+        <a:latin typeface="+mj-lt"/>
+        <a:ea typeface="+mj-ea"/>
+        <a:cs typeface="+mj-cs"/>
         <a:sym typeface="Calibri"/>
       </a:defRPr>
     </a:lvl3pPr>
     <a:lvl4pPr indent="685800" latinLnBrk="0">
       <a:defRPr sz="1200">
-        <a:latin typeface="+mn-lt"/>
-        <a:ea typeface="+mn-ea"/>
-        <a:cs typeface="+mn-cs"/>
+        <a:latin typeface="+mj-lt"/>
+        <a:ea typeface="+mj-ea"/>
+        <a:cs typeface="+mj-cs"/>
         <a:sym typeface="Calibri"/>
       </a:defRPr>
     </a:lvl4pPr>
     <a:lvl5pPr indent="914400" latinLnBrk="0">
       <a:defRPr sz="1200">
-        <a:latin typeface="+mn-lt"/>
-        <a:ea typeface="+mn-ea"/>
-        <a:cs typeface="+mn-cs"/>
+        <a:latin typeface="+mj-lt"/>
+        <a:ea typeface="+mj-ea"/>
+        <a:cs typeface="+mj-cs"/>
         <a:sym typeface="Calibri"/>
       </a:defRPr>
     </a:lvl5pPr>
     <a:lvl6pPr indent="1143000" latinLnBrk="0">
       <a:defRPr sz="1200">
-        <a:latin typeface="+mn-lt"/>
-        <a:ea typeface="+mn-ea"/>
-        <a:cs typeface="+mn-cs"/>
+        <a:latin typeface="+mj-lt"/>
+        <a:ea typeface="+mj-ea"/>
+        <a:cs typeface="+mj-cs"/>
         <a:sym typeface="Calibri"/>
       </a:defRPr>
     </a:lvl6pPr>
     <a:lvl7pPr indent="1371600" latinLnBrk="0">
       <a:defRPr sz="1200">
-        <a:latin typeface="+mn-lt"/>
-        <a:ea typeface="+mn-ea"/>
-        <a:cs typeface="+mn-cs"/>
+        <a:latin typeface="+mj-lt"/>
+        <a:ea typeface="+mj-ea"/>
+        <a:cs typeface="+mj-cs"/>
         <a:sym typeface="Calibri"/>
       </a:defRPr>
     </a:lvl7pPr>
     <a:lvl8pPr indent="1600200" latinLnBrk="0">
       <a:defRPr sz="1200">
-        <a:latin typeface="+mn-lt"/>
-        <a:ea typeface="+mn-ea"/>
-        <a:cs typeface="+mn-cs"/>
+        <a:latin typeface="+mj-lt"/>
+        <a:ea typeface="+mj-ea"/>
+        <a:cs typeface="+mj-cs"/>
         <a:sym typeface="Calibri"/>
       </a:defRPr>
     </a:lvl8pPr>
     <a:lvl9pPr indent="1828800" latinLnBrk="0">
       <a:defRPr sz="1200">
-        <a:latin typeface="+mn-lt"/>
-        <a:ea typeface="+mn-ea"/>
-        <a:cs typeface="+mn-cs"/>
+        <a:latin typeface="+mj-lt"/>
+        <a:ea typeface="+mj-ea"/>
+        <a:cs typeface="+mj-cs"/>
         <a:sym typeface="Calibri"/>
       </a:defRPr>
     </a:lvl9pPr>
@@ -489,14 +480,133 @@
 </file>
 
 <file path=ppt/slideLayouts/slideLayout1.xml><?xml version="1.0" encoding="utf-8"?>
-<p:sldLayout xmlns:a="http://schemas.openxmlformats.org/drawingml/2006/main" xmlns:r="http://schemas.openxmlformats.org/officeDocument/2006/relationships" xmlns:p="http://schemas.openxmlformats.org/presentationml/2006/main" showMasterSp="0" type="title">
+<p:sldLayout xmlns:a="http://schemas.openxmlformats.org/drawingml/2006/main" xmlns:r="http://schemas.openxmlformats.org/officeDocument/2006/relationships" xmlns:p="http://schemas.openxmlformats.org/presentationml/2006/main" xmlns:m="http://schemas.openxmlformats.org/officeDocument/2006/math" xmlns:a14="http://schemas.microsoft.com/office/drawing/2010/main" type="title" showMasterSp="1" showMasterPhAnim="1">
   <p:cSld name="Title slide">
+    <p:spTree>
+      <p:nvGrpSpPr>
+        <p:cNvPr id="1" name=""/>
+        <p:cNvGrpSpPr/>
+        <p:nvPr/>
+      </p:nvGrpSpPr>
+      <p:grpSpPr>
+        <a:xfrm>
+          <a:off x="0" y="0"/>
+          <a:ext cx="0" cy="0"/>
+          <a:chOff x="0" y="0"/>
+          <a:chExt cx="0" cy="0"/>
+        </a:xfrm>
+      </p:grpSpPr>
+      <p:sp>
+        <p:nvSpPr>
+          <p:cNvPr id="15" name="标题文本"/>
+          <p:cNvSpPr txBox="1"/>
+          <p:nvPr>
+            <p:ph type="title"/>
+          </p:nvPr>
+        </p:nvSpPr>
+        <p:spPr>
+          <a:prstGeom prst="rect">
+            <a:avLst/>
+          </a:prstGeom>
+        </p:spPr>
+        <p:txBody>
+          <a:bodyPr/>
+          <a:lstStyle/>
+          <a:p>
+            <a:pPr/>
+            <a:r>
+              <a:t>标题文本</a:t>
+            </a:r>
+          </a:p>
+        </p:txBody>
+      </p:sp>
+      <p:sp>
+        <p:nvSpPr>
+          <p:cNvPr id="16" name="正文级别 1…"/>
+          <p:cNvSpPr txBox="1"/>
+          <p:nvPr>
+            <p:ph type="body" sz="quarter" idx="1"/>
+          </p:nvPr>
+        </p:nvSpPr>
+        <p:spPr>
+          <a:prstGeom prst="rect">
+            <a:avLst/>
+          </a:prstGeom>
+        </p:spPr>
+        <p:txBody>
+          <a:bodyPr/>
+          <a:lstStyle/>
+          <a:p>
+            <a:pPr/>
+            <a:r>
+              <a:t>正文级别 1</a:t>
+            </a:r>
+          </a:p>
+          <a:p>
+            <a:pPr lvl="1"/>
+            <a:r>
+              <a:t>正文级别 2</a:t>
+            </a:r>
+          </a:p>
+          <a:p>
+            <a:pPr lvl="2"/>
+            <a:r>
+              <a:t>正文级别 3</a:t>
+            </a:r>
+          </a:p>
+          <a:p>
+            <a:pPr lvl="3"/>
+            <a:r>
+              <a:t>正文级别 4</a:t>
+            </a:r>
+          </a:p>
+          <a:p>
+            <a:pPr lvl="4"/>
+            <a:r>
+              <a:t>正文级别 5</a:t>
+            </a:r>
+          </a:p>
+        </p:txBody>
+      </p:sp>
+      <p:sp>
+        <p:nvSpPr>
+          <p:cNvPr id="17" name="幻灯片编号"/>
+          <p:cNvSpPr txBox="1"/>
+          <p:nvPr>
+            <p:ph type="sldNum" sz="quarter" idx="2"/>
+          </p:nvPr>
+        </p:nvSpPr>
+        <p:spPr>
+          <a:prstGeom prst="rect">
+            <a:avLst/>
+          </a:prstGeom>
+        </p:spPr>
+        <p:txBody>
+          <a:bodyPr/>
+          <a:lstStyle/>
+          <a:p>
+            <a:pPr/>
+            <a:fld id="{86CB4B4D-7CA3-9044-876B-883B54F8677D}" type="slidenum"/>
+          </a:p>
+        </p:txBody>
+      </p:sp>
+    </p:spTree>
+  </p:cSld>
+  <p:clrMapOvr>
+    <a:masterClrMapping/>
+  </p:clrMapOvr>
+  <p:transition xmlns:p14="http://schemas.microsoft.com/office/powerpoint/2010/main" spd="med" advClick="1"/>
+</p:sldLayout>
+</file>
+
+<file path=ppt/slideLayouts/slideLayout2.xml><?xml version="1.0" encoding="utf-8"?>
+<p:sldLayout xmlns:a="http://schemas.openxmlformats.org/drawingml/2006/main" xmlns:r="http://schemas.openxmlformats.org/officeDocument/2006/relationships" xmlns:p="http://schemas.openxmlformats.org/presentationml/2006/main" xmlns:m="http://schemas.openxmlformats.org/officeDocument/2006/math" xmlns:a14="http://schemas.microsoft.com/office/drawing/2010/main" type="tx" showMasterSp="0" showMasterPhAnim="1">
+  <p:cSld name="Title and body">
     <p:bg>
       <p:bgPr>
         <a:solidFill>
-          <a:srgbClr val="E9EDEE"/>
+          <a:srgbClr val="FFFFFF"/>
         </a:solidFill>
-        <a:effectLst/>
       </p:bgPr>
     </p:bg>
     <p:spTree>
@@ -515,60 +625,64 @@
       </p:grpSpPr>
       <p:sp>
         <p:nvSpPr>
-          <p:cNvPr id="15" name="Google Shape;10;p2"/>
+          <p:cNvPr id="24" name="Google Shape;41;p6"/>
           <p:cNvSpPr/>
           <p:nvPr/>
         </p:nvSpPr>
         <p:spPr>
           <a:xfrm>
-            <a:off x="0" y="-1"/>
-            <a:ext cx="12192000" cy="650402"/>
+            <a:off x="0" y="-2"/>
+            <a:ext cx="12192000" cy="650404"/>
           </a:xfrm>
           <a:prstGeom prst="rect">
             <a:avLst/>
           </a:prstGeom>
           <a:solidFill>
-            <a:srgbClr val="FFFFFF"/>
+            <a:srgbClr val="E9EDEE"/>
           </a:solidFill>
           <a:ln w="12700">
             <a:miter lim="400000"/>
           </a:ln>
         </p:spPr>
         <p:txBody>
-          <a:bodyPr lIns="45719" rIns="45719" anchor="ctr"/>
+          <a:bodyPr lIns="45718" tIns="45718" rIns="45718" bIns="45718" anchor="ctr"/>
           <a:lstStyle/>
           <a:p>
             <a:pPr>
-              <a:defRPr sz="2400"/>
+              <a:defRPr sz="2400">
+                <a:latin typeface="Arial"/>
+                <a:ea typeface="Arial"/>
+                <a:cs typeface="Arial"/>
+                <a:sym typeface="Arial"/>
+              </a:defRPr>
             </a:pPr>
-            <a:endParaRPr/>
           </a:p>
         </p:txBody>
       </p:sp>
       <p:grpSp>
         <p:nvGrpSpPr>
-          <p:cNvPr id="18" name="Google Shape;11;p2"/>
+          <p:cNvPr id="27" name="Google Shape;42;p6"/>
           <p:cNvGrpSpPr/>
           <p:nvPr/>
         </p:nvGrpSpPr>
         <p:grpSpPr>
           <a:xfrm>
-            <a:off x="1107190" y="1588342"/>
-            <a:ext cx="994351" cy="61102"/>
+            <a:off x="1107189" y="1588341"/>
+            <a:ext cx="994353" cy="61104"/>
             <a:chOff x="0" y="0"/>
-            <a:chExt cx="994350" cy="61101"/>
+            <a:chExt cx="994351" cy="61103"/>
           </a:xfrm>
         </p:grpSpPr>
         <p:sp>
           <p:nvSpPr>
-            <p:cNvPr id="16" name="Google Shape;12;p2"/>
+            <p:cNvPr id="25" name="Google Shape;43;p6"/>
             <p:cNvSpPr/>
             <p:nvPr/>
           </p:nvSpPr>
           <p:spPr>
             <a:xfrm rot="16200000">
               <a:off x="715227" y="-218022"/>
-              <a:ext cx="61102" cy="497145"/>
+              <a:ext cx="61104" cy="497146"/>
             </a:xfrm>
             <a:prstGeom prst="rect">
               <a:avLst/>
@@ -583,28 +697,32 @@
             <a:effectLst/>
           </p:spPr>
           <p:txBody>
-            <a:bodyPr wrap="square" lIns="45719" tIns="45719" rIns="45719" bIns="45719" numCol="1" anchor="ctr">
+            <a:bodyPr wrap="square" lIns="45718" tIns="45718" rIns="45718" bIns="45718" numCol="1" anchor="ctr">
               <a:noAutofit/>
             </a:bodyPr>
             <a:lstStyle/>
             <a:p>
               <a:pPr>
-                <a:defRPr sz="2400"/>
+                <a:defRPr sz="2400">
+                  <a:latin typeface="Arial"/>
+                  <a:ea typeface="Arial"/>
+                  <a:cs typeface="Arial"/>
+                  <a:sym typeface="Arial"/>
+                </a:defRPr>
               </a:pPr>
-              <a:endParaRPr/>
             </a:p>
           </p:txBody>
         </p:sp>
         <p:sp>
           <p:nvSpPr>
-            <p:cNvPr id="17" name="Google Shape;13;p2"/>
+            <p:cNvPr id="26" name="Google Shape;44;p6"/>
             <p:cNvSpPr/>
             <p:nvPr/>
           </p:nvSpPr>
           <p:spPr>
             <a:xfrm rot="16200000">
-              <a:off x="220124" y="-220125"/>
-              <a:ext cx="61102" cy="501351"/>
+              <a:off x="220123" y="-220125"/>
+              <a:ext cx="61104" cy="501352"/>
             </a:xfrm>
             <a:prstGeom prst="rect">
               <a:avLst/>
@@ -619,33 +737,35 @@
             <a:effectLst/>
           </p:spPr>
           <p:txBody>
-            <a:bodyPr wrap="square" lIns="45719" tIns="45719" rIns="45719" bIns="45719" numCol="1" anchor="ctr">
+            <a:bodyPr wrap="square" lIns="45718" tIns="45718" rIns="45718" bIns="45718" numCol="1" anchor="ctr">
               <a:noAutofit/>
             </a:bodyPr>
             <a:lstStyle/>
             <a:p>
               <a:pPr>
-                <a:defRPr sz="2400"/>
+                <a:defRPr sz="2400">
+                  <a:latin typeface="Arial"/>
+                  <a:ea typeface="Arial"/>
+                  <a:cs typeface="Arial"/>
+                  <a:sym typeface="Arial"/>
+                </a:defRPr>
               </a:pPr>
-              <a:endParaRPr/>
             </a:p>
           </p:txBody>
         </p:sp>
       </p:grpSp>
       <p:sp>
         <p:nvSpPr>
-          <p:cNvPr id="19" name="标题文本"/>
-          <p:cNvSpPr txBox="1">
-            <a:spLocks noGrp="1"/>
-          </p:cNvSpPr>
+          <p:cNvPr id="28" name="标题文本"/>
+          <p:cNvSpPr txBox="1"/>
           <p:nvPr>
             <p:ph type="title"/>
           </p:nvPr>
         </p:nvSpPr>
         <p:spPr>
           <a:xfrm>
-            <a:off x="972600" y="1763266"/>
-            <a:ext cx="10250800" cy="2219601"/>
+            <a:off x="972600" y="1758200"/>
+            <a:ext cx="10251600" cy="713602"/>
           </a:xfrm>
           <a:prstGeom prst="rect">
             <a:avLst/>
@@ -655,10 +775,11 @@
           <a:bodyPr/>
           <a:lstStyle>
             <a:lvl1pPr>
-              <a:defRPr sz="5600"/>
+              <a:defRPr sz="3400"/>
             </a:lvl1pPr>
           </a:lstStyle>
           <a:p>
+            <a:pPr/>
             <a:r>
               <a:t>标题文本</a:t>
             </a:r>
@@ -667,18 +788,16 @@
       </p:sp>
       <p:sp>
         <p:nvSpPr>
-          <p:cNvPr id="20" name="正文级别 1…"/>
-          <p:cNvSpPr txBox="1">
-            <a:spLocks noGrp="1"/>
-          </p:cNvSpPr>
+          <p:cNvPr id="29" name="正文级别 1…"/>
+          <p:cNvSpPr txBox="1"/>
           <p:nvPr>
-            <p:ph type="body" sz="quarter" idx="1"/>
+            <p:ph type="body" sz="half" idx="1"/>
           </p:nvPr>
         </p:nvSpPr>
         <p:spPr>
           <a:xfrm>
-            <a:off x="972835" y="4230532"/>
-            <a:ext cx="10250801" cy="721601"/>
+            <a:off x="972600" y="2771831"/>
+            <a:ext cx="10251600" cy="3014803"/>
           </a:xfrm>
           <a:prstGeom prst="rect">
             <a:avLst/>
@@ -687,58 +806,69 @@
         <p:txBody>
           <a:bodyPr/>
           <a:lstStyle>
-            <a:lvl1pPr marL="311150" indent="-165100">
+            <a:lvl1pPr marL="609584" indent="-414855">
               <a:lnSpc>
-                <a:spcPct val="100000"/>
+                <a:spcPct val="115000"/>
               </a:lnSpc>
-              <a:buClrTx/>
-              <a:buSzTx/>
-              <a:buFontTx/>
-              <a:buNone/>
-              <a:defRPr sz="2100"/>
+              <a:buClr>
+                <a:schemeClr val="accent1"/>
+              </a:buClr>
+              <a:buSzPts val="1300"/>
+              <a:buFont typeface="Helvetica"/>
+              <a:buChar char="●"/>
+              <a:defRPr sz="1300"/>
             </a:lvl1pPr>
-            <a:lvl2pPr marL="311150" indent="304800">
+            <a:lvl2pPr marL="1291519" indent="-470272">
               <a:lnSpc>
-                <a:spcPct val="100000"/>
+                <a:spcPct val="115000"/>
               </a:lnSpc>
-              <a:buClrTx/>
-              <a:buSzTx/>
-              <a:buFontTx/>
-              <a:buNone/>
-              <a:defRPr sz="2100"/>
+              <a:buClr>
+                <a:schemeClr val="accent1"/>
+              </a:buClr>
+              <a:buSzPts val="1300"/>
+              <a:buFont typeface="Helvetica"/>
+              <a:buChar char="○"/>
+              <a:defRPr sz="1300"/>
             </a:lvl2pPr>
-            <a:lvl3pPr marL="311150" indent="762000">
+            <a:lvl3pPr marL="1901102" indent="-470272">
               <a:lnSpc>
-                <a:spcPct val="100000"/>
+                <a:spcPct val="115000"/>
               </a:lnSpc>
-              <a:buClrTx/>
-              <a:buSzTx/>
-              <a:buFontTx/>
-              <a:buNone/>
-              <a:defRPr sz="2100"/>
+              <a:buClr>
+                <a:schemeClr val="accent1"/>
+              </a:buClr>
+              <a:buSzPts val="1300"/>
+              <a:buFont typeface="Helvetica"/>
+              <a:buChar char="■"/>
+              <a:defRPr sz="1300"/>
             </a:lvl3pPr>
-            <a:lvl4pPr marL="311150" indent="1219200">
+            <a:lvl4pPr marL="2510688" indent="-470272">
               <a:lnSpc>
-                <a:spcPct val="100000"/>
+                <a:spcPct val="115000"/>
               </a:lnSpc>
-              <a:buClrTx/>
-              <a:buSzTx/>
-              <a:buFontTx/>
-              <a:buNone/>
-              <a:defRPr sz="2100"/>
+              <a:buClr>
+                <a:schemeClr val="accent1"/>
+              </a:buClr>
+              <a:buSzPts val="1300"/>
+              <a:buFont typeface="Helvetica"/>
+              <a:buChar char="●"/>
+              <a:defRPr sz="1300"/>
             </a:lvl4pPr>
-            <a:lvl5pPr marL="311150" indent="1676400">
+            <a:lvl5pPr marL="3120272" indent="-470272">
               <a:lnSpc>
-                <a:spcPct val="100000"/>
+                <a:spcPct val="115000"/>
               </a:lnSpc>
-              <a:buClrTx/>
-              <a:buSzTx/>
-              <a:buFontTx/>
-              <a:buNone/>
-              <a:defRPr sz="2100"/>
+              <a:buClr>
+                <a:schemeClr val="accent1"/>
+              </a:buClr>
+              <a:buSzPts val="1300"/>
+              <a:buFont typeface="Helvetica"/>
+              <a:buChar char="○"/>
+              <a:defRPr sz="1300"/>
             </a:lvl5pPr>
           </a:lstStyle>
           <a:p>
+            <a:pPr/>
             <a:r>
               <a:t>正文级别 1</a:t>
             </a:r>
@@ -771,10 +901,8 @@
       </p:sp>
       <p:sp>
         <p:nvSpPr>
-          <p:cNvPr id="21" name="幻灯片编号"/>
-          <p:cNvSpPr txBox="1">
-            <a:spLocks noGrp="1"/>
-          </p:cNvSpPr>
+          <p:cNvPr id="30" name="幻灯片编号"/>
+          <p:cNvSpPr txBox="1"/>
           <p:nvPr>
             <p:ph type="sldNum" sz="quarter" idx="2"/>
           </p:nvPr>
@@ -788,10 +916,8 @@
           <a:bodyPr/>
           <a:lstStyle/>
           <a:p>
-            <a:fld id="{86CB4B4D-7CA3-9044-876B-883B54F8677D}" type="slidenum">
-              <a:t>‹#›</a:t>
-            </a:fld>
-            <a:endParaRPr/>
+            <a:pPr/>
+            <a:fld id="{86CB4B4D-7CA3-9044-876B-883B54F8677D}" type="slidenum"/>
           </a:p>
         </p:txBody>
       </p:sp>
@@ -800,13 +926,20 @@
   <p:clrMapOvr>
     <a:masterClrMapping/>
   </p:clrMapOvr>
-  <p:transition spd="med"/>
+  <p:transition xmlns:p14="http://schemas.microsoft.com/office/powerpoint/2010/main" spd="med" advClick="1"/>
 </p:sldLayout>
 </file>
 
-<file path=ppt/slideLayouts/slideLayout10.xml><?xml version="1.0" encoding="utf-8"?>
-<p:sldLayout xmlns:a="http://schemas.openxmlformats.org/drawingml/2006/main" xmlns:r="http://schemas.openxmlformats.org/officeDocument/2006/relationships" xmlns:p="http://schemas.openxmlformats.org/presentationml/2006/main" showMasterSp="0" type="tx">
-  <p:cSld name="Blank">
+<file path=ppt/slideLayouts/slideLayout3.xml><?xml version="1.0" encoding="utf-8"?>
+<p:sldLayout xmlns:a="http://schemas.openxmlformats.org/drawingml/2006/main" xmlns:r="http://schemas.openxmlformats.org/officeDocument/2006/relationships" xmlns:p="http://schemas.openxmlformats.org/presentationml/2006/main" xmlns:m="http://schemas.openxmlformats.org/officeDocument/2006/math" xmlns:a14="http://schemas.microsoft.com/office/drawing/2010/main" type="tx" showMasterSp="0" showMasterPhAnim="1">
+  <p:cSld name="Title and two columns">
+    <p:bg>
+      <p:bgPr>
+        <a:solidFill>
+          <a:srgbClr val="FFFFFF"/>
+        </a:solidFill>
+      </p:bgPr>
+    </p:bg>
     <p:spTree>
       <p:nvGrpSpPr>
         <p:cNvPr id="1" name=""/>
@@ -823,10 +956,320 @@
       </p:grpSpPr>
       <p:sp>
         <p:nvSpPr>
-          <p:cNvPr id="120" name="幻灯片编号"/>
-          <p:cNvSpPr txBox="1">
-            <a:spLocks noGrp="1"/>
-          </p:cNvSpPr>
+          <p:cNvPr id="37" name="Google Shape;41;p6"/>
+          <p:cNvSpPr/>
+          <p:nvPr/>
+        </p:nvSpPr>
+        <p:spPr>
+          <a:xfrm>
+            <a:off x="0" y="-2"/>
+            <a:ext cx="12192000" cy="650404"/>
+          </a:xfrm>
+          <a:prstGeom prst="rect">
+            <a:avLst/>
+          </a:prstGeom>
+          <a:solidFill>
+            <a:srgbClr val="E9EDEE"/>
+          </a:solidFill>
+          <a:ln w="12700">
+            <a:miter lim="400000"/>
+          </a:ln>
+        </p:spPr>
+        <p:txBody>
+          <a:bodyPr lIns="45718" tIns="45718" rIns="45718" bIns="45718" anchor="ctr"/>
+          <a:lstStyle/>
+          <a:p>
+            <a:pPr>
+              <a:defRPr sz="2400">
+                <a:latin typeface="Arial"/>
+                <a:ea typeface="Arial"/>
+                <a:cs typeface="Arial"/>
+                <a:sym typeface="Arial"/>
+              </a:defRPr>
+            </a:pPr>
+          </a:p>
+        </p:txBody>
+      </p:sp>
+      <p:grpSp>
+        <p:nvGrpSpPr>
+          <p:cNvPr id="40" name="Google Shape;42;p6"/>
+          <p:cNvGrpSpPr/>
+          <p:nvPr/>
+        </p:nvGrpSpPr>
+        <p:grpSpPr>
+          <a:xfrm>
+            <a:off x="1107189" y="1588341"/>
+            <a:ext cx="994353" cy="61104"/>
+            <a:chOff x="0" y="0"/>
+            <a:chExt cx="994351" cy="61103"/>
+          </a:xfrm>
+        </p:grpSpPr>
+        <p:sp>
+          <p:nvSpPr>
+            <p:cNvPr id="38" name="Google Shape;43;p6"/>
+            <p:cNvSpPr/>
+            <p:nvPr/>
+          </p:nvSpPr>
+          <p:spPr>
+            <a:xfrm rot="16200000">
+              <a:off x="715227" y="-218022"/>
+              <a:ext cx="61104" cy="497146"/>
+            </a:xfrm>
+            <a:prstGeom prst="rect">
+              <a:avLst/>
+            </a:prstGeom>
+            <a:solidFill>
+              <a:schemeClr val="accent3"/>
+            </a:solidFill>
+            <a:ln w="12700" cap="flat">
+              <a:noFill/>
+              <a:miter lim="400000"/>
+            </a:ln>
+            <a:effectLst/>
+          </p:spPr>
+          <p:txBody>
+            <a:bodyPr wrap="square" lIns="45718" tIns="45718" rIns="45718" bIns="45718" numCol="1" anchor="ctr">
+              <a:noAutofit/>
+            </a:bodyPr>
+            <a:lstStyle/>
+            <a:p>
+              <a:pPr>
+                <a:defRPr sz="2400">
+                  <a:latin typeface="Arial"/>
+                  <a:ea typeface="Arial"/>
+                  <a:cs typeface="Arial"/>
+                  <a:sym typeface="Arial"/>
+                </a:defRPr>
+              </a:pPr>
+            </a:p>
+          </p:txBody>
+        </p:sp>
+        <p:sp>
+          <p:nvSpPr>
+            <p:cNvPr id="39" name="Google Shape;44;p6"/>
+            <p:cNvSpPr/>
+            <p:nvPr/>
+          </p:nvSpPr>
+          <p:spPr>
+            <a:xfrm rot="16200000">
+              <a:off x="220123" y="-220125"/>
+              <a:ext cx="61104" cy="501352"/>
+            </a:xfrm>
+            <a:prstGeom prst="rect">
+              <a:avLst/>
+            </a:prstGeom>
+            <a:solidFill>
+              <a:srgbClr val="1A9988"/>
+            </a:solidFill>
+            <a:ln w="12700" cap="flat">
+              <a:noFill/>
+              <a:miter lim="400000"/>
+            </a:ln>
+            <a:effectLst/>
+          </p:spPr>
+          <p:txBody>
+            <a:bodyPr wrap="square" lIns="45718" tIns="45718" rIns="45718" bIns="45718" numCol="1" anchor="ctr">
+              <a:noAutofit/>
+            </a:bodyPr>
+            <a:lstStyle/>
+            <a:p>
+              <a:pPr>
+                <a:defRPr sz="2400">
+                  <a:latin typeface="Arial"/>
+                  <a:ea typeface="Arial"/>
+                  <a:cs typeface="Arial"/>
+                  <a:sym typeface="Arial"/>
+                </a:defRPr>
+              </a:pPr>
+            </a:p>
+          </p:txBody>
+        </p:sp>
+      </p:grpSp>
+      <p:sp>
+        <p:nvSpPr>
+          <p:cNvPr id="41" name="标题文本"/>
+          <p:cNvSpPr txBox="1"/>
+          <p:nvPr>
+            <p:ph type="title"/>
+          </p:nvPr>
+        </p:nvSpPr>
+        <p:spPr>
+          <a:xfrm>
+            <a:off x="972600" y="1758200"/>
+            <a:ext cx="10251200" cy="713602"/>
+          </a:xfrm>
+          <a:prstGeom prst="rect">
+            <a:avLst/>
+          </a:prstGeom>
+        </p:spPr>
+        <p:txBody>
+          <a:bodyPr/>
+          <a:lstStyle>
+            <a:lvl1pPr>
+              <a:defRPr sz="3400"/>
+            </a:lvl1pPr>
+          </a:lstStyle>
+          <a:p>
+            <a:pPr/>
+            <a:r>
+              <a:t>标题文本</a:t>
+            </a:r>
+          </a:p>
+        </p:txBody>
+      </p:sp>
+      <p:sp>
+        <p:nvSpPr>
+          <p:cNvPr id="42" name="正文级别 1…"/>
+          <p:cNvSpPr txBox="1"/>
+          <p:nvPr>
+            <p:ph type="body" sz="quarter" idx="1"/>
+          </p:nvPr>
+        </p:nvSpPr>
+        <p:spPr>
+          <a:xfrm>
+            <a:off x="972432" y="2771831"/>
+            <a:ext cx="5032403" cy="3014803"/>
+          </a:xfrm>
+          <a:prstGeom prst="rect">
+            <a:avLst/>
+          </a:prstGeom>
+        </p:spPr>
+        <p:txBody>
+          <a:bodyPr/>
+          <a:lstStyle>
+            <a:lvl1pPr marL="609584" indent="-414855">
+              <a:lnSpc>
+                <a:spcPct val="115000"/>
+              </a:lnSpc>
+              <a:buClr>
+                <a:schemeClr val="accent1"/>
+              </a:buClr>
+              <a:buSzPts val="1300"/>
+              <a:buFont typeface="Helvetica"/>
+              <a:buChar char="●"/>
+              <a:defRPr sz="1300"/>
+            </a:lvl1pPr>
+            <a:lvl2pPr marL="1291519" indent="-470272">
+              <a:lnSpc>
+                <a:spcPct val="115000"/>
+              </a:lnSpc>
+              <a:buClr>
+                <a:schemeClr val="accent1"/>
+              </a:buClr>
+              <a:buSzPts val="1300"/>
+              <a:buFont typeface="Helvetica"/>
+              <a:buChar char="○"/>
+              <a:defRPr sz="1300"/>
+            </a:lvl2pPr>
+            <a:lvl3pPr marL="1901102" indent="-470272">
+              <a:lnSpc>
+                <a:spcPct val="115000"/>
+              </a:lnSpc>
+              <a:buClr>
+                <a:schemeClr val="accent1"/>
+              </a:buClr>
+              <a:buSzPts val="1300"/>
+              <a:buFont typeface="Helvetica"/>
+              <a:buChar char="■"/>
+              <a:defRPr sz="1300"/>
+            </a:lvl3pPr>
+            <a:lvl4pPr marL="2510688" indent="-470272">
+              <a:lnSpc>
+                <a:spcPct val="115000"/>
+              </a:lnSpc>
+              <a:buClr>
+                <a:schemeClr val="accent1"/>
+              </a:buClr>
+              <a:buSzPts val="1300"/>
+              <a:buFont typeface="Helvetica"/>
+              <a:buChar char="●"/>
+              <a:defRPr sz="1300"/>
+            </a:lvl4pPr>
+            <a:lvl5pPr marL="3120272" indent="-470272">
+              <a:lnSpc>
+                <a:spcPct val="115000"/>
+              </a:lnSpc>
+              <a:buClr>
+                <a:schemeClr val="accent1"/>
+              </a:buClr>
+              <a:buSzPts val="1300"/>
+              <a:buFont typeface="Helvetica"/>
+              <a:buChar char="○"/>
+              <a:defRPr sz="1300"/>
+            </a:lvl5pPr>
+          </a:lstStyle>
+          <a:p>
+            <a:pPr/>
+            <a:r>
+              <a:t>正文级别 1</a:t>
+            </a:r>
+          </a:p>
+          <a:p>
+            <a:pPr lvl="1"/>
+            <a:r>
+              <a:t>正文级别 2</a:t>
+            </a:r>
+          </a:p>
+          <a:p>
+            <a:pPr lvl="2"/>
+            <a:r>
+              <a:t>正文级别 3</a:t>
+            </a:r>
+          </a:p>
+          <a:p>
+            <a:pPr lvl="3"/>
+            <a:r>
+              <a:t>正文级别 4</a:t>
+            </a:r>
+          </a:p>
+          <a:p>
+            <a:pPr lvl="4"/>
+            <a:r>
+              <a:t>正文级别 5</a:t>
+            </a:r>
+          </a:p>
+        </p:txBody>
+      </p:sp>
+      <p:sp>
+        <p:nvSpPr>
+          <p:cNvPr id="43" name="Google Shape;38;p5"/>
+          <p:cNvSpPr txBox="1"/>
+          <p:nvPr>
+            <p:ph type="body" sz="quarter" idx="21"/>
+          </p:nvPr>
+        </p:nvSpPr>
+        <p:spPr>
+          <a:xfrm>
+            <a:off x="6191470" y="2771831"/>
+            <a:ext cx="5032404" cy="3014803"/>
+          </a:xfrm>
+          <a:prstGeom prst="rect">
+            <a:avLst/>
+          </a:prstGeom>
+        </p:spPr>
+        <p:txBody>
+          <a:bodyPr/>
+          <a:lstStyle/>
+          <a:p>
+            <a:pPr marL="457200" indent="-311150">
+              <a:lnSpc>
+                <a:spcPct val="115000"/>
+              </a:lnSpc>
+              <a:buClr>
+                <a:schemeClr val="accent1"/>
+              </a:buClr>
+              <a:buSzPts val="1300"/>
+              <a:buFont typeface="Helvetica"/>
+              <a:buChar char="●"/>
+              <a:defRPr sz="1300"/>
+            </a:pPr>
+          </a:p>
+        </p:txBody>
+      </p:sp>
+      <p:sp>
+        <p:nvSpPr>
+          <p:cNvPr id="44" name="幻灯片编号"/>
+          <p:cNvSpPr txBox="1"/>
           <p:nvPr>
             <p:ph type="sldNum" sz="quarter" idx="2"/>
           </p:nvPr>
@@ -840,10 +1283,8 @@
           <a:bodyPr/>
           <a:lstStyle/>
           <a:p>
-            <a:fld id="{86CB4B4D-7CA3-9044-876B-883B54F8677D}" type="slidenum">
-              <a:t>‹#›</a:t>
-            </a:fld>
-            <a:endParaRPr/>
+            <a:pPr/>
+            <a:fld id="{86CB4B4D-7CA3-9044-876B-883B54F8677D}" type="slidenum"/>
           </a:p>
         </p:txBody>
       </p:sp>
@@ -852,19 +1293,349 @@
   <p:clrMapOvr>
     <a:masterClrMapping/>
   </p:clrMapOvr>
-  <p:transition spd="med"/>
+  <p:transition xmlns:p14="http://schemas.microsoft.com/office/powerpoint/2010/main" spd="med" advClick="1"/>
 </p:sldLayout>
 </file>
 
-<file path=ppt/slideLayouts/slideLayout2.xml><?xml version="1.0" encoding="utf-8"?>
-<p:sldLayout xmlns:a="http://schemas.openxmlformats.org/drawingml/2006/main" xmlns:r="http://schemas.openxmlformats.org/officeDocument/2006/relationships" xmlns:p="http://schemas.openxmlformats.org/presentationml/2006/main" showMasterSp="0" type="tx">
-  <p:cSld name="Section header">
+<file path=ppt/slideLayouts/slideLayout4.xml><?xml version="1.0" encoding="utf-8"?>
+<p:sldLayout xmlns:a="http://schemas.openxmlformats.org/drawingml/2006/main" xmlns:r="http://schemas.openxmlformats.org/officeDocument/2006/relationships" xmlns:p="http://schemas.openxmlformats.org/presentationml/2006/main" xmlns:m="http://schemas.openxmlformats.org/officeDocument/2006/math" xmlns:a14="http://schemas.microsoft.com/office/drawing/2010/main" type="tx" showMasterSp="0" showMasterPhAnim="1">
+  <p:cSld name="One column text">
     <p:bg>
       <p:bgPr>
         <a:solidFill>
-          <a:srgbClr val="1A9988"/>
+          <a:srgbClr val="FFFFFF"/>
         </a:solidFill>
-        <a:effectLst/>
+      </p:bgPr>
+    </p:bg>
+    <p:spTree>
+      <p:nvGrpSpPr>
+        <p:cNvPr id="1" name=""/>
+        <p:cNvGrpSpPr/>
+        <p:nvPr/>
+      </p:nvGrpSpPr>
+      <p:grpSpPr>
+        <a:xfrm>
+          <a:off x="0" y="0"/>
+          <a:ext cx="0" cy="0"/>
+          <a:chOff x="0" y="0"/>
+          <a:chExt cx="0" cy="0"/>
+        </a:xfrm>
+      </p:grpSpPr>
+      <p:sp>
+        <p:nvSpPr>
+          <p:cNvPr id="51" name="Google Shape;41;p6"/>
+          <p:cNvSpPr/>
+          <p:nvPr/>
+        </p:nvSpPr>
+        <p:spPr>
+          <a:xfrm>
+            <a:off x="0" y="-2"/>
+            <a:ext cx="12192000" cy="650404"/>
+          </a:xfrm>
+          <a:prstGeom prst="rect">
+            <a:avLst/>
+          </a:prstGeom>
+          <a:solidFill>
+            <a:srgbClr val="E9EDEE"/>
+          </a:solidFill>
+          <a:ln w="12700">
+            <a:miter lim="400000"/>
+          </a:ln>
+        </p:spPr>
+        <p:txBody>
+          <a:bodyPr lIns="45718" tIns="45718" rIns="45718" bIns="45718" anchor="ctr"/>
+          <a:lstStyle/>
+          <a:p>
+            <a:pPr>
+              <a:defRPr sz="2400">
+                <a:latin typeface="Arial"/>
+                <a:ea typeface="Arial"/>
+                <a:cs typeface="Arial"/>
+                <a:sym typeface="Arial"/>
+              </a:defRPr>
+            </a:pPr>
+          </a:p>
+        </p:txBody>
+      </p:sp>
+      <p:grpSp>
+        <p:nvGrpSpPr>
+          <p:cNvPr id="54" name="Google Shape;42;p6"/>
+          <p:cNvGrpSpPr/>
+          <p:nvPr/>
+        </p:nvGrpSpPr>
+        <p:grpSpPr>
+          <a:xfrm>
+            <a:off x="1107189" y="1588341"/>
+            <a:ext cx="994353" cy="61104"/>
+            <a:chOff x="0" y="0"/>
+            <a:chExt cx="994351" cy="61103"/>
+          </a:xfrm>
+        </p:grpSpPr>
+        <p:sp>
+          <p:nvSpPr>
+            <p:cNvPr id="52" name="Google Shape;43;p6"/>
+            <p:cNvSpPr/>
+            <p:nvPr/>
+          </p:nvSpPr>
+          <p:spPr>
+            <a:xfrm rot="16200000">
+              <a:off x="715227" y="-218022"/>
+              <a:ext cx="61104" cy="497146"/>
+            </a:xfrm>
+            <a:prstGeom prst="rect">
+              <a:avLst/>
+            </a:prstGeom>
+            <a:solidFill>
+              <a:schemeClr val="accent3"/>
+            </a:solidFill>
+            <a:ln w="12700" cap="flat">
+              <a:noFill/>
+              <a:miter lim="400000"/>
+            </a:ln>
+            <a:effectLst/>
+          </p:spPr>
+          <p:txBody>
+            <a:bodyPr wrap="square" lIns="45718" tIns="45718" rIns="45718" bIns="45718" numCol="1" anchor="ctr">
+              <a:noAutofit/>
+            </a:bodyPr>
+            <a:lstStyle/>
+            <a:p>
+              <a:pPr>
+                <a:defRPr sz="2400">
+                  <a:latin typeface="Arial"/>
+                  <a:ea typeface="Arial"/>
+                  <a:cs typeface="Arial"/>
+                  <a:sym typeface="Arial"/>
+                </a:defRPr>
+              </a:pPr>
+            </a:p>
+          </p:txBody>
+        </p:sp>
+        <p:sp>
+          <p:nvSpPr>
+            <p:cNvPr id="53" name="Google Shape;44;p6"/>
+            <p:cNvSpPr/>
+            <p:nvPr/>
+          </p:nvSpPr>
+          <p:spPr>
+            <a:xfrm rot="16200000">
+              <a:off x="220123" y="-220125"/>
+              <a:ext cx="61104" cy="501352"/>
+            </a:xfrm>
+            <a:prstGeom prst="rect">
+              <a:avLst/>
+            </a:prstGeom>
+            <a:solidFill>
+              <a:srgbClr val="1A9988"/>
+            </a:solidFill>
+            <a:ln w="12700" cap="flat">
+              <a:noFill/>
+              <a:miter lim="400000"/>
+            </a:ln>
+            <a:effectLst/>
+          </p:spPr>
+          <p:txBody>
+            <a:bodyPr wrap="square" lIns="45718" tIns="45718" rIns="45718" bIns="45718" numCol="1" anchor="ctr">
+              <a:noAutofit/>
+            </a:bodyPr>
+            <a:lstStyle/>
+            <a:p>
+              <a:pPr>
+                <a:defRPr sz="2400">
+                  <a:latin typeface="Arial"/>
+                  <a:ea typeface="Arial"/>
+                  <a:cs typeface="Arial"/>
+                  <a:sym typeface="Arial"/>
+                </a:defRPr>
+              </a:pPr>
+            </a:p>
+          </p:txBody>
+        </p:sp>
+      </p:grpSp>
+      <p:sp>
+        <p:nvSpPr>
+          <p:cNvPr id="55" name="标题文本"/>
+          <p:cNvSpPr txBox="1"/>
+          <p:nvPr>
+            <p:ph type="title"/>
+          </p:nvPr>
+        </p:nvSpPr>
+        <p:spPr>
+          <a:xfrm>
+            <a:off x="973333" y="1758200"/>
+            <a:ext cx="4401200" cy="1842001"/>
+          </a:xfrm>
+          <a:prstGeom prst="rect">
+            <a:avLst/>
+          </a:prstGeom>
+        </p:spPr>
+        <p:txBody>
+          <a:bodyPr/>
+          <a:lstStyle>
+            <a:lvl1pPr>
+              <a:defRPr sz="3400"/>
+            </a:lvl1pPr>
+          </a:lstStyle>
+          <a:p>
+            <a:pPr/>
+            <a:r>
+              <a:t>标题文本</a:t>
+            </a:r>
+          </a:p>
+        </p:txBody>
+      </p:sp>
+      <p:sp>
+        <p:nvSpPr>
+          <p:cNvPr id="56" name="正文级别 1…"/>
+          <p:cNvSpPr txBox="1"/>
+          <p:nvPr>
+            <p:ph type="body" sz="quarter" idx="1"/>
+          </p:nvPr>
+        </p:nvSpPr>
+        <p:spPr>
+          <a:xfrm>
+            <a:off x="961632" y="3708967"/>
+            <a:ext cx="4401202" cy="2130002"/>
+          </a:xfrm>
+          <a:prstGeom prst="rect">
+            <a:avLst/>
+          </a:prstGeom>
+        </p:spPr>
+        <p:txBody>
+          <a:bodyPr/>
+          <a:lstStyle>
+            <a:lvl1pPr marL="609584" indent="-414855">
+              <a:lnSpc>
+                <a:spcPct val="115000"/>
+              </a:lnSpc>
+              <a:buClr>
+                <a:schemeClr val="accent1"/>
+              </a:buClr>
+              <a:buSzPts val="1300"/>
+              <a:buFont typeface="Helvetica"/>
+              <a:buChar char="●"/>
+              <a:defRPr sz="1300"/>
+            </a:lvl1pPr>
+            <a:lvl2pPr marL="1291519" indent="-470272">
+              <a:lnSpc>
+                <a:spcPct val="115000"/>
+              </a:lnSpc>
+              <a:buClr>
+                <a:schemeClr val="accent1"/>
+              </a:buClr>
+              <a:buSzPts val="1300"/>
+              <a:buFont typeface="Helvetica"/>
+              <a:buChar char="○"/>
+              <a:defRPr sz="1300"/>
+            </a:lvl2pPr>
+            <a:lvl3pPr marL="1901102" indent="-470272">
+              <a:lnSpc>
+                <a:spcPct val="115000"/>
+              </a:lnSpc>
+              <a:buClr>
+                <a:schemeClr val="accent1"/>
+              </a:buClr>
+              <a:buSzPts val="1300"/>
+              <a:buFont typeface="Helvetica"/>
+              <a:buChar char="■"/>
+              <a:defRPr sz="1300"/>
+            </a:lvl3pPr>
+            <a:lvl4pPr marL="2510688" indent="-470272">
+              <a:lnSpc>
+                <a:spcPct val="115000"/>
+              </a:lnSpc>
+              <a:buClr>
+                <a:schemeClr val="accent1"/>
+              </a:buClr>
+              <a:buSzPts val="1300"/>
+              <a:buFont typeface="Helvetica"/>
+              <a:buChar char="●"/>
+              <a:defRPr sz="1300"/>
+            </a:lvl4pPr>
+            <a:lvl5pPr marL="3120272" indent="-470272">
+              <a:lnSpc>
+                <a:spcPct val="115000"/>
+              </a:lnSpc>
+              <a:buClr>
+                <a:schemeClr val="accent1"/>
+              </a:buClr>
+              <a:buSzPts val="1300"/>
+              <a:buFont typeface="Helvetica"/>
+              <a:buChar char="○"/>
+              <a:defRPr sz="1300"/>
+            </a:lvl5pPr>
+          </a:lstStyle>
+          <a:p>
+            <a:pPr/>
+            <a:r>
+              <a:t>正文级别 1</a:t>
+            </a:r>
+          </a:p>
+          <a:p>
+            <a:pPr lvl="1"/>
+            <a:r>
+              <a:t>正文级别 2</a:t>
+            </a:r>
+          </a:p>
+          <a:p>
+            <a:pPr lvl="2"/>
+            <a:r>
+              <a:t>正文级别 3</a:t>
+            </a:r>
+          </a:p>
+          <a:p>
+            <a:pPr lvl="3"/>
+            <a:r>
+              <a:t>正文级别 4</a:t>
+            </a:r>
+          </a:p>
+          <a:p>
+            <a:pPr lvl="4"/>
+            <a:r>
+              <a:t>正文级别 5</a:t>
+            </a:r>
+          </a:p>
+        </p:txBody>
+      </p:sp>
+      <p:sp>
+        <p:nvSpPr>
+          <p:cNvPr id="57" name="幻灯片编号"/>
+          <p:cNvSpPr txBox="1"/>
+          <p:nvPr>
+            <p:ph type="sldNum" sz="quarter" idx="2"/>
+          </p:nvPr>
+        </p:nvSpPr>
+        <p:spPr>
+          <a:prstGeom prst="rect">
+            <a:avLst/>
+          </a:prstGeom>
+        </p:spPr>
+        <p:txBody>
+          <a:bodyPr/>
+          <a:lstStyle/>
+          <a:p>
+            <a:pPr/>
+            <a:fld id="{86CB4B4D-7CA3-9044-876B-883B54F8677D}" type="slidenum"/>
+          </a:p>
+        </p:txBody>
+      </p:sp>
+    </p:spTree>
+  </p:cSld>
+  <p:clrMapOvr>
+    <a:masterClrMapping/>
+  </p:clrMapOvr>
+  <p:transition xmlns:p14="http://schemas.microsoft.com/office/powerpoint/2010/main" spd="med" advClick="1"/>
+</p:sldLayout>
+</file>
+
+<file path=ppt/slideLayouts/slideLayout5.xml><?xml version="1.0" encoding="utf-8"?>
+<p:sldLayout xmlns:a="http://schemas.openxmlformats.org/drawingml/2006/main" xmlns:r="http://schemas.openxmlformats.org/officeDocument/2006/relationships" xmlns:p="http://schemas.openxmlformats.org/presentationml/2006/main" xmlns:m="http://schemas.openxmlformats.org/officeDocument/2006/math" xmlns:a14="http://schemas.microsoft.com/office/drawing/2010/main" type="tx" showMasterSp="0" showMasterPhAnim="1">
+  <p:cSld name="Main point">
+    <p:bg>
+      <p:bgPr>
+        <a:solidFill>
+          <a:schemeClr val="accent3"/>
+        </a:solidFill>
       </p:bgPr>
     </p:bg>
     <p:spTree>
@@ -883,28 +1654,28 @@
       </p:grpSpPr>
       <p:grpSp>
         <p:nvGrpSpPr>
-          <p:cNvPr id="30" name="Google Shape;18;p3"/>
+          <p:cNvPr id="66" name="Google Shape;56;p8"/>
           <p:cNvGrpSpPr/>
           <p:nvPr/>
         </p:nvGrpSpPr>
         <p:grpSpPr>
           <a:xfrm>
-            <a:off x="1107190" y="1588342"/>
-            <a:ext cx="994351" cy="61102"/>
+            <a:off x="1107189" y="5558839"/>
+            <a:ext cx="994353" cy="61104"/>
             <a:chOff x="0" y="0"/>
-            <a:chExt cx="994350" cy="61101"/>
+            <a:chExt cx="994351" cy="61103"/>
           </a:xfrm>
         </p:grpSpPr>
         <p:sp>
           <p:nvSpPr>
-            <p:cNvPr id="28" name="Google Shape;19;p3"/>
+            <p:cNvPr id="64" name="Google Shape;57;p8"/>
             <p:cNvSpPr/>
             <p:nvPr/>
           </p:nvSpPr>
           <p:spPr>
             <a:xfrm rot="16200000">
               <a:off x="715227" y="-218022"/>
-              <a:ext cx="61102" cy="497145"/>
+              <a:ext cx="61104" cy="497146"/>
             </a:xfrm>
             <a:prstGeom prst="rect">
               <a:avLst/>
@@ -919,28 +1690,32 @@
             <a:effectLst/>
           </p:spPr>
           <p:txBody>
-            <a:bodyPr wrap="square" lIns="45719" tIns="45719" rIns="45719" bIns="45719" numCol="1" anchor="ctr">
+            <a:bodyPr wrap="square" lIns="45718" tIns="45718" rIns="45718" bIns="45718" numCol="1" anchor="ctr">
               <a:noAutofit/>
             </a:bodyPr>
             <a:lstStyle/>
             <a:p>
               <a:pPr>
-                <a:defRPr sz="2400"/>
+                <a:defRPr sz="2400">
+                  <a:latin typeface="Arial"/>
+                  <a:ea typeface="Arial"/>
+                  <a:cs typeface="Arial"/>
+                  <a:sym typeface="Arial"/>
+                </a:defRPr>
               </a:pPr>
-              <a:endParaRPr/>
             </a:p>
           </p:txBody>
         </p:sp>
         <p:sp>
           <p:nvSpPr>
-            <p:cNvPr id="29" name="Google Shape;20;p3"/>
+            <p:cNvPr id="65" name="Google Shape;58;p8"/>
             <p:cNvSpPr/>
             <p:nvPr/>
           </p:nvSpPr>
           <p:spPr>
             <a:xfrm rot="16200000">
-              <a:off x="220124" y="-220125"/>
-              <a:ext cx="61102" cy="501351"/>
+              <a:off x="220123" y="-220125"/>
+              <a:ext cx="61104" cy="501352"/>
             </a:xfrm>
             <a:prstGeom prst="rect">
               <a:avLst/>
@@ -955,40 +1730,42 @@
             <a:effectLst/>
           </p:spPr>
           <p:txBody>
-            <a:bodyPr wrap="square" lIns="45719" tIns="45719" rIns="45719" bIns="45719" numCol="1" anchor="ctr">
+            <a:bodyPr wrap="square" lIns="45718" tIns="45718" rIns="45718" bIns="45718" numCol="1" anchor="ctr">
               <a:noAutofit/>
             </a:bodyPr>
             <a:lstStyle/>
             <a:p>
               <a:pPr>
-                <a:defRPr sz="2400"/>
+                <a:defRPr sz="2400">
+                  <a:latin typeface="Arial"/>
+                  <a:ea typeface="Arial"/>
+                  <a:cs typeface="Arial"/>
+                  <a:sym typeface="Arial"/>
+                </a:defRPr>
               </a:pPr>
-              <a:endParaRPr/>
             </a:p>
           </p:txBody>
         </p:sp>
       </p:grpSp>
       <p:sp>
         <p:nvSpPr>
-          <p:cNvPr id="31" name="标题文本"/>
-          <p:cNvSpPr txBox="1">
-            <a:spLocks noGrp="1"/>
-          </p:cNvSpPr>
+          <p:cNvPr id="67" name="标题文本"/>
+          <p:cNvSpPr txBox="1"/>
           <p:nvPr>
             <p:ph type="title"/>
           </p:nvPr>
         </p:nvSpPr>
         <p:spPr>
           <a:xfrm>
-            <a:off x="972600" y="1763266"/>
-            <a:ext cx="10251200" cy="2024802"/>
+            <a:off x="972600" y="1152400"/>
+            <a:ext cx="9361600" cy="3980001"/>
           </a:xfrm>
           <a:prstGeom prst="rect">
             <a:avLst/>
           </a:prstGeom>
         </p:spPr>
         <p:txBody>
-          <a:bodyPr/>
+          <a:bodyPr anchor="ctr"/>
           <a:lstStyle>
             <a:lvl1pPr>
               <a:defRPr sz="4800">
@@ -999,6 +1776,7 @@
             </a:lvl1pPr>
           </a:lstStyle>
           <a:p>
+            <a:pPr/>
             <a:r>
               <a:t>标题文本</a:t>
             </a:r>
@@ -1007,10 +1785,8 @@
       </p:sp>
       <p:sp>
         <p:nvSpPr>
-          <p:cNvPr id="32" name="幻灯片编号"/>
-          <p:cNvSpPr txBox="1">
-            <a:spLocks noGrp="1"/>
-          </p:cNvSpPr>
+          <p:cNvPr id="68" name="幻灯片编号"/>
+          <p:cNvSpPr txBox="1"/>
           <p:nvPr>
             <p:ph type="sldNum" sz="quarter" idx="2"/>
           </p:nvPr>
@@ -1032,10 +1808,8 @@
             </a:lvl1pPr>
           </a:lstStyle>
           <a:p>
-            <a:fld id="{86CB4B4D-7CA3-9044-876B-883B54F8677D}" type="slidenum">
-              <a:t>‹#›</a:t>
-            </a:fld>
-            <a:endParaRPr/>
+            <a:pPr/>
+            <a:fld id="{86CB4B4D-7CA3-9044-876B-883B54F8677D}" type="slidenum"/>
           </a:p>
         </p:txBody>
       </p:sp>
@@ -1044,13 +1818,20 @@
   <p:clrMapOvr>
     <a:masterClrMapping/>
   </p:clrMapOvr>
-  <p:transition spd="med"/>
+  <p:transition xmlns:p14="http://schemas.microsoft.com/office/powerpoint/2010/main" spd="med" advClick="1"/>
 </p:sldLayout>
 </file>
 
-<file path=ppt/slideLayouts/slideLayout3.xml><?xml version="1.0" encoding="utf-8"?>
-<p:sldLayout xmlns:a="http://schemas.openxmlformats.org/drawingml/2006/main" xmlns:r="http://schemas.openxmlformats.org/officeDocument/2006/relationships" xmlns:p="http://schemas.openxmlformats.org/presentationml/2006/main" type="tx">
-  <p:cSld name="Title and body">
+<file path=ppt/slideLayouts/slideLayout6.xml><?xml version="1.0" encoding="utf-8"?>
+<p:sldLayout xmlns:a="http://schemas.openxmlformats.org/drawingml/2006/main" xmlns:r="http://schemas.openxmlformats.org/officeDocument/2006/relationships" xmlns:p="http://schemas.openxmlformats.org/presentationml/2006/main" xmlns:m="http://schemas.openxmlformats.org/officeDocument/2006/math" xmlns:a14="http://schemas.microsoft.com/office/drawing/2010/main" type="tx" showMasterSp="0" showMasterPhAnim="1">
+  <p:cSld name="Section title and description">
+    <p:bg>
+      <p:bgPr>
+        <a:solidFill>
+          <a:srgbClr val="FFFFFF"/>
+        </a:solidFill>
+      </p:bgPr>
+    </p:bg>
     <p:spTree>
       <p:nvGrpSpPr>
         <p:cNvPr id="1" name=""/>
@@ -1067,18 +1848,147 @@
       </p:grpSpPr>
       <p:sp>
         <p:nvSpPr>
-          <p:cNvPr id="39" name="标题文本"/>
-          <p:cNvSpPr txBox="1">
-            <a:spLocks noGrp="1"/>
-          </p:cNvSpPr>
+          <p:cNvPr id="75" name="Google Shape;62;p9"/>
+          <p:cNvSpPr/>
+          <p:nvPr/>
+        </p:nvSpPr>
+        <p:spPr>
+          <a:xfrm>
+            <a:off x="0" y="0"/>
+            <a:ext cx="6096000" cy="6858000"/>
+          </a:xfrm>
+          <a:prstGeom prst="rect">
+            <a:avLst/>
+          </a:prstGeom>
+          <a:solidFill>
+            <a:srgbClr val="E9EDEE"/>
+          </a:solidFill>
+          <a:ln w="12700">
+            <a:miter lim="400000"/>
+          </a:ln>
+        </p:spPr>
+        <p:txBody>
+          <a:bodyPr lIns="45718" tIns="45718" rIns="45718" bIns="45718" anchor="ctr"/>
+          <a:lstStyle/>
+          <a:p>
+            <a:pPr>
+              <a:defRPr sz="2400">
+                <a:latin typeface="Arial"/>
+                <a:ea typeface="Arial"/>
+                <a:cs typeface="Arial"/>
+                <a:sym typeface="Arial"/>
+              </a:defRPr>
+            </a:pPr>
+          </a:p>
+        </p:txBody>
+      </p:sp>
+      <p:grpSp>
+        <p:nvGrpSpPr>
+          <p:cNvPr id="78" name="Google Shape;63;p9"/>
+          <p:cNvGrpSpPr/>
+          <p:nvPr/>
+        </p:nvGrpSpPr>
+        <p:grpSpPr>
+          <a:xfrm>
+            <a:off x="1107189" y="1588341"/>
+            <a:ext cx="994353" cy="61104"/>
+            <a:chOff x="0" y="0"/>
+            <a:chExt cx="994351" cy="61103"/>
+          </a:xfrm>
+        </p:grpSpPr>
+        <p:sp>
+          <p:nvSpPr>
+            <p:cNvPr id="76" name="Google Shape;64;p9"/>
+            <p:cNvSpPr/>
+            <p:nvPr/>
+          </p:nvSpPr>
+          <p:spPr>
+            <a:xfrm rot="16200000">
+              <a:off x="715227" y="-218022"/>
+              <a:ext cx="61104" cy="497146"/>
+            </a:xfrm>
+            <a:prstGeom prst="rect">
+              <a:avLst/>
+            </a:prstGeom>
+            <a:solidFill>
+              <a:schemeClr val="accent3"/>
+            </a:solidFill>
+            <a:ln w="12700" cap="flat">
+              <a:noFill/>
+              <a:miter lim="400000"/>
+            </a:ln>
+            <a:effectLst/>
+          </p:spPr>
+          <p:txBody>
+            <a:bodyPr wrap="square" lIns="45718" tIns="45718" rIns="45718" bIns="45718" numCol="1" anchor="ctr">
+              <a:noAutofit/>
+            </a:bodyPr>
+            <a:lstStyle/>
+            <a:p>
+              <a:pPr>
+                <a:defRPr sz="2400">
+                  <a:latin typeface="Arial"/>
+                  <a:ea typeface="Arial"/>
+                  <a:cs typeface="Arial"/>
+                  <a:sym typeface="Arial"/>
+                </a:defRPr>
+              </a:pPr>
+            </a:p>
+          </p:txBody>
+        </p:sp>
+        <p:sp>
+          <p:nvSpPr>
+            <p:cNvPr id="77" name="Google Shape;65;p9"/>
+            <p:cNvSpPr/>
+            <p:nvPr/>
+          </p:nvSpPr>
+          <p:spPr>
+            <a:xfrm rot="16200000">
+              <a:off x="220123" y="-220125"/>
+              <a:ext cx="61104" cy="501352"/>
+            </a:xfrm>
+            <a:prstGeom prst="rect">
+              <a:avLst/>
+            </a:prstGeom>
+            <a:solidFill>
+              <a:srgbClr val="1A9988"/>
+            </a:solidFill>
+            <a:ln w="12700" cap="flat">
+              <a:noFill/>
+              <a:miter lim="400000"/>
+            </a:ln>
+            <a:effectLst/>
+          </p:spPr>
+          <p:txBody>
+            <a:bodyPr wrap="square" lIns="45718" tIns="45718" rIns="45718" bIns="45718" numCol="1" anchor="ctr">
+              <a:noAutofit/>
+            </a:bodyPr>
+            <a:lstStyle/>
+            <a:p>
+              <a:pPr>
+                <a:defRPr sz="2400">
+                  <a:latin typeface="Arial"/>
+                  <a:ea typeface="Arial"/>
+                  <a:cs typeface="Arial"/>
+                  <a:sym typeface="Arial"/>
+                </a:defRPr>
+              </a:pPr>
+            </a:p>
+          </p:txBody>
+        </p:sp>
+      </p:grpSp>
+      <p:sp>
+        <p:nvSpPr>
+          <p:cNvPr id="79" name="标题文本"/>
+          <p:cNvSpPr txBox="1"/>
           <p:nvPr>
             <p:ph type="title"/>
           </p:nvPr>
         </p:nvSpPr>
         <p:spPr>
           <a:xfrm>
-            <a:off x="972600" y="1758200"/>
-            <a:ext cx="10251600" cy="713601"/>
+            <a:off x="973333" y="1758200"/>
+            <a:ext cx="4401200" cy="2249602"/>
           </a:xfrm>
           <a:prstGeom prst="rect">
             <a:avLst/>
@@ -1086,8 +1996,13 @@
         </p:spPr>
         <p:txBody>
           <a:bodyPr/>
-          <a:lstStyle/>
-          <a:p>
+          <a:lstStyle>
+            <a:lvl1pPr>
+              <a:defRPr sz="3400"/>
+            </a:lvl1pPr>
+          </a:lstStyle>
+          <a:p>
+            <a:pPr/>
             <a:r>
               <a:t>标题文本</a:t>
             </a:r>
@@ -1096,18 +2011,16 @@
       </p:sp>
       <p:sp>
         <p:nvSpPr>
-          <p:cNvPr id="40" name="正文级别 1…"/>
-          <p:cNvSpPr txBox="1">
-            <a:spLocks noGrp="1"/>
-          </p:cNvSpPr>
+          <p:cNvPr id="80" name="正文级别 1…"/>
+          <p:cNvSpPr txBox="1"/>
           <p:nvPr>
-            <p:ph type="body" sz="half" idx="1"/>
+            <p:ph type="body" sz="quarter" idx="1"/>
           </p:nvPr>
         </p:nvSpPr>
         <p:spPr>
           <a:xfrm>
-            <a:off x="972600" y="2771832"/>
-            <a:ext cx="10251600" cy="3014802"/>
+            <a:off x="966600" y="4215367"/>
+            <a:ext cx="4401200" cy="1012002"/>
           </a:xfrm>
           <a:prstGeom prst="rect">
             <a:avLst/>
@@ -1115,14 +2028,9 @@
         </p:spPr>
         <p:txBody>
           <a:bodyPr/>
-          <a:lstStyle>
-            <a:lvl1pPr marL="609584" indent="-414855"/>
-            <a:lvl2pPr marL="1291519" indent="-470272"/>
-            <a:lvl3pPr marL="1901103" indent="-470272"/>
-            <a:lvl4pPr marL="2510688" indent="-470272"/>
-            <a:lvl5pPr marL="3120273" indent="-470272"/>
-          </a:lstStyle>
-          <a:p>
+          <a:lstStyle/>
+          <a:p>
+            <a:pPr/>
             <a:r>
               <a:t>正文级别 1</a:t>
             </a:r>
@@ -1155,10 +2063,44 @@
       </p:sp>
       <p:sp>
         <p:nvSpPr>
-          <p:cNvPr id="41" name="幻灯片编号"/>
-          <p:cNvSpPr txBox="1">
-            <a:spLocks noGrp="1"/>
-          </p:cNvSpPr>
+          <p:cNvPr id="81" name="Google Shape;68;p9"/>
+          <p:cNvSpPr txBox="1"/>
+          <p:nvPr>
+            <p:ph type="body" sz="half" idx="21"/>
+          </p:nvPr>
+        </p:nvSpPr>
+        <p:spPr>
+          <a:xfrm>
+            <a:off x="6898967" y="1803499"/>
+            <a:ext cx="4499202" cy="4034001"/>
+          </a:xfrm>
+          <a:prstGeom prst="rect">
+            <a:avLst/>
+          </a:prstGeom>
+        </p:spPr>
+        <p:txBody>
+          <a:bodyPr/>
+          <a:lstStyle/>
+          <a:p>
+            <a:pPr marL="457200" indent="-311150">
+              <a:lnSpc>
+                <a:spcPct val="115000"/>
+              </a:lnSpc>
+              <a:buClr>
+                <a:schemeClr val="accent1"/>
+              </a:buClr>
+              <a:buSzPts val="1300"/>
+              <a:buFont typeface="Helvetica"/>
+              <a:buChar char="●"/>
+              <a:defRPr sz="1300"/>
+            </a:pPr>
+          </a:p>
+        </p:txBody>
+      </p:sp>
+      <p:sp>
+        <p:nvSpPr>
+          <p:cNvPr id="82" name="幻灯片编号"/>
+          <p:cNvSpPr txBox="1"/>
           <p:nvPr>
             <p:ph type="sldNum" sz="quarter" idx="2"/>
           </p:nvPr>
@@ -1172,10 +2114,8 @@
           <a:bodyPr/>
           <a:lstStyle/>
           <a:p>
-            <a:fld id="{86CB4B4D-7CA3-9044-876B-883B54F8677D}" type="slidenum">
-              <a:t>‹#›</a:t>
-            </a:fld>
-            <a:endParaRPr/>
+            <a:pPr/>
+            <a:fld id="{86CB4B4D-7CA3-9044-876B-883B54F8677D}" type="slidenum"/>
           </a:p>
         </p:txBody>
       </p:sp>
@@ -1184,13 +2124,20 @@
   <p:clrMapOvr>
     <a:masterClrMapping/>
   </p:clrMapOvr>
-  <p:transition spd="med"/>
+  <p:transition xmlns:p14="http://schemas.microsoft.com/office/powerpoint/2010/main" spd="med" advClick="1"/>
 </p:sldLayout>
 </file>
 
-<file path=ppt/slideLayouts/slideLayout4.xml><?xml version="1.0" encoding="utf-8"?>
-<p:sldLayout xmlns:a="http://schemas.openxmlformats.org/drawingml/2006/main" xmlns:r="http://schemas.openxmlformats.org/officeDocument/2006/relationships" xmlns:p="http://schemas.openxmlformats.org/presentationml/2006/main" type="tx">
-  <p:cSld name="Title and two columns">
+<file path=ppt/slideLayouts/slideLayout7.xml><?xml version="1.0" encoding="utf-8"?>
+<p:sldLayout xmlns:a="http://schemas.openxmlformats.org/drawingml/2006/main" xmlns:r="http://schemas.openxmlformats.org/officeDocument/2006/relationships" xmlns:p="http://schemas.openxmlformats.org/presentationml/2006/main" xmlns:m="http://schemas.openxmlformats.org/officeDocument/2006/math" xmlns:a14="http://schemas.microsoft.com/office/drawing/2010/main" type="tx" showMasterSp="0" showMasterPhAnim="1">
+  <p:cSld name="Caption">
+    <p:bg>
+      <p:bgPr>
+        <a:solidFill>
+          <a:srgbClr val="FFFFFF"/>
+        </a:solidFill>
+      </p:bgPr>
+    </p:bg>
     <p:spTree>
       <p:nvGrpSpPr>
         <p:cNvPr id="1" name=""/>
@@ -1207,122 +2154,84 @@
       </p:grpSpPr>
       <p:sp>
         <p:nvSpPr>
-          <p:cNvPr id="48" name="标题文本"/>
-          <p:cNvSpPr txBox="1">
-            <a:spLocks noGrp="1"/>
-          </p:cNvSpPr>
+          <p:cNvPr id="89" name="正文级别 1…"/>
+          <p:cNvSpPr txBox="1"/>
           <p:nvPr>
-            <p:ph type="title"/>
+            <p:ph type="body" sz="quarter" idx="1"/>
           </p:nvPr>
         </p:nvSpPr>
         <p:spPr>
+          <a:xfrm>
+            <a:off x="966600" y="5830068"/>
+            <a:ext cx="10263200" cy="614002"/>
+          </a:xfrm>
           <a:prstGeom prst="rect">
             <a:avLst/>
           </a:prstGeom>
         </p:spPr>
         <p:txBody>
-          <a:bodyPr/>
-          <a:lstStyle/>
-          <a:p>
-            <a:r>
-              <a:t>标题文本</a:t>
+          <a:bodyPr anchor="ctr"/>
+          <a:lstStyle>
+            <a:lvl1pPr marL="0" indent="304792">
+              <a:defRPr sz="1300"/>
+            </a:lvl1pPr>
+            <a:lvl2pPr marL="968662" indent="-352712">
+              <a:buSzPts val="1300"/>
+              <a:buChar char="○"/>
+              <a:defRPr sz="1300"/>
+            </a:lvl2pPr>
+            <a:lvl3pPr marL="1425862" indent="-352712">
+              <a:buSzPts val="1300"/>
+              <a:buChar char="■"/>
+              <a:defRPr sz="1300"/>
+            </a:lvl3pPr>
+            <a:lvl4pPr marL="1883062" indent="-352712">
+              <a:buSzPts val="1300"/>
+              <a:buChar char="●"/>
+              <a:defRPr sz="1300"/>
+            </a:lvl4pPr>
+            <a:lvl5pPr marL="2340262" indent="-352712">
+              <a:buSzPts val="1300"/>
+              <a:buChar char="○"/>
+              <a:defRPr sz="1300"/>
+            </a:lvl5pPr>
+          </a:lstStyle>
+          <a:p>
+            <a:pPr/>
+            <a:r>
+              <a:t>正文级别 1</a:t>
+            </a:r>
+          </a:p>
+          <a:p>
+            <a:pPr lvl="1"/>
+            <a:r>
+              <a:t>正文级别 2</a:t>
+            </a:r>
+          </a:p>
+          <a:p>
+            <a:pPr lvl="2"/>
+            <a:r>
+              <a:t>正文级别 3</a:t>
+            </a:r>
+          </a:p>
+          <a:p>
+            <a:pPr lvl="3"/>
+            <a:r>
+              <a:t>正文级别 4</a:t>
+            </a:r>
+          </a:p>
+          <a:p>
+            <a:pPr lvl="4"/>
+            <a:r>
+              <a:t>正文级别 5</a:t>
             </a:r>
           </a:p>
         </p:txBody>
       </p:sp>
       <p:sp>
         <p:nvSpPr>
-          <p:cNvPr id="49" name="正文级别 1…"/>
-          <p:cNvSpPr txBox="1">
-            <a:spLocks noGrp="1"/>
-          </p:cNvSpPr>
-          <p:nvPr>
-            <p:ph type="body" sz="quarter" idx="1"/>
-          </p:nvPr>
-        </p:nvSpPr>
-        <p:spPr>
-          <a:xfrm>
-            <a:off x="972432" y="2771832"/>
-            <a:ext cx="5032402" cy="3014802"/>
-          </a:xfrm>
-          <a:prstGeom prst="rect">
-            <a:avLst/>
-          </a:prstGeom>
-        </p:spPr>
-        <p:txBody>
-          <a:bodyPr/>
-          <a:lstStyle>
-            <a:lvl1pPr marL="609584" indent="-414855"/>
-            <a:lvl2pPr marL="1291519" indent="-470272"/>
-            <a:lvl3pPr marL="1901103" indent="-470272"/>
-            <a:lvl4pPr marL="2510688" indent="-470272"/>
-            <a:lvl5pPr marL="3120273" indent="-470272"/>
-          </a:lstStyle>
-          <a:p>
-            <a:r>
-              <a:t>正文级别 1</a:t>
-            </a:r>
-          </a:p>
-          <a:p>
-            <a:pPr lvl="1"/>
-            <a:r>
-              <a:t>正文级别 2</a:t>
-            </a:r>
-          </a:p>
-          <a:p>
-            <a:pPr lvl="2"/>
-            <a:r>
-              <a:t>正文级别 3</a:t>
-            </a:r>
-          </a:p>
-          <a:p>
-            <a:pPr lvl="3"/>
-            <a:r>
-              <a:t>正文级别 4</a:t>
-            </a:r>
-          </a:p>
-          <a:p>
-            <a:pPr lvl="4"/>
-            <a:r>
-              <a:t>正文级别 5</a:t>
-            </a:r>
-          </a:p>
-        </p:txBody>
-      </p:sp>
-      <p:sp>
-        <p:nvSpPr>
-          <p:cNvPr id="50" name="Google Shape;38;p5"/>
-          <p:cNvSpPr txBox="1">
-            <a:spLocks noGrp="1"/>
-          </p:cNvSpPr>
-          <p:nvPr>
-            <p:ph type="body" sz="quarter" idx="21"/>
-          </p:nvPr>
-        </p:nvSpPr>
-        <p:spPr>
-          <a:xfrm>
-            <a:off x="6191471" y="2771832"/>
-            <a:ext cx="5032402" cy="3014801"/>
-          </a:xfrm>
-          <a:prstGeom prst="rect">
-            <a:avLst/>
-          </a:prstGeom>
-        </p:spPr>
-        <p:txBody>
-          <a:bodyPr/>
-          <a:lstStyle/>
-          <a:p>
-            <a:pPr marL="609584" indent="-414855"/>
-            <a:endParaRPr/>
-          </a:p>
-        </p:txBody>
-      </p:sp>
-      <p:sp>
-        <p:nvSpPr>
-          <p:cNvPr id="51" name="幻灯片编号"/>
-          <p:cNvSpPr txBox="1">
-            <a:spLocks noGrp="1"/>
-          </p:cNvSpPr>
+          <p:cNvPr id="90" name="幻灯片编号"/>
+          <p:cNvSpPr txBox="1"/>
           <p:nvPr>
             <p:ph type="sldNum" sz="quarter" idx="2"/>
           </p:nvPr>
@@ -1336,10 +2245,8 @@
           <a:bodyPr/>
           <a:lstStyle/>
           <a:p>
-            <a:fld id="{86CB4B4D-7CA3-9044-876B-883B54F8677D}" type="slidenum">
-              <a:t>‹#›</a:t>
-            </a:fld>
-            <a:endParaRPr/>
+            <a:pPr/>
+            <a:fld id="{86CB4B4D-7CA3-9044-876B-883B54F8677D}" type="slidenum"/>
           </a:p>
         </p:txBody>
       </p:sp>
@@ -1348,159 +2255,18 @@
   <p:clrMapOvr>
     <a:masterClrMapping/>
   </p:clrMapOvr>
-  <p:transition spd="med"/>
+  <p:transition xmlns:p14="http://schemas.microsoft.com/office/powerpoint/2010/main" spd="med" advClick="1"/>
 </p:sldLayout>
 </file>
 
-<file path=ppt/slideLayouts/slideLayout5.xml><?xml version="1.0" encoding="utf-8"?>
-<p:sldLayout xmlns:a="http://schemas.openxmlformats.org/drawingml/2006/main" xmlns:r="http://schemas.openxmlformats.org/officeDocument/2006/relationships" xmlns:p="http://schemas.openxmlformats.org/presentationml/2006/main" type="tx">
-  <p:cSld name="One column text">
-    <p:spTree>
-      <p:nvGrpSpPr>
-        <p:cNvPr id="1" name=""/>
-        <p:cNvGrpSpPr/>
-        <p:nvPr/>
-      </p:nvGrpSpPr>
-      <p:grpSpPr>
-        <a:xfrm>
-          <a:off x="0" y="0"/>
-          <a:ext cx="0" cy="0"/>
-          <a:chOff x="0" y="0"/>
-          <a:chExt cx="0" cy="0"/>
-        </a:xfrm>
-      </p:grpSpPr>
-      <p:sp>
-        <p:nvSpPr>
-          <p:cNvPr id="66" name="标题文本"/>
-          <p:cNvSpPr txBox="1">
-            <a:spLocks noGrp="1"/>
-          </p:cNvSpPr>
-          <p:nvPr>
-            <p:ph type="title"/>
-          </p:nvPr>
-        </p:nvSpPr>
-        <p:spPr>
-          <a:xfrm>
-            <a:off x="973333" y="1758200"/>
-            <a:ext cx="4401200" cy="1842001"/>
-          </a:xfrm>
-          <a:prstGeom prst="rect">
-            <a:avLst/>
-          </a:prstGeom>
-        </p:spPr>
-        <p:txBody>
-          <a:bodyPr/>
-          <a:lstStyle/>
-          <a:p>
-            <a:r>
-              <a:t>标题文本</a:t>
-            </a:r>
-          </a:p>
-        </p:txBody>
-      </p:sp>
-      <p:sp>
-        <p:nvSpPr>
-          <p:cNvPr id="67" name="正文级别 1…"/>
-          <p:cNvSpPr txBox="1">
-            <a:spLocks noGrp="1"/>
-          </p:cNvSpPr>
-          <p:nvPr>
-            <p:ph type="body" sz="quarter" idx="1"/>
-          </p:nvPr>
-        </p:nvSpPr>
-        <p:spPr>
-          <a:xfrm>
-            <a:off x="961632" y="3708967"/>
-            <a:ext cx="4401201" cy="2130001"/>
-          </a:xfrm>
-          <a:prstGeom prst="rect">
-            <a:avLst/>
-          </a:prstGeom>
-        </p:spPr>
-        <p:txBody>
-          <a:bodyPr/>
-          <a:lstStyle>
-            <a:lvl1pPr marL="609584" indent="-414855"/>
-            <a:lvl2pPr marL="1291519" indent="-470272"/>
-            <a:lvl3pPr marL="1901103" indent="-470272"/>
-            <a:lvl4pPr marL="2510688" indent="-470272"/>
-            <a:lvl5pPr marL="3120273" indent="-470272"/>
-          </a:lstStyle>
-          <a:p>
-            <a:r>
-              <a:t>正文级别 1</a:t>
-            </a:r>
-          </a:p>
-          <a:p>
-            <a:pPr lvl="1"/>
-            <a:r>
-              <a:t>正文级别 2</a:t>
-            </a:r>
-          </a:p>
-          <a:p>
-            <a:pPr lvl="2"/>
-            <a:r>
-              <a:t>正文级别 3</a:t>
-            </a:r>
-          </a:p>
-          <a:p>
-            <a:pPr lvl="3"/>
-            <a:r>
-              <a:t>正文级别 4</a:t>
-            </a:r>
-          </a:p>
-          <a:p>
-            <a:pPr lvl="4"/>
-            <a:r>
-              <a:t>正文级别 5</a:t>
-            </a:r>
-          </a:p>
-        </p:txBody>
-      </p:sp>
-      <p:sp>
-        <p:nvSpPr>
-          <p:cNvPr id="68" name="幻灯片编号"/>
-          <p:cNvSpPr txBox="1">
-            <a:spLocks noGrp="1"/>
-          </p:cNvSpPr>
-          <p:nvPr>
-            <p:ph type="sldNum" sz="quarter" idx="2"/>
-          </p:nvPr>
-        </p:nvSpPr>
-        <p:spPr>
-          <a:prstGeom prst="rect">
-            <a:avLst/>
-          </a:prstGeom>
-        </p:spPr>
-        <p:txBody>
-          <a:bodyPr/>
-          <a:lstStyle/>
-          <a:p>
-            <a:fld id="{86CB4B4D-7CA3-9044-876B-883B54F8677D}" type="slidenum">
-              <a:t>‹#›</a:t>
-            </a:fld>
-            <a:endParaRPr/>
-          </a:p>
-        </p:txBody>
-      </p:sp>
-    </p:spTree>
-  </p:cSld>
-  <p:clrMapOvr>
-    <a:masterClrMapping/>
-  </p:clrMapOvr>
-  <p:transition spd="med"/>
-</p:sldLayout>
-</file>
-
-<file path=ppt/slideLayouts/slideLayout6.xml><?xml version="1.0" encoding="utf-8"?>
-<p:sldLayout xmlns:a="http://schemas.openxmlformats.org/drawingml/2006/main" xmlns:r="http://schemas.openxmlformats.org/officeDocument/2006/relationships" xmlns:p="http://schemas.openxmlformats.org/presentationml/2006/main" showMasterSp="0" type="tx">
-  <p:cSld name="Main point">
+<file path=ppt/slideLayouts/slideLayout8.xml><?xml version="1.0" encoding="utf-8"?>
+<p:sldLayout xmlns:a="http://schemas.openxmlformats.org/drawingml/2006/main" xmlns:r="http://schemas.openxmlformats.org/officeDocument/2006/relationships" xmlns:p="http://schemas.openxmlformats.org/presentationml/2006/main" xmlns:m="http://schemas.openxmlformats.org/officeDocument/2006/math" xmlns:a14="http://schemas.microsoft.com/office/drawing/2010/main" type="tx" showMasterSp="0" showMasterPhAnim="1">
+  <p:cSld name="Big number">
     <p:bg>
       <p:bgPr>
         <a:solidFill>
-          <a:schemeClr val="accent3"/>
+          <a:srgbClr val="1A9988"/>
         </a:solidFill>
-        <a:effectLst/>
       </p:bgPr>
     </p:bg>
     <p:spTree>
@@ -1519,28 +2285,28 @@
       </p:grpSpPr>
       <p:grpSp>
         <p:nvGrpSpPr>
-          <p:cNvPr id="77" name="Google Shape;56;p8"/>
+          <p:cNvPr id="99" name="Google Shape;74;p11"/>
           <p:cNvGrpSpPr/>
           <p:nvPr/>
         </p:nvGrpSpPr>
         <p:grpSpPr>
           <a:xfrm>
-            <a:off x="1107190" y="5558840"/>
-            <a:ext cx="994351" cy="61102"/>
+            <a:off x="1107189" y="5558839"/>
+            <a:ext cx="994353" cy="61104"/>
             <a:chOff x="0" y="0"/>
-            <a:chExt cx="994350" cy="61101"/>
+            <a:chExt cx="994351" cy="61103"/>
           </a:xfrm>
         </p:grpSpPr>
         <p:sp>
           <p:nvSpPr>
-            <p:cNvPr id="75" name="Google Shape;57;p8"/>
+            <p:cNvPr id="97" name="Google Shape;75;p11"/>
             <p:cNvSpPr/>
             <p:nvPr/>
           </p:nvSpPr>
           <p:spPr>
             <a:xfrm rot="16200000">
               <a:off x="715227" y="-218022"/>
-              <a:ext cx="61102" cy="497145"/>
+              <a:ext cx="61104" cy="497146"/>
             </a:xfrm>
             <a:prstGeom prst="rect">
               <a:avLst/>
@@ -1555,28 +2321,32 @@
             <a:effectLst/>
           </p:spPr>
           <p:txBody>
-            <a:bodyPr wrap="square" lIns="45719" tIns="45719" rIns="45719" bIns="45719" numCol="1" anchor="ctr">
+            <a:bodyPr wrap="square" lIns="45718" tIns="45718" rIns="45718" bIns="45718" numCol="1" anchor="ctr">
               <a:noAutofit/>
             </a:bodyPr>
             <a:lstStyle/>
             <a:p>
               <a:pPr>
-                <a:defRPr sz="2400"/>
+                <a:defRPr sz="2400">
+                  <a:latin typeface="Arial"/>
+                  <a:ea typeface="Arial"/>
+                  <a:cs typeface="Arial"/>
+                  <a:sym typeface="Arial"/>
+                </a:defRPr>
               </a:pPr>
-              <a:endParaRPr/>
             </a:p>
           </p:txBody>
         </p:sp>
         <p:sp>
           <p:nvSpPr>
-            <p:cNvPr id="76" name="Google Shape;58;p8"/>
+            <p:cNvPr id="98" name="Google Shape;76;p11"/>
             <p:cNvSpPr/>
             <p:nvPr/>
           </p:nvSpPr>
           <p:spPr>
             <a:xfrm rot="16200000">
-              <a:off x="220124" y="-220125"/>
-              <a:ext cx="61102" cy="501351"/>
+              <a:off x="220123" y="-220125"/>
+              <a:ext cx="61104" cy="501352"/>
             </a:xfrm>
             <a:prstGeom prst="rect">
               <a:avLst/>
@@ -1591,43 +2361,45 @@
             <a:effectLst/>
           </p:spPr>
           <p:txBody>
-            <a:bodyPr wrap="square" lIns="45719" tIns="45719" rIns="45719" bIns="45719" numCol="1" anchor="ctr">
+            <a:bodyPr wrap="square" lIns="45718" tIns="45718" rIns="45718" bIns="45718" numCol="1" anchor="ctr">
               <a:noAutofit/>
             </a:bodyPr>
             <a:lstStyle/>
             <a:p>
               <a:pPr>
-                <a:defRPr sz="2400"/>
+                <a:defRPr sz="2400">
+                  <a:latin typeface="Arial"/>
+                  <a:ea typeface="Arial"/>
+                  <a:cs typeface="Arial"/>
+                  <a:sym typeface="Arial"/>
+                </a:defRPr>
               </a:pPr>
-              <a:endParaRPr/>
             </a:p>
           </p:txBody>
         </p:sp>
       </p:grpSp>
       <p:sp>
         <p:nvSpPr>
-          <p:cNvPr id="78" name="标题文本"/>
-          <p:cNvSpPr txBox="1">
-            <a:spLocks noGrp="1"/>
-          </p:cNvSpPr>
+          <p:cNvPr id="100" name="xx%"/>
+          <p:cNvSpPr txBox="1"/>
           <p:nvPr>
-            <p:ph type="title"/>
+            <p:ph type="title" hasCustomPrompt="1"/>
           </p:nvPr>
         </p:nvSpPr>
         <p:spPr>
           <a:xfrm>
-            <a:off x="972600" y="1152400"/>
-            <a:ext cx="9361600" cy="3980001"/>
+            <a:off x="972600" y="978598"/>
+            <a:ext cx="10251200" cy="1659603"/>
           </a:xfrm>
           <a:prstGeom prst="rect">
             <a:avLst/>
           </a:prstGeom>
         </p:spPr>
         <p:txBody>
-          <a:bodyPr anchor="ctr"/>
+          <a:bodyPr/>
           <a:lstStyle>
             <a:lvl1pPr>
-              <a:defRPr sz="4800">
+              <a:defRPr sz="10600">
                 <a:solidFill>
                   <a:srgbClr val="FFFFFF"/>
                 </a:solidFill>
@@ -1635,18 +2407,150 @@
             </a:lvl1pPr>
           </a:lstStyle>
           <a:p>
-            <a:r>
-              <a:t>标题文本</a:t>
+            <a:pPr/>
+            <a:r>
+              <a:t>xx%</a:t>
             </a:r>
           </a:p>
         </p:txBody>
       </p:sp>
       <p:sp>
         <p:nvSpPr>
-          <p:cNvPr id="79" name="幻灯片编号"/>
-          <p:cNvSpPr txBox="1">
-            <a:spLocks noGrp="1"/>
-          </p:cNvSpPr>
+          <p:cNvPr id="101" name="正文级别 1…"/>
+          <p:cNvSpPr txBox="1"/>
+          <p:nvPr>
+            <p:ph type="body" sz="half" idx="1"/>
+          </p:nvPr>
+        </p:nvSpPr>
+        <p:spPr>
+          <a:xfrm>
+            <a:off x="972600" y="3030515"/>
+            <a:ext cx="10251200" cy="2107203"/>
+          </a:xfrm>
+          <a:prstGeom prst="rect">
+            <a:avLst/>
+          </a:prstGeom>
+        </p:spPr>
+        <p:txBody>
+          <a:bodyPr/>
+          <a:lstStyle>
+            <a:lvl1pPr marL="609584" indent="-414855">
+              <a:lnSpc>
+                <a:spcPct val="115000"/>
+              </a:lnSpc>
+              <a:buClr>
+                <a:srgbClr val="FFFFFF"/>
+              </a:buClr>
+              <a:buSzPts val="1300"/>
+              <a:buFont typeface="Helvetica"/>
+              <a:buChar char="●"/>
+              <a:defRPr sz="1300">
+                <a:solidFill>
+                  <a:srgbClr val="FFFFFF"/>
+                </a:solidFill>
+              </a:defRPr>
+            </a:lvl1pPr>
+            <a:lvl2pPr marL="1291519" indent="-470272">
+              <a:lnSpc>
+                <a:spcPct val="115000"/>
+              </a:lnSpc>
+              <a:buClr>
+                <a:srgbClr val="FFFFFF"/>
+              </a:buClr>
+              <a:buSzPts val="1300"/>
+              <a:buFont typeface="Helvetica"/>
+              <a:buChar char="○"/>
+              <a:defRPr sz="1300">
+                <a:solidFill>
+                  <a:srgbClr val="FFFFFF"/>
+                </a:solidFill>
+              </a:defRPr>
+            </a:lvl2pPr>
+            <a:lvl3pPr marL="1901102" indent="-470272">
+              <a:lnSpc>
+                <a:spcPct val="115000"/>
+              </a:lnSpc>
+              <a:buClr>
+                <a:srgbClr val="FFFFFF"/>
+              </a:buClr>
+              <a:buSzPts val="1300"/>
+              <a:buFont typeface="Helvetica"/>
+              <a:buChar char="■"/>
+              <a:defRPr sz="1300">
+                <a:solidFill>
+                  <a:srgbClr val="FFFFFF"/>
+                </a:solidFill>
+              </a:defRPr>
+            </a:lvl3pPr>
+            <a:lvl4pPr marL="2510688" indent="-470272">
+              <a:lnSpc>
+                <a:spcPct val="115000"/>
+              </a:lnSpc>
+              <a:buClr>
+                <a:srgbClr val="FFFFFF"/>
+              </a:buClr>
+              <a:buSzPts val="1300"/>
+              <a:buFont typeface="Helvetica"/>
+              <a:buChar char="●"/>
+              <a:defRPr sz="1300">
+                <a:solidFill>
+                  <a:srgbClr val="FFFFFF"/>
+                </a:solidFill>
+              </a:defRPr>
+            </a:lvl4pPr>
+            <a:lvl5pPr marL="3120272" indent="-470272">
+              <a:lnSpc>
+                <a:spcPct val="115000"/>
+              </a:lnSpc>
+              <a:buClr>
+                <a:srgbClr val="FFFFFF"/>
+              </a:buClr>
+              <a:buSzPts val="1300"/>
+              <a:buFont typeface="Helvetica"/>
+              <a:buChar char="○"/>
+              <a:defRPr sz="1300">
+                <a:solidFill>
+                  <a:srgbClr val="FFFFFF"/>
+                </a:solidFill>
+              </a:defRPr>
+            </a:lvl5pPr>
+          </a:lstStyle>
+          <a:p>
+            <a:pPr/>
+            <a:r>
+              <a:t>正文级别 1</a:t>
+            </a:r>
+          </a:p>
+          <a:p>
+            <a:pPr lvl="1"/>
+            <a:r>
+              <a:t>正文级别 2</a:t>
+            </a:r>
+          </a:p>
+          <a:p>
+            <a:pPr lvl="2"/>
+            <a:r>
+              <a:t>正文级别 3</a:t>
+            </a:r>
+          </a:p>
+          <a:p>
+            <a:pPr lvl="3"/>
+            <a:r>
+              <a:t>正文级别 4</a:t>
+            </a:r>
+          </a:p>
+          <a:p>
+            <a:pPr lvl="4"/>
+            <a:r>
+              <a:t>正文级别 5</a:t>
+            </a:r>
+          </a:p>
+        </p:txBody>
+      </p:sp>
+      <p:sp>
+        <p:nvSpPr>
+          <p:cNvPr id="102" name="幻灯片编号"/>
+          <p:cNvSpPr txBox="1"/>
           <p:nvPr>
             <p:ph type="sldNum" sz="quarter" idx="2"/>
           </p:nvPr>
@@ -1668,10 +2572,8 @@
             </a:lvl1pPr>
           </a:lstStyle>
           <a:p>
-            <a:fld id="{86CB4B4D-7CA3-9044-876B-883B54F8677D}" type="slidenum">
-              <a:t>‹#›</a:t>
-            </a:fld>
-            <a:endParaRPr/>
+            <a:pPr/>
+            <a:fld id="{86CB4B4D-7CA3-9044-876B-883B54F8677D}" type="slidenum"/>
           </a:p>
         </p:txBody>
       </p:sp>
@@ -1680,790 +2582,18 @@
   <p:clrMapOvr>
     <a:masterClrMapping/>
   </p:clrMapOvr>
-  <p:transition spd="med"/>
-</p:sldLayout>
-</file>
-
-<file path=ppt/slideLayouts/slideLayout7.xml><?xml version="1.0" encoding="utf-8"?>
-<p:sldLayout xmlns:a="http://schemas.openxmlformats.org/drawingml/2006/main" xmlns:r="http://schemas.openxmlformats.org/officeDocument/2006/relationships" xmlns:p="http://schemas.openxmlformats.org/presentationml/2006/main" showMasterSp="0" type="tx">
-  <p:cSld name="Section title and description">
-    <p:spTree>
-      <p:nvGrpSpPr>
-        <p:cNvPr id="1" name=""/>
-        <p:cNvGrpSpPr/>
-        <p:nvPr/>
-      </p:nvGrpSpPr>
-      <p:grpSpPr>
-        <a:xfrm>
-          <a:off x="0" y="0"/>
-          <a:ext cx="0" cy="0"/>
-          <a:chOff x="0" y="0"/>
-          <a:chExt cx="0" cy="0"/>
-        </a:xfrm>
-      </p:grpSpPr>
-      <p:sp>
-        <p:nvSpPr>
-          <p:cNvPr id="86" name="Google Shape;62;p9"/>
-          <p:cNvSpPr/>
-          <p:nvPr/>
-        </p:nvSpPr>
-        <p:spPr>
-          <a:xfrm>
-            <a:off x="0" y="0"/>
-            <a:ext cx="6096000" cy="6858000"/>
-          </a:xfrm>
-          <a:prstGeom prst="rect">
-            <a:avLst/>
-          </a:prstGeom>
-          <a:solidFill>
-            <a:srgbClr val="E9EDEE"/>
-          </a:solidFill>
-          <a:ln w="12700">
-            <a:miter lim="400000"/>
-          </a:ln>
-        </p:spPr>
-        <p:txBody>
-          <a:bodyPr lIns="45719" rIns="45719" anchor="ctr"/>
-          <a:lstStyle/>
-          <a:p>
-            <a:pPr>
-              <a:defRPr sz="2400"/>
-            </a:pPr>
-            <a:endParaRPr/>
-          </a:p>
-        </p:txBody>
-      </p:sp>
-      <p:grpSp>
-        <p:nvGrpSpPr>
-          <p:cNvPr id="89" name="Google Shape;63;p9"/>
-          <p:cNvGrpSpPr/>
-          <p:nvPr/>
-        </p:nvGrpSpPr>
-        <p:grpSpPr>
-          <a:xfrm>
-            <a:off x="1107190" y="1588342"/>
-            <a:ext cx="994351" cy="61102"/>
-            <a:chOff x="0" y="0"/>
-            <a:chExt cx="994350" cy="61101"/>
-          </a:xfrm>
-        </p:grpSpPr>
-        <p:sp>
-          <p:nvSpPr>
-            <p:cNvPr id="87" name="Google Shape;64;p9"/>
-            <p:cNvSpPr/>
-            <p:nvPr/>
-          </p:nvSpPr>
-          <p:spPr>
-            <a:xfrm rot="16200000">
-              <a:off x="715227" y="-218022"/>
-              <a:ext cx="61102" cy="497145"/>
-            </a:xfrm>
-            <a:prstGeom prst="rect">
-              <a:avLst/>
-            </a:prstGeom>
-            <a:solidFill>
-              <a:schemeClr val="accent3"/>
-            </a:solidFill>
-            <a:ln w="12700" cap="flat">
-              <a:noFill/>
-              <a:miter lim="400000"/>
-            </a:ln>
-            <a:effectLst/>
-          </p:spPr>
-          <p:txBody>
-            <a:bodyPr wrap="square" lIns="45719" tIns="45719" rIns="45719" bIns="45719" numCol="1" anchor="ctr">
-              <a:noAutofit/>
-            </a:bodyPr>
-            <a:lstStyle/>
-            <a:p>
-              <a:pPr>
-                <a:defRPr sz="2400"/>
-              </a:pPr>
-              <a:endParaRPr/>
-            </a:p>
-          </p:txBody>
-        </p:sp>
-        <p:sp>
-          <p:nvSpPr>
-            <p:cNvPr id="88" name="Google Shape;65;p9"/>
-            <p:cNvSpPr/>
-            <p:nvPr/>
-          </p:nvSpPr>
-          <p:spPr>
-            <a:xfrm rot="16200000">
-              <a:off x="220124" y="-220125"/>
-              <a:ext cx="61102" cy="501351"/>
-            </a:xfrm>
-            <a:prstGeom prst="rect">
-              <a:avLst/>
-            </a:prstGeom>
-            <a:solidFill>
-              <a:srgbClr val="1A9988"/>
-            </a:solidFill>
-            <a:ln w="12700" cap="flat">
-              <a:noFill/>
-              <a:miter lim="400000"/>
-            </a:ln>
-            <a:effectLst/>
-          </p:spPr>
-          <p:txBody>
-            <a:bodyPr wrap="square" lIns="45719" tIns="45719" rIns="45719" bIns="45719" numCol="1" anchor="ctr">
-              <a:noAutofit/>
-            </a:bodyPr>
-            <a:lstStyle/>
-            <a:p>
-              <a:pPr>
-                <a:defRPr sz="2400"/>
-              </a:pPr>
-              <a:endParaRPr/>
-            </a:p>
-          </p:txBody>
-        </p:sp>
-      </p:grpSp>
-      <p:sp>
-        <p:nvSpPr>
-          <p:cNvPr id="90" name="标题文本"/>
-          <p:cNvSpPr txBox="1">
-            <a:spLocks noGrp="1"/>
-          </p:cNvSpPr>
-          <p:nvPr>
-            <p:ph type="title"/>
-          </p:nvPr>
-        </p:nvSpPr>
-        <p:spPr>
-          <a:xfrm>
-            <a:off x="973333" y="1758200"/>
-            <a:ext cx="4401200" cy="2249601"/>
-          </a:xfrm>
-          <a:prstGeom prst="rect">
-            <a:avLst/>
-          </a:prstGeom>
-        </p:spPr>
-        <p:txBody>
-          <a:bodyPr/>
-          <a:lstStyle/>
-          <a:p>
-            <a:r>
-              <a:t>标题文本</a:t>
-            </a:r>
-          </a:p>
-        </p:txBody>
-      </p:sp>
-      <p:sp>
-        <p:nvSpPr>
-          <p:cNvPr id="91" name="正文级别 1…"/>
-          <p:cNvSpPr txBox="1">
-            <a:spLocks noGrp="1"/>
-          </p:cNvSpPr>
-          <p:nvPr>
-            <p:ph type="body" sz="quarter" idx="1"/>
-          </p:nvPr>
-        </p:nvSpPr>
-        <p:spPr>
-          <a:xfrm>
-            <a:off x="966600" y="4215367"/>
-            <a:ext cx="4401200" cy="1012001"/>
-          </a:xfrm>
-          <a:prstGeom prst="rect">
-            <a:avLst/>
-          </a:prstGeom>
-        </p:spPr>
-        <p:txBody>
-          <a:bodyPr/>
-          <a:lstStyle>
-            <a:lvl1pPr marL="311150" indent="-165100">
-              <a:lnSpc>
-                <a:spcPct val="100000"/>
-              </a:lnSpc>
-              <a:buClrTx/>
-              <a:buSzTx/>
-              <a:buFontTx/>
-              <a:buNone/>
-              <a:defRPr sz="2100"/>
-            </a:lvl1pPr>
-            <a:lvl2pPr marL="311150" indent="304800">
-              <a:lnSpc>
-                <a:spcPct val="100000"/>
-              </a:lnSpc>
-              <a:buClrTx/>
-              <a:buSzTx/>
-              <a:buFontTx/>
-              <a:buNone/>
-              <a:defRPr sz="2100"/>
-            </a:lvl2pPr>
-            <a:lvl3pPr marL="311150" indent="762000">
-              <a:lnSpc>
-                <a:spcPct val="100000"/>
-              </a:lnSpc>
-              <a:buClrTx/>
-              <a:buSzTx/>
-              <a:buFontTx/>
-              <a:buNone/>
-              <a:defRPr sz="2100"/>
-            </a:lvl3pPr>
-            <a:lvl4pPr marL="311150" indent="1219200">
-              <a:lnSpc>
-                <a:spcPct val="100000"/>
-              </a:lnSpc>
-              <a:buClrTx/>
-              <a:buSzTx/>
-              <a:buFontTx/>
-              <a:buNone/>
-              <a:defRPr sz="2100"/>
-            </a:lvl4pPr>
-            <a:lvl5pPr marL="311150" indent="1676400">
-              <a:lnSpc>
-                <a:spcPct val="100000"/>
-              </a:lnSpc>
-              <a:buClrTx/>
-              <a:buSzTx/>
-              <a:buFontTx/>
-              <a:buNone/>
-              <a:defRPr sz="2100"/>
-            </a:lvl5pPr>
-          </a:lstStyle>
-          <a:p>
-            <a:r>
-              <a:t>正文级别 1</a:t>
-            </a:r>
-          </a:p>
-          <a:p>
-            <a:pPr lvl="1"/>
-            <a:r>
-              <a:t>正文级别 2</a:t>
-            </a:r>
-          </a:p>
-          <a:p>
-            <a:pPr lvl="2"/>
-            <a:r>
-              <a:t>正文级别 3</a:t>
-            </a:r>
-          </a:p>
-          <a:p>
-            <a:pPr lvl="3"/>
-            <a:r>
-              <a:t>正文级别 4</a:t>
-            </a:r>
-          </a:p>
-          <a:p>
-            <a:pPr lvl="4"/>
-            <a:r>
-              <a:t>正文级别 5</a:t>
-            </a:r>
-          </a:p>
-        </p:txBody>
-      </p:sp>
-      <p:sp>
-        <p:nvSpPr>
-          <p:cNvPr id="92" name="Google Shape;68;p9"/>
-          <p:cNvSpPr txBox="1">
-            <a:spLocks noGrp="1"/>
-          </p:cNvSpPr>
-          <p:nvPr>
-            <p:ph type="body" sz="half" idx="21"/>
-          </p:nvPr>
-        </p:nvSpPr>
-        <p:spPr>
-          <a:xfrm>
-            <a:off x="6898967" y="1803500"/>
-            <a:ext cx="4499201" cy="4034000"/>
-          </a:xfrm>
-          <a:prstGeom prst="rect">
-            <a:avLst/>
-          </a:prstGeom>
-        </p:spPr>
-        <p:txBody>
-          <a:bodyPr/>
-          <a:lstStyle/>
-          <a:p>
-            <a:pPr marL="609584" indent="-414855"/>
-            <a:endParaRPr/>
-          </a:p>
-        </p:txBody>
-      </p:sp>
-      <p:sp>
-        <p:nvSpPr>
-          <p:cNvPr id="93" name="幻灯片编号"/>
-          <p:cNvSpPr txBox="1">
-            <a:spLocks noGrp="1"/>
-          </p:cNvSpPr>
-          <p:nvPr>
-            <p:ph type="sldNum" sz="quarter" idx="2"/>
-          </p:nvPr>
-        </p:nvSpPr>
-        <p:spPr>
-          <a:prstGeom prst="rect">
-            <a:avLst/>
-          </a:prstGeom>
-        </p:spPr>
-        <p:txBody>
-          <a:bodyPr/>
-          <a:lstStyle/>
-          <a:p>
-            <a:fld id="{86CB4B4D-7CA3-9044-876B-883B54F8677D}" type="slidenum">
-              <a:t>‹#›</a:t>
-            </a:fld>
-            <a:endParaRPr/>
-          </a:p>
-        </p:txBody>
-      </p:sp>
-    </p:spTree>
-  </p:cSld>
-  <p:clrMapOvr>
-    <a:masterClrMapping/>
-  </p:clrMapOvr>
-  <p:transition spd="med"/>
-</p:sldLayout>
-</file>
-
-<file path=ppt/slideLayouts/slideLayout8.xml><?xml version="1.0" encoding="utf-8"?>
-<p:sldLayout xmlns:a="http://schemas.openxmlformats.org/drawingml/2006/main" xmlns:r="http://schemas.openxmlformats.org/officeDocument/2006/relationships" xmlns:p="http://schemas.openxmlformats.org/presentationml/2006/main" showMasterSp="0" type="tx">
-  <p:cSld name="Caption">
-    <p:spTree>
-      <p:nvGrpSpPr>
-        <p:cNvPr id="1" name=""/>
-        <p:cNvGrpSpPr/>
-        <p:nvPr/>
-      </p:nvGrpSpPr>
-      <p:grpSpPr>
-        <a:xfrm>
-          <a:off x="0" y="0"/>
-          <a:ext cx="0" cy="0"/>
-          <a:chOff x="0" y="0"/>
-          <a:chExt cx="0" cy="0"/>
-        </a:xfrm>
-      </p:grpSpPr>
-      <p:sp>
-        <p:nvSpPr>
-          <p:cNvPr id="100" name="正文级别 1…"/>
-          <p:cNvSpPr txBox="1">
-            <a:spLocks noGrp="1"/>
-          </p:cNvSpPr>
-          <p:nvPr>
-            <p:ph type="body" sz="quarter" idx="1"/>
-          </p:nvPr>
-        </p:nvSpPr>
-        <p:spPr>
-          <a:xfrm>
-            <a:off x="966600" y="5830068"/>
-            <a:ext cx="10263200" cy="614001"/>
-          </a:xfrm>
-          <a:prstGeom prst="rect">
-            <a:avLst/>
-          </a:prstGeom>
-        </p:spPr>
-        <p:txBody>
-          <a:bodyPr anchor="ctr"/>
-          <a:lstStyle>
-            <a:lvl1pPr marL="304792" indent="0">
-              <a:lnSpc>
-                <a:spcPct val="100000"/>
-              </a:lnSpc>
-              <a:buClrTx/>
-              <a:buSzTx/>
-              <a:buFontTx/>
-              <a:buNone/>
-            </a:lvl1pPr>
-            <a:lvl2pPr>
-              <a:lnSpc>
-                <a:spcPct val="100000"/>
-              </a:lnSpc>
-              <a:buClrTx/>
-              <a:buFontTx/>
-            </a:lvl2pPr>
-            <a:lvl3pPr>
-              <a:lnSpc>
-                <a:spcPct val="100000"/>
-              </a:lnSpc>
-              <a:buClrTx/>
-              <a:buFontTx/>
-            </a:lvl3pPr>
-            <a:lvl4pPr>
-              <a:lnSpc>
-                <a:spcPct val="100000"/>
-              </a:lnSpc>
-              <a:buClrTx/>
-              <a:buFontTx/>
-            </a:lvl4pPr>
-            <a:lvl5pPr>
-              <a:lnSpc>
-                <a:spcPct val="100000"/>
-              </a:lnSpc>
-              <a:buClrTx/>
-              <a:buFontTx/>
-            </a:lvl5pPr>
-          </a:lstStyle>
-          <a:p>
-            <a:r>
-              <a:t>正文级别 1</a:t>
-            </a:r>
-          </a:p>
-          <a:p>
-            <a:pPr lvl="1"/>
-            <a:r>
-              <a:t>正文级别 2</a:t>
-            </a:r>
-          </a:p>
-          <a:p>
-            <a:pPr lvl="2"/>
-            <a:r>
-              <a:t>正文级别 3</a:t>
-            </a:r>
-          </a:p>
-          <a:p>
-            <a:pPr lvl="3"/>
-            <a:r>
-              <a:t>正文级别 4</a:t>
-            </a:r>
-          </a:p>
-          <a:p>
-            <a:pPr lvl="4"/>
-            <a:r>
-              <a:t>正文级别 5</a:t>
-            </a:r>
-          </a:p>
-        </p:txBody>
-      </p:sp>
-      <p:sp>
-        <p:nvSpPr>
-          <p:cNvPr id="101" name="幻灯片编号"/>
-          <p:cNvSpPr txBox="1">
-            <a:spLocks noGrp="1"/>
-          </p:cNvSpPr>
-          <p:nvPr>
-            <p:ph type="sldNum" sz="quarter" idx="2"/>
-          </p:nvPr>
-        </p:nvSpPr>
-        <p:spPr>
-          <a:prstGeom prst="rect">
-            <a:avLst/>
-          </a:prstGeom>
-        </p:spPr>
-        <p:txBody>
-          <a:bodyPr/>
-          <a:lstStyle/>
-          <a:p>
-            <a:fld id="{86CB4B4D-7CA3-9044-876B-883B54F8677D}" type="slidenum">
-              <a:t>‹#›</a:t>
-            </a:fld>
-            <a:endParaRPr/>
-          </a:p>
-        </p:txBody>
-      </p:sp>
-    </p:spTree>
-  </p:cSld>
-  <p:clrMapOvr>
-    <a:masterClrMapping/>
-  </p:clrMapOvr>
-  <p:transition spd="med"/>
+  <p:transition xmlns:p14="http://schemas.microsoft.com/office/powerpoint/2010/main" spd="med" advClick="1"/>
 </p:sldLayout>
 </file>
 
 <file path=ppt/slideLayouts/slideLayout9.xml><?xml version="1.0" encoding="utf-8"?>
-<p:sldLayout xmlns:a="http://schemas.openxmlformats.org/drawingml/2006/main" xmlns:r="http://schemas.openxmlformats.org/officeDocument/2006/relationships" xmlns:p="http://schemas.openxmlformats.org/presentationml/2006/main" showMasterSp="0" type="tx">
-  <p:cSld name="Big number">
-    <p:bg>
-      <p:bgPr>
-        <a:solidFill>
-          <a:srgbClr val="1A9988"/>
-        </a:solidFill>
-        <a:effectLst/>
-      </p:bgPr>
-    </p:bg>
-    <p:spTree>
-      <p:nvGrpSpPr>
-        <p:cNvPr id="1" name=""/>
-        <p:cNvGrpSpPr/>
-        <p:nvPr/>
-      </p:nvGrpSpPr>
-      <p:grpSpPr>
-        <a:xfrm>
-          <a:off x="0" y="0"/>
-          <a:ext cx="0" cy="0"/>
-          <a:chOff x="0" y="0"/>
-          <a:chExt cx="0" cy="0"/>
-        </a:xfrm>
-      </p:grpSpPr>
-      <p:grpSp>
-        <p:nvGrpSpPr>
-          <p:cNvPr id="110" name="Google Shape;74;p11"/>
-          <p:cNvGrpSpPr/>
-          <p:nvPr/>
-        </p:nvGrpSpPr>
-        <p:grpSpPr>
-          <a:xfrm>
-            <a:off x="1107190" y="5558840"/>
-            <a:ext cx="994351" cy="61102"/>
-            <a:chOff x="0" y="0"/>
-            <a:chExt cx="994350" cy="61101"/>
-          </a:xfrm>
-        </p:grpSpPr>
-        <p:sp>
-          <p:nvSpPr>
-            <p:cNvPr id="108" name="Google Shape;75;p11"/>
-            <p:cNvSpPr/>
-            <p:nvPr/>
-          </p:nvSpPr>
-          <p:spPr>
-            <a:xfrm rot="16200000">
-              <a:off x="715227" y="-218022"/>
-              <a:ext cx="61102" cy="497145"/>
-            </a:xfrm>
-            <a:prstGeom prst="rect">
-              <a:avLst/>
-            </a:prstGeom>
-            <a:solidFill>
-              <a:srgbClr val="FFFFFF"/>
-            </a:solidFill>
-            <a:ln w="12700" cap="flat">
-              <a:noFill/>
-              <a:miter lim="400000"/>
-            </a:ln>
-            <a:effectLst/>
-          </p:spPr>
-          <p:txBody>
-            <a:bodyPr wrap="square" lIns="45719" tIns="45719" rIns="45719" bIns="45719" numCol="1" anchor="ctr">
-              <a:noAutofit/>
-            </a:bodyPr>
-            <a:lstStyle/>
-            <a:p>
-              <a:pPr>
-                <a:defRPr sz="2400"/>
-              </a:pPr>
-              <a:endParaRPr/>
-            </a:p>
-          </p:txBody>
-        </p:sp>
-        <p:sp>
-          <p:nvSpPr>
-            <p:cNvPr id="109" name="Google Shape;76;p11"/>
-            <p:cNvSpPr/>
-            <p:nvPr/>
-          </p:nvSpPr>
-          <p:spPr>
-            <a:xfrm rot="16200000">
-              <a:off x="220124" y="-220125"/>
-              <a:ext cx="61102" cy="501351"/>
-            </a:xfrm>
-            <a:prstGeom prst="rect">
-              <a:avLst/>
-            </a:prstGeom>
-            <a:solidFill>
-              <a:srgbClr val="FFFFFF"/>
-            </a:solidFill>
-            <a:ln w="12700" cap="flat">
-              <a:noFill/>
-              <a:miter lim="400000"/>
-            </a:ln>
-            <a:effectLst/>
-          </p:spPr>
-          <p:txBody>
-            <a:bodyPr wrap="square" lIns="45719" tIns="45719" rIns="45719" bIns="45719" numCol="1" anchor="ctr">
-              <a:noAutofit/>
-            </a:bodyPr>
-            <a:lstStyle/>
-            <a:p>
-              <a:pPr>
-                <a:defRPr sz="2400"/>
-              </a:pPr>
-              <a:endParaRPr/>
-            </a:p>
-          </p:txBody>
-        </p:sp>
-      </p:grpSp>
-      <p:sp>
-        <p:nvSpPr>
-          <p:cNvPr id="111" name="xx%"/>
-          <p:cNvSpPr txBox="1">
-            <a:spLocks noGrp="1"/>
-          </p:cNvSpPr>
-          <p:nvPr>
-            <p:ph type="title" hasCustomPrompt="1"/>
-          </p:nvPr>
-        </p:nvSpPr>
-        <p:spPr>
-          <a:xfrm>
-            <a:off x="972600" y="978599"/>
-            <a:ext cx="10251200" cy="1659602"/>
-          </a:xfrm>
-          <a:prstGeom prst="rect">
-            <a:avLst/>
-          </a:prstGeom>
-        </p:spPr>
-        <p:txBody>
-          <a:bodyPr/>
-          <a:lstStyle>
-            <a:lvl1pPr>
-              <a:defRPr sz="10600">
-                <a:solidFill>
-                  <a:srgbClr val="FFFFFF"/>
-                </a:solidFill>
-              </a:defRPr>
-            </a:lvl1pPr>
-          </a:lstStyle>
-          <a:p>
-            <a:r>
-              <a:t>xx%</a:t>
-            </a:r>
-          </a:p>
-        </p:txBody>
-      </p:sp>
-      <p:sp>
-        <p:nvSpPr>
-          <p:cNvPr id="112" name="正文级别 1…"/>
-          <p:cNvSpPr txBox="1">
-            <a:spLocks noGrp="1"/>
-          </p:cNvSpPr>
-          <p:nvPr>
-            <p:ph type="body" sz="half" idx="1"/>
-          </p:nvPr>
-        </p:nvSpPr>
-        <p:spPr>
-          <a:xfrm>
-            <a:off x="972600" y="3030516"/>
-            <a:ext cx="10251200" cy="2107202"/>
-          </a:xfrm>
-          <a:prstGeom prst="rect">
-            <a:avLst/>
-          </a:prstGeom>
-        </p:spPr>
-        <p:txBody>
-          <a:bodyPr/>
-          <a:lstStyle>
-            <a:lvl1pPr marL="609584" indent="-414855">
-              <a:buClr>
-                <a:srgbClr val="FFFFFF"/>
-              </a:buClr>
-              <a:defRPr>
-                <a:solidFill>
-                  <a:srgbClr val="FFFFFF"/>
-                </a:solidFill>
-              </a:defRPr>
-            </a:lvl1pPr>
-            <a:lvl2pPr marL="1291519" indent="-470272">
-              <a:buClr>
-                <a:srgbClr val="FFFFFF"/>
-              </a:buClr>
-              <a:defRPr>
-                <a:solidFill>
-                  <a:srgbClr val="FFFFFF"/>
-                </a:solidFill>
-              </a:defRPr>
-            </a:lvl2pPr>
-            <a:lvl3pPr marL="1901103" indent="-470272">
-              <a:buClr>
-                <a:srgbClr val="FFFFFF"/>
-              </a:buClr>
-              <a:defRPr>
-                <a:solidFill>
-                  <a:srgbClr val="FFFFFF"/>
-                </a:solidFill>
-              </a:defRPr>
-            </a:lvl3pPr>
-            <a:lvl4pPr marL="2510688" indent="-470272">
-              <a:buClr>
-                <a:srgbClr val="FFFFFF"/>
-              </a:buClr>
-              <a:defRPr>
-                <a:solidFill>
-                  <a:srgbClr val="FFFFFF"/>
-                </a:solidFill>
-              </a:defRPr>
-            </a:lvl4pPr>
-            <a:lvl5pPr marL="3120273" indent="-470272">
-              <a:buClr>
-                <a:srgbClr val="FFFFFF"/>
-              </a:buClr>
-              <a:defRPr>
-                <a:solidFill>
-                  <a:srgbClr val="FFFFFF"/>
-                </a:solidFill>
-              </a:defRPr>
-            </a:lvl5pPr>
-          </a:lstStyle>
-          <a:p>
-            <a:r>
-              <a:t>正文级别 1</a:t>
-            </a:r>
-          </a:p>
-          <a:p>
-            <a:pPr lvl="1"/>
-            <a:r>
-              <a:t>正文级别 2</a:t>
-            </a:r>
-          </a:p>
-          <a:p>
-            <a:pPr lvl="2"/>
-            <a:r>
-              <a:t>正文级别 3</a:t>
-            </a:r>
-          </a:p>
-          <a:p>
-            <a:pPr lvl="3"/>
-            <a:r>
-              <a:t>正文级别 4</a:t>
-            </a:r>
-          </a:p>
-          <a:p>
-            <a:pPr lvl="4"/>
-            <a:r>
-              <a:t>正文级别 5</a:t>
-            </a:r>
-          </a:p>
-        </p:txBody>
-      </p:sp>
-      <p:sp>
-        <p:nvSpPr>
-          <p:cNvPr id="113" name="幻灯片编号"/>
-          <p:cNvSpPr txBox="1">
-            <a:spLocks noGrp="1"/>
-          </p:cNvSpPr>
-          <p:nvPr>
-            <p:ph type="sldNum" sz="quarter" idx="2"/>
-          </p:nvPr>
-        </p:nvSpPr>
-        <p:spPr>
-          <a:prstGeom prst="rect">
-            <a:avLst/>
-          </a:prstGeom>
-        </p:spPr>
-        <p:txBody>
-          <a:bodyPr/>
-          <a:lstStyle>
-            <a:lvl1pPr>
-              <a:defRPr>
-                <a:solidFill>
-                  <a:srgbClr val="FFFFFF"/>
-                </a:solidFill>
-              </a:defRPr>
-            </a:lvl1pPr>
-          </a:lstStyle>
-          <a:p>
-            <a:fld id="{86CB4B4D-7CA3-9044-876B-883B54F8677D}" type="slidenum">
-              <a:t>‹#›</a:t>
-            </a:fld>
-            <a:endParaRPr/>
-          </a:p>
-        </p:txBody>
-      </p:sp>
-    </p:spTree>
-  </p:cSld>
-  <p:clrMapOvr>
-    <a:masterClrMapping/>
-  </p:clrMapOvr>
-  <p:transition spd="med"/>
-</p:sldLayout>
-</file>
-
-<file path=ppt/slideMasters/slideMaster1.xml><?xml version="1.0" encoding="utf-8"?>
-<p:sldMaster xmlns:a="http://schemas.openxmlformats.org/drawingml/2006/main" xmlns:r="http://schemas.openxmlformats.org/officeDocument/2006/relationships" xmlns:p="http://schemas.openxmlformats.org/presentationml/2006/main">
-  <p:cSld>
+<p:sldLayout xmlns:a="http://schemas.openxmlformats.org/drawingml/2006/main" xmlns:r="http://schemas.openxmlformats.org/officeDocument/2006/relationships" xmlns:p="http://schemas.openxmlformats.org/presentationml/2006/main" xmlns:m="http://schemas.openxmlformats.org/officeDocument/2006/math" xmlns:a14="http://schemas.microsoft.com/office/drawing/2010/main" type="tx" showMasterSp="0" showMasterPhAnim="1">
+  <p:cSld name="Blank">
     <p:bg>
       <p:bgPr>
         <a:solidFill>
           <a:srgbClr val="FFFFFF"/>
         </a:solidFill>
-        <a:effectLst/>
       </p:bgPr>
     </p:bg>
     <p:spTree>
@@ -2482,60 +2612,119 @@
       </p:grpSpPr>
       <p:sp>
         <p:nvSpPr>
-          <p:cNvPr id="2" name="Google Shape;41;p6"/>
+          <p:cNvPr id="109" name="幻灯片编号"/>
+          <p:cNvSpPr txBox="1"/>
+          <p:nvPr>
+            <p:ph type="sldNum" sz="quarter" idx="2"/>
+          </p:nvPr>
+        </p:nvSpPr>
+        <p:spPr>
+          <a:prstGeom prst="rect">
+            <a:avLst/>
+          </a:prstGeom>
+        </p:spPr>
+        <p:txBody>
+          <a:bodyPr/>
+          <a:lstStyle/>
+          <a:p>
+            <a:pPr/>
+            <a:fld id="{86CB4B4D-7CA3-9044-876B-883B54F8677D}" type="slidenum"/>
+          </a:p>
+        </p:txBody>
+      </p:sp>
+    </p:spTree>
+  </p:cSld>
+  <p:clrMapOvr>
+    <a:masterClrMapping/>
+  </p:clrMapOvr>
+  <p:transition xmlns:p14="http://schemas.microsoft.com/office/powerpoint/2010/main" spd="med" advClick="1"/>
+</p:sldLayout>
+</file>
+
+<file path=ppt/slideMasters/slideMaster1.xml><?xml version="1.0" encoding="utf-8"?>
+<p:sldMaster xmlns:a="http://schemas.openxmlformats.org/drawingml/2006/main" xmlns:r="http://schemas.openxmlformats.org/officeDocument/2006/relationships" xmlns:p="http://schemas.openxmlformats.org/presentationml/2006/main" xmlns:m="http://schemas.openxmlformats.org/officeDocument/2006/math" xmlns:a14="http://schemas.microsoft.com/office/drawing/2010/main">
+  <p:cSld>
+    <p:bg>
+      <p:bgPr>
+        <a:solidFill>
+          <a:srgbClr val="E9EDEE"/>
+        </a:solidFill>
+      </p:bgPr>
+    </p:bg>
+    <p:spTree>
+      <p:nvGrpSpPr>
+        <p:cNvPr id="1" name=""/>
+        <p:cNvGrpSpPr/>
+        <p:nvPr/>
+      </p:nvGrpSpPr>
+      <p:grpSpPr>
+        <a:xfrm>
+          <a:off x="0" y="0"/>
+          <a:ext cx="0" cy="0"/>
+          <a:chOff x="0" y="0"/>
+          <a:chExt cx="0" cy="0"/>
+        </a:xfrm>
+      </p:grpSpPr>
+      <p:sp>
+        <p:nvSpPr>
+          <p:cNvPr id="2" name="Google Shape;10;p2"/>
           <p:cNvSpPr/>
           <p:nvPr/>
         </p:nvSpPr>
         <p:spPr>
           <a:xfrm>
-            <a:off x="0" y="-1"/>
-            <a:ext cx="12192000" cy="650402"/>
+            <a:off x="0" y="-2"/>
+            <a:ext cx="12192000" cy="650404"/>
           </a:xfrm>
           <a:prstGeom prst="rect">
             <a:avLst/>
           </a:prstGeom>
           <a:solidFill>
-            <a:srgbClr val="E9EDEE"/>
+            <a:srgbClr val="FFFFFF"/>
           </a:solidFill>
           <a:ln w="12700">
             <a:miter lim="400000"/>
           </a:ln>
         </p:spPr>
         <p:txBody>
-          <a:bodyPr lIns="45719" rIns="45719" anchor="ctr"/>
+          <a:bodyPr lIns="45718" tIns="45718" rIns="45718" bIns="45718" anchor="ctr"/>
           <a:lstStyle/>
           <a:p>
             <a:pPr>
-              <a:defRPr sz="2400"/>
+              <a:defRPr sz="2400">
+                <a:latin typeface="Arial"/>
+                <a:ea typeface="Arial"/>
+                <a:cs typeface="Arial"/>
+                <a:sym typeface="Arial"/>
+              </a:defRPr>
             </a:pPr>
-            <a:endParaRPr/>
           </a:p>
         </p:txBody>
       </p:sp>
       <p:grpSp>
         <p:nvGrpSpPr>
-          <p:cNvPr id="5" name="Google Shape;42;p6"/>
+          <p:cNvPr id="5" name="Google Shape;11;p2"/>
           <p:cNvGrpSpPr/>
           <p:nvPr/>
         </p:nvGrpSpPr>
         <p:grpSpPr>
           <a:xfrm>
-            <a:off x="1107190" y="1588342"/>
-            <a:ext cx="994351" cy="61102"/>
+            <a:off x="1107189" y="1588341"/>
+            <a:ext cx="994353" cy="61104"/>
             <a:chOff x="0" y="0"/>
-            <a:chExt cx="994350" cy="61101"/>
+            <a:chExt cx="994351" cy="61103"/>
           </a:xfrm>
         </p:grpSpPr>
         <p:sp>
           <p:nvSpPr>
-            <p:cNvPr id="3" name="Google Shape;43;p6"/>
+            <p:cNvPr id="3" name="Google Shape;12;p2"/>
             <p:cNvSpPr/>
             <p:nvPr/>
           </p:nvSpPr>
           <p:spPr>
             <a:xfrm rot="16200000">
               <a:off x="715227" y="-218022"/>
-              <a:ext cx="61102" cy="497145"/>
+              <a:ext cx="61104" cy="497146"/>
             </a:xfrm>
             <a:prstGeom prst="rect">
               <a:avLst/>
@@ -2550,28 +2739,32 @@
             <a:effectLst/>
           </p:spPr>
           <p:txBody>
-            <a:bodyPr wrap="square" lIns="45719" tIns="45719" rIns="45719" bIns="45719" numCol="1" anchor="ctr">
+            <a:bodyPr wrap="square" lIns="45718" tIns="45718" rIns="45718" bIns="45718" numCol="1" anchor="ctr">
               <a:noAutofit/>
             </a:bodyPr>
             <a:lstStyle/>
             <a:p>
               <a:pPr>
-                <a:defRPr sz="2400"/>
+                <a:defRPr sz="2400">
+                  <a:latin typeface="Arial"/>
+                  <a:ea typeface="Arial"/>
+                  <a:cs typeface="Arial"/>
+                  <a:sym typeface="Arial"/>
+                </a:defRPr>
               </a:pPr>
-              <a:endParaRPr/>
             </a:p>
           </p:txBody>
         </p:sp>
         <p:sp>
           <p:nvSpPr>
-            <p:cNvPr id="4" name="Google Shape;44;p6"/>
+            <p:cNvPr id="4" name="Google Shape;13;p2"/>
             <p:cNvSpPr/>
             <p:nvPr/>
           </p:nvSpPr>
           <p:spPr>
             <a:xfrm rot="16200000">
-              <a:off x="220124" y="-220125"/>
-              <a:ext cx="61102" cy="501351"/>
+              <a:off x="220123" y="-220125"/>
+              <a:ext cx="61104" cy="501352"/>
             </a:xfrm>
             <a:prstGeom prst="rect">
               <a:avLst/>
@@ -2586,15 +2779,19 @@
             <a:effectLst/>
           </p:spPr>
           <p:txBody>
-            <a:bodyPr wrap="square" lIns="45719" tIns="45719" rIns="45719" bIns="45719" numCol="1" anchor="ctr">
+            <a:bodyPr wrap="square" lIns="45718" tIns="45718" rIns="45718" bIns="45718" numCol="1" anchor="ctr">
               <a:noAutofit/>
             </a:bodyPr>
             <a:lstStyle/>
             <a:p>
               <a:pPr>
-                <a:defRPr sz="2400"/>
+                <a:defRPr sz="2400">
+                  <a:latin typeface="Arial"/>
+                  <a:ea typeface="Arial"/>
+                  <a:cs typeface="Arial"/>
+                  <a:sym typeface="Arial"/>
+                </a:defRPr>
               </a:pPr>
-              <a:endParaRPr/>
             </a:p>
           </p:txBody>
         </p:sp>
@@ -2602,17 +2799,15 @@
       <p:sp>
         <p:nvSpPr>
           <p:cNvPr id="6" name="标题文本"/>
-          <p:cNvSpPr txBox="1">
-            <a:spLocks noGrp="1"/>
-          </p:cNvSpPr>
+          <p:cNvSpPr txBox="1"/>
           <p:nvPr>
             <p:ph type="title"/>
           </p:nvPr>
         </p:nvSpPr>
         <p:spPr>
           <a:xfrm>
-            <a:off x="972600" y="1758200"/>
-            <a:ext cx="10251200" cy="713601"/>
+            <a:off x="972600" y="1763266"/>
+            <a:ext cx="10250800" cy="2219601"/>
           </a:xfrm>
           <a:prstGeom prst="rect">
             <a:avLst/>
@@ -2622,16 +2817,17 @@
           </a:ln>
           <a:extLst>
             <a:ext uri="{C572A759-6A51-4108-AA02-DFA0A04FC94B}">
-              <ma14:wrappingTextBoxFlag xmlns:ma14="http://schemas.microsoft.com/office/mac/drawingml/2011/main" xmlns:a14="http://schemas.microsoft.com/office/drawing/2010/main" xmlns:m="http://schemas.openxmlformats.org/officeDocument/2006/math" xmlns="" val="1"/>
+              <ma14:wrappingTextBoxFlag xmlns:ma14="http://schemas.microsoft.com/office/mac/drawingml/2011/main" val="1"/>
             </a:ext>
           </a:extLst>
         </p:spPr>
         <p:txBody>
-          <a:bodyPr lIns="91424" tIns="91424" rIns="91424" bIns="91424">
-            <a:normAutofit/>
+          <a:bodyPr lIns="91423" tIns="91423" rIns="91423" bIns="91423">
+            <a:normAutofit fontScale="100000" lnSpcReduction="0"/>
           </a:bodyPr>
           <a:lstStyle/>
           <a:p>
+            <a:pPr/>
             <a:r>
               <a:t>标题文本</a:t>
             </a:r>
@@ -2641,17 +2837,15 @@
       <p:sp>
         <p:nvSpPr>
           <p:cNvPr id="7" name="正文级别 1…"/>
-          <p:cNvSpPr txBox="1">
-            <a:spLocks noGrp="1"/>
-          </p:cNvSpPr>
+          <p:cNvSpPr txBox="1"/>
           <p:nvPr>
             <p:ph type="body" idx="1"/>
           </p:nvPr>
         </p:nvSpPr>
         <p:spPr>
           <a:xfrm>
-            <a:off x="609600" y="1600200"/>
-            <a:ext cx="10972800" cy="4525963"/>
+            <a:off x="972834" y="4230532"/>
+            <a:ext cx="10250802" cy="721602"/>
           </a:xfrm>
           <a:prstGeom prst="rect">
             <a:avLst/>
@@ -2661,16 +2855,17 @@
           </a:ln>
           <a:extLst>
             <a:ext uri="{C572A759-6A51-4108-AA02-DFA0A04FC94B}">
-              <ma14:wrappingTextBoxFlag xmlns:ma14="http://schemas.microsoft.com/office/mac/drawingml/2011/main" xmlns:a14="http://schemas.microsoft.com/office/drawing/2010/main" xmlns:m="http://schemas.openxmlformats.org/officeDocument/2006/math" xmlns="" val="1"/>
+              <ma14:wrappingTextBoxFlag xmlns:ma14="http://schemas.microsoft.com/office/mac/drawingml/2011/main" val="1"/>
             </a:ext>
           </a:extLst>
         </p:spPr>
         <p:txBody>
-          <a:bodyPr lIns="91424" tIns="91424" rIns="91424" bIns="91424">
-            <a:normAutofit/>
+          <a:bodyPr lIns="91423" tIns="91423" rIns="91423" bIns="91423">
+            <a:normAutofit fontScale="100000" lnSpcReduction="0"/>
           </a:bodyPr>
           <a:lstStyle/>
           <a:p>
+            <a:pPr/>
             <a:r>
               <a:t>正文级别 1</a:t>
             </a:r>
@@ -2704,17 +2899,15 @@
       <p:sp>
         <p:nvSpPr>
           <p:cNvPr id="8" name="幻灯片编号"/>
-          <p:cNvSpPr txBox="1">
-            <a:spLocks noGrp="1"/>
-          </p:cNvSpPr>
+          <p:cNvSpPr txBox="1"/>
           <p:nvPr>
             <p:ph type="sldNum" sz="quarter" idx="2"/>
           </p:nvPr>
         </p:nvSpPr>
         <p:spPr>
           <a:xfrm>
-            <a:off x="11734144" y="6402510"/>
-            <a:ext cx="379193" cy="386051"/>
+            <a:off x="11734147" y="6402511"/>
+            <a:ext cx="379191" cy="386049"/>
           </a:xfrm>
           <a:prstGeom prst="rect">
             <a:avLst/>
@@ -2724,8 +2917,8 @@
           </a:ln>
         </p:spPr>
         <p:txBody>
-          <a:bodyPr wrap="none" lIns="91424" tIns="91424" rIns="91424" bIns="91424" anchor="ctr">
-            <a:normAutofit/>
+          <a:bodyPr wrap="none" lIns="91423" tIns="91423" rIns="91423" bIns="91423" anchor="ctr">
+            <a:normAutofit fontScale="100000" lnSpcReduction="0"/>
           </a:bodyPr>
           <a:lstStyle>
             <a:lvl1pPr algn="r">
@@ -2741,10 +2934,8 @@
             </a:lvl1pPr>
           </a:lstStyle>
           <a:p>
-            <a:fld id="{86CB4B4D-7CA3-9044-876B-883B54F8677D}" type="slidenum">
-              <a:t>‹#›</a:t>
-            </a:fld>
-            <a:endParaRPr/>
+            <a:pPr/>
+            <a:fld id="{86CB4B4D-7CA3-9044-876B-883B54F8677D}" type="slidenum"/>
           </a:p>
         </p:txBody>
       </p:sp>
@@ -2752,18 +2943,17 @@
   </p:cSld>
   <p:clrMap bg1="dk1" tx1="lt1" bg2="dk2" tx2="lt2" accent1="accent1" accent2="accent2" accent3="accent3" accent4="accent4" accent5="accent5" accent6="accent6" hlink="hlink" folHlink="folHlink"/>
   <p:sldLayoutIdLst>
-    <p:sldLayoutId id="2147483649" r:id="rId1"/>
-    <p:sldLayoutId id="2147483650" r:id="rId2"/>
-    <p:sldLayoutId id="2147483651" r:id="rId3"/>
-    <p:sldLayoutId id="2147483652" r:id="rId4"/>
-    <p:sldLayoutId id="2147483654" r:id="rId5"/>
-    <p:sldLayoutId id="2147483655" r:id="rId6"/>
-    <p:sldLayoutId id="2147483656" r:id="rId7"/>
-    <p:sldLayoutId id="2147483657" r:id="rId8"/>
-    <p:sldLayoutId id="2147483658" r:id="rId9"/>
-    <p:sldLayoutId id="2147483659" r:id="rId10"/>
+    <p:sldLayoutId id="2147483649" r:id="rId2"/>
+    <p:sldLayoutId id="2147483650" r:id="rId3"/>
+    <p:sldLayoutId id="2147483651" r:id="rId4"/>
+    <p:sldLayoutId id="2147483652" r:id="rId5"/>
+    <p:sldLayoutId id="2147483653" r:id="rId6"/>
+    <p:sldLayoutId id="2147483654" r:id="rId7"/>
+    <p:sldLayoutId id="2147483655" r:id="rId8"/>
+    <p:sldLayoutId id="2147483656" r:id="rId9"/>
+    <p:sldLayoutId id="2147483657" r:id="rId10"/>
   </p:sldLayoutIdLst>
-  <p:transition spd="med"/>
+  <p:transition xmlns:p14="http://schemas.microsoft.com/office/powerpoint/2010/main" spd="med" advClick="1"/>
   <p:txStyles>
     <p:titleStyle>
       <a:lvl1pPr marL="0" marR="0" indent="0" algn="l" defTabSz="914400" rtl="0" latinLnBrk="0">
@@ -2781,7 +2971,7 @@
         <a:buFontTx/>
         <a:buNone/>
         <a:tabLst/>
-        <a:defRPr sz="3400" b="1" i="0" u="none" strike="noStrike" cap="none" spc="0" baseline="0">
+        <a:defRPr b="1" baseline="0" cap="none" i="0" spc="0" strike="noStrike" sz="5600" u="none">
           <a:solidFill>
             <a:srgbClr val="1A1A1A"/>
           </a:solidFill>
@@ -2807,7 +2997,7 @@
         <a:buFontTx/>
         <a:buNone/>
         <a:tabLst/>
-        <a:defRPr sz="3400" b="1" i="0" u="none" strike="noStrike" cap="none" spc="0" baseline="0">
+        <a:defRPr b="1" baseline="0" cap="none" i="0" spc="0" strike="noStrike" sz="5600" u="none">
           <a:solidFill>
             <a:srgbClr val="1A1A1A"/>
           </a:solidFill>
@@ -2833,7 +3023,7 @@
         <a:buFontTx/>
         <a:buNone/>
         <a:tabLst/>
-        <a:defRPr sz="3400" b="1" i="0" u="none" strike="noStrike" cap="none" spc="0" baseline="0">
+        <a:defRPr b="1" baseline="0" cap="none" i="0" spc="0" strike="noStrike" sz="5600" u="none">
           <a:solidFill>
             <a:srgbClr val="1A1A1A"/>
           </a:solidFill>
@@ -2859,7 +3049,7 @@
         <a:buFontTx/>
         <a:buNone/>
         <a:tabLst/>
-        <a:defRPr sz="3400" b="1" i="0" u="none" strike="noStrike" cap="none" spc="0" baseline="0">
+        <a:defRPr b="1" baseline="0" cap="none" i="0" spc="0" strike="noStrike" sz="5600" u="none">
           <a:solidFill>
             <a:srgbClr val="1A1A1A"/>
           </a:solidFill>
@@ -2885,7 +3075,7 @@
         <a:buFontTx/>
         <a:buNone/>
         <a:tabLst/>
-        <a:defRPr sz="3400" b="1" i="0" u="none" strike="noStrike" cap="none" spc="0" baseline="0">
+        <a:defRPr b="1" baseline="0" cap="none" i="0" spc="0" strike="noStrike" sz="5600" u="none">
           <a:solidFill>
             <a:srgbClr val="1A1A1A"/>
           </a:solidFill>
@@ -2911,7 +3101,7 @@
         <a:buFontTx/>
         <a:buNone/>
         <a:tabLst/>
-        <a:defRPr sz="3400" b="1" i="0" u="none" strike="noStrike" cap="none" spc="0" baseline="0">
+        <a:defRPr b="1" baseline="0" cap="none" i="0" spc="0" strike="noStrike" sz="5600" u="none">
           <a:solidFill>
             <a:srgbClr val="1A1A1A"/>
           </a:solidFill>
@@ -2937,7 +3127,7 @@
         <a:buFontTx/>
         <a:buNone/>
         <a:tabLst/>
-        <a:defRPr sz="3400" b="1" i="0" u="none" strike="noStrike" cap="none" spc="0" baseline="0">
+        <a:defRPr b="1" baseline="0" cap="none" i="0" spc="0" strike="noStrike" sz="5600" u="none">
           <a:solidFill>
             <a:srgbClr val="1A1A1A"/>
           </a:solidFill>
@@ -2963,7 +3153,7 @@
         <a:buFontTx/>
         <a:buNone/>
         <a:tabLst/>
-        <a:defRPr sz="3400" b="1" i="0" u="none" strike="noStrike" cap="none" spc="0" baseline="0">
+        <a:defRPr b="1" baseline="0" cap="none" i="0" spc="0" strike="noStrike" sz="5600" u="none">
           <a:solidFill>
             <a:srgbClr val="1A1A1A"/>
           </a:solidFill>
@@ -2989,7 +3179,7 @@
         <a:buFontTx/>
         <a:buNone/>
         <a:tabLst/>
-        <a:defRPr sz="3400" b="1" i="0" u="none" strike="noStrike" cap="none" spc="0" baseline="0">
+        <a:defRPr b="1" baseline="0" cap="none" i="0" spc="0" strike="noStrike" sz="5600" u="none">
           <a:solidFill>
             <a:srgbClr val="1A1A1A"/>
           </a:solidFill>
@@ -3002,9 +3192,9 @@
       </a:lvl9pPr>
     </p:titleStyle>
     <p:bodyStyle>
-      <a:lvl1pPr marL="457200" marR="0" indent="-311150" algn="l" defTabSz="914400" rtl="0" latinLnBrk="0">
+      <a:lvl1pPr marL="165100" marR="0" indent="-19050" algn="l" defTabSz="914400" rtl="0" latinLnBrk="0">
         <a:lnSpc>
-          <a:spcPct val="115000"/>
+          <a:spcPct val="100000"/>
         </a:lnSpc>
         <a:spcBef>
           <a:spcPts val="0"/>
@@ -3012,14 +3202,12 @@
         <a:spcAft>
           <a:spcPts val="0"/>
         </a:spcAft>
-        <a:buClr>
-          <a:schemeClr val="accent1"/>
-        </a:buClr>
-        <a:buSzPts val="1300"/>
-        <a:buFont typeface="Helvetica"/>
-        <a:buChar char="●"/>
+        <a:buClrTx/>
+        <a:buSzTx/>
+        <a:buFontTx/>
+        <a:buNone/>
         <a:tabLst/>
-        <a:defRPr sz="1300" b="0" i="0" u="none" strike="noStrike" cap="none" spc="0" baseline="0">
+        <a:defRPr b="0" baseline="0" cap="none" i="0" spc="0" strike="noStrike" sz="2100" u="none">
           <a:solidFill>
             <a:schemeClr val="accent1"/>
           </a:solidFill>
@@ -3030,9 +3218,9 @@
           <a:sym typeface="Lato"/>
         </a:defRPr>
       </a:lvl1pPr>
-      <a:lvl2pPr marL="968663" marR="0" indent="-352713" algn="l" defTabSz="914400" rtl="0" latinLnBrk="0">
+      <a:lvl2pPr marL="165100" marR="0" indent="146050" algn="l" defTabSz="914400" rtl="0" latinLnBrk="0">
         <a:lnSpc>
-          <a:spcPct val="115000"/>
+          <a:spcPct val="100000"/>
         </a:lnSpc>
         <a:spcBef>
           <a:spcPts val="0"/>
@@ -3040,14 +3228,12 @@
         <a:spcAft>
           <a:spcPts val="0"/>
         </a:spcAft>
-        <a:buClr>
-          <a:schemeClr val="accent1"/>
-        </a:buClr>
-        <a:buSzPts val="1300"/>
-        <a:buFont typeface="Helvetica"/>
-        <a:buChar char="○"/>
+        <a:buClrTx/>
+        <a:buSzTx/>
+        <a:buFontTx/>
+        <a:buNone/>
         <a:tabLst/>
-        <a:defRPr sz="1300" b="0" i="0" u="none" strike="noStrike" cap="none" spc="0" baseline="0">
+        <a:defRPr b="0" baseline="0" cap="none" i="0" spc="0" strike="noStrike" sz="2100" u="none">
           <a:solidFill>
             <a:schemeClr val="accent1"/>
           </a:solidFill>
@@ -3058,9 +3244,9 @@
           <a:sym typeface="Lato"/>
         </a:defRPr>
       </a:lvl2pPr>
-      <a:lvl3pPr marL="1425863" marR="0" indent="-352713" algn="l" defTabSz="914400" rtl="0" latinLnBrk="0">
+      <a:lvl3pPr marL="165100" marR="0" indent="146050" algn="l" defTabSz="914400" rtl="0" latinLnBrk="0">
         <a:lnSpc>
-          <a:spcPct val="115000"/>
+          <a:spcPct val="100000"/>
         </a:lnSpc>
         <a:spcBef>
           <a:spcPts val="0"/>
@@ -3068,14 +3254,12 @@
         <a:spcAft>
           <a:spcPts val="0"/>
         </a:spcAft>
-        <a:buClr>
-          <a:schemeClr val="accent1"/>
-        </a:buClr>
-        <a:buSzPts val="1300"/>
-        <a:buFont typeface="Helvetica"/>
-        <a:buChar char="■"/>
+        <a:buClrTx/>
+        <a:buSzTx/>
+        <a:buFontTx/>
+        <a:buNone/>
         <a:tabLst/>
-        <a:defRPr sz="1300" b="0" i="0" u="none" strike="noStrike" cap="none" spc="0" baseline="0">
+        <a:defRPr b="0" baseline="0" cap="none" i="0" spc="0" strike="noStrike" sz="2100" u="none">
           <a:solidFill>
             <a:schemeClr val="accent1"/>
           </a:solidFill>
@@ -3086,9 +3270,9 @@
           <a:sym typeface="Lato"/>
         </a:defRPr>
       </a:lvl3pPr>
-      <a:lvl4pPr marL="1883063" marR="0" indent="-352713" algn="l" defTabSz="914400" rtl="0" latinLnBrk="0">
+      <a:lvl4pPr marL="165100" marR="0" indent="146050" algn="l" defTabSz="914400" rtl="0" latinLnBrk="0">
         <a:lnSpc>
-          <a:spcPct val="115000"/>
+          <a:spcPct val="100000"/>
         </a:lnSpc>
         <a:spcBef>
           <a:spcPts val="0"/>
@@ -3096,14 +3280,12 @@
         <a:spcAft>
           <a:spcPts val="0"/>
         </a:spcAft>
-        <a:buClr>
-          <a:schemeClr val="accent1"/>
-        </a:buClr>
-        <a:buSzPts val="1300"/>
-        <a:buFont typeface="Helvetica"/>
-        <a:buChar char="●"/>
+        <a:buClrTx/>
+        <a:buSzTx/>
+        <a:buFontTx/>
+        <a:buNone/>
         <a:tabLst/>
-        <a:defRPr sz="1300" b="0" i="0" u="none" strike="noStrike" cap="none" spc="0" baseline="0">
+        <a:defRPr b="0" baseline="0" cap="none" i="0" spc="0" strike="noStrike" sz="2100" u="none">
           <a:solidFill>
             <a:schemeClr val="accent1"/>
           </a:solidFill>
@@ -3114,9 +3296,9 @@
           <a:sym typeface="Lato"/>
         </a:defRPr>
       </a:lvl4pPr>
-      <a:lvl5pPr marL="2340263" marR="0" indent="-352713" algn="l" defTabSz="914400" rtl="0" latinLnBrk="0">
+      <a:lvl5pPr marL="165100" marR="0" indent="146050" algn="l" defTabSz="914400" rtl="0" latinLnBrk="0">
         <a:lnSpc>
-          <a:spcPct val="115000"/>
+          <a:spcPct val="100000"/>
         </a:lnSpc>
         <a:spcBef>
           <a:spcPts val="0"/>
@@ -3124,14 +3306,12 @@
         <a:spcAft>
           <a:spcPts val="0"/>
         </a:spcAft>
-        <a:buClr>
-          <a:schemeClr val="accent1"/>
-        </a:buClr>
-        <a:buSzPts val="1300"/>
-        <a:buFont typeface="Helvetica"/>
-        <a:buChar char="○"/>
+        <a:buClrTx/>
+        <a:buSzTx/>
+        <a:buFontTx/>
+        <a:buNone/>
         <a:tabLst/>
-        <a:defRPr sz="1300" b="0" i="0" u="none" strike="noStrike" cap="none" spc="0" baseline="0">
+        <a:defRPr b="0" baseline="0" cap="none" i="0" spc="0" strike="noStrike" sz="2100" u="none">
           <a:solidFill>
             <a:schemeClr val="accent1"/>
           </a:solidFill>
@@ -3142,9 +3322,9 @@
           <a:sym typeface="Lato"/>
         </a:defRPr>
       </a:lvl5pPr>
-      <a:lvl6pPr marL="2797463" marR="0" indent="-352713" algn="l" defTabSz="914400" rtl="0" latinLnBrk="0">
+      <a:lvl6pPr marL="3014517" marR="0" indent="-569767" algn="l" defTabSz="914400" rtl="0" latinLnBrk="0">
         <a:lnSpc>
-          <a:spcPct val="115000"/>
+          <a:spcPct val="100000"/>
         </a:lnSpc>
         <a:spcBef>
           <a:spcPts val="0"/>
@@ -3152,14 +3332,12 @@
         <a:spcAft>
           <a:spcPts val="0"/>
         </a:spcAft>
-        <a:buClr>
-          <a:schemeClr val="accent1"/>
-        </a:buClr>
-        <a:buSzPts val="1300"/>
-        <a:buFont typeface="Helvetica"/>
+        <a:buClrTx/>
+        <a:buSzPts val="2100"/>
+        <a:buFontTx/>
         <a:buChar char="■"/>
         <a:tabLst/>
-        <a:defRPr sz="1300" b="0" i="0" u="none" strike="noStrike" cap="none" spc="0" baseline="0">
+        <a:defRPr b="0" baseline="0" cap="none" i="0" spc="0" strike="noStrike" sz="2100" u="none">
           <a:solidFill>
             <a:schemeClr val="accent1"/>
           </a:solidFill>
@@ -3170,9 +3348,9 @@
           <a:sym typeface="Lato"/>
         </a:defRPr>
       </a:lvl6pPr>
-      <a:lvl7pPr marL="3254663" marR="0" indent="-352713" algn="l" defTabSz="914400" rtl="0" latinLnBrk="0">
+      <a:lvl7pPr marL="3471717" marR="0" indent="-569767" algn="l" defTabSz="914400" rtl="0" latinLnBrk="0">
         <a:lnSpc>
-          <a:spcPct val="115000"/>
+          <a:spcPct val="100000"/>
         </a:lnSpc>
         <a:spcBef>
           <a:spcPts val="0"/>
@@ -3180,14 +3358,12 @@
         <a:spcAft>
           <a:spcPts val="0"/>
         </a:spcAft>
-        <a:buClr>
-          <a:schemeClr val="accent1"/>
-        </a:buClr>
-        <a:buSzPts val="1300"/>
-        <a:buFont typeface="Helvetica"/>
+        <a:buClrTx/>
+        <a:buSzPts val="2100"/>
+        <a:buFontTx/>
         <a:buChar char="●"/>
         <a:tabLst/>
-        <a:defRPr sz="1300" b="0" i="0" u="none" strike="noStrike" cap="none" spc="0" baseline="0">
+        <a:defRPr b="0" baseline="0" cap="none" i="0" spc="0" strike="noStrike" sz="2100" u="none">
           <a:solidFill>
             <a:schemeClr val="accent1"/>
           </a:solidFill>
@@ -3198,9 +3374,9 @@
           <a:sym typeface="Lato"/>
         </a:defRPr>
       </a:lvl7pPr>
-      <a:lvl8pPr marL="3711863" marR="0" indent="-352713" algn="l" defTabSz="914400" rtl="0" latinLnBrk="0">
+      <a:lvl8pPr marL="3928917" marR="0" indent="-569767" algn="l" defTabSz="914400" rtl="0" latinLnBrk="0">
         <a:lnSpc>
-          <a:spcPct val="115000"/>
+          <a:spcPct val="100000"/>
         </a:lnSpc>
         <a:spcBef>
           <a:spcPts val="0"/>
@@ -3208,14 +3384,12 @@
         <a:spcAft>
           <a:spcPts val="0"/>
         </a:spcAft>
-        <a:buClr>
-          <a:schemeClr val="accent1"/>
-        </a:buClr>
-        <a:buSzPts val="1300"/>
-        <a:buFont typeface="Helvetica"/>
+        <a:buClrTx/>
+        <a:buSzPts val="2100"/>
+        <a:buFontTx/>
         <a:buChar char="○"/>
         <a:tabLst/>
-        <a:defRPr sz="1300" b="0" i="0" u="none" strike="noStrike" cap="none" spc="0" baseline="0">
+        <a:defRPr b="0" baseline="0" cap="none" i="0" spc="0" strike="noStrike" sz="2100" u="none">
           <a:solidFill>
             <a:schemeClr val="accent1"/>
           </a:solidFill>
@@ -3226,9 +3400,9 @@
           <a:sym typeface="Lato"/>
         </a:defRPr>
       </a:lvl8pPr>
-      <a:lvl9pPr marL="4169063" marR="0" indent="-352713" algn="l" defTabSz="914400" rtl="0" latinLnBrk="0">
+      <a:lvl9pPr marL="4386117" marR="0" indent="-569767" algn="l" defTabSz="914400" rtl="0" latinLnBrk="0">
         <a:lnSpc>
-          <a:spcPct val="115000"/>
+          <a:spcPct val="100000"/>
         </a:lnSpc>
         <a:spcBef>
           <a:spcPts val="0"/>
@@ -3236,14 +3410,12 @@
         <a:spcAft>
           <a:spcPts val="0"/>
         </a:spcAft>
-        <a:buClr>
-          <a:schemeClr val="accent1"/>
-        </a:buClr>
-        <a:buSzPts val="1300"/>
-        <a:buFont typeface="Helvetica"/>
+        <a:buClrTx/>
+        <a:buSzPts val="2100"/>
+        <a:buFontTx/>
         <a:buChar char="■"/>
         <a:tabLst/>
-        <a:defRPr sz="1300" b="0" i="0" u="none" strike="noStrike" cap="none" spc="0" baseline="0">
+        <a:defRPr b="0" baseline="0" cap="none" i="0" spc="0" strike="noStrike" sz="2100" u="none">
           <a:solidFill>
             <a:schemeClr val="accent1"/>
           </a:solidFill>
@@ -3271,7 +3443,7 @@
         <a:buFontTx/>
         <a:buNone/>
         <a:tabLst/>
-        <a:defRPr sz="1300" b="0" i="0" u="none" strike="noStrike" cap="none" spc="0" baseline="0">
+        <a:defRPr b="0" baseline="0" cap="none" i="0" spc="0" strike="noStrike" sz="1300" u="none">
           <a:solidFill>
             <a:schemeClr val="tx1"/>
           </a:solidFill>
@@ -3282,7 +3454,7 @@
           <a:sym typeface="Lato"/>
         </a:defRPr>
       </a:lvl1pPr>
-      <a:lvl2pPr marL="0" marR="0" indent="457200" algn="r" defTabSz="914400" rtl="0" latinLnBrk="0">
+      <a:lvl2pPr marL="0" marR="0" indent="0" algn="r" defTabSz="914400" rtl="0" latinLnBrk="0">
         <a:lnSpc>
           <a:spcPct val="100000"/>
         </a:lnSpc>
@@ -3297,7 +3469,7 @@
         <a:buFontTx/>
         <a:buNone/>
         <a:tabLst/>
-        <a:defRPr sz="1300" b="0" i="0" u="none" strike="noStrike" cap="none" spc="0" baseline="0">
+        <a:defRPr b="0" baseline="0" cap="none" i="0" spc="0" strike="noStrike" sz="1300" u="none">
           <a:solidFill>
             <a:schemeClr val="tx1"/>
           </a:solidFill>
@@ -3308,7 +3480,7 @@
           <a:sym typeface="Lato"/>
         </a:defRPr>
       </a:lvl2pPr>
-      <a:lvl3pPr marL="0" marR="0" indent="914400" algn="r" defTabSz="914400" rtl="0" latinLnBrk="0">
+      <a:lvl3pPr marL="0" marR="0" indent="0" algn="r" defTabSz="914400" rtl="0" latinLnBrk="0">
         <a:lnSpc>
           <a:spcPct val="100000"/>
         </a:lnSpc>
@@ -3323,7 +3495,7 @@
         <a:buFontTx/>
         <a:buNone/>
         <a:tabLst/>
-        <a:defRPr sz="1300" b="0" i="0" u="none" strike="noStrike" cap="none" spc="0" baseline="0">
+        <a:defRPr b="0" baseline="0" cap="none" i="0" spc="0" strike="noStrike" sz="1300" u="none">
           <a:solidFill>
             <a:schemeClr val="tx1"/>
           </a:solidFill>
@@ -3334,7 +3506,7 @@
           <a:sym typeface="Lato"/>
         </a:defRPr>
       </a:lvl3pPr>
-      <a:lvl4pPr marL="0" marR="0" indent="1371600" algn="r" defTabSz="914400" rtl="0" latinLnBrk="0">
+      <a:lvl4pPr marL="0" marR="0" indent="0" algn="r" defTabSz="914400" rtl="0" latinLnBrk="0">
         <a:lnSpc>
           <a:spcPct val="100000"/>
         </a:lnSpc>
@@ -3349,7 +3521,7 @@
         <a:buFontTx/>
         <a:buNone/>
         <a:tabLst/>
-        <a:defRPr sz="1300" b="0" i="0" u="none" strike="noStrike" cap="none" spc="0" baseline="0">
+        <a:defRPr b="0" baseline="0" cap="none" i="0" spc="0" strike="noStrike" sz="1300" u="none">
           <a:solidFill>
             <a:schemeClr val="tx1"/>
           </a:solidFill>
@@ -3360,7 +3532,7 @@
           <a:sym typeface="Lato"/>
         </a:defRPr>
       </a:lvl4pPr>
-      <a:lvl5pPr marL="0" marR="0" indent="1828800" algn="r" defTabSz="914400" rtl="0" latinLnBrk="0">
+      <a:lvl5pPr marL="0" marR="0" indent="0" algn="r" defTabSz="914400" rtl="0" latinLnBrk="0">
         <a:lnSpc>
           <a:spcPct val="100000"/>
         </a:lnSpc>
@@ -3375,7 +3547,7 @@
         <a:buFontTx/>
         <a:buNone/>
         <a:tabLst/>
-        <a:defRPr sz="1300" b="0" i="0" u="none" strike="noStrike" cap="none" spc="0" baseline="0">
+        <a:defRPr b="0" baseline="0" cap="none" i="0" spc="0" strike="noStrike" sz="1300" u="none">
           <a:solidFill>
             <a:schemeClr val="tx1"/>
           </a:solidFill>
@@ -3386,7 +3558,7 @@
           <a:sym typeface="Lato"/>
         </a:defRPr>
       </a:lvl5pPr>
-      <a:lvl6pPr marL="0" marR="0" indent="2286000" algn="r" defTabSz="914400" rtl="0" latinLnBrk="0">
+      <a:lvl6pPr marL="0" marR="0" indent="0" algn="r" defTabSz="914400" rtl="0" latinLnBrk="0">
         <a:lnSpc>
           <a:spcPct val="100000"/>
         </a:lnSpc>
@@ -3401,7 +3573,7 @@
         <a:buFontTx/>
         <a:buNone/>
         <a:tabLst/>
-        <a:defRPr sz="1300" b="0" i="0" u="none" strike="noStrike" cap="none" spc="0" baseline="0">
+        <a:defRPr b="0" baseline="0" cap="none" i="0" spc="0" strike="noStrike" sz="1300" u="none">
           <a:solidFill>
             <a:schemeClr val="tx1"/>
           </a:solidFill>
@@ -3412,7 +3584,7 @@
           <a:sym typeface="Lato"/>
         </a:defRPr>
       </a:lvl6pPr>
-      <a:lvl7pPr marL="0" marR="0" indent="2743200" algn="r" defTabSz="914400" rtl="0" latinLnBrk="0">
+      <a:lvl7pPr marL="0" marR="0" indent="0" algn="r" defTabSz="914400" rtl="0" latinLnBrk="0">
         <a:lnSpc>
           <a:spcPct val="100000"/>
         </a:lnSpc>
@@ -3427,7 +3599,7 @@
         <a:buFontTx/>
         <a:buNone/>
         <a:tabLst/>
-        <a:defRPr sz="1300" b="0" i="0" u="none" strike="noStrike" cap="none" spc="0" baseline="0">
+        <a:defRPr b="0" baseline="0" cap="none" i="0" spc="0" strike="noStrike" sz="1300" u="none">
           <a:solidFill>
             <a:schemeClr val="tx1"/>
           </a:solidFill>
@@ -3438,7 +3610,7 @@
           <a:sym typeface="Lato"/>
         </a:defRPr>
       </a:lvl7pPr>
-      <a:lvl8pPr marL="0" marR="0" indent="3200400" algn="r" defTabSz="914400" rtl="0" latinLnBrk="0">
+      <a:lvl8pPr marL="0" marR="0" indent="0" algn="r" defTabSz="914400" rtl="0" latinLnBrk="0">
         <a:lnSpc>
           <a:spcPct val="100000"/>
         </a:lnSpc>
@@ -3453,7 +3625,7 @@
         <a:buFontTx/>
         <a:buNone/>
         <a:tabLst/>
-        <a:defRPr sz="1300" b="0" i="0" u="none" strike="noStrike" cap="none" spc="0" baseline="0">
+        <a:defRPr b="0" baseline="0" cap="none" i="0" spc="0" strike="noStrike" sz="1300" u="none">
           <a:solidFill>
             <a:schemeClr val="tx1"/>
           </a:solidFill>
@@ -3464,7 +3636,7 @@
           <a:sym typeface="Lato"/>
         </a:defRPr>
       </a:lvl8pPr>
-      <a:lvl9pPr marL="0" marR="0" indent="3657600" algn="r" defTabSz="914400" rtl="0" latinLnBrk="0">
+      <a:lvl9pPr marL="0" marR="0" indent="0" algn="r" defTabSz="914400" rtl="0" latinLnBrk="0">
         <a:lnSpc>
           <a:spcPct val="100000"/>
         </a:lnSpc>
@@ -3479,7 +3651,7 @@
         <a:buFontTx/>
         <a:buNone/>
         <a:tabLst/>
-        <a:defRPr sz="1300" b="0" i="0" u="none" strike="noStrike" cap="none" spc="0" baseline="0">
+        <a:defRPr b="0" baseline="0" cap="none" i="0" spc="0" strike="noStrike" sz="1300" u="none">
           <a:solidFill>
             <a:schemeClr val="tx1"/>
           </a:solidFill>
@@ -3496,7 +3668,7 @@
 </file>
 
 <file path=ppt/slides/slide1.xml><?xml version="1.0" encoding="utf-8"?>
-<p:sld xmlns:a="http://schemas.openxmlformats.org/drawingml/2006/main" xmlns:r="http://schemas.openxmlformats.org/officeDocument/2006/relationships" xmlns:p="http://schemas.openxmlformats.org/presentationml/2006/main">
+<p:sld xmlns:a="http://schemas.openxmlformats.org/drawingml/2006/main" xmlns:r="http://schemas.openxmlformats.org/officeDocument/2006/relationships" xmlns:p="http://schemas.openxmlformats.org/presentationml/2006/main" xmlns:m="http://schemas.openxmlformats.org/officeDocument/2006/math" xmlns:a14="http://schemas.microsoft.com/office/drawing/2010/main" showMasterSp="1" showMasterPhAnim="1">
   <p:cSld>
     <p:spTree>
       <p:nvGrpSpPr>
@@ -3514,10 +3686,8 @@
       </p:grpSpPr>
       <p:sp>
         <p:nvSpPr>
-          <p:cNvPr id="129" name="Google Shape;86;p13"/>
-          <p:cNvSpPr txBox="1">
-            <a:spLocks noGrp="1"/>
-          </p:cNvSpPr>
+          <p:cNvPr id="118" name="Google Shape;86;p13"/>
+          <p:cNvSpPr txBox="1"/>
           <p:nvPr>
             <p:ph type="ctrTitle"/>
           </p:nvPr>
@@ -3525,7 +3695,7 @@
         <p:spPr>
           <a:xfrm>
             <a:off x="972600" y="1763266"/>
-            <a:ext cx="10250800" cy="2219601"/>
+            <a:ext cx="10250801" cy="2219601"/>
           </a:xfrm>
           <a:prstGeom prst="rect">
             <a:avLst/>
@@ -3535,8 +3705,8 @@
           <a:bodyPr lIns="121899" tIns="121899" rIns="121899" bIns="121899"/>
           <a:lstStyle/>
           <a:p>
-            <a:r>
-              <a:rPr dirty="0"/>
+            <a:pPr/>
+            <a:r>
               <a:t>Bringing the Analog World to Digital Design</a:t>
             </a:r>
           </a:p>
@@ -3544,18 +3714,16 @@
       </p:sp>
       <p:sp>
         <p:nvSpPr>
-          <p:cNvPr id="130" name="Google Shape;87;p13"/>
-          <p:cNvSpPr txBox="1">
-            <a:spLocks noGrp="1"/>
-          </p:cNvSpPr>
+          <p:cNvPr id="119" name="Google Shape;87;p13"/>
+          <p:cNvSpPr txBox="1"/>
           <p:nvPr>
             <p:ph type="subTitle" sz="half" idx="1"/>
           </p:nvPr>
         </p:nvSpPr>
         <p:spPr>
           <a:xfrm>
-            <a:off x="972832" y="4230532"/>
-            <a:ext cx="10347602" cy="1751601"/>
+            <a:off x="972831" y="4230532"/>
+            <a:ext cx="10347604" cy="1751602"/>
           </a:xfrm>
           <a:prstGeom prst="rect">
             <a:avLst/>
@@ -3566,6 +3734,9 @@
           <a:lstStyle/>
           <a:p>
             <a:pPr marL="0" indent="0">
+              <a:lnSpc>
+                <a:spcPct val="90000"/>
+              </a:lnSpc>
               <a:defRPr sz="1600">
                 <a:solidFill>
                   <a:srgbClr val="1A1A1A"/>
@@ -3577,11 +3748,26 @@
               </a:defRPr>
             </a:pPr>
             <a:r>
-              <a:t>Team member:</a:t>
+              <a:t>Team </a:t>
+            </a:r>
+            <a:r>
+              <a:t>M</a:t>
+            </a:r>
+            <a:r>
+              <a:t>ember</a:t>
+            </a:r>
+            <a:r>
+              <a:t>s</a:t>
+            </a:r>
+            <a:r>
+              <a:t>:</a:t>
             </a:r>
           </a:p>
           <a:p>
             <a:pPr marL="0" indent="0">
+              <a:lnSpc>
+                <a:spcPct val="90000"/>
+              </a:lnSpc>
               <a:defRPr sz="1600">
                 <a:solidFill>
                   <a:srgbClr val="1A1A1A"/>
@@ -3592,11 +3778,13 @@
                 <a:sym typeface="Arial"/>
               </a:defRPr>
             </a:pPr>
-            <a:endParaRPr/>
           </a:p>
           <a:p>
             <a:pPr marL="0" indent="0">
-              <a:defRPr sz="1600">
+              <a:lnSpc>
+                <a:spcPct val="90000"/>
+              </a:lnSpc>
+              <a:defRPr sz="2400">
                 <a:solidFill>
                   <a:srgbClr val="1A1A1A"/>
                 </a:solidFill>
@@ -3609,10 +3797,14 @@
             <a:r>
               <a:t>Conor Naughton </a:t>
             </a:r>
+            <a:endParaRPr sz="1600"/>
           </a:p>
           <a:p>
             <a:pPr marL="0" indent="0">
-              <a:defRPr sz="1600">
+              <a:lnSpc>
+                <a:spcPct val="90000"/>
+              </a:lnSpc>
+              <a:defRPr sz="2400">
                 <a:solidFill>
                   <a:srgbClr val="1A1A1A"/>
                 </a:solidFill>
@@ -3625,10 +3817,14 @@
             <a:r>
               <a:t>Bin Xu</a:t>
             </a:r>
+            <a:endParaRPr sz="1600"/>
           </a:p>
           <a:p>
             <a:pPr marL="0" indent="0">
-              <a:defRPr sz="1600">
+              <a:lnSpc>
+                <a:spcPct val="90000"/>
+              </a:lnSpc>
+              <a:defRPr sz="2400">
                 <a:solidFill>
                   <a:srgbClr val="1A1A1A"/>
                 </a:solidFill>
@@ -3644,17 +3840,47 @@
           </a:p>
         </p:txBody>
       </p:sp>
+      <p:pic>
+        <p:nvPicPr>
+          <p:cNvPr id="120" name="Picture 2" descr="Picture 2"/>
+          <p:cNvPicPr>
+            <a:picLocks noChangeAspect="1"/>
+          </p:cNvPicPr>
+          <p:nvPr/>
+        </p:nvPicPr>
+        <p:blipFill>
+          <a:blip r:embed="rId2">
+            <a:extLst/>
+          </a:blip>
+          <a:srcRect l="6380" t="5392" r="3678" b="5129"/>
+          <a:stretch>
+            <a:fillRect/>
+          </a:stretch>
+        </p:blipFill>
+        <p:spPr>
+          <a:xfrm>
+            <a:off x="6875768" y="4041710"/>
+            <a:ext cx="4160521" cy="2386585"/>
+          </a:xfrm>
+          <a:prstGeom prst="rect">
+            <a:avLst/>
+          </a:prstGeom>
+          <a:ln w="12700">
+            <a:miter lim="400000"/>
+          </a:ln>
+        </p:spPr>
+      </p:pic>
     </p:spTree>
   </p:cSld>
   <p:clrMapOvr>
     <a:masterClrMapping/>
   </p:clrMapOvr>
-  <p:transition spd="med"/>
+  <p:transition xmlns:p14="http://schemas.microsoft.com/office/powerpoint/2010/main" spd="med" advClick="1"/>
 </p:sld>
 </file>
 
 <file path=ppt/slides/slide10.xml><?xml version="1.0" encoding="utf-8"?>
-<p:sld xmlns:a="http://schemas.openxmlformats.org/drawingml/2006/main" xmlns:r="http://schemas.openxmlformats.org/officeDocument/2006/relationships" xmlns:p="http://schemas.openxmlformats.org/presentationml/2006/main">
+<p:sld xmlns:a="http://schemas.openxmlformats.org/drawingml/2006/main" xmlns:r="http://schemas.openxmlformats.org/officeDocument/2006/relationships" xmlns:p="http://schemas.openxmlformats.org/presentationml/2006/main" xmlns:m="http://schemas.openxmlformats.org/officeDocument/2006/math" xmlns:a14="http://schemas.microsoft.com/office/drawing/2010/main" showMasterSp="1" showMasterPhAnim="1">
   <p:cSld>
     <p:spTree>
       <p:nvGrpSpPr>
@@ -3672,95 +3898,72 @@
       </p:grpSpPr>
       <p:sp>
         <p:nvSpPr>
-          <p:cNvPr id="2" name="Title 1">
-            <a:extLst>
-              <a:ext uri="{FF2B5EF4-FFF2-40B4-BE49-F238E27FC236}">
-                <a16:creationId xmlns:a16="http://schemas.microsoft.com/office/drawing/2014/main" id="{18ADC116-86FE-4382-BFB0-2622ED23F9F2}"/>
-              </a:ext>
-            </a:extLst>
-          </p:cNvPr>
-          <p:cNvSpPr>
-            <a:spLocks noGrp="1"/>
-          </p:cNvSpPr>
+          <p:cNvPr id="170" name="Title 1"/>
+          <p:cNvSpPr txBox="1"/>
           <p:nvPr>
             <p:ph type="title"/>
           </p:nvPr>
         </p:nvSpPr>
-        <p:spPr/>
+        <p:spPr>
+          <a:xfrm>
+            <a:off x="967800" y="1516230"/>
+            <a:ext cx="10251600" cy="713602"/>
+          </a:xfrm>
+          <a:prstGeom prst="rect">
+            <a:avLst/>
+          </a:prstGeom>
+        </p:spPr>
         <p:txBody>
           <a:bodyPr/>
           <a:lstStyle/>
           <a:p>
-            <a:r>
-              <a:rPr lang="en-US" dirty="0"/>
-              <a:t>Successes</a:t>
+            <a:pPr/>
+            <a:r>
+              <a:t>Block Diagram</a:t>
             </a:r>
           </a:p>
         </p:txBody>
       </p:sp>
-      <p:sp>
-        <p:nvSpPr>
-          <p:cNvPr id="3" name="Text Placeholder 2">
-            <a:extLst>
-              <a:ext uri="{FF2B5EF4-FFF2-40B4-BE49-F238E27FC236}">
-                <a16:creationId xmlns:a16="http://schemas.microsoft.com/office/drawing/2014/main" id="{61E84AD7-8ABE-4E2D-B43F-C3E1854FD92C}"/>
-              </a:ext>
-            </a:extLst>
-          </p:cNvPr>
-          <p:cNvSpPr>
-            <a:spLocks noGrp="1"/>
-          </p:cNvSpPr>
-          <p:nvPr>
-            <p:ph type="body" sz="half" idx="1"/>
-          </p:nvPr>
-        </p:nvSpPr>
-        <p:spPr/>
-        <p:txBody>
-          <a:bodyPr/>
-          <a:lstStyle/>
-          <a:p>
-            <a:r>
-              <a:rPr lang="en-US" dirty="0"/>
-              <a:t>Analog game</a:t>
-            </a:r>
-          </a:p>
-          <a:p>
-            <a:pPr lvl="1"/>
-            <a:r>
-              <a:rPr lang="en-US" dirty="0"/>
-              <a:t>Pressing harder makes it move faster</a:t>
-            </a:r>
-          </a:p>
-          <a:p>
-            <a:r>
-              <a:rPr lang="en-US" dirty="0"/>
-              <a:t>Attribution of successes</a:t>
-            </a:r>
-          </a:p>
-          <a:p>
-            <a:r>
-              <a:rPr lang="en-US" dirty="0"/>
-              <a:t>Storing images in memory</a:t>
-            </a:r>
-          </a:p>
-        </p:txBody>
-      </p:sp>
+      <p:pic>
+        <p:nvPicPr>
+          <p:cNvPr id="171" name="Picture 6" descr="Picture 6"/>
+          <p:cNvPicPr>
+            <a:picLocks noChangeAspect="1"/>
+          </p:cNvPicPr>
+          <p:nvPr/>
+        </p:nvPicPr>
+        <p:blipFill>
+          <a:blip r:embed="rId2">
+            <a:extLst/>
+          </a:blip>
+          <a:stretch>
+            <a:fillRect/>
+          </a:stretch>
+        </p:blipFill>
+        <p:spPr>
+          <a:xfrm>
+            <a:off x="1108476" y="2229830"/>
+            <a:ext cx="9582970" cy="4446830"/>
+          </a:xfrm>
+          <a:prstGeom prst="rect">
+            <a:avLst/>
+          </a:prstGeom>
+          <a:ln w="12700">
+            <a:miter lim="400000"/>
+          </a:ln>
+        </p:spPr>
+      </p:pic>
     </p:spTree>
-    <p:extLst>
-      <p:ext uri="{BB962C8B-B14F-4D97-AF65-F5344CB8AC3E}">
-        <p14:creationId xmlns:p14="http://schemas.microsoft.com/office/powerpoint/2010/main" val="4209704916"/>
-      </p:ext>
-    </p:extLst>
   </p:cSld>
   <p:clrMapOvr>
     <a:masterClrMapping/>
   </p:clrMapOvr>
-  <p:transition spd="med"/>
+  <p:transition xmlns:p14="http://schemas.microsoft.com/office/powerpoint/2010/main" spd="med" advClick="1"/>
 </p:sld>
 </file>
 
 <file path=ppt/slides/slide11.xml><?xml version="1.0" encoding="utf-8"?>
-<p:sld xmlns:a="http://schemas.openxmlformats.org/drawingml/2006/main" xmlns:r="http://schemas.openxmlformats.org/officeDocument/2006/relationships" xmlns:p="http://schemas.openxmlformats.org/presentationml/2006/main">
+<p:sld xmlns:a="http://schemas.openxmlformats.org/drawingml/2006/main" xmlns:r="http://schemas.openxmlformats.org/officeDocument/2006/relationships" xmlns:p="http://schemas.openxmlformats.org/presentationml/2006/main" xmlns:m="http://schemas.openxmlformats.org/officeDocument/2006/math" xmlns:a14="http://schemas.microsoft.com/office/drawing/2010/main" showMasterSp="1" showMasterPhAnim="1">
   <p:cSld>
     <p:spTree>
       <p:nvGrpSpPr>
@@ -3778,99 +3981,226 @@
       </p:grpSpPr>
       <p:sp>
         <p:nvSpPr>
-          <p:cNvPr id="2" name="Title 1">
-            <a:extLst>
-              <a:ext uri="{FF2B5EF4-FFF2-40B4-BE49-F238E27FC236}">
-                <a16:creationId xmlns:a16="http://schemas.microsoft.com/office/drawing/2014/main" id="{46259B26-EABB-4AEC-961D-D10F5A1AB622}"/>
-              </a:ext>
-            </a:extLst>
-          </p:cNvPr>
-          <p:cNvSpPr>
-            <a:spLocks noGrp="1"/>
-          </p:cNvSpPr>
+          <p:cNvPr id="173" name="Title 1"/>
+          <p:cNvSpPr txBox="1"/>
           <p:nvPr>
             <p:ph type="title"/>
           </p:nvPr>
         </p:nvSpPr>
-        <p:spPr/>
+        <p:spPr>
+          <a:xfrm>
+            <a:off x="972600" y="1758200"/>
+            <a:ext cx="10251600" cy="713602"/>
+          </a:xfrm>
+          <a:prstGeom prst="rect">
+            <a:avLst/>
+          </a:prstGeom>
+        </p:spPr>
         <p:txBody>
           <a:bodyPr/>
           <a:lstStyle/>
           <a:p>
-            <a:r>
-              <a:rPr lang="en-US" dirty="0"/>
-              <a:t>Failures</a:t>
+            <a:pPr/>
+            <a:r>
+              <a:t>Verilog Example</a:t>
             </a:r>
           </a:p>
         </p:txBody>
       </p:sp>
       <p:sp>
         <p:nvSpPr>
-          <p:cNvPr id="3" name="Text Placeholder 2">
-            <a:extLst>
-              <a:ext uri="{FF2B5EF4-FFF2-40B4-BE49-F238E27FC236}">
-                <a16:creationId xmlns:a16="http://schemas.microsoft.com/office/drawing/2014/main" id="{ECD3958F-B090-45B9-B80B-641FB904439F}"/>
-              </a:ext>
-            </a:extLst>
-          </p:cNvPr>
-          <p:cNvSpPr>
-            <a:spLocks noGrp="1"/>
-          </p:cNvSpPr>
+          <p:cNvPr id="174" name="Text Placeholder 2"/>
+          <p:cNvSpPr txBox="1"/>
           <p:nvPr>
             <p:ph type="body" sz="half" idx="1"/>
           </p:nvPr>
         </p:nvSpPr>
-        <p:spPr/>
+        <p:spPr>
+          <a:xfrm>
+            <a:off x="972600" y="2771831"/>
+            <a:ext cx="6891240" cy="3014803"/>
+          </a:xfrm>
+          <a:prstGeom prst="rect">
+            <a:avLst/>
+          </a:prstGeom>
+        </p:spPr>
         <p:txBody>
           <a:bodyPr/>
           <a:lstStyle/>
           <a:p>
-            <a:r>
-              <a:rPr lang="en-US" dirty="0"/>
-              <a:t>Use of Quad SPI flash memory</a:t>
-            </a:r>
-          </a:p>
-          <a:p>
-            <a:r>
-              <a:rPr lang="en-US" dirty="0"/>
-              <a:t>Timing issues of direction change versus ADC settling</a:t>
-            </a:r>
-          </a:p>
-          <a:p>
-            <a:r>
-              <a:rPr lang="en-US" dirty="0"/>
-              <a:t>Explain what we tried for each of these</a:t>
-            </a:r>
-          </a:p>
-          <a:p>
-            <a:r>
-              <a:rPr lang="en-US" dirty="0"/>
-              <a:t>Replay the video of game </a:t>
-            </a:r>
-            <a:r>
-              <a:rPr lang="en-US" dirty="0" err="1"/>
-              <a:t>processsing</a:t>
-            </a:r>
-            <a:endParaRPr lang="en-US" dirty="0"/>
+            <a:pPr/>
+            <a:r>
+              <a:t>ADC instantiation</a:t>
+            </a:r>
+          </a:p>
+          <a:p>
+            <a:pPr lvl="1"/>
+            <a:r>
+              <a:t>Initializing the control registers to define the ADC operation after configuration</a:t>
+            </a:r>
+          </a:p>
+          <a:p>
+            <a:pPr lvl="1"/>
+            <a:r>
+              <a:t>Connect ADC I/Os to the design</a:t>
+            </a:r>
+          </a:p>
+          <a:p>
+            <a:pPr/>
+          </a:p>
+          <a:p>
+            <a:pPr/>
+          </a:p>
+          <a:p>
+            <a:pPr/>
+            <a:r>
+              <a:t>DRP is the interface between the ADC and FPGA through which the FPGA can access the ADC registers</a:t>
+            </a:r>
+          </a:p>
+        </p:txBody>
+      </p:sp>
+      <p:pic>
+        <p:nvPicPr>
+          <p:cNvPr id="175" name="Picture 4" descr="Picture 4"/>
+          <p:cNvPicPr>
+            <a:picLocks noChangeAspect="1"/>
+          </p:cNvPicPr>
+          <p:nvPr/>
+        </p:nvPicPr>
+        <p:blipFill>
+          <a:blip r:embed="rId2">
+            <a:extLst/>
+          </a:blip>
+          <a:srcRect l="0" t="843" r="0" b="0"/>
+          <a:stretch>
+            <a:fillRect/>
+          </a:stretch>
+        </p:blipFill>
+        <p:spPr>
+          <a:xfrm>
+            <a:off x="8040454" y="713231"/>
+            <a:ext cx="3606484" cy="5915928"/>
+          </a:xfrm>
+          <a:prstGeom prst="rect">
+            <a:avLst/>
+          </a:prstGeom>
+          <a:ln w="12700">
+            <a:miter lim="400000"/>
+          </a:ln>
+        </p:spPr>
+      </p:pic>
+      <p:pic>
+        <p:nvPicPr>
+          <p:cNvPr id="176" name="Picture 5" descr="Picture 5"/>
+          <p:cNvPicPr>
+            <a:picLocks noChangeAspect="1"/>
+          </p:cNvPicPr>
+          <p:nvPr/>
+        </p:nvPicPr>
+        <p:blipFill>
+          <a:blip r:embed="rId3">
+            <a:extLst/>
+          </a:blip>
+          <a:stretch>
+            <a:fillRect/>
+          </a:stretch>
+        </p:blipFill>
+        <p:spPr>
+          <a:xfrm>
+            <a:off x="2277387" y="5427478"/>
+            <a:ext cx="5296360" cy="1318375"/>
+          </a:xfrm>
+          <a:prstGeom prst="rect">
+            <a:avLst/>
+          </a:prstGeom>
+          <a:ln w="12700">
+            <a:miter lim="400000"/>
+          </a:ln>
+        </p:spPr>
+      </p:pic>
+      <p:sp>
+        <p:nvSpPr>
+          <p:cNvPr id="177" name="Straight Arrow Connector 7"/>
+          <p:cNvSpPr/>
+          <p:nvPr/>
+        </p:nvSpPr>
+        <p:spPr>
+          <a:xfrm flipV="1">
+            <a:off x="7104887" y="2249423"/>
+            <a:ext cx="1435609" cy="941833"/>
+          </a:xfrm>
+          <a:prstGeom prst="line">
+            <a:avLst/>
+          </a:prstGeom>
+          <a:ln w="25400">
+            <a:solidFill>
+              <a:schemeClr val="accent1"/>
+            </a:solidFill>
+            <a:tailEnd type="triangle"/>
+          </a:ln>
+          <a:effectLst>
+            <a:outerShdw sx="100000" sy="100000" kx="0" ky="0" algn="b" rotWithShape="0" blurRad="38100" dist="20000" dir="5400000">
+              <a:srgbClr val="000000">
+                <a:alpha val="38000"/>
+              </a:srgbClr>
+            </a:outerShdw>
+          </a:effectLst>
+        </p:spPr>
+        <p:txBody>
+          <a:bodyPr lIns="45718" tIns="45718" rIns="45718" bIns="45718"/>
+          <a:lstStyle/>
+          <a:p>
+            <a:pPr/>
+          </a:p>
+        </p:txBody>
+      </p:sp>
+      <p:sp>
+        <p:nvSpPr>
+          <p:cNvPr id="178" name="Straight Arrow Connector 9"/>
+          <p:cNvSpPr/>
+          <p:nvPr/>
+        </p:nvSpPr>
+        <p:spPr>
+          <a:xfrm>
+            <a:off x="4736592" y="3657599"/>
+            <a:ext cx="3803904" cy="393194"/>
+          </a:xfrm>
+          <a:prstGeom prst="line">
+            <a:avLst/>
+          </a:prstGeom>
+          <a:ln w="25400">
+            <a:solidFill>
+              <a:schemeClr val="accent1"/>
+            </a:solidFill>
+            <a:tailEnd type="triangle"/>
+          </a:ln>
+          <a:effectLst>
+            <a:outerShdw sx="100000" sy="100000" kx="0" ky="0" algn="b" rotWithShape="0" blurRad="38100" dist="20000" dir="5400000">
+              <a:srgbClr val="000000">
+                <a:alpha val="38000"/>
+              </a:srgbClr>
+            </a:outerShdw>
+          </a:effectLst>
+        </p:spPr>
+        <p:txBody>
+          <a:bodyPr lIns="45718" tIns="45718" rIns="45718" bIns="45718"/>
+          <a:lstStyle/>
+          <a:p>
+            <a:pPr/>
           </a:p>
         </p:txBody>
       </p:sp>
     </p:spTree>
-    <p:extLst>
-      <p:ext uri="{BB962C8B-B14F-4D97-AF65-F5344CB8AC3E}">
-        <p14:creationId xmlns:p14="http://schemas.microsoft.com/office/powerpoint/2010/main" val="2525504256"/>
-      </p:ext>
-    </p:extLst>
   </p:cSld>
   <p:clrMapOvr>
     <a:masterClrMapping/>
   </p:clrMapOvr>
-  <p:transition spd="med"/>
+  <p:transition xmlns:p14="http://schemas.microsoft.com/office/powerpoint/2010/main" spd="med" advClick="1"/>
 </p:sld>
 </file>
 
 <file path=ppt/slides/slide12.xml><?xml version="1.0" encoding="utf-8"?>
-<p:sld xmlns:a="http://schemas.openxmlformats.org/drawingml/2006/main" xmlns:r="http://schemas.openxmlformats.org/officeDocument/2006/relationships" xmlns:p="http://schemas.openxmlformats.org/presentationml/2006/main">
+<p:sld xmlns:a="http://schemas.openxmlformats.org/drawingml/2006/main" xmlns:r="http://schemas.openxmlformats.org/officeDocument/2006/relationships" xmlns:p="http://schemas.openxmlformats.org/presentationml/2006/main" xmlns:m="http://schemas.openxmlformats.org/officeDocument/2006/math" xmlns:a14="http://schemas.microsoft.com/office/drawing/2010/main" showMasterSp="1" showMasterPhAnim="1">
   <p:cSld>
     <p:spTree>
       <p:nvGrpSpPr>
@@ -3888,73 +4218,115 @@
       </p:grpSpPr>
       <p:sp>
         <p:nvSpPr>
-          <p:cNvPr id="2" name="Title 1">
-            <a:extLst>
-              <a:ext uri="{FF2B5EF4-FFF2-40B4-BE49-F238E27FC236}">
-                <a16:creationId xmlns:a16="http://schemas.microsoft.com/office/drawing/2014/main" id="{FC71F7FD-AE76-32AE-D0DB-BCF998655A3E}"/>
-              </a:ext>
-            </a:extLst>
-          </p:cNvPr>
-          <p:cNvSpPr>
-            <a:spLocks noGrp="1"/>
-          </p:cNvSpPr>
+          <p:cNvPr id="180" name="Title 1"/>
+          <p:cNvSpPr txBox="1"/>
           <p:nvPr>
             <p:ph type="title"/>
           </p:nvPr>
         </p:nvSpPr>
-        <p:spPr/>
+        <p:spPr>
+          <a:xfrm>
+            <a:off x="972600" y="737520"/>
+            <a:ext cx="10251600" cy="713602"/>
+          </a:xfrm>
+          <a:prstGeom prst="rect">
+            <a:avLst/>
+          </a:prstGeom>
+        </p:spPr>
         <p:txBody>
           <a:bodyPr/>
           <a:lstStyle/>
           <a:p>
-            <a:r>
-              <a:rPr lang="en-US" dirty="0"/>
-              <a:t>References</a:t>
+            <a:pPr/>
+            <a:r>
+              <a:t>Demo Video</a:t>
             </a:r>
           </a:p>
         </p:txBody>
       </p:sp>
       <p:sp>
         <p:nvSpPr>
-          <p:cNvPr id="3" name="Text Placeholder 2">
-            <a:extLst>
-              <a:ext uri="{FF2B5EF4-FFF2-40B4-BE49-F238E27FC236}">
-                <a16:creationId xmlns:a16="http://schemas.microsoft.com/office/drawing/2014/main" id="{2B469654-7ACF-DA6E-229C-4698B439AC70}"/>
-              </a:ext>
-            </a:extLst>
-          </p:cNvPr>
-          <p:cNvSpPr>
-            <a:spLocks noGrp="1"/>
-          </p:cNvSpPr>
-          <p:nvPr>
-            <p:ph type="body" sz="half" idx="1"/>
-          </p:nvPr>
+          <p:cNvPr id="181" name="https://www.youtube.com/watch?v=pn7tEva09VU"/>
+          <p:cNvSpPr txBox="1"/>
+          <p:nvPr/>
         </p:nvSpPr>
-        <p:spPr/>
+        <p:spPr>
+          <a:xfrm>
+            <a:off x="966226" y="2402584"/>
+            <a:ext cx="7940298" cy="332739"/>
+          </a:xfrm>
+          <a:prstGeom prst="rect">
+            <a:avLst/>
+          </a:prstGeom>
+          <a:ln w="12700">
+            <a:miter lim="400000"/>
+          </a:ln>
+          <a:extLst>
+            <a:ext uri="{C572A759-6A51-4108-AA02-DFA0A04FC94B}">
+              <ma14:wrappingTextBoxFlag xmlns:ma14="http://schemas.microsoft.com/office/mac/drawingml/2011/main" val="1"/>
+            </a:ext>
+          </a:extLst>
+        </p:spPr>
         <p:txBody>
-          <a:bodyPr/>
-          <a:lstStyle/>
-          <a:p>
-            <a:endParaRPr lang="en-US" dirty="0"/>
+          <a:bodyPr lIns="45718" tIns="45718" rIns="45718" bIns="45718">
+            <a:spAutoFit/>
+          </a:bodyPr>
+          <a:lstStyle>
+            <a:lvl1pPr defTabSz="457200">
+              <a:defRPr sz="1600" u="sng">
+                <a:solidFill>
+                  <a:srgbClr val="0000FF"/>
+                </a:solidFill>
+                <a:uFill>
+                  <a:solidFill>
+                    <a:srgbClr val="0000FF"/>
+                  </a:solidFill>
+                </a:uFill>
+                <a:latin typeface="+mn-lt"/>
+                <a:ea typeface="+mn-ea"/>
+                <a:cs typeface="+mn-cs"/>
+                <a:sym typeface="Helvetica"/>
+                <a:hlinkClick r:id="rId2" invalidUrl="" action="" tgtFrame="" tooltip="" history="1" highlightClick="0" endSnd="0"/>
+              </a:defRPr>
+            </a:lvl1pPr>
+          </a:lstStyle>
+          <a:p>
+            <a:pPr>
+              <a:defRPr u="none">
+                <a:solidFill>
+                  <a:srgbClr val="000000"/>
+                </a:solidFill>
+                <a:uFillTx/>
+              </a:defRPr>
+            </a:pPr>
+            <a:r>
+              <a:rPr u="sng">
+                <a:solidFill>
+                  <a:srgbClr val="0000FF"/>
+                </a:solidFill>
+                <a:uFill>
+                  <a:solidFill>
+                    <a:srgbClr val="0000FF"/>
+                  </a:solidFill>
+                </a:uFill>
+                <a:hlinkClick r:id="rId2" invalidUrl="" action="" tgtFrame="" tooltip="" history="1" highlightClick="0" endSnd="0"/>
+              </a:rPr>
+              <a:t>https://www.youtube.com/watch?v=pn7tEva09VU</a:t>
+            </a:r>
           </a:p>
         </p:txBody>
       </p:sp>
     </p:spTree>
-    <p:extLst>
-      <p:ext uri="{BB962C8B-B14F-4D97-AF65-F5344CB8AC3E}">
-        <p14:creationId xmlns:p14="http://schemas.microsoft.com/office/powerpoint/2010/main" val="1905147005"/>
-      </p:ext>
-    </p:extLst>
   </p:cSld>
   <p:clrMapOvr>
     <a:masterClrMapping/>
   </p:clrMapOvr>
-  <p:transition spd="med"/>
+  <p:transition xmlns:p14="http://schemas.microsoft.com/office/powerpoint/2010/main" spd="med" advClick="1"/>
 </p:sld>
 </file>
 
 <file path=ppt/slides/slide13.xml><?xml version="1.0" encoding="utf-8"?>
-<p:sld xmlns:a="http://schemas.openxmlformats.org/drawingml/2006/main" xmlns:r="http://schemas.openxmlformats.org/officeDocument/2006/relationships" xmlns:p="http://schemas.openxmlformats.org/presentationml/2006/main">
+<p:sld xmlns:a="http://schemas.openxmlformats.org/drawingml/2006/main" xmlns:r="http://schemas.openxmlformats.org/officeDocument/2006/relationships" xmlns:p="http://schemas.openxmlformats.org/presentationml/2006/main" xmlns:m="http://schemas.openxmlformats.org/officeDocument/2006/math" xmlns:a14="http://schemas.microsoft.com/office/drawing/2010/main" showMasterSp="1" showMasterPhAnim="1">
   <p:cSld>
     <p:spTree>
       <p:nvGrpSpPr>
@@ -3972,48 +4344,128 @@
       </p:grpSpPr>
       <p:sp>
         <p:nvSpPr>
-          <p:cNvPr id="2" name="Title 1">
-            <a:extLst>
-              <a:ext uri="{FF2B5EF4-FFF2-40B4-BE49-F238E27FC236}">
-                <a16:creationId xmlns:a16="http://schemas.microsoft.com/office/drawing/2014/main" id="{3D3FFB41-2A1F-4C77-A819-49497EA0DB02}"/>
-              </a:ext>
-            </a:extLst>
-          </p:cNvPr>
-          <p:cNvSpPr>
-            <a:spLocks noGrp="1"/>
-          </p:cNvSpPr>
+          <p:cNvPr id="183" name="Title 1"/>
+          <p:cNvSpPr txBox="1"/>
           <p:nvPr>
             <p:ph type="title"/>
           </p:nvPr>
         </p:nvSpPr>
-        <p:spPr/>
+        <p:spPr>
+          <a:xfrm>
+            <a:off x="972600" y="1758200"/>
+            <a:ext cx="10251600" cy="713602"/>
+          </a:xfrm>
+          <a:prstGeom prst="rect">
+            <a:avLst/>
+          </a:prstGeom>
+        </p:spPr>
         <p:txBody>
           <a:bodyPr/>
           <a:lstStyle/>
           <a:p>
-            <a:r>
-              <a:rPr lang="en-US" dirty="0"/>
-              <a:t>From update presentation</a:t>
+            <a:pPr/>
+            <a:r>
+              <a:t>Successes</a:t>
+            </a:r>
+          </a:p>
+        </p:txBody>
+      </p:sp>
+      <p:sp>
+        <p:nvSpPr>
+          <p:cNvPr id="184" name="Text Placeholder 2"/>
+          <p:cNvSpPr txBox="1"/>
+          <p:nvPr>
+            <p:ph type="body" sz="half" idx="1"/>
+          </p:nvPr>
+        </p:nvSpPr>
+        <p:spPr>
+          <a:xfrm>
+            <a:off x="972600" y="2771831"/>
+            <a:ext cx="10251600" cy="3014803"/>
+          </a:xfrm>
+          <a:prstGeom prst="rect">
+            <a:avLst/>
+          </a:prstGeom>
+        </p:spPr>
+        <p:txBody>
+          <a:bodyPr/>
+          <a:lstStyle/>
+          <a:p>
+            <a:pPr>
+              <a:buSzPts val="1600"/>
+              <a:defRPr sz="1600"/>
+            </a:pPr>
+            <a:r>
+              <a:t>Got the game to work [Bin]</a:t>
+            </a:r>
+          </a:p>
+          <a:p>
+            <a:pPr lvl="1">
+              <a:buSzPts val="1600"/>
+              <a:defRPr sz="1600"/>
+            </a:pPr>
+            <a:r>
+              <a:t>Ball movement, start and end game display</a:t>
+            </a:r>
+          </a:p>
+          <a:p>
+            <a:pPr>
+              <a:buSzPts val="1600"/>
+              <a:defRPr sz="1600"/>
+            </a:pPr>
+            <a:r>
+              <a:t>Demonstrated analog nature of input sensor [Conor]</a:t>
+            </a:r>
+          </a:p>
+          <a:p>
+            <a:pPr lvl="1">
+              <a:buSzPts val="1600"/>
+              <a:defRPr sz="1600"/>
+            </a:pPr>
+            <a:r>
+              <a:t>Pressing harder makes it move faster</a:t>
+            </a:r>
+          </a:p>
+          <a:p>
+            <a:pPr lvl="1">
+              <a:buSzPts val="1600"/>
+              <a:defRPr sz="1600"/>
+            </a:pPr>
+            <a:r>
+              <a:t>Achieved using Wheatstone bridge setup</a:t>
+            </a:r>
+          </a:p>
+          <a:p>
+            <a:pPr>
+              <a:buSzPts val="1600"/>
+              <a:defRPr sz="1600"/>
+            </a:pPr>
+            <a:r>
+              <a:t>Multi-Channel ADC sampling [Conor]</a:t>
+            </a:r>
+          </a:p>
+          <a:p>
+            <a:pPr>
+              <a:buSzPts val="1600"/>
+              <a:defRPr sz="1600"/>
+            </a:pPr>
+            <a:r>
+              <a:t>Replaying final frame from game [Bin/Yimin]</a:t>
             </a:r>
           </a:p>
         </p:txBody>
       </p:sp>
     </p:spTree>
-    <p:extLst>
-      <p:ext uri="{BB962C8B-B14F-4D97-AF65-F5344CB8AC3E}">
-        <p14:creationId xmlns:p14="http://schemas.microsoft.com/office/powerpoint/2010/main" val="835562081"/>
-      </p:ext>
-    </p:extLst>
   </p:cSld>
   <p:clrMapOvr>
     <a:masterClrMapping/>
   </p:clrMapOvr>
-  <p:transition spd="med"/>
+  <p:transition xmlns:p14="http://schemas.microsoft.com/office/powerpoint/2010/main" spd="med" advClick="1"/>
 </p:sld>
 </file>
 
 <file path=ppt/slides/slide14.xml><?xml version="1.0" encoding="utf-8"?>
-<p:sld xmlns:a="http://schemas.openxmlformats.org/drawingml/2006/main" xmlns:r="http://schemas.openxmlformats.org/officeDocument/2006/relationships" xmlns:p="http://schemas.openxmlformats.org/presentationml/2006/main">
+<p:sld xmlns:a="http://schemas.openxmlformats.org/drawingml/2006/main" xmlns:r="http://schemas.openxmlformats.org/officeDocument/2006/relationships" xmlns:p="http://schemas.openxmlformats.org/presentationml/2006/main" xmlns:m="http://schemas.openxmlformats.org/officeDocument/2006/math" xmlns:a14="http://schemas.microsoft.com/office/drawing/2010/main" showMasterSp="1" showMasterPhAnim="1">
   <p:cSld>
     <p:spTree>
       <p:nvGrpSpPr>
@@ -4031,10 +4483,8 @@
       </p:grpSpPr>
       <p:sp>
         <p:nvSpPr>
-          <p:cNvPr id="172" name="Title 1"/>
-          <p:cNvSpPr txBox="1">
-            <a:spLocks noGrp="1"/>
-          </p:cNvSpPr>
+          <p:cNvPr id="186" name="Title 1"/>
+          <p:cNvSpPr txBox="1"/>
           <p:nvPr>
             <p:ph type="title"/>
           </p:nvPr>
@@ -4042,7 +4492,7 @@
         <p:spPr>
           <a:xfrm>
             <a:off x="972600" y="1758200"/>
-            <a:ext cx="10251600" cy="713601"/>
+            <a:ext cx="10251600" cy="713602"/>
           </a:xfrm>
           <a:prstGeom prst="rect">
             <a:avLst/>
@@ -4052,190 +4502,76 @@
           <a:bodyPr/>
           <a:lstStyle/>
           <a:p>
-            <a:r>
-              <a:t>Path Forward</a:t>
+            <a:pPr/>
+            <a:r>
+              <a:t>Failures</a:t>
             </a:r>
           </a:p>
         </p:txBody>
       </p:sp>
       <p:sp>
         <p:nvSpPr>
-          <p:cNvPr id="173" name="Text Placeholder 2"/>
-          <p:cNvSpPr txBox="1">
-            <a:spLocks noGrp="1"/>
-          </p:cNvSpPr>
+          <p:cNvPr id="187" name="Text Placeholder 2"/>
+          <p:cNvSpPr txBox="1"/>
           <p:nvPr>
             <p:ph type="body" sz="half" idx="1"/>
           </p:nvPr>
         </p:nvSpPr>
         <p:spPr>
           <a:xfrm>
-            <a:off x="972600" y="2771832"/>
-            <a:ext cx="10251600" cy="3014801"/>
+            <a:off x="972600" y="2771831"/>
+            <a:ext cx="10251600" cy="3014803"/>
           </a:xfrm>
           <a:prstGeom prst="rect">
             <a:avLst/>
           </a:prstGeom>
         </p:spPr>
         <p:txBody>
-          <a:bodyPr>
-            <a:normAutofit fontScale="92500" lnSpcReduction="20000"/>
-          </a:bodyPr>
+          <a:bodyPr/>
           <a:lstStyle/>
           <a:p>
-            <a:pPr indent="-423322">
-              <a:spcBef>
-                <a:spcPts val="100"/>
-              </a:spcBef>
-              <a:buSzPts val="1800"/>
-              <a:defRPr sz="1800"/>
-            </a:pPr>
-            <a:r>
-              <a:rPr dirty="0"/>
-              <a:t>Game Code Base [Bin Xu]</a:t>
-            </a:r>
-          </a:p>
-          <a:p>
-            <a:pPr marL="1219169" lvl="1" indent="-406390">
-              <a:spcBef>
-                <a:spcPts val="100"/>
-              </a:spcBef>
+            <a:pPr>
               <a:buSzPts val="1600"/>
               <a:defRPr sz="1600"/>
             </a:pPr>
             <a:r>
-              <a:rPr lang="en-US" dirty="0"/>
-              <a:t>Change out button input for ADC output [11/11]</a:t>
-            </a:r>
-          </a:p>
-          <a:p>
-            <a:pPr marL="1828753" lvl="2" indent="-406390">
-              <a:spcBef>
-                <a:spcPts val="100"/>
-              </a:spcBef>
+              <a:t>Use of Quad SPI flash memory</a:t>
+            </a:r>
+          </a:p>
+          <a:p>
+            <a:pPr lvl="1">
               <a:buSzPts val="1600"/>
               <a:defRPr sz="1600"/>
             </a:pPr>
             <a:r>
-              <a:rPr lang="en-US" dirty="0"/>
-              <a:t>Start with simple threshold and maintain single step of paddle</a:t>
-            </a:r>
-          </a:p>
-          <a:p>
-            <a:pPr marL="1219169" lvl="1" indent="-406390">
-              <a:spcBef>
-                <a:spcPts val="100"/>
-              </a:spcBef>
+              <a:t>Original plan was to demonstrate NVRAM</a:t>
+            </a:r>
+          </a:p>
+          <a:p>
+            <a:pPr lvl="1">
               <a:buSzPts val="1600"/>
               <a:defRPr sz="1600"/>
             </a:pPr>
             <a:r>
-              <a:rPr lang="en-US" dirty="0"/>
-              <a:t>Change from single step to step proportional to ADC output [11/18]</a:t>
-            </a:r>
-          </a:p>
-          <a:p>
-            <a:pPr indent="-423322">
-              <a:spcBef>
-                <a:spcPts val="100"/>
-              </a:spcBef>
-              <a:buSzPts val="1800"/>
-              <a:defRPr sz="1800"/>
-            </a:pPr>
-            <a:r>
-              <a:rPr dirty="0"/>
-              <a:t>ADC [Conor N]</a:t>
-            </a:r>
-          </a:p>
-          <a:p>
-            <a:pPr marL="1219169" lvl="1" indent="-406390">
-              <a:spcBef>
-                <a:spcPts val="100"/>
-              </a:spcBef>
+              <a:t>Unable to figure out SPI protocol to interact with Quad SPI flash</a:t>
+            </a:r>
+          </a:p>
+          <a:p>
+            <a:pPr>
               <a:buSzPts val="1600"/>
               <a:defRPr sz="1600"/>
             </a:pPr>
             <a:r>
-              <a:rPr dirty="0"/>
-              <a:t>Figure out how to make measurements more differentiable [11/4]</a:t>
-            </a:r>
-            <a:endParaRPr sz="1100" dirty="0"/>
-          </a:p>
-          <a:p>
-            <a:pPr marL="1828754" lvl="2" indent="-406390">
-              <a:spcBef>
-                <a:spcPts val="100"/>
-              </a:spcBef>
+              <a:t>ADC timing issue</a:t>
+            </a:r>
+          </a:p>
+          <a:p>
+            <a:pPr lvl="1">
               <a:buSzPts val="1600"/>
               <a:defRPr sz="1600"/>
             </a:pPr>
             <a:r>
-              <a:rPr dirty="0"/>
-              <a:t>Likely replace with a load cell but in the mean time, try to find an EE solution</a:t>
-            </a:r>
-            <a:endParaRPr sz="1100" dirty="0"/>
-          </a:p>
-          <a:p>
-            <a:pPr marL="1219169" lvl="1" indent="-406390">
-              <a:spcBef>
-                <a:spcPts val="100"/>
-              </a:spcBef>
-              <a:buSzPts val="1600"/>
-              <a:defRPr sz="1600"/>
-            </a:pPr>
-            <a:r>
-              <a:rPr dirty="0"/>
-              <a:t>Characterize measurement repeatability, fidelity [11/9]</a:t>
-            </a:r>
-            <a:endParaRPr sz="1100" dirty="0"/>
-          </a:p>
-          <a:p>
-            <a:pPr marL="1219169" lvl="1" indent="-406390">
-              <a:spcBef>
-                <a:spcPts val="100"/>
-              </a:spcBef>
-              <a:buSzPts val="1600"/>
-              <a:defRPr sz="1600"/>
-            </a:pPr>
-            <a:r>
-              <a:rPr dirty="0"/>
-              <a:t>Finalize gameplay setup and demonstrate functionality [11/18]</a:t>
-            </a:r>
-            <a:endParaRPr sz="1100" dirty="0"/>
-          </a:p>
-          <a:p>
-            <a:pPr indent="-423322">
-              <a:spcBef>
-                <a:spcPts val="100"/>
-              </a:spcBef>
-              <a:buSzPts val="1800"/>
-              <a:defRPr sz="1800"/>
-            </a:pPr>
-            <a:r>
-              <a:rPr dirty="0"/>
-              <a:t>Quad SPI Flash [</a:t>
-            </a:r>
-            <a:r>
-              <a:rPr dirty="0" err="1"/>
-              <a:t>Yimin</a:t>
-            </a:r>
-            <a:r>
-              <a:rPr dirty="0"/>
-              <a:t> Xu]</a:t>
-            </a:r>
-          </a:p>
-          <a:p>
-            <a:pPr marL="1236102" lvl="1" indent="-423322">
-              <a:spcBef>
-                <a:spcPts val="100"/>
-              </a:spcBef>
-              <a:buSzPts val="1800"/>
-              <a:buChar char="●"/>
-              <a:defRPr sz="1800"/>
-            </a:pPr>
-            <a:r>
-              <a:rPr dirty="0"/>
-              <a:t>Combine the flash controller into game memory</a:t>
+              <a:t>Despite flags, still had some issues with output from button press being applied to opposite </a:t>
             </a:r>
           </a:p>
         </p:txBody>
@@ -4245,12 +4581,12 @@
   <p:clrMapOvr>
     <a:masterClrMapping/>
   </p:clrMapOvr>
-  <p:transition spd="med"/>
+  <p:transition xmlns:p14="http://schemas.microsoft.com/office/powerpoint/2010/main" spd="med" advClick="1"/>
 </p:sld>
 </file>
 
 <file path=ppt/slides/slide15.xml><?xml version="1.0" encoding="utf-8"?>
-<p:sld xmlns:a="http://schemas.openxmlformats.org/drawingml/2006/main" xmlns:r="http://schemas.openxmlformats.org/officeDocument/2006/relationships" xmlns:p="http://schemas.openxmlformats.org/presentationml/2006/main">
+<p:sld xmlns:a="http://schemas.openxmlformats.org/drawingml/2006/main" xmlns:r="http://schemas.openxmlformats.org/officeDocument/2006/relationships" xmlns:p="http://schemas.openxmlformats.org/presentationml/2006/main" xmlns:m="http://schemas.openxmlformats.org/officeDocument/2006/math" xmlns:a14="http://schemas.microsoft.com/office/drawing/2010/main" showMasterSp="1" showMasterPhAnim="1">
   <p:cSld>
     <p:spTree>
       <p:nvGrpSpPr>
@@ -4268,10 +4604,8 @@
       </p:grpSpPr>
       <p:sp>
         <p:nvSpPr>
-          <p:cNvPr id="135" name="Google Shape;104;p16"/>
-          <p:cNvSpPr txBox="1">
-            <a:spLocks noGrp="1"/>
-          </p:cNvSpPr>
+          <p:cNvPr id="189" name="Title 1"/>
+          <p:cNvSpPr txBox="1"/>
           <p:nvPr>
             <p:ph type="title"/>
           </p:nvPr>
@@ -4279,93 +4613,95 @@
         <p:spPr>
           <a:xfrm>
             <a:off x="972600" y="1758200"/>
-            <a:ext cx="10251600" cy="713601"/>
+            <a:ext cx="10251600" cy="713602"/>
           </a:xfrm>
           <a:prstGeom prst="rect">
             <a:avLst/>
           </a:prstGeom>
         </p:spPr>
         <p:txBody>
-          <a:bodyPr lIns="121899" tIns="121899" rIns="121899" bIns="121899">
-            <a:normAutofit fontScale="90000"/>
-          </a:bodyPr>
+          <a:bodyPr/>
+          <a:lstStyle/>
+          <a:p>
+            <a:pPr/>
+            <a:r>
+              <a:t>GitHub Link</a:t>
+            </a:r>
+          </a:p>
+        </p:txBody>
+      </p:sp>
+      <p:sp>
+        <p:nvSpPr>
+          <p:cNvPr id="190" name="Text Placeholder 2"/>
+          <p:cNvSpPr txBox="1"/>
+          <p:nvPr>
+            <p:ph type="body" sz="half" idx="1"/>
+          </p:nvPr>
+        </p:nvSpPr>
+        <p:spPr>
+          <a:xfrm>
+            <a:off x="972600" y="2771831"/>
+            <a:ext cx="10251600" cy="3014803"/>
+          </a:xfrm>
+          <a:prstGeom prst="rect">
+            <a:avLst/>
+          </a:prstGeom>
+        </p:spPr>
+        <p:txBody>
+          <a:bodyPr/>
           <a:lstStyle>
-            <a:lvl1pPr defTabSz="850391">
-              <a:defRPr sz="3162"/>
+            <a:lvl1pPr>
+              <a:buSzPts val="1800"/>
+              <a:defRPr sz="1800" u="sng">
+                <a:solidFill>
+                  <a:srgbClr val="0000FF"/>
+                </a:solidFill>
+                <a:uFill>
+                  <a:solidFill>
+                    <a:srgbClr val="0000FF"/>
+                  </a:solidFill>
+                </a:uFill>
+                <a:hlinkClick r:id="rId2" invalidUrl="" action="" tgtFrame="" tooltip="" history="1" highlightClick="0" endSnd="0"/>
+              </a:defRPr>
             </a:lvl1pPr>
           </a:lstStyle>
           <a:p>
-            <a:r>
-              <a:t>High Level Diagram</a:t>
+            <a:pPr>
+              <a:defRPr u="none">
+                <a:solidFill>
+                  <a:schemeClr val="accent1"/>
+                </a:solidFill>
+                <a:uFillTx/>
+              </a:defRPr>
+            </a:pPr>
+            <a:r>
+              <a:rPr u="sng">
+                <a:solidFill>
+                  <a:srgbClr val="0000FF"/>
+                </a:solidFill>
+                <a:uFill>
+                  <a:solidFill>
+                    <a:srgbClr val="0000FF"/>
+                  </a:solidFill>
+                </a:uFill>
+                <a:hlinkClick r:id="rId2" invalidUrl="" action="" tgtFrame="" tooltip="" history="1" highlightClick="0" endSnd="0"/>
+              </a:rPr>
+              <a:t>https://github.com/xu842251462/EC551_Final_Project</a:t>
             </a:r>
           </a:p>
         </p:txBody>
       </p:sp>
-      <p:pic>
-        <p:nvPicPr>
-          <p:cNvPr id="136" name="Google Shape;105;p16" descr="Google Shape;105;p16"/>
-          <p:cNvPicPr>
-            <a:picLocks noChangeAspect="1"/>
-          </p:cNvPicPr>
-          <p:nvPr/>
-        </p:nvPicPr>
-        <p:blipFill>
-          <a:blip r:embed="rId2"/>
-          <a:stretch>
-            <a:fillRect/>
-          </a:stretch>
-        </p:blipFill>
-        <p:spPr>
-          <a:xfrm>
-            <a:off x="2449266" y="2625100"/>
-            <a:ext cx="6902254" cy="3979801"/>
-          </a:xfrm>
-          <a:prstGeom prst="rect">
-            <a:avLst/>
-          </a:prstGeom>
-          <a:ln w="12700">
-            <a:miter lim="400000"/>
-          </a:ln>
-        </p:spPr>
-      </p:pic>
-      <p:pic>
-        <p:nvPicPr>
-          <p:cNvPr id="137" name="Google Shape;106;p16" descr="Google Shape;106;p16"/>
-          <p:cNvPicPr>
-            <a:picLocks noChangeAspect="1"/>
-          </p:cNvPicPr>
-          <p:nvPr/>
-        </p:nvPicPr>
-        <p:blipFill>
-          <a:blip r:embed="rId3"/>
-          <a:stretch>
-            <a:fillRect/>
-          </a:stretch>
-        </p:blipFill>
-        <p:spPr>
-          <a:xfrm>
-            <a:off x="8062707" y="2157498"/>
-            <a:ext cx="3161492" cy="1854268"/>
-          </a:xfrm>
-          <a:prstGeom prst="rect">
-            <a:avLst/>
-          </a:prstGeom>
-          <a:ln w="12700">
-            <a:miter lim="400000"/>
-          </a:ln>
-        </p:spPr>
-      </p:pic>
     </p:spTree>
   </p:cSld>
   <p:clrMapOvr>
     <a:masterClrMapping/>
   </p:clrMapOvr>
-  <p:transition spd="med"/>
+  <p:transition xmlns:p14="http://schemas.microsoft.com/office/powerpoint/2010/main" spd="med" advClick="1"/>
 </p:sld>
 </file>
 
-<file path=ppt/slides/slide2.xml><?xml version="1.0" encoding="utf-8"?>
-<p:sld xmlns:a="http://schemas.openxmlformats.org/drawingml/2006/main" xmlns:r="http://schemas.openxmlformats.org/officeDocument/2006/relationships" xmlns:p="http://schemas.openxmlformats.org/presentationml/2006/main">
+<file path=ppt/slides/slide16.xml><?xml version="1.0" encoding="utf-8"?>
+<p:sld xmlns:a="http://schemas.openxmlformats.org/drawingml/2006/main" xmlns:r="http://schemas.openxmlformats.org/officeDocument/2006/relationships" xmlns:p="http://schemas.openxmlformats.org/presentationml/2006/main" xmlns:m="http://schemas.openxmlformats.org/officeDocument/2006/math" xmlns:a14="http://schemas.microsoft.com/office/drawing/2010/main" showMasterSp="1" showMasterPhAnim="1">
   <p:cSld>
     <p:spTree>
       <p:nvGrpSpPr>
@@ -4383,10 +4719,8 @@
       </p:grpSpPr>
       <p:sp>
         <p:nvSpPr>
-          <p:cNvPr id="132" name="Google Shape;130;p20"/>
-          <p:cNvSpPr txBox="1">
-            <a:spLocks noGrp="1"/>
-          </p:cNvSpPr>
+          <p:cNvPr id="192" name="Title 1"/>
+          <p:cNvSpPr txBox="1"/>
           <p:nvPr>
             <p:ph type="title"/>
           </p:nvPr>
@@ -4394,123 +4728,102 @@
         <p:spPr>
           <a:xfrm>
             <a:off x="972600" y="1758200"/>
-            <a:ext cx="10251600" cy="713601"/>
+            <a:ext cx="10251600" cy="713602"/>
           </a:xfrm>
           <a:prstGeom prst="rect">
             <a:avLst/>
           </a:prstGeom>
         </p:spPr>
         <p:txBody>
-          <a:bodyPr lIns="121899" tIns="121899" rIns="121899" bIns="121899">
-            <a:normAutofit fontScale="90000"/>
-          </a:bodyPr>
-          <a:lstStyle>
-            <a:lvl1pPr defTabSz="822959">
-              <a:defRPr sz="3150"/>
-            </a:lvl1pPr>
-          </a:lstStyle>
-          <a:p>
-            <a:r>
-              <a:rPr dirty="0"/>
-              <a:t>Goal</a:t>
-            </a:r>
-            <a:r>
-              <a:rPr lang="en-US" dirty="0"/>
-              <a:t>/Motivation</a:t>
-            </a:r>
-            <a:endParaRPr dirty="0"/>
+          <a:bodyPr/>
+          <a:lstStyle/>
+          <a:p>
+            <a:pPr/>
+            <a:r>
+              <a:t>References</a:t>
+            </a:r>
           </a:p>
         </p:txBody>
       </p:sp>
       <p:sp>
         <p:nvSpPr>
-          <p:cNvPr id="133" name="Google Shape;131;p20"/>
-          <p:cNvSpPr txBox="1">
-            <a:spLocks noGrp="1"/>
-          </p:cNvSpPr>
+          <p:cNvPr id="193" name="Text Placeholder 2"/>
+          <p:cNvSpPr txBox="1"/>
           <p:nvPr>
-            <p:ph type="body" idx="1"/>
+            <p:ph type="body" sz="half" idx="1"/>
           </p:nvPr>
         </p:nvSpPr>
         <p:spPr>
           <a:xfrm>
-            <a:off x="972600" y="2568632"/>
-            <a:ext cx="10251600" cy="4046401"/>
+            <a:off x="972600" y="2771831"/>
+            <a:ext cx="10251600" cy="3014803"/>
           </a:xfrm>
           <a:prstGeom prst="rect">
             <a:avLst/>
           </a:prstGeom>
         </p:spPr>
         <p:txBody>
-          <a:bodyPr lIns="121899" tIns="121899" rIns="121899" bIns="121899"/>
+          <a:bodyPr/>
           <a:lstStyle/>
           <a:p>
             <a:pPr>
-              <a:defRPr sz="2400"/>
+              <a:buSzPts val="1800"/>
+              <a:defRPr sz="1800"/>
             </a:pPr>
             <a:r>
-              <a:rPr sz="2000" dirty="0"/>
-              <a:t>Explore the use of analog signals</a:t>
+              <a:rPr u="sng">
+                <a:solidFill>
+                  <a:srgbClr val="0000FF"/>
+                </a:solidFill>
+                <a:uFill>
+                  <a:solidFill>
+                    <a:srgbClr val="0000FF"/>
+                  </a:solidFill>
+                </a:uFill>
+                <a:hlinkClick r:id="rId2" invalidUrl="" action="" tgtFrame="" tooltip="" history="1" highlightClick="0" endSnd="0"/>
+              </a:rPr>
+              <a:t>https://github.com/Digilent/Nexys-A7-100T-XADC</a:t>
             </a:r>
           </a:p>
           <a:p>
             <a:pPr>
-              <a:defRPr sz="2400"/>
+              <a:buSzPts val="1800"/>
+              <a:defRPr sz="1800"/>
             </a:pPr>
             <a:r>
-              <a:rPr sz="2000" dirty="0"/>
-              <a:t>Exchange a digital input for a game with an analog input</a:t>
+              <a:rPr u="sng">
+                <a:solidFill>
+                  <a:srgbClr val="0000FF"/>
+                </a:solidFill>
+                <a:uFill>
+                  <a:solidFill>
+                    <a:srgbClr val="0000FF"/>
+                  </a:solidFill>
+                </a:uFill>
+                <a:hlinkClick r:id="rId3" invalidUrl="" action="" tgtFrame="" tooltip="" history="1" highlightClick="0" endSnd="0"/>
+              </a:rPr>
+              <a:t>https://github.com/chmo2019/EC311_Final_Project</a:t>
             </a:r>
           </a:p>
           <a:p>
             <a:pPr>
-              <a:defRPr sz="2400"/>
+              <a:buSzPts val="1800"/>
+              <a:defRPr sz="1800"/>
             </a:pPr>
             <a:r>
-              <a:rPr sz="2000" dirty="0"/>
-              <a:t>Store ADC data</a:t>
-            </a:r>
-          </a:p>
-          <a:p>
-            <a:pPr>
-              <a:defRPr sz="2400"/>
-            </a:pPr>
-            <a:r>
-              <a:rPr sz="2000" dirty="0"/>
-              <a:t>Pull data from memory</a:t>
-            </a:r>
-            <a:endParaRPr lang="en-US" sz="2000" dirty="0"/>
-          </a:p>
-          <a:p>
-            <a:r>
-              <a:rPr lang="en-US" sz="2000" dirty="0"/>
-              <a:t>FPGAs work with digital signals however the tasks they are used for often involves analog inputs</a:t>
-            </a:r>
-          </a:p>
-          <a:p>
-            <a:r>
-              <a:rPr lang="en-US" sz="2000" dirty="0"/>
-              <a:t>Analog is more interesting than digital</a:t>
-            </a:r>
-          </a:p>
-          <a:p>
-            <a:r>
-              <a:rPr lang="en-US" sz="2000" dirty="0"/>
-              <a:t>Requires interacting with and controlling another component of the development board (Analog to Digital Converter (ADC))</a:t>
-            </a:r>
-          </a:p>
-          <a:p>
-            <a:pPr indent="-423322">
-              <a:lnSpc>
-                <a:spcPct val="200000"/>
-              </a:lnSpc>
-              <a:spcBef>
-                <a:spcPts val="100"/>
-              </a:spcBef>
-              <a:buSzPts val="2400"/>
-              <a:defRPr sz="2400"/>
-            </a:pPr>
-            <a:endParaRPr lang="en-US" dirty="0"/>
+              <a:rPr u="sng">
+                <a:solidFill>
+                  <a:srgbClr val="0000FF"/>
+                </a:solidFill>
+                <a:uFill>
+                  <a:solidFill>
+                    <a:srgbClr val="0000FF"/>
+                  </a:solidFill>
+                </a:uFill>
+                <a:hlinkClick r:id="rId4" invalidUrl="" action="" tgtFrame="" tooltip="" history="1" highlightClick="0" endSnd="0"/>
+              </a:rPr>
+              <a:t>https://www.chipverify.com/verilog/verilog-single-port-ram</a:t>
+            </a:r>
           </a:p>
         </p:txBody>
       </p:sp>
@@ -4519,12 +4832,12 @@
   <p:clrMapOvr>
     <a:masterClrMapping/>
   </p:clrMapOvr>
-  <p:transition spd="med"/>
+  <p:transition xmlns:p14="http://schemas.microsoft.com/office/powerpoint/2010/main" spd="med" advClick="1"/>
 </p:sld>
 </file>
 
-<file path=ppt/slides/slide3.xml><?xml version="1.0" encoding="utf-8"?>
-<p:sld xmlns:a="http://schemas.openxmlformats.org/drawingml/2006/main" xmlns:r="http://schemas.openxmlformats.org/officeDocument/2006/relationships" xmlns:p="http://schemas.openxmlformats.org/presentationml/2006/main">
+<file path=ppt/slides/slide2.xml><?xml version="1.0" encoding="utf-8"?>
+<p:sld xmlns:a="http://schemas.openxmlformats.org/drawingml/2006/main" xmlns:r="http://schemas.openxmlformats.org/officeDocument/2006/relationships" xmlns:p="http://schemas.openxmlformats.org/presentationml/2006/main" xmlns:m="http://schemas.openxmlformats.org/officeDocument/2006/math" xmlns:a14="http://schemas.microsoft.com/office/drawing/2010/main" showMasterSp="1" showMasterPhAnim="1">
   <p:cSld>
     <p:spTree>
       <p:nvGrpSpPr>
@@ -4542,91 +4855,131 @@
       </p:grpSpPr>
       <p:sp>
         <p:nvSpPr>
-          <p:cNvPr id="2" name="Title 1">
-            <a:extLst>
-              <a:ext uri="{FF2B5EF4-FFF2-40B4-BE49-F238E27FC236}">
-                <a16:creationId xmlns:a16="http://schemas.microsoft.com/office/drawing/2014/main" id="{AAF1F2C8-2190-4F79-9235-CB16C2A80E37}"/>
-              </a:ext>
-            </a:extLst>
-          </p:cNvPr>
-          <p:cNvSpPr>
-            <a:spLocks noGrp="1"/>
-          </p:cNvSpPr>
+          <p:cNvPr id="122" name="Google Shape;131;p20"/>
+          <p:cNvSpPr txBox="1"/>
           <p:nvPr>
-            <p:ph type="title"/>
+            <p:ph type="body" idx="1"/>
           </p:nvPr>
         </p:nvSpPr>
-        <p:spPr/>
+        <p:spPr>
+          <a:xfrm>
+            <a:off x="890304" y="2047424"/>
+            <a:ext cx="10251600" cy="4046402"/>
+          </a:xfrm>
+          <a:prstGeom prst="rect">
+            <a:avLst/>
+          </a:prstGeom>
+        </p:spPr>
         <p:txBody>
-          <a:bodyPr/>
+          <a:bodyPr lIns="121899" tIns="121899" rIns="121899" bIns="121899"/>
           <a:lstStyle/>
           <a:p>
-            <a:r>
-              <a:rPr lang="en-US" dirty="0"/>
-              <a:t>Short Functionality [Bin]</a:t>
+            <a:pPr marL="0" indent="194729">
+              <a:buSzTx/>
+              <a:buNone/>
+              <a:defRPr b="1" sz="2800"/>
+            </a:pPr>
+            <a:r>
+              <a:t>Goals</a:t>
+            </a:r>
+            <a:endParaRPr sz="2400"/>
+          </a:p>
+          <a:p>
+            <a:pPr>
+              <a:buSzPts val="2000"/>
+              <a:defRPr sz="2000"/>
+            </a:pPr>
+            <a:r>
+              <a:t>Explore the use of analog signals</a:t>
+            </a:r>
+          </a:p>
+          <a:p>
+            <a:pPr>
+              <a:buSzPts val="2000"/>
+              <a:defRPr sz="2000"/>
+            </a:pPr>
+            <a:r>
+              <a:t>Deep dive into how Analog to Digital Converters (ADCs) work</a:t>
+            </a:r>
+            <a:endParaRPr sz="2400"/>
+          </a:p>
+          <a:p>
+            <a:pPr>
+              <a:buSzPts val="2000"/>
+              <a:defRPr sz="2000"/>
+            </a:pPr>
+          </a:p>
+          <a:p>
+            <a:pPr marL="0" indent="194729">
+              <a:buSzTx/>
+              <a:buNone/>
+              <a:defRPr b="1" sz="2800"/>
+            </a:pPr>
+            <a:r>
+              <a:t>Motivation</a:t>
+            </a:r>
+            <a:endParaRPr sz="2400"/>
+          </a:p>
+          <a:p>
+            <a:pPr>
+              <a:buSzPts val="2000"/>
+              <a:defRPr sz="2000"/>
+            </a:pPr>
+            <a:r>
+              <a:t>FPGAs work with digital signals however the tasks they are used for often involves analog inputs</a:t>
+            </a:r>
+          </a:p>
+          <a:p>
+            <a:pPr>
+              <a:buSzPts val="2000"/>
+              <a:defRPr sz="2000"/>
+            </a:pPr>
+            <a:r>
+              <a:t>Requires interacting with and controlling another component of the development board</a:t>
             </a:r>
           </a:p>
         </p:txBody>
       </p:sp>
-      <p:sp>
-        <p:nvSpPr>
-          <p:cNvPr id="3" name="Text Placeholder 2">
-            <a:extLst>
-              <a:ext uri="{FF2B5EF4-FFF2-40B4-BE49-F238E27FC236}">
-                <a16:creationId xmlns:a16="http://schemas.microsoft.com/office/drawing/2014/main" id="{9F962592-E0C4-4FBA-B8A0-F2C2E397D790}"/>
-              </a:ext>
-            </a:extLst>
-          </p:cNvPr>
-          <p:cNvSpPr>
-            <a:spLocks noGrp="1"/>
-          </p:cNvSpPr>
-          <p:nvPr>
-            <p:ph type="body" sz="half" idx="1"/>
-          </p:nvPr>
-        </p:nvSpPr>
-        <p:spPr/>
-        <p:txBody>
-          <a:bodyPr/>
-          <a:lstStyle/>
-          <a:p>
-            <a:r>
-              <a:rPr lang="en-US" dirty="0"/>
-              <a:t>Describe game, rules</a:t>
-            </a:r>
-          </a:p>
-          <a:p>
-            <a:r>
-              <a:rPr lang="en-US" dirty="0"/>
-              <a:t>Balls speed up after certain number of points</a:t>
-            </a:r>
-          </a:p>
-          <a:p>
-            <a:r>
-              <a:rPr lang="en-US" dirty="0"/>
-              <a:t>Additional balloons coming in</a:t>
-            </a:r>
-          </a:p>
-          <a:p>
-            <a:endParaRPr lang="en-US" dirty="0"/>
-          </a:p>
-        </p:txBody>
-      </p:sp>
+      <p:pic>
+        <p:nvPicPr>
+          <p:cNvPr id="123" name="Picture 2" descr="Picture 2"/>
+          <p:cNvPicPr>
+            <a:picLocks noChangeAspect="1"/>
+          </p:cNvPicPr>
+          <p:nvPr/>
+        </p:nvPicPr>
+        <p:blipFill>
+          <a:blip r:embed="rId2">
+            <a:extLst/>
+          </a:blip>
+          <a:stretch>
+            <a:fillRect/>
+          </a:stretch>
+        </p:blipFill>
+        <p:spPr>
+          <a:xfrm>
+            <a:off x="7566355" y="764175"/>
+            <a:ext cx="4625645" cy="1725837"/>
+          </a:xfrm>
+          <a:prstGeom prst="rect">
+            <a:avLst/>
+          </a:prstGeom>
+          <a:ln w="12700">
+            <a:miter lim="400000"/>
+          </a:ln>
+        </p:spPr>
+      </p:pic>
     </p:spTree>
-    <p:extLst>
-      <p:ext uri="{BB962C8B-B14F-4D97-AF65-F5344CB8AC3E}">
-        <p14:creationId xmlns:p14="http://schemas.microsoft.com/office/powerpoint/2010/main" val="3575699987"/>
-      </p:ext>
-    </p:extLst>
   </p:cSld>
   <p:clrMapOvr>
     <a:masterClrMapping/>
   </p:clrMapOvr>
-  <p:transition spd="med"/>
+  <p:transition xmlns:p14="http://schemas.microsoft.com/office/powerpoint/2010/main" spd="med" advClick="1"/>
 </p:sld>
 </file>
 
-<file path=ppt/slides/slide4.xml><?xml version="1.0" encoding="utf-8"?>
-<p:sld xmlns:a="http://schemas.openxmlformats.org/drawingml/2006/main" xmlns:r="http://schemas.openxmlformats.org/officeDocument/2006/relationships" xmlns:p="http://schemas.openxmlformats.org/presentationml/2006/main">
+<file path=ppt/slides/slide3.xml><?xml version="1.0" encoding="utf-8"?>
+<p:sld xmlns:a="http://schemas.openxmlformats.org/drawingml/2006/main" xmlns:r="http://schemas.openxmlformats.org/officeDocument/2006/relationships" xmlns:p="http://schemas.openxmlformats.org/presentationml/2006/main" xmlns:m="http://schemas.openxmlformats.org/officeDocument/2006/math" xmlns:a14="http://schemas.microsoft.com/office/drawing/2010/main" showMasterSp="1" showMasterPhAnim="1">
   <p:cSld>
     <p:spTree>
       <p:nvGrpSpPr>
@@ -4644,76 +4997,198 @@
       </p:grpSpPr>
       <p:sp>
         <p:nvSpPr>
-          <p:cNvPr id="2" name="Title 1">
-            <a:extLst>
-              <a:ext uri="{FF2B5EF4-FFF2-40B4-BE49-F238E27FC236}">
-                <a16:creationId xmlns:a16="http://schemas.microsoft.com/office/drawing/2014/main" id="{3DED6804-9DE8-4922-82D9-3C597CD8C648}"/>
-              </a:ext>
-            </a:extLst>
-          </p:cNvPr>
-          <p:cNvSpPr>
-            <a:spLocks noGrp="1"/>
-          </p:cNvSpPr>
+          <p:cNvPr id="125" name="Title 1"/>
+          <p:cNvSpPr txBox="1"/>
           <p:nvPr>
             <p:ph type="title"/>
           </p:nvPr>
         </p:nvSpPr>
-        <p:spPr/>
+        <p:spPr>
+          <a:xfrm>
+            <a:off x="972600" y="1758200"/>
+            <a:ext cx="10251600" cy="713602"/>
+          </a:xfrm>
+          <a:prstGeom prst="rect">
+            <a:avLst/>
+          </a:prstGeom>
+        </p:spPr>
         <p:txBody>
           <a:bodyPr/>
           <a:lstStyle/>
           <a:p>
-            <a:r>
-              <a:rPr lang="en-US" dirty="0"/>
-              <a:t>Short Specification</a:t>
+            <a:pPr/>
+            <a:r>
+              <a:t>Game Description</a:t>
             </a:r>
           </a:p>
         </p:txBody>
       </p:sp>
       <p:sp>
         <p:nvSpPr>
-          <p:cNvPr id="3" name="Text Placeholder 2">
-            <a:extLst>
-              <a:ext uri="{FF2B5EF4-FFF2-40B4-BE49-F238E27FC236}">
-                <a16:creationId xmlns:a16="http://schemas.microsoft.com/office/drawing/2014/main" id="{B2FC5B7B-E502-46FB-9BC1-11AA481C3AF1}"/>
-              </a:ext>
-            </a:extLst>
-          </p:cNvPr>
-          <p:cNvSpPr>
-            <a:spLocks noGrp="1"/>
-          </p:cNvSpPr>
+          <p:cNvPr id="126" name="Text Placeholder 2"/>
+          <p:cNvSpPr txBox="1"/>
           <p:nvPr>
-            <p:ph type="body" sz="half" idx="1"/>
+            <p:ph type="body" idx="1"/>
           </p:nvPr>
         </p:nvSpPr>
-        <p:spPr/>
+        <p:spPr>
+          <a:xfrm>
+            <a:off x="972600" y="2771831"/>
+            <a:ext cx="10251600" cy="4086169"/>
+          </a:xfrm>
+          <a:prstGeom prst="rect">
+            <a:avLst/>
+          </a:prstGeom>
+        </p:spPr>
         <p:txBody>
           <a:bodyPr/>
           <a:lstStyle/>
           <a:p>
-            <a:r>
-              <a:rPr lang="en-US" dirty="0"/>
-              <a:t>Switch to game over menu or the last image of </a:t>
+            <a:pPr/>
+            <a:r>
+              <a:t>Two player Pong</a:t>
+            </a:r>
+          </a:p>
+          <a:p>
+            <a:pPr lvl="1"/>
+            <a:r>
+              <a:t>Player 1: Paddle on right edge of screen controlled via board buttons</a:t>
+            </a:r>
+          </a:p>
+          <a:p>
+            <a:pPr lvl="2"/>
+            <a:r>
+              <a:t>Moves a </a:t>
+            </a:r>
+            <a:r>
+              <a:rPr b="1" u="sng"/>
+              <a:t>discrete</a:t>
+            </a:r>
+            <a:r>
+              <a:t> amount with each button press</a:t>
+            </a:r>
+          </a:p>
+          <a:p>
+            <a:pPr lvl="3"/>
+            <a:r>
+              <a:t>Demonstrates digital input</a:t>
+            </a:r>
+          </a:p>
+          <a:p>
+            <a:pPr lvl="1"/>
+            <a:r>
+              <a:t>Player 2: Paddle on bottom edge of screen controlled via analog controller</a:t>
+            </a:r>
+          </a:p>
+          <a:p>
+            <a:pPr lvl="2"/>
+            <a:r>
+              <a:t>Moves a </a:t>
+            </a:r>
+            <a:r>
+              <a:rPr b="1" u="sng"/>
+              <a:t>variable</a:t>
+            </a:r>
+            <a:r>
+              <a:t> amount based on analog controller value</a:t>
+            </a:r>
+          </a:p>
+          <a:p>
+            <a:pPr lvl="3"/>
+            <a:r>
+              <a:t>Demonstrates analog input</a:t>
+            </a:r>
+          </a:p>
+          <a:p>
+            <a:pPr/>
+            <a:r>
+              <a:t>Gameplay</a:t>
+            </a:r>
+          </a:p>
+          <a:p>
+            <a:pPr lvl="1"/>
+            <a:r>
+              <a:t>Ball starts moving slowly in random direction</a:t>
+            </a:r>
+          </a:p>
+          <a:p>
+            <a:pPr lvl="1"/>
+            <a:r>
+              <a:t>Players move paddles to prevent ball from hitting the edge of the screen</a:t>
+            </a:r>
+          </a:p>
+          <a:p>
+            <a:pPr lvl="1"/>
+            <a:r>
+              <a:t>Score increases every time the ball hits the paddle</a:t>
+            </a:r>
+          </a:p>
+          <a:p>
+            <a:pPr lvl="1"/>
+            <a:r>
+              <a:t>Ball also moves faster each time it hits a paddle</a:t>
+            </a:r>
+          </a:p>
+          <a:p>
+            <a:pPr lvl="1"/>
+            <a:r>
+              <a:t>After achieving a certain score, a second ball is inserted into the game</a:t>
+            </a:r>
+          </a:p>
+          <a:p>
+            <a:pPr lvl="1"/>
+            <a:r>
+              <a:t>Once the ball does hit the edge of the screen, a “game over” screen appears</a:t>
+            </a:r>
+          </a:p>
+          <a:p>
+            <a:pPr lvl="1"/>
+            <a:r>
+              <a:t>After game is lost, user can display the configuration of paddles and ball when they lost by flipping a switch</a:t>
             </a:r>
           </a:p>
         </p:txBody>
       </p:sp>
+      <p:pic>
+        <p:nvPicPr>
+          <p:cNvPr id="127" name="Picture 4" descr="Picture 4"/>
+          <p:cNvPicPr>
+            <a:picLocks noChangeAspect="1"/>
+          </p:cNvPicPr>
+          <p:nvPr/>
+        </p:nvPicPr>
+        <p:blipFill>
+          <a:blip r:embed="rId2">
+            <a:extLst/>
+          </a:blip>
+          <a:stretch>
+            <a:fillRect/>
+          </a:stretch>
+        </p:blipFill>
+        <p:spPr>
+          <a:xfrm>
+            <a:off x="7938137" y="2200216"/>
+            <a:ext cx="4144135" cy="2457569"/>
+          </a:xfrm>
+          <a:prstGeom prst="rect">
+            <a:avLst/>
+          </a:prstGeom>
+          <a:ln w="12700">
+            <a:miter lim="400000"/>
+          </a:ln>
+        </p:spPr>
+      </p:pic>
     </p:spTree>
-    <p:extLst>
-      <p:ext uri="{BB962C8B-B14F-4D97-AF65-F5344CB8AC3E}">
-        <p14:creationId xmlns:p14="http://schemas.microsoft.com/office/powerpoint/2010/main" val="188392464"/>
-      </p:ext>
-    </p:extLst>
   </p:cSld>
   <p:clrMapOvr>
     <a:masterClrMapping/>
   </p:clrMapOvr>
-  <p:transition spd="med"/>
+  <p:transition xmlns:p14="http://schemas.microsoft.com/office/powerpoint/2010/main" spd="med" advClick="1"/>
 </p:sld>
 </file>
 
-<file path=ppt/slides/slide5.xml><?xml version="1.0" encoding="utf-8"?>
-<p:sld xmlns:a="http://schemas.openxmlformats.org/drawingml/2006/main" xmlns:r="http://schemas.openxmlformats.org/officeDocument/2006/relationships" xmlns:p="http://schemas.openxmlformats.org/presentationml/2006/main">
+<file path=ppt/slides/slide4.xml><?xml version="1.0" encoding="utf-8"?>
+<p:sld xmlns:a="http://schemas.openxmlformats.org/drawingml/2006/main" xmlns:r="http://schemas.openxmlformats.org/officeDocument/2006/relationships" xmlns:p="http://schemas.openxmlformats.org/presentationml/2006/main" xmlns:m="http://schemas.openxmlformats.org/officeDocument/2006/math" xmlns:a14="http://schemas.microsoft.com/office/drawing/2010/main" showMasterSp="1" showMasterPhAnim="1">
   <p:cSld>
     <p:spTree>
       <p:nvGrpSpPr>
@@ -4731,184 +5206,331 @@
       </p:grpSpPr>
       <p:sp>
         <p:nvSpPr>
-          <p:cNvPr id="2" name="Title 1">
-            <a:extLst>
-              <a:ext uri="{FF2B5EF4-FFF2-40B4-BE49-F238E27FC236}">
-                <a16:creationId xmlns:a16="http://schemas.microsoft.com/office/drawing/2014/main" id="{2BFD780D-8920-4003-BCB6-2CAA81F5F5BE}"/>
-              </a:ext>
-            </a:extLst>
-          </p:cNvPr>
-          <p:cNvSpPr>
-            <a:spLocks noGrp="1"/>
-          </p:cNvSpPr>
+          <p:cNvPr id="129" name="Title 1"/>
+          <p:cNvSpPr txBox="1"/>
           <p:nvPr>
             <p:ph type="title"/>
           </p:nvPr>
         </p:nvSpPr>
-        <p:spPr/>
+        <p:spPr>
+          <a:xfrm>
+            <a:off x="972600" y="1758200"/>
+            <a:ext cx="10251600" cy="713602"/>
+          </a:xfrm>
+          <a:prstGeom prst="rect">
+            <a:avLst/>
+          </a:prstGeom>
+        </p:spPr>
         <p:txBody>
           <a:bodyPr/>
           <a:lstStyle/>
           <a:p>
-            <a:r>
-              <a:rPr lang="en-US" dirty="0"/>
-              <a:t>Detailed Functionality-ADC [Conor]</a:t>
+            <a:pPr/>
+            <a:r>
+              <a:t>Analog to Digital Converter (ADC)</a:t>
             </a:r>
           </a:p>
         </p:txBody>
       </p:sp>
       <p:sp>
         <p:nvSpPr>
-          <p:cNvPr id="3" name="Text Placeholder 2">
-            <a:extLst>
-              <a:ext uri="{FF2B5EF4-FFF2-40B4-BE49-F238E27FC236}">
-                <a16:creationId xmlns:a16="http://schemas.microsoft.com/office/drawing/2014/main" id="{4FBD4FD0-A078-481F-9044-DC5278242DCE}"/>
-              </a:ext>
-            </a:extLst>
-          </p:cNvPr>
-          <p:cNvSpPr>
-            <a:spLocks noGrp="1"/>
-          </p:cNvSpPr>
+          <p:cNvPr id="130" name="Text Placeholder 2"/>
+          <p:cNvSpPr txBox="1"/>
           <p:nvPr>
             <p:ph type="body" sz="half" idx="1"/>
           </p:nvPr>
         </p:nvSpPr>
         <p:spPr>
           <a:xfrm>
-            <a:off x="972600" y="2771832"/>
-            <a:ext cx="5818818" cy="3014802"/>
+            <a:off x="972600" y="2771831"/>
+            <a:ext cx="6306025" cy="3912434"/>
           </a:xfrm>
+          <a:prstGeom prst="rect">
+            <a:avLst/>
+          </a:prstGeom>
         </p:spPr>
         <p:txBody>
-          <a:bodyPr>
-            <a:normAutofit fontScale="92500"/>
-          </a:bodyPr>
+          <a:bodyPr/>
           <a:lstStyle/>
           <a:p>
-            <a:r>
-              <a:rPr lang="en-US" dirty="0"/>
+            <a:pPr>
+              <a:buSzPts val="1400"/>
+              <a:defRPr sz="1400"/>
+            </a:pPr>
+            <a:r>
+              <a:t>What is an ADC?</a:t>
+            </a:r>
+          </a:p>
+          <a:p>
+            <a:pPr lvl="1">
+              <a:buSzPts val="1400"/>
+              <a:defRPr sz="1400"/>
+            </a:pPr>
+            <a:r>
+              <a:t>HW that takes in an analog signal and converts it to a digital output</a:t>
+            </a:r>
+          </a:p>
+          <a:p>
+            <a:pPr lvl="1">
+              <a:buSzPts val="1400"/>
+              <a:defRPr sz="1400"/>
+            </a:pPr>
+            <a:r>
+              <a:t>In other words, it changes an analog signal that is </a:t>
+            </a:r>
+            <a:r>
+              <a:rPr b="1" u="sng"/>
+              <a:t>continuous</a:t>
+            </a:r>
+            <a:r>
+              <a:t> in terms of both time and amplitude to a digital signal that is </a:t>
+            </a:r>
+            <a:r>
+              <a:rPr b="1" u="sng"/>
+              <a:t>discrete</a:t>
+            </a:r>
+            <a:r>
+              <a:t> in terms of both time and amplitude</a:t>
+            </a:r>
+          </a:p>
+          <a:p>
+            <a:pPr>
+              <a:buSzPts val="1400"/>
+              <a:defRPr sz="1400"/>
+            </a:pPr>
+            <a:r>
+              <a:t>How does an ADC work?</a:t>
+            </a:r>
+          </a:p>
+          <a:p>
+            <a:pPr lvl="1">
+              <a:buSzPts val="1400"/>
+              <a:defRPr sz="1400"/>
+            </a:pPr>
+            <a:r>
+              <a:t>Analog input is </a:t>
+            </a:r>
+            <a:r>
+              <a:rPr b="1" u="sng"/>
+              <a:t>sampled</a:t>
+            </a:r>
+            <a:r>
+              <a:t> at a certain frequency</a:t>
+            </a:r>
+          </a:p>
+          <a:p>
+            <a:pPr lvl="1">
+              <a:buSzPts val="1400"/>
+              <a:defRPr sz="1400"/>
+            </a:pPr>
+            <a:r>
+              <a:t>Sample is </a:t>
+            </a:r>
+            <a:r>
+              <a:rPr b="1" u="sng"/>
+              <a:t>quantized</a:t>
+            </a:r>
+            <a:r>
+              <a:t> into a digital value by comparing with a reference voltage</a:t>
+            </a:r>
+          </a:p>
+          <a:p>
+            <a:pPr lvl="1">
+              <a:buSzPts val="1400"/>
+              <a:defRPr sz="1400"/>
+            </a:pPr>
+            <a:r>
+              <a:t>12-bit ADC =&gt; 4096 quantization levels</a:t>
+            </a:r>
+          </a:p>
+          <a:p>
+            <a:pPr>
+              <a:buSzPts val="1400"/>
+              <a:defRPr sz="1400"/>
+            </a:pPr>
+            <a:r>
               <a:t>How does ADC sampling work?</a:t>
             </a:r>
           </a:p>
           <a:p>
-            <a:pPr lvl="1"/>
-            <a:r>
-              <a:rPr lang="en-US" dirty="0"/>
-              <a:t>System clock needs to be kept at 18 times sample frequency</a:t>
-            </a:r>
-          </a:p>
-          <a:p>
-            <a:pPr lvl="1"/>
-            <a:r>
-              <a:rPr lang="en-US" dirty="0"/>
-              <a:t>Sample rate 1MSPS</a:t>
-            </a:r>
-          </a:p>
-          <a:p>
-            <a:pPr lvl="1"/>
-            <a:r>
-              <a:rPr lang="en-US" dirty="0"/>
-              <a:t>12 bit ADC</a:t>
-            </a:r>
-          </a:p>
-          <a:p>
-            <a:pPr lvl="1"/>
-            <a:r>
-              <a:rPr lang="en-US" dirty="0"/>
-              <a:t>General-purpose, high-precision analog interface for a range of applications</a:t>
-            </a:r>
-          </a:p>
-          <a:p>
-            <a:pPr lvl="1"/>
-            <a:r>
-              <a:rPr lang="en-US" dirty="0"/>
-              <a:t>Unipolar and differential measurement</a:t>
-            </a:r>
-          </a:p>
-          <a:p>
-            <a:pPr lvl="1"/>
-            <a:r>
-              <a:rPr lang="en-US" dirty="0"/>
-              <a:t>Status registers: where conversion data is stored</a:t>
-            </a:r>
-          </a:p>
-          <a:p>
-            <a:pPr lvl="1"/>
-            <a:r>
-              <a:rPr lang="en-US" dirty="0"/>
-              <a:t>Conversion data accessible through a 16-bit synchronous read and write port called the dynamic reconfiguration port (DRP)</a:t>
-            </a:r>
-          </a:p>
-          <a:p>
-            <a:pPr lvl="1"/>
-            <a:r>
-              <a:rPr lang="en-US" dirty="0"/>
-              <a:t>Also accessible though JTAG TAP</a:t>
-            </a:r>
-          </a:p>
-          <a:p>
-            <a:r>
-              <a:rPr lang="en-US" dirty="0"/>
-              <a:t>What does the ADC output mean?</a:t>
-            </a:r>
-          </a:p>
-          <a:p>
-            <a:r>
-              <a:rPr lang="en-US" dirty="0"/>
-              <a:t>Make it clear which block we are in (visual in top corner)</a:t>
-            </a:r>
-          </a:p>
-          <a:p>
-            <a:endParaRPr lang="en-US" dirty="0"/>
+            <a:pPr lvl="1">
+              <a:buSzPts val="1400"/>
+              <a:defRPr sz="1400"/>
+            </a:pPr>
+            <a:r>
+              <a:t>Choose sample rate so the digital output accurately reflects the input (≥ 2x the fastest input frequency) </a:t>
+            </a:r>
+          </a:p>
+          <a:p>
+            <a:pPr lvl="1">
+              <a:buSzPts val="1400"/>
+              <a:defRPr sz="1400"/>
+            </a:pPr>
+            <a:r>
+              <a:t>Max sample rate 1MSPS</a:t>
+            </a:r>
           </a:p>
         </p:txBody>
       </p:sp>
       <p:pic>
         <p:nvPicPr>
-          <p:cNvPr id="4" name="Picture 3">
-            <a:extLst>
-              <a:ext uri="{FF2B5EF4-FFF2-40B4-BE49-F238E27FC236}">
-                <a16:creationId xmlns:a16="http://schemas.microsoft.com/office/drawing/2014/main" id="{344E349C-7497-4B4F-A8D4-CAA1F3187CD5}"/>
-              </a:ext>
-            </a:extLst>
-          </p:cNvPr>
+          <p:cNvPr id="131" name="Picture 2" descr="Picture 2"/>
           <p:cNvPicPr>
             <a:picLocks noChangeAspect="1"/>
           </p:cNvPicPr>
           <p:nvPr/>
         </p:nvPicPr>
         <p:blipFill>
-          <a:blip r:embed="rId2"/>
+          <a:blip r:embed="rId2">
+            <a:extLst/>
+          </a:blip>
           <a:stretch>
             <a:fillRect/>
           </a:stretch>
         </p:blipFill>
         <p:spPr>
           <a:xfrm>
-            <a:off x="6791418" y="2654379"/>
-            <a:ext cx="5025547" cy="2728356"/>
+            <a:off x="8004836" y="2515436"/>
+            <a:ext cx="4112866" cy="1534519"/>
           </a:xfrm>
           <a:prstGeom prst="rect">
             <a:avLst/>
           </a:prstGeom>
+          <a:ln w="12700">
+            <a:miter lim="400000"/>
+          </a:ln>
         </p:spPr>
       </p:pic>
+      <p:pic>
+        <p:nvPicPr>
+          <p:cNvPr id="132" name="Picture 4" descr="Picture 4"/>
+          <p:cNvPicPr>
+            <a:picLocks noChangeAspect="1"/>
+          </p:cNvPicPr>
+          <p:nvPr/>
+        </p:nvPicPr>
+        <p:blipFill>
+          <a:blip r:embed="rId3">
+            <a:extLst/>
+          </a:blip>
+          <a:stretch>
+            <a:fillRect/>
+          </a:stretch>
+        </p:blipFill>
+        <p:spPr>
+          <a:xfrm>
+            <a:off x="8610703" y="4386198"/>
+            <a:ext cx="3181616" cy="1904873"/>
+          </a:xfrm>
+          <a:prstGeom prst="rect">
+            <a:avLst/>
+          </a:prstGeom>
+          <a:ln w="12700">
+            <a:miter lim="400000"/>
+          </a:ln>
+        </p:spPr>
+      </p:pic>
+      <p:sp>
+        <p:nvSpPr>
+          <p:cNvPr id="133" name="TextBox 4"/>
+          <p:cNvSpPr txBox="1"/>
+          <p:nvPr/>
+        </p:nvSpPr>
+        <p:spPr>
+          <a:xfrm>
+            <a:off x="8884919" y="6291071"/>
+            <a:ext cx="2633185" cy="239268"/>
+          </a:xfrm>
+          <a:prstGeom prst="rect">
+            <a:avLst/>
+          </a:prstGeom>
+          <a:ln w="12700">
+            <a:miter lim="400000"/>
+          </a:ln>
+          <a:extLst>
+            <a:ext uri="{C572A759-6A51-4108-AA02-DFA0A04FC94B}">
+              <ma14:wrappingTextBoxFlag xmlns:ma14="http://schemas.microsoft.com/office/mac/drawingml/2011/main" val="1"/>
+            </a:ext>
+          </a:extLst>
+        </p:spPr>
+        <p:txBody>
+          <a:bodyPr lIns="45718" tIns="45718" rIns="45718" bIns="45718">
+            <a:spAutoFit/>
+          </a:bodyPr>
+          <a:lstStyle>
+            <a:lvl1pPr algn="ctr">
+              <a:defRPr sz="1100">
+                <a:latin typeface="Arial"/>
+                <a:ea typeface="Arial"/>
+                <a:cs typeface="Arial"/>
+                <a:sym typeface="Arial"/>
+              </a:defRPr>
+            </a:lvl1pPr>
+          </a:lstStyle>
+          <a:p>
+            <a:pPr/>
+            <a:r>
+              <a:t>Illustration of quantization levels</a:t>
+            </a:r>
+          </a:p>
+        </p:txBody>
+      </p:sp>
+      <p:sp>
+        <p:nvSpPr>
+          <p:cNvPr id="134" name="TextBox 6"/>
+          <p:cNvSpPr txBox="1"/>
+          <p:nvPr/>
+        </p:nvSpPr>
+        <p:spPr>
+          <a:xfrm>
+            <a:off x="7986549" y="3995142"/>
+            <a:ext cx="4112865" cy="239268"/>
+          </a:xfrm>
+          <a:prstGeom prst="rect">
+            <a:avLst/>
+          </a:prstGeom>
+          <a:ln w="12700">
+            <a:miter lim="400000"/>
+          </a:ln>
+          <a:extLst>
+            <a:ext uri="{C572A759-6A51-4108-AA02-DFA0A04FC94B}">
+              <ma14:wrappingTextBoxFlag xmlns:ma14="http://schemas.microsoft.com/office/mac/drawingml/2011/main" val="1"/>
+            </a:ext>
+          </a:extLst>
+        </p:spPr>
+        <p:txBody>
+          <a:bodyPr lIns="45718" tIns="45718" rIns="45718" bIns="45718">
+            <a:spAutoFit/>
+          </a:bodyPr>
+          <a:lstStyle>
+            <a:lvl1pPr algn="ctr">
+              <a:defRPr sz="1100">
+                <a:latin typeface="Arial"/>
+                <a:ea typeface="Arial"/>
+                <a:cs typeface="Arial"/>
+                <a:sym typeface="Arial"/>
+              </a:defRPr>
+            </a:lvl1pPr>
+          </a:lstStyle>
+          <a:p>
+            <a:pPr/>
+            <a:r>
+              <a:t>Illustration of analog input being approximated by a digital output</a:t>
+            </a:r>
+          </a:p>
+        </p:txBody>
+      </p:sp>
     </p:spTree>
-    <p:extLst>
-      <p:ext uri="{BB962C8B-B14F-4D97-AF65-F5344CB8AC3E}">
-        <p14:creationId xmlns:p14="http://schemas.microsoft.com/office/powerpoint/2010/main" val="1468369952"/>
-      </p:ext>
-    </p:extLst>
   </p:cSld>
   <p:clrMapOvr>
     <a:masterClrMapping/>
   </p:clrMapOvr>
-  <p:transition spd="med"/>
+  <p:transition xmlns:p14="http://schemas.microsoft.com/office/powerpoint/2010/main" spd="med" advClick="1"/>
 </p:sld>
 </file>
 
-<file path=ppt/slides/slide6.xml><?xml version="1.0" encoding="utf-8"?>
-<p:sld xmlns:a="http://schemas.openxmlformats.org/drawingml/2006/main" xmlns:r="http://schemas.openxmlformats.org/officeDocument/2006/relationships" xmlns:p="http://schemas.openxmlformats.org/presentationml/2006/main">
+<file path=ppt/slides/slide5.xml><?xml version="1.0" encoding="utf-8"?>
+<p:sld xmlns:a="http://schemas.openxmlformats.org/drawingml/2006/main" xmlns:r="http://schemas.openxmlformats.org/officeDocument/2006/relationships" xmlns:p="http://schemas.openxmlformats.org/presentationml/2006/main" xmlns:m="http://schemas.openxmlformats.org/officeDocument/2006/math" xmlns:a14="http://schemas.microsoft.com/office/drawing/2010/main" showMasterSp="1" showMasterPhAnim="1">
   <p:cSld>
     <p:spTree>
       <p:nvGrpSpPr>
@@ -4926,82 +5548,425 @@
       </p:grpSpPr>
       <p:sp>
         <p:nvSpPr>
-          <p:cNvPr id="2" name="Title 1">
-            <a:extLst>
-              <a:ext uri="{FF2B5EF4-FFF2-40B4-BE49-F238E27FC236}">
-                <a16:creationId xmlns:a16="http://schemas.microsoft.com/office/drawing/2014/main" id="{6809E014-24B6-4F26-82D2-8232BDF7B56E}"/>
-              </a:ext>
-            </a:extLst>
-          </p:cNvPr>
-          <p:cNvSpPr>
-            <a:spLocks noGrp="1"/>
-          </p:cNvSpPr>
+          <p:cNvPr id="136" name="Title 1"/>
+          <p:cNvSpPr txBox="1"/>
           <p:nvPr>
             <p:ph type="title"/>
           </p:nvPr>
         </p:nvSpPr>
-        <p:spPr/>
+        <p:spPr>
+          <a:xfrm>
+            <a:off x="972600" y="1758200"/>
+            <a:ext cx="10251600" cy="713602"/>
+          </a:xfrm>
+          <a:prstGeom prst="rect">
+            <a:avLst/>
+          </a:prstGeom>
+        </p:spPr>
         <p:txBody>
           <a:bodyPr/>
           <a:lstStyle/>
           <a:p>
-            <a:r>
-              <a:rPr lang="en-US" dirty="0"/>
-              <a:t>Detailed Functionality-Game [Bin]</a:t>
+            <a:pPr/>
+            <a:r>
+              <a:t>Further ADC Details</a:t>
             </a:r>
           </a:p>
         </p:txBody>
       </p:sp>
       <p:sp>
         <p:nvSpPr>
-          <p:cNvPr id="3" name="Text Placeholder 2">
-            <a:extLst>
-              <a:ext uri="{FF2B5EF4-FFF2-40B4-BE49-F238E27FC236}">
-                <a16:creationId xmlns:a16="http://schemas.microsoft.com/office/drawing/2014/main" id="{DB267B4A-B026-46B7-9D6E-BC609B9CE301}"/>
-              </a:ext>
-            </a:extLst>
-          </p:cNvPr>
-          <p:cNvSpPr>
-            <a:spLocks noGrp="1"/>
-          </p:cNvSpPr>
+          <p:cNvPr id="137" name="Text Placeholder 2"/>
+          <p:cNvSpPr txBox="1"/>
           <p:nvPr>
             <p:ph type="body" sz="half" idx="1"/>
           </p:nvPr>
         </p:nvSpPr>
-        <p:spPr/>
+        <p:spPr>
+          <a:xfrm>
+            <a:off x="972600" y="2771831"/>
+            <a:ext cx="5818819" cy="3912434"/>
+          </a:xfrm>
+          <a:prstGeom prst="rect">
+            <a:avLst/>
+          </a:prstGeom>
+        </p:spPr>
         <p:txBody>
           <a:bodyPr/>
           <a:lstStyle/>
           <a:p>
-            <a:r>
-              <a:rPr lang="en-US" dirty="0"/>
-              <a:t>How did we change the game?</a:t>
-            </a:r>
-          </a:p>
-          <a:p>
-            <a:r>
-              <a:rPr lang="en-US" dirty="0"/>
-              <a:t>How do we use the output of the ADC</a:t>
+            <a:pPr>
+              <a:buSzPts val="1400"/>
+              <a:defRPr sz="1400"/>
+            </a:pPr>
+            <a:r>
+              <a:t>What are the </a:t>
+            </a:r>
+            <a:r>
+              <a:rPr b="1" u="sng"/>
+              <a:t>peripheral</a:t>
+            </a:r>
+            <a:r>
+              <a:t> components to the ADC?</a:t>
+            </a:r>
+          </a:p>
+          <a:p>
+            <a:pPr lvl="1">
+              <a:buSzPts val="1400"/>
+              <a:defRPr sz="1400"/>
+            </a:pPr>
+            <a:r>
+              <a:t>Input mux</a:t>
+            </a:r>
+          </a:p>
+          <a:p>
+            <a:pPr lvl="1">
+              <a:buSzPts val="1400"/>
+              <a:defRPr sz="1400"/>
+            </a:pPr>
+            <a:r>
+              <a:t>Status and control registers</a:t>
+            </a:r>
+          </a:p>
+          <a:p>
+            <a:pPr lvl="1">
+              <a:buSzPts val="1400"/>
+              <a:defRPr sz="1400"/>
+            </a:pPr>
+            <a:r>
+              <a:t>Reference generator</a:t>
+            </a:r>
+          </a:p>
+          <a:p>
+            <a:pPr lvl="1">
+              <a:buSzPts val="1400"/>
+              <a:defRPr sz="1400"/>
+            </a:pPr>
+            <a:r>
+              <a:t>Dynamic Reconfiguration Port (DRP) Interface</a:t>
+            </a:r>
+          </a:p>
+          <a:p>
+            <a:pPr>
+              <a:buSzPts val="1400"/>
+              <a:defRPr sz="1400"/>
+            </a:pPr>
+            <a:r>
+              <a:t>What </a:t>
+            </a:r>
+            <a:r>
+              <a:rPr b="1" u="sng"/>
+              <a:t>parameters</a:t>
+            </a:r>
+            <a:r>
+              <a:t> define how the ADC works?</a:t>
+            </a:r>
+          </a:p>
+          <a:p>
+            <a:pPr lvl="1">
+              <a:buSzPts val="1400"/>
+              <a:defRPr sz="1400"/>
+            </a:pPr>
+            <a:r>
+              <a:t>Sample averaging</a:t>
+            </a:r>
+          </a:p>
+          <a:p>
+            <a:pPr lvl="1">
+              <a:buSzPts val="1400"/>
+              <a:defRPr sz="1400"/>
+            </a:pPr>
+            <a:r>
+              <a:t>Unipolar or differential measurement mode</a:t>
+            </a:r>
+          </a:p>
+          <a:p>
+            <a:pPr lvl="1">
+              <a:buSzPts val="1400"/>
+              <a:defRPr sz="1400"/>
+            </a:pPr>
+            <a:r>
+              <a:t>Settling time</a:t>
+            </a:r>
+          </a:p>
+        </p:txBody>
+      </p:sp>
+      <p:pic>
+        <p:nvPicPr>
+          <p:cNvPr id="138" name="Picture 3" descr="Picture 3"/>
+          <p:cNvPicPr>
+            <a:picLocks noChangeAspect="1"/>
+          </p:cNvPicPr>
+          <p:nvPr/>
+        </p:nvPicPr>
+        <p:blipFill>
+          <a:blip r:embed="rId2">
+            <a:extLst/>
+          </a:blip>
+          <a:stretch>
+            <a:fillRect/>
+          </a:stretch>
+        </p:blipFill>
+        <p:spPr>
+          <a:xfrm>
+            <a:off x="7292834" y="1212406"/>
+            <a:ext cx="4639531" cy="2518790"/>
+          </a:xfrm>
+          <a:prstGeom prst="rect">
+            <a:avLst/>
+          </a:prstGeom>
+          <a:ln w="12700">
+            <a:miter lim="400000"/>
+          </a:ln>
+        </p:spPr>
+      </p:pic>
+      <p:pic>
+        <p:nvPicPr>
+          <p:cNvPr id="139" name="Picture 7" descr="Picture 7"/>
+          <p:cNvPicPr>
+            <a:picLocks noChangeAspect="1"/>
+          </p:cNvPicPr>
+          <p:nvPr/>
+        </p:nvPicPr>
+        <p:blipFill>
+          <a:blip r:embed="rId3">
+            <a:extLst/>
+          </a:blip>
+          <a:stretch>
+            <a:fillRect/>
+          </a:stretch>
+        </p:blipFill>
+        <p:spPr>
+          <a:xfrm>
+            <a:off x="8116306" y="3975101"/>
+            <a:ext cx="3400007" cy="2473759"/>
+          </a:xfrm>
+          <a:prstGeom prst="rect">
+            <a:avLst/>
+          </a:prstGeom>
+          <a:ln w="12700">
+            <a:miter lim="400000"/>
+          </a:ln>
+        </p:spPr>
+      </p:pic>
+      <p:pic>
+        <p:nvPicPr>
+          <p:cNvPr id="140" name="Picture 8" descr="Picture 8"/>
+          <p:cNvPicPr>
+            <a:picLocks noChangeAspect="1"/>
+          </p:cNvPicPr>
+          <p:nvPr/>
+        </p:nvPicPr>
+        <p:blipFill>
+          <a:blip r:embed="rId4">
+            <a:extLst/>
+          </a:blip>
+          <a:srcRect l="0" t="10251" r="0" b="0"/>
+          <a:stretch>
+            <a:fillRect/>
+          </a:stretch>
+        </p:blipFill>
+        <p:spPr>
+          <a:xfrm>
+            <a:off x="2617784" y="5102351"/>
+            <a:ext cx="5166808" cy="1682497"/>
+          </a:xfrm>
+          <a:prstGeom prst="rect">
+            <a:avLst/>
+          </a:prstGeom>
+          <a:ln w="12700">
+            <a:miter lim="400000"/>
+          </a:ln>
+        </p:spPr>
+      </p:pic>
+      <p:sp>
+        <p:nvSpPr>
+          <p:cNvPr id="141" name="Rectangle 4"/>
+          <p:cNvSpPr/>
+          <p:nvPr/>
+        </p:nvSpPr>
+        <p:spPr>
+          <a:xfrm>
+            <a:off x="9518904" y="1813063"/>
+            <a:ext cx="1017241" cy="1350761"/>
+          </a:xfrm>
+          <a:prstGeom prst="rect">
+            <a:avLst/>
+          </a:prstGeom>
+          <a:ln w="25400">
+            <a:solidFill>
+              <a:srgbClr val="FF0000"/>
+            </a:solidFill>
+          </a:ln>
+          <a:effectLst>
+            <a:outerShdw sx="100000" sy="100000" kx="0" ky="0" algn="b" rotWithShape="0" blurRad="38100" dist="23000" dir="5400000">
+              <a:srgbClr val="000000">
+                <a:alpha val="35000"/>
+              </a:srgbClr>
+            </a:outerShdw>
+          </a:effectLst>
+        </p:spPr>
+        <p:txBody>
+          <a:bodyPr lIns="45718" tIns="45718" rIns="45718" bIns="45718" anchor="ctr"/>
+          <a:lstStyle/>
+          <a:p>
+            <a:pPr>
+              <a:defRPr>
+                <a:latin typeface="Arial"/>
+                <a:ea typeface="Arial"/>
+                <a:cs typeface="Arial"/>
+                <a:sym typeface="Arial"/>
+              </a:defRPr>
+            </a:pPr>
+          </a:p>
+        </p:txBody>
+      </p:sp>
+      <p:sp>
+        <p:nvSpPr>
+          <p:cNvPr id="142" name="TextBox 6"/>
+          <p:cNvSpPr txBox="1"/>
+          <p:nvPr/>
+        </p:nvSpPr>
+        <p:spPr>
+          <a:xfrm>
+            <a:off x="7819501" y="3619601"/>
+            <a:ext cx="4112865" cy="239269"/>
+          </a:xfrm>
+          <a:prstGeom prst="rect">
+            <a:avLst/>
+          </a:prstGeom>
+          <a:ln w="12700">
+            <a:miter lim="400000"/>
+          </a:ln>
+          <a:extLst>
+            <a:ext uri="{C572A759-6A51-4108-AA02-DFA0A04FC94B}">
+              <ma14:wrappingTextBoxFlag xmlns:ma14="http://schemas.microsoft.com/office/mac/drawingml/2011/main" val="1"/>
+            </a:ext>
+          </a:extLst>
+        </p:spPr>
+        <p:txBody>
+          <a:bodyPr lIns="45718" tIns="45718" rIns="45718" bIns="45718">
+            <a:spAutoFit/>
+          </a:bodyPr>
+          <a:lstStyle>
+            <a:lvl1pPr algn="ctr">
+              <a:defRPr sz="1100">
+                <a:latin typeface="Arial"/>
+                <a:ea typeface="Arial"/>
+                <a:cs typeface="Arial"/>
+                <a:sym typeface="Arial"/>
+              </a:defRPr>
+            </a:lvl1pPr>
+          </a:lstStyle>
+          <a:p>
+            <a:pPr/>
+            <a:r>
+              <a:t>Nexys A7 ADC Block Diagram</a:t>
+            </a:r>
+          </a:p>
+        </p:txBody>
+      </p:sp>
+      <p:sp>
+        <p:nvSpPr>
+          <p:cNvPr id="143" name="TextBox 9"/>
+          <p:cNvSpPr txBox="1"/>
+          <p:nvPr/>
+        </p:nvSpPr>
+        <p:spPr>
+          <a:xfrm>
+            <a:off x="7971091" y="6411948"/>
+            <a:ext cx="4112865" cy="239268"/>
+          </a:xfrm>
+          <a:prstGeom prst="rect">
+            <a:avLst/>
+          </a:prstGeom>
+          <a:ln w="12700">
+            <a:miter lim="400000"/>
+          </a:ln>
+          <a:extLst>
+            <a:ext uri="{C572A759-6A51-4108-AA02-DFA0A04FC94B}">
+              <ma14:wrappingTextBoxFlag xmlns:ma14="http://schemas.microsoft.com/office/mac/drawingml/2011/main" val="1"/>
+            </a:ext>
+          </a:extLst>
+        </p:spPr>
+        <p:txBody>
+          <a:bodyPr lIns="45718" tIns="45718" rIns="45718" bIns="45718">
+            <a:spAutoFit/>
+          </a:bodyPr>
+          <a:lstStyle>
+            <a:lvl1pPr algn="ctr">
+              <a:defRPr sz="1100">
+                <a:latin typeface="Arial"/>
+                <a:ea typeface="Arial"/>
+                <a:cs typeface="Arial"/>
+                <a:sym typeface="Arial"/>
+              </a:defRPr>
+            </a:lvl1pPr>
+          </a:lstStyle>
+          <a:p>
+            <a:pPr/>
+            <a:r>
+              <a:t>ADC Input/Output Signals</a:t>
+            </a:r>
+          </a:p>
+        </p:txBody>
+      </p:sp>
+      <p:sp>
+        <p:nvSpPr>
+          <p:cNvPr id="144" name="TextBox 10"/>
+          <p:cNvSpPr txBox="1"/>
+          <p:nvPr/>
+        </p:nvSpPr>
+        <p:spPr>
+          <a:xfrm>
+            <a:off x="3175141" y="6574674"/>
+            <a:ext cx="4112865" cy="239269"/>
+          </a:xfrm>
+          <a:prstGeom prst="rect">
+            <a:avLst/>
+          </a:prstGeom>
+          <a:ln w="12700">
+            <a:miter lim="400000"/>
+          </a:ln>
+          <a:extLst>
+            <a:ext uri="{C572A759-6A51-4108-AA02-DFA0A04FC94B}">
+              <ma14:wrappingTextBoxFlag xmlns:ma14="http://schemas.microsoft.com/office/mac/drawingml/2011/main" val="1"/>
+            </a:ext>
+          </a:extLst>
+        </p:spPr>
+        <p:txBody>
+          <a:bodyPr lIns="45718" tIns="45718" rIns="45718" bIns="45718">
+            <a:spAutoFit/>
+          </a:bodyPr>
+          <a:lstStyle>
+            <a:lvl1pPr algn="ctr">
+              <a:defRPr sz="1100">
+                <a:latin typeface="Arial"/>
+                <a:ea typeface="Arial"/>
+                <a:cs typeface="Arial"/>
+                <a:sym typeface="Arial"/>
+              </a:defRPr>
+            </a:lvl1pPr>
+          </a:lstStyle>
+          <a:p>
+            <a:pPr/>
+            <a:r>
+              <a:t>ADC Timing Diagram</a:t>
             </a:r>
           </a:p>
         </p:txBody>
       </p:sp>
     </p:spTree>
-    <p:extLst>
-      <p:ext uri="{BB962C8B-B14F-4D97-AF65-F5344CB8AC3E}">
-        <p14:creationId xmlns:p14="http://schemas.microsoft.com/office/powerpoint/2010/main" val="528772889"/>
-      </p:ext>
-    </p:extLst>
   </p:cSld>
   <p:clrMapOvr>
     <a:masterClrMapping/>
   </p:clrMapOvr>
-  <p:transition spd="med"/>
+  <p:transition xmlns:p14="http://schemas.microsoft.com/office/powerpoint/2010/main" spd="med" advClick="1"/>
 </p:sld>
 </file>
 
-<file path=ppt/slides/slide7.xml><?xml version="1.0" encoding="utf-8"?>
-<p:sld xmlns:a="http://schemas.openxmlformats.org/drawingml/2006/main" xmlns:r="http://schemas.openxmlformats.org/officeDocument/2006/relationships" xmlns:p="http://schemas.openxmlformats.org/presentationml/2006/main">
+<file path=ppt/slides/slide6.xml><?xml version="1.0" encoding="utf-8"?>
+<p:sld xmlns:a="http://schemas.openxmlformats.org/drawingml/2006/main" xmlns:r="http://schemas.openxmlformats.org/officeDocument/2006/relationships" xmlns:p="http://schemas.openxmlformats.org/presentationml/2006/main" xmlns:m="http://schemas.openxmlformats.org/officeDocument/2006/math" xmlns:a14="http://schemas.microsoft.com/office/drawing/2010/main" showMasterSp="1" showMasterPhAnim="1">
   <p:cSld>
     <p:spTree>
       <p:nvGrpSpPr>
@@ -5019,207 +5984,616 @@
       </p:grpSpPr>
       <p:sp>
         <p:nvSpPr>
-          <p:cNvPr id="2" name="Title 1">
-            <a:extLst>
-              <a:ext uri="{FF2B5EF4-FFF2-40B4-BE49-F238E27FC236}">
-                <a16:creationId xmlns:a16="http://schemas.microsoft.com/office/drawing/2014/main" id="{6809E014-24B6-4F26-82D2-8232BDF7B56E}"/>
-              </a:ext>
-            </a:extLst>
-          </p:cNvPr>
-          <p:cNvSpPr>
-            <a:spLocks noGrp="1"/>
-          </p:cNvSpPr>
+          <p:cNvPr id="146" name="Title 1"/>
+          <p:cNvSpPr txBox="1"/>
           <p:nvPr>
             <p:ph type="title"/>
           </p:nvPr>
         </p:nvSpPr>
-        <p:spPr/>
+        <p:spPr>
+          <a:xfrm>
+            <a:off x="972600" y="1758200"/>
+            <a:ext cx="10251600" cy="713602"/>
+          </a:xfrm>
+          <a:prstGeom prst="rect">
+            <a:avLst/>
+          </a:prstGeom>
+        </p:spPr>
         <p:txBody>
           <a:bodyPr/>
           <a:lstStyle/>
           <a:p>
-            <a:r>
-              <a:rPr lang="en-US" dirty="0"/>
-              <a:t>Detailed Functionality-Memory [</a:t>
-            </a:r>
-            <a:r>
-              <a:rPr lang="en-US" dirty="0" err="1"/>
-              <a:t>Yimin</a:t>
-            </a:r>
-            <a:r>
-              <a:rPr lang="en-US" dirty="0"/>
-              <a:t>] </a:t>
+            <a:pPr/>
+            <a:r>
+              <a:t>Force Sensitive Resistor (FSR)</a:t>
             </a:r>
           </a:p>
         </p:txBody>
       </p:sp>
       <p:sp>
         <p:nvSpPr>
-          <p:cNvPr id="3" name="Text Placeholder 2">
-            <a:extLst>
-              <a:ext uri="{FF2B5EF4-FFF2-40B4-BE49-F238E27FC236}">
-                <a16:creationId xmlns:a16="http://schemas.microsoft.com/office/drawing/2014/main" id="{DB267B4A-B026-46B7-9D6E-BC609B9CE301}"/>
-              </a:ext>
-            </a:extLst>
-          </p:cNvPr>
-          <p:cNvSpPr>
-            <a:spLocks noGrp="1"/>
-          </p:cNvSpPr>
+          <p:cNvPr id="147" name="Text Placeholder 2"/>
+          <p:cNvSpPr txBox="1"/>
           <p:nvPr>
             <p:ph type="body" sz="half" idx="1"/>
           </p:nvPr>
         </p:nvSpPr>
-        <p:spPr/>
+        <p:spPr>
+          <a:xfrm>
+            <a:off x="972600" y="2771831"/>
+            <a:ext cx="6981792" cy="3014803"/>
+          </a:xfrm>
+          <a:prstGeom prst="rect">
+            <a:avLst/>
+          </a:prstGeom>
+        </p:spPr>
         <p:txBody>
           <a:bodyPr/>
           <a:lstStyle/>
           <a:p>
-            <a:r>
-              <a:rPr lang="en-US" dirty="0"/>
-              <a:t>What were we planning on doing with the memory?</a:t>
-            </a:r>
-          </a:p>
-          <a:p>
-            <a:pPr lvl="1"/>
-            <a:r>
-              <a:rPr lang="en-US" dirty="0"/>
-              <a:t>Record the process of playing and replay it after game over</a:t>
-            </a:r>
-          </a:p>
-          <a:p>
-            <a:r>
-              <a:rPr lang="en-US" dirty="0"/>
-              <a:t>Why didn’t it work?</a:t>
-            </a:r>
-          </a:p>
-          <a:p>
-            <a:pPr lvl="1"/>
-            <a:r>
-              <a:rPr lang="en-US" dirty="0"/>
-              <a:t>Possible overwritten data </a:t>
-            </a:r>
-          </a:p>
-          <a:p>
-            <a:pPr lvl="1"/>
-            <a:r>
-              <a:rPr lang="en-US" dirty="0"/>
-              <a:t>The delay of redrawing is overlapped by next redrawing </a:t>
-            </a:r>
-          </a:p>
-          <a:p>
-            <a:r>
-              <a:rPr lang="en-US" dirty="0"/>
-              <a:t>How does Quad SPI flash work?</a:t>
-            </a:r>
-          </a:p>
-          <a:p>
-            <a:pPr lvl="1"/>
-            <a:r>
-              <a:rPr lang="en-US" dirty="0"/>
-              <a:t>Not suitable for saving data</a:t>
-            </a:r>
-          </a:p>
-          <a:p>
-            <a:r>
-              <a:rPr lang="en-US" dirty="0"/>
-              <a:t>What did we end up doing instead?</a:t>
-            </a:r>
-          </a:p>
-          <a:p>
-            <a:pPr lvl="1"/>
-            <a:r>
-              <a:rPr lang="en-US" dirty="0"/>
-              <a:t>Saving images of game process such as when square hits the edge</a:t>
+            <a:pPr>
+              <a:buSzPts val="1400"/>
+              <a:defRPr sz="1400"/>
+            </a:pPr>
+            <a:r>
+              <a:t>FSR is an electrical component which changes its resistance when a force or pressure is applied.</a:t>
+            </a:r>
+          </a:p>
+          <a:p>
+            <a:pPr>
+              <a:buSzPts val="1400"/>
+              <a:defRPr sz="1400"/>
+            </a:pPr>
+            <a:r>
+              <a:t>Composed of two substrate layers sandwiching together a conductive film and a spacer.</a:t>
+            </a:r>
+          </a:p>
+          <a:p>
+            <a:pPr>
+              <a:buSzPts val="1400"/>
+              <a:defRPr sz="1400"/>
+            </a:pPr>
+            <a:r>
+              <a:t>The substrate layer on the spacer side also has a conductive ink printed on it.</a:t>
+            </a:r>
+          </a:p>
+          <a:p>
+            <a:pPr>
+              <a:buSzPts val="1400"/>
+              <a:defRPr sz="1400"/>
+            </a:pPr>
+            <a:r>
+              <a:t>More force =&gt; air pushed out of space =&gt; film contacts conductive print =&gt; resistance decreases</a:t>
+            </a:r>
+          </a:p>
+          <a:p>
+            <a:pPr>
+              <a:buSzPts val="1400"/>
+              <a:defRPr sz="1400"/>
+            </a:pPr>
+            <a:r>
+              <a:t>Problem: Not very </a:t>
+            </a:r>
+            <a:r>
+              <a:rPr b="1" u="sng"/>
+              <a:t>differentiable</a:t>
+            </a:r>
+            <a:r>
+              <a:t> (i.e., basically a 1 or 0)</a:t>
+            </a:r>
+          </a:p>
+          <a:p>
+            <a:pPr>
+              <a:buSzPts val="1400"/>
+              <a:defRPr sz="1400"/>
+            </a:pPr>
+            <a:r>
+              <a:t>Solution: Wheatstone Bridge</a:t>
             </a:r>
           </a:p>
         </p:txBody>
       </p:sp>
       <p:pic>
         <p:nvPicPr>
-          <p:cNvPr id="5" name="Picture 4">
-            <a:extLst>
-              <a:ext uri="{FF2B5EF4-FFF2-40B4-BE49-F238E27FC236}">
-                <a16:creationId xmlns:a16="http://schemas.microsoft.com/office/drawing/2014/main" id="{1986732E-5267-4B74-84B8-2FF632E432F4}"/>
-              </a:ext>
-            </a:extLst>
-          </p:cNvPr>
+          <p:cNvPr id="148" name="Picture 9" descr="Picture 9"/>
           <p:cNvPicPr>
             <a:picLocks noChangeAspect="1"/>
           </p:cNvPicPr>
           <p:nvPr/>
         </p:nvPicPr>
-        <p:blipFill rotWithShape="1">
+        <p:blipFill>
           <a:blip r:embed="rId2">
-            <a:extLst>
-              <a:ext uri="{28A0092B-C50C-407E-A947-70E740481C1C}">
-                <a14:useLocalDpi xmlns:a14="http://schemas.microsoft.com/office/drawing/2010/main" val="0"/>
-              </a:ext>
-            </a:extLst>
+            <a:extLst/>
           </a:blip>
-          <a:srcRect l="1" r="369" b="12396"/>
-          <a:stretch/>
+          <a:stretch>
+            <a:fillRect/>
+          </a:stretch>
         </p:blipFill>
         <p:spPr>
           <a:xfrm>
-            <a:off x="2351382" y="5050905"/>
-            <a:ext cx="3379630" cy="1807095"/>
+            <a:off x="9301467" y="4572000"/>
+            <a:ext cx="2325655" cy="1798797"/>
           </a:xfrm>
           <a:prstGeom prst="rect">
             <a:avLst/>
           </a:prstGeom>
+          <a:ln w="12700">
+            <a:miter lim="400000"/>
+          </a:ln>
         </p:spPr>
       </p:pic>
       <p:pic>
         <p:nvPicPr>
-          <p:cNvPr id="7" name="Picture 6">
-            <a:extLst>
-              <a:ext uri="{FF2B5EF4-FFF2-40B4-BE49-F238E27FC236}">
-                <a16:creationId xmlns:a16="http://schemas.microsoft.com/office/drawing/2014/main" id="{5889C0BD-15AF-4E0B-9DEA-E9AA6A7FEC24}"/>
-              </a:ext>
-            </a:extLst>
-          </p:cNvPr>
+          <p:cNvPr id="149" name="Picture 11" descr="Picture 11"/>
           <p:cNvPicPr>
             <a:picLocks noChangeAspect="1"/>
           </p:cNvPicPr>
           <p:nvPr/>
         </p:nvPicPr>
-        <p:blipFill rotWithShape="1">
+        <p:blipFill>
           <a:blip r:embed="rId3">
-            <a:extLst>
-              <a:ext uri="{28A0092B-C50C-407E-A947-70E740481C1C}">
-                <a14:useLocalDpi xmlns:a14="http://schemas.microsoft.com/office/drawing/2010/main" val="0"/>
-              </a:ext>
-            </a:extLst>
+            <a:extLst/>
           </a:blip>
-          <a:srcRect r="15445" b="-1064"/>
-          <a:stretch/>
+          <a:stretch>
+            <a:fillRect/>
+          </a:stretch>
         </p:blipFill>
         <p:spPr>
           <a:xfrm>
-            <a:off x="7518166" y="2613328"/>
-            <a:ext cx="3871885" cy="4124823"/>
+            <a:off x="8065009" y="129978"/>
+            <a:ext cx="4012189" cy="3734467"/>
           </a:xfrm>
           <a:prstGeom prst="rect">
             <a:avLst/>
           </a:prstGeom>
+          <a:ln w="12700">
+            <a:miter lim="400000"/>
+          </a:ln>
         </p:spPr>
       </p:pic>
+      <p:sp>
+        <p:nvSpPr>
+          <p:cNvPr id="150" name="TextBox 3"/>
+          <p:cNvSpPr txBox="1"/>
+          <p:nvPr/>
+        </p:nvSpPr>
+        <p:spPr>
+          <a:xfrm>
+            <a:off x="8897111" y="6370797"/>
+            <a:ext cx="3225806" cy="239268"/>
+          </a:xfrm>
+          <a:prstGeom prst="rect">
+            <a:avLst/>
+          </a:prstGeom>
+          <a:ln w="12700">
+            <a:miter lim="400000"/>
+          </a:ln>
+          <a:extLst>
+            <a:ext uri="{C572A759-6A51-4108-AA02-DFA0A04FC94B}">
+              <ma14:wrappingTextBoxFlag xmlns:ma14="http://schemas.microsoft.com/office/mac/drawingml/2011/main" val="1"/>
+            </a:ext>
+          </a:extLst>
+        </p:spPr>
+        <p:txBody>
+          <a:bodyPr lIns="45718" tIns="45718" rIns="45718" bIns="45718">
+            <a:spAutoFit/>
+          </a:bodyPr>
+          <a:lstStyle>
+            <a:lvl1pPr algn="ctr">
+              <a:defRPr sz="1100">
+                <a:latin typeface="Arial"/>
+                <a:ea typeface="Arial"/>
+                <a:cs typeface="Arial"/>
+                <a:sym typeface="Arial"/>
+              </a:defRPr>
+            </a:lvl1pPr>
+          </a:lstStyle>
+          <a:p>
+            <a:pPr/>
+            <a:r>
+              <a:t>Wheatstone Bridge with a variable resistor Rx</a:t>
+            </a:r>
+          </a:p>
+        </p:txBody>
+      </p:sp>
+      <p:sp>
+        <p:nvSpPr>
+          <p:cNvPr id="151" name="TextBox 4"/>
+          <p:cNvSpPr txBox="1"/>
+          <p:nvPr/>
+        </p:nvSpPr>
+        <p:spPr>
+          <a:xfrm>
+            <a:off x="8065009" y="3859365"/>
+            <a:ext cx="4012189" cy="239269"/>
+          </a:xfrm>
+          <a:prstGeom prst="rect">
+            <a:avLst/>
+          </a:prstGeom>
+          <a:ln w="12700">
+            <a:miter lim="400000"/>
+          </a:ln>
+          <a:extLst>
+            <a:ext uri="{C572A759-6A51-4108-AA02-DFA0A04FC94B}">
+              <ma14:wrappingTextBoxFlag xmlns:ma14="http://schemas.microsoft.com/office/mac/drawingml/2011/main" val="1"/>
+            </a:ext>
+          </a:extLst>
+        </p:spPr>
+        <p:txBody>
+          <a:bodyPr lIns="45718" tIns="45718" rIns="45718" bIns="45718">
+            <a:spAutoFit/>
+          </a:bodyPr>
+          <a:lstStyle>
+            <a:lvl1pPr algn="ctr">
+              <a:defRPr sz="1100">
+                <a:latin typeface="Arial"/>
+                <a:ea typeface="Arial"/>
+                <a:cs typeface="Arial"/>
+                <a:sym typeface="Arial"/>
+              </a:defRPr>
+            </a:lvl1pPr>
+          </a:lstStyle>
+          <a:p>
+            <a:pPr/>
+            <a:r>
+              <a:t>Breakdown of Force Sensitive Resistor</a:t>
+            </a:r>
+          </a:p>
+        </p:txBody>
+      </p:sp>
+      <p:sp>
+        <p:nvSpPr>
+          <p:cNvPr id="152" name="TextBox 5"/>
+          <p:cNvSpPr txBox="1"/>
+          <p:nvPr/>
+        </p:nvSpPr>
+        <p:spPr>
+          <a:xfrm>
+            <a:off x="5904229" y="5444373"/>
+            <a:ext cx="3157378" cy="702946"/>
+          </a:xfrm>
+          <a:prstGeom prst="rect">
+            <a:avLst/>
+          </a:prstGeom>
+          <a:ln w="12700">
+            <a:miter lim="400000"/>
+          </a:ln>
+        </p:spPr>
+        <p:txBody>
+          <a:bodyPr wrap="none" lIns="0" tIns="0" rIns="0" bIns="0">
+            <a:spAutoFit/>
+          </a:bodyPr>
+          <a:lstStyle/>
+          <a:p>
+            <a:pPr latinLnBrk="1">
+              <a:defRPr>
+                <a:solidFill>
+                  <a:srgbClr val="000000"/>
+                </a:solidFill>
+              </a:defRPr>
+            </a:pPr>
+            <a14:m>
+              <m:oMathPara>
+                <m:oMathParaPr>
+                  <m:jc m:val="centerGroup"/>
+                </m:oMathParaPr>
+                <m:oMath>
+                  <m:sSub>
+                    <m:e>
+                      <m:r>
+                        <a:rPr xmlns:a="http://schemas.openxmlformats.org/drawingml/2006/main" sz="1800" i="1">
+                          <a:solidFill>
+                            <a:srgbClr val="1A9988"/>
+                          </a:solidFill>
+                          <a:latin typeface="Cambria Math" panose="02040503050406030204" pitchFamily="18" charset="0"/>
+                        </a:rPr>
+                        <m:t>𝑉</m:t>
+                      </m:r>
+                    </m:e>
+                    <m:sub>
+                      <m:r>
+                        <a:rPr xmlns:a="http://schemas.openxmlformats.org/drawingml/2006/main" sz="1800" i="1">
+                          <a:solidFill>
+                            <a:srgbClr val="1A9988"/>
+                          </a:solidFill>
+                          <a:latin typeface="Cambria Math" panose="02040503050406030204" pitchFamily="18" charset="0"/>
+                        </a:rPr>
+                        <m:t>𝐺</m:t>
+                      </m:r>
+                    </m:sub>
+                  </m:sSub>
+                  <m:r>
+                    <a:rPr xmlns:a="http://schemas.openxmlformats.org/drawingml/2006/main" sz="1800" i="1">
+                      <a:solidFill>
+                        <a:srgbClr val="1A9988"/>
+                      </a:solidFill>
+                      <a:latin typeface="Cambria Math" panose="02040503050406030204" pitchFamily="18" charset="0"/>
+                    </a:rPr>
+                    <m:t>=</m:t>
+                  </m:r>
+                  <m:sSub>
+                    <m:e>
+                      <m:r>
+                        <a:rPr xmlns:a="http://schemas.openxmlformats.org/drawingml/2006/main" sz="1800" i="1">
+                          <a:solidFill>
+                            <a:srgbClr val="1A9988"/>
+                          </a:solidFill>
+                          <a:latin typeface="Cambria Math" panose="02040503050406030204" pitchFamily="18" charset="0"/>
+                        </a:rPr>
+                        <m:t>𝑉</m:t>
+                      </m:r>
+                    </m:e>
+                    <m:sub>
+                      <m:r>
+                        <a:rPr xmlns:a="http://schemas.openxmlformats.org/drawingml/2006/main" sz="1800" i="1">
+                          <a:solidFill>
+                            <a:srgbClr val="1A9988"/>
+                          </a:solidFill>
+                          <a:latin typeface="Cambria Math" panose="02040503050406030204" pitchFamily="18" charset="0"/>
+                        </a:rPr>
+                        <m:t>𝑅</m:t>
+                      </m:r>
+                      <m:r>
+                        <a:rPr xmlns:a="http://schemas.openxmlformats.org/drawingml/2006/main" sz="1800" i="1">
+                          <a:solidFill>
+                            <a:srgbClr val="1A9988"/>
+                          </a:solidFill>
+                          <a:latin typeface="Cambria Math" panose="02040503050406030204" pitchFamily="18" charset="0"/>
+                        </a:rPr>
+                        <m:t>𝑒</m:t>
+                      </m:r>
+                      <m:r>
+                        <a:rPr xmlns:a="http://schemas.openxmlformats.org/drawingml/2006/main" sz="1800" i="1">
+                          <a:solidFill>
+                            <a:srgbClr val="1A9988"/>
+                          </a:solidFill>
+                          <a:latin typeface="Cambria Math" panose="02040503050406030204" pitchFamily="18" charset="0"/>
+                        </a:rPr>
+                        <m:t>𝑓</m:t>
+                      </m:r>
+                    </m:sub>
+                  </m:sSub>
+                  <m:d>
+                    <m:dPr>
+                      <m:ctrlPr>
+                        <a:rPr xmlns:a="http://schemas.openxmlformats.org/drawingml/2006/main" sz="1800" i="1">
+                          <a:solidFill>
+                            <a:srgbClr val="1A9988"/>
+                          </a:solidFill>
+                          <a:latin typeface="Cambria Math" panose="02040503050406030204" pitchFamily="18" charset="0"/>
+                        </a:rPr>
+                      </m:ctrlPr>
+                    </m:dPr>
+                    <m:e>
+                      <m:f>
+                        <m:fPr>
+                          <m:ctrlPr>
+                            <a:rPr xmlns:a="http://schemas.openxmlformats.org/drawingml/2006/main" sz="1800" i="1">
+                              <a:solidFill>
+                                <a:srgbClr val="1A9988"/>
+                              </a:solidFill>
+                              <a:latin typeface="Cambria Math" panose="02040503050406030204" pitchFamily="18" charset="0"/>
+                            </a:rPr>
+                          </m:ctrlPr>
+                          <m:type m:val="bar"/>
+                        </m:fPr>
+                        <m:num>
+                          <m:sSub>
+                            <m:e>
+                              <m:r>
+                                <a:rPr xmlns:a="http://schemas.openxmlformats.org/drawingml/2006/main" sz="1800" i="1">
+                                  <a:solidFill>
+                                    <a:srgbClr val="1A9988"/>
+                                  </a:solidFill>
+                                  <a:latin typeface="Cambria Math" panose="02040503050406030204" pitchFamily="18" charset="0"/>
+                                </a:rPr>
+                                <m:t>𝑅</m:t>
+                              </m:r>
+                            </m:e>
+                            <m:sub>
+                              <m:r>
+                                <a:rPr xmlns:a="http://schemas.openxmlformats.org/drawingml/2006/main" sz="1800" i="1">
+                                  <a:solidFill>
+                                    <a:srgbClr val="1A9988"/>
+                                  </a:solidFill>
+                                  <a:latin typeface="Cambria Math" panose="02040503050406030204" pitchFamily="18" charset="0"/>
+                                </a:rPr>
+                                <m:t>4</m:t>
+                              </m:r>
+                            </m:sub>
+                          </m:sSub>
+                        </m:num>
+                        <m:den>
+                          <m:sSub>
+                            <m:e>
+                              <m:r>
+                                <a:rPr xmlns:a="http://schemas.openxmlformats.org/drawingml/2006/main" sz="1800" i="1">
+                                  <a:solidFill>
+                                    <a:srgbClr val="1A9988"/>
+                                  </a:solidFill>
+                                  <a:latin typeface="Cambria Math" panose="02040503050406030204" pitchFamily="18" charset="0"/>
+                                </a:rPr>
+                                <m:t>𝑅</m:t>
+                              </m:r>
+                            </m:e>
+                            <m:sub>
+                              <m:r>
+                                <a:rPr xmlns:a="http://schemas.openxmlformats.org/drawingml/2006/main" sz="1800" i="1">
+                                  <a:solidFill>
+                                    <a:srgbClr val="1A9988"/>
+                                  </a:solidFill>
+                                  <a:latin typeface="Cambria Math" panose="02040503050406030204" pitchFamily="18" charset="0"/>
+                                </a:rPr>
+                                <m:t>2</m:t>
+                              </m:r>
+                            </m:sub>
+                          </m:sSub>
+                          <m:r>
+                            <a:rPr xmlns:a="http://schemas.openxmlformats.org/drawingml/2006/main" sz="1800" i="1">
+                              <a:solidFill>
+                                <a:srgbClr val="1A9988"/>
+                              </a:solidFill>
+                              <a:latin typeface="Cambria Math" panose="02040503050406030204" pitchFamily="18" charset="0"/>
+                            </a:rPr>
+                            <m:t>+</m:t>
+                          </m:r>
+                          <m:sSub>
+                            <m:e>
+                              <m:r>
+                                <a:rPr xmlns:a="http://schemas.openxmlformats.org/drawingml/2006/main" sz="1800" i="1">
+                                  <a:solidFill>
+                                    <a:srgbClr val="1A9988"/>
+                                  </a:solidFill>
+                                  <a:latin typeface="Cambria Math" panose="02040503050406030204" pitchFamily="18" charset="0"/>
+                                </a:rPr>
+                                <m:t>𝑅</m:t>
+                              </m:r>
+                            </m:e>
+                            <m:sub>
+                              <m:r>
+                                <a:rPr xmlns:a="http://schemas.openxmlformats.org/drawingml/2006/main" sz="1800" i="1">
+                                  <a:solidFill>
+                                    <a:srgbClr val="1A9988"/>
+                                  </a:solidFill>
+                                  <a:latin typeface="Cambria Math" panose="02040503050406030204" pitchFamily="18" charset="0"/>
+                                </a:rPr>
+                                <m:t>4</m:t>
+                              </m:r>
+                            </m:sub>
+                          </m:sSub>
+                        </m:den>
+                      </m:f>
+                      <m:r>
+                        <a:rPr xmlns:a="http://schemas.openxmlformats.org/drawingml/2006/main" sz="1800" i="1">
+                          <a:solidFill>
+                            <a:srgbClr val="1A9988"/>
+                          </a:solidFill>
+                          <a:latin typeface="Cambria Math" panose="02040503050406030204" pitchFamily="18" charset="0"/>
+                        </a:rPr>
+                        <m:t>−</m:t>
+                      </m:r>
+                      <m:f>
+                        <m:fPr>
+                          <m:ctrlPr>
+                            <a:rPr xmlns:a="http://schemas.openxmlformats.org/drawingml/2006/main" sz="1800" i="1">
+                              <a:solidFill>
+                                <a:srgbClr val="1A9988"/>
+                              </a:solidFill>
+                              <a:latin typeface="Cambria Math" panose="02040503050406030204" pitchFamily="18" charset="0"/>
+                            </a:rPr>
+                          </m:ctrlPr>
+                          <m:type m:val="bar"/>
+                        </m:fPr>
+                        <m:num>
+                          <m:sSub>
+                            <m:e>
+                              <m:r>
+                                <a:rPr xmlns:a="http://schemas.openxmlformats.org/drawingml/2006/main" sz="1800" i="1">
+                                  <a:solidFill>
+                                    <a:srgbClr val="1A9988"/>
+                                  </a:solidFill>
+                                  <a:latin typeface="Cambria Math" panose="02040503050406030204" pitchFamily="18" charset="0"/>
+                                </a:rPr>
+                                <m:t>𝑅</m:t>
+                              </m:r>
+                            </m:e>
+                            <m:sub>
+                              <m:r>
+                                <a:rPr xmlns:a="http://schemas.openxmlformats.org/drawingml/2006/main" sz="1800" i="1">
+                                  <a:solidFill>
+                                    <a:srgbClr val="1A9988"/>
+                                  </a:solidFill>
+                                  <a:latin typeface="Cambria Math" panose="02040503050406030204" pitchFamily="18" charset="0"/>
+                                </a:rPr>
+                                <m:t>𝑥</m:t>
+                              </m:r>
+                            </m:sub>
+                          </m:sSub>
+                        </m:num>
+                        <m:den>
+                          <m:sSub>
+                            <m:e>
+                              <m:r>
+                                <a:rPr xmlns:a="http://schemas.openxmlformats.org/drawingml/2006/main" sz="1800" i="1">
+                                  <a:solidFill>
+                                    <a:srgbClr val="1A9988"/>
+                                  </a:solidFill>
+                                  <a:latin typeface="Cambria Math" panose="02040503050406030204" pitchFamily="18" charset="0"/>
+                                </a:rPr>
+                                <m:t>𝑅</m:t>
+                              </m:r>
+                            </m:e>
+                            <m:sub>
+                              <m:r>
+                                <a:rPr xmlns:a="http://schemas.openxmlformats.org/drawingml/2006/main" sz="1800" i="1">
+                                  <a:solidFill>
+                                    <a:srgbClr val="1A9988"/>
+                                  </a:solidFill>
+                                  <a:latin typeface="Cambria Math" panose="02040503050406030204" pitchFamily="18" charset="0"/>
+                                </a:rPr>
+                                <m:t>3</m:t>
+                              </m:r>
+                            </m:sub>
+                          </m:sSub>
+                          <m:r>
+                            <a:rPr xmlns:a="http://schemas.openxmlformats.org/drawingml/2006/main" sz="1800" i="1">
+                              <a:solidFill>
+                                <a:srgbClr val="1A9988"/>
+                              </a:solidFill>
+                              <a:latin typeface="Cambria Math" panose="02040503050406030204" pitchFamily="18" charset="0"/>
+                            </a:rPr>
+                            <m:t>+</m:t>
+                          </m:r>
+                          <m:sSub>
+                            <m:e>
+                              <m:r>
+                                <a:rPr xmlns:a="http://schemas.openxmlformats.org/drawingml/2006/main" sz="1800" i="1">
+                                  <a:solidFill>
+                                    <a:srgbClr val="1A9988"/>
+                                  </a:solidFill>
+                                  <a:latin typeface="Cambria Math" panose="02040503050406030204" pitchFamily="18" charset="0"/>
+                                </a:rPr>
+                                <m:t>𝑅</m:t>
+                              </m:r>
+                            </m:e>
+                            <m:sub>
+                              <m:r>
+                                <a:rPr xmlns:a="http://schemas.openxmlformats.org/drawingml/2006/main" sz="1800" i="1">
+                                  <a:solidFill>
+                                    <a:srgbClr val="1A9988"/>
+                                  </a:solidFill>
+                                  <a:latin typeface="Cambria Math" panose="02040503050406030204" pitchFamily="18" charset="0"/>
+                                </a:rPr>
+                                <m:t>𝑥</m:t>
+                              </m:r>
+                            </m:sub>
+                          </m:sSub>
+                        </m:den>
+                      </m:f>
+                    </m:e>
+                  </m:d>
+                </m:oMath>
+              </m:oMathPara>
+            </a14:m>
+            <a:endParaRPr>
+              <a:solidFill>
+                <a:srgbClr val="1A9988"/>
+              </a:solidFill>
+            </a:endParaRPr>
+          </a:p>
+        </p:txBody>
+      </p:sp>
     </p:spTree>
-    <p:extLst>
-      <p:ext uri="{BB962C8B-B14F-4D97-AF65-F5344CB8AC3E}">
-        <p14:creationId xmlns:p14="http://schemas.microsoft.com/office/powerpoint/2010/main" val="516964015"/>
-      </p:ext>
-    </p:extLst>
   </p:cSld>
   <p:clrMapOvr>
     <a:masterClrMapping/>
   </p:clrMapOvr>
-  <p:transition spd="med"/>
+  <p:transition xmlns:p14="http://schemas.microsoft.com/office/powerpoint/2010/main" spd="med" advClick="1"/>
 </p:sld>
 </file>
 
-<file path=ppt/slides/slide8.xml><?xml version="1.0" encoding="utf-8"?>
-<p:sld xmlns:a="http://schemas.openxmlformats.org/drawingml/2006/main" xmlns:r="http://schemas.openxmlformats.org/officeDocument/2006/relationships" xmlns:p="http://schemas.openxmlformats.org/presentationml/2006/main">
+<file path=ppt/slides/slide7.xml><?xml version="1.0" encoding="utf-8"?>
+<p:sld xmlns:a="http://schemas.openxmlformats.org/drawingml/2006/main" xmlns:r="http://schemas.openxmlformats.org/officeDocument/2006/relationships" xmlns:p="http://schemas.openxmlformats.org/presentationml/2006/main" xmlns:m="http://schemas.openxmlformats.org/officeDocument/2006/math" xmlns:a14="http://schemas.microsoft.com/office/drawing/2010/main" showMasterSp="1" showMasterPhAnim="1">
   <p:cSld>
     <p:spTree>
       <p:nvGrpSpPr>
@@ -5237,73 +6611,537 @@
       </p:grpSpPr>
       <p:sp>
         <p:nvSpPr>
-          <p:cNvPr id="2" name="Title 1">
-            <a:extLst>
-              <a:ext uri="{FF2B5EF4-FFF2-40B4-BE49-F238E27FC236}">
-                <a16:creationId xmlns:a16="http://schemas.microsoft.com/office/drawing/2014/main" id="{4848E6D0-1F8A-455D-AFD3-64A4D88F6C46}"/>
-              </a:ext>
-            </a:extLst>
-          </p:cNvPr>
-          <p:cNvSpPr>
-            <a:spLocks noGrp="1"/>
-          </p:cNvSpPr>
+          <p:cNvPr id="154" name="Title 1"/>
+          <p:cNvSpPr txBox="1"/>
           <p:nvPr>
             <p:ph type="title"/>
           </p:nvPr>
         </p:nvSpPr>
-        <p:spPr/>
+        <p:spPr>
+          <a:xfrm>
+            <a:off x="972600" y="1758200"/>
+            <a:ext cx="5549942" cy="713602"/>
+          </a:xfrm>
+          <a:prstGeom prst="rect">
+            <a:avLst/>
+          </a:prstGeom>
+        </p:spPr>
         <p:txBody>
           <a:bodyPr/>
           <a:lstStyle/>
           <a:p>
-            <a:r>
-              <a:rPr lang="en-US" dirty="0"/>
-              <a:t>Detailed Block Diagram [Bin]</a:t>
+            <a:pPr/>
+            <a:r>
+              <a:t>Pong Game</a:t>
             </a:r>
           </a:p>
         </p:txBody>
       </p:sp>
       <p:sp>
         <p:nvSpPr>
-          <p:cNvPr id="3" name="Text Placeholder 2">
-            <a:extLst>
-              <a:ext uri="{FF2B5EF4-FFF2-40B4-BE49-F238E27FC236}">
-                <a16:creationId xmlns:a16="http://schemas.microsoft.com/office/drawing/2014/main" id="{CB0228E2-EB34-4EFA-9FD6-234EE40B06D7}"/>
-              </a:ext>
-            </a:extLst>
-          </p:cNvPr>
-          <p:cNvSpPr>
-            <a:spLocks noGrp="1"/>
-          </p:cNvSpPr>
+          <p:cNvPr id="155" name="Text Placeholder 2"/>
+          <p:cNvSpPr txBox="1"/>
           <p:nvPr>
             <p:ph type="body" sz="half" idx="1"/>
           </p:nvPr>
         </p:nvSpPr>
-        <p:spPr/>
+        <p:spPr>
+          <a:xfrm>
+            <a:off x="652290" y="2573357"/>
+            <a:ext cx="7623031" cy="3304117"/>
+          </a:xfrm>
+          <a:prstGeom prst="rect">
+            <a:avLst/>
+          </a:prstGeom>
+        </p:spPr>
         <p:txBody>
           <a:bodyPr/>
           <a:lstStyle/>
           <a:p>
-            <a:endParaRPr lang="en-US"/>
+            <a:pPr>
+              <a:buSzPts val="1400"/>
+              <a:defRPr sz="1400"/>
+            </a:pPr>
+            <a:r>
+              <a:t>How did we change the game?</a:t>
+            </a:r>
+          </a:p>
+          <a:p>
+            <a:pPr lvl="1">
+              <a:buSzPts val="1400"/>
+              <a:buFont typeface="Courier New"/>
+              <a:buChar char="o"/>
+              <a:defRPr sz="1400"/>
+            </a:pPr>
+            <a:r>
+              <a:t>We need to pass the analog signal to the game.  </a:t>
+            </a:r>
+          </a:p>
+          <a:p>
+            <a:pPr lvl="1">
+              <a:buSzPts val="1400"/>
+              <a:buFont typeface="Courier New"/>
+              <a:buChar char="o"/>
+              <a:defRPr sz="1400"/>
+            </a:pPr>
+            <a:r>
+              <a:t>Replaced the original input</a:t>
+            </a:r>
+            <a:r>
+              <a:t> </a:t>
+            </a:r>
+            <a:r>
+              <a:t>buttons with with the analog signal from the ADC.</a:t>
+            </a:r>
+            <a:r>
+              <a:t> </a:t>
+            </a:r>
+          </a:p>
+          <a:p>
+            <a:pPr lvl="1">
+              <a:buSzPts val="1400"/>
+              <a:buFont typeface="Courier New"/>
+              <a:buChar char="o"/>
+              <a:defRPr sz="1400"/>
+            </a:pPr>
+            <a:r>
+              <a:t>Added replay button for capturing the last image before game over. </a:t>
+            </a:r>
+          </a:p>
+          <a:p>
+            <a:pPr lvl="1">
+              <a:buSzPts val="1400"/>
+              <a:buFont typeface="Courier New"/>
+              <a:buChar char="o"/>
+              <a:defRPr sz="1400"/>
+            </a:pPr>
+            <a:r>
+              <a:t>Capturing the end game signal to VGA.</a:t>
+            </a:r>
+          </a:p>
+          <a:p>
+            <a:pPr lvl="1">
+              <a:buSzPts val="1400"/>
+              <a:buFont typeface="Courier New"/>
+              <a:buChar char="o"/>
+              <a:defRPr sz="1400"/>
+            </a:pPr>
+            <a:r>
+              <a:t>Getting</a:t>
+            </a:r>
+            <a:r>
+              <a:t> </a:t>
+            </a:r>
+            <a:r>
+              <a:t>the</a:t>
+            </a:r>
+            <a:r>
+              <a:t> </a:t>
+            </a:r>
+            <a:r>
+              <a:t>speed</a:t>
+            </a:r>
+            <a:r>
+              <a:t> </a:t>
+            </a:r>
+            <a:r>
+              <a:t>signal</a:t>
+            </a:r>
+            <a:r>
+              <a:t> </a:t>
+            </a:r>
+            <a:r>
+              <a:t>from</a:t>
+            </a:r>
+            <a:r>
+              <a:t> </a:t>
+            </a:r>
+            <a:r>
+              <a:t>ADC</a:t>
+            </a:r>
+            <a:r>
+              <a:t> </a:t>
+            </a:r>
+            <a:r>
+              <a:t>to</a:t>
+            </a:r>
+            <a:r>
+              <a:t> </a:t>
+            </a:r>
+            <a:r>
+              <a:t>control</a:t>
+            </a:r>
+            <a:r>
+              <a:t> </a:t>
+            </a:r>
+            <a:r>
+              <a:t>the</a:t>
+            </a:r>
+            <a:r>
+              <a:t> </a:t>
+            </a:r>
+            <a:r>
+              <a:t>speed</a:t>
+            </a:r>
+            <a:r>
+              <a:t> </a:t>
+            </a:r>
+            <a:r>
+              <a:t>of</a:t>
+            </a:r>
+            <a:r>
+              <a:t> </a:t>
+            </a:r>
+            <a:r>
+              <a:t>paddle</a:t>
+            </a:r>
+            <a:r>
+              <a:t> </a:t>
+            </a:r>
+            <a:r>
+              <a:t>movement.</a:t>
+            </a:r>
+            <a:r>
+              <a:t> </a:t>
+            </a:r>
+          </a:p>
+          <a:p>
+            <a:pPr marL="0" indent="194729">
+              <a:buSzTx/>
+              <a:buNone/>
+              <a:defRPr sz="1400"/>
+            </a:pPr>
+            <a:r>
+              <a:t>         </a:t>
+            </a:r>
+            <a:r>
+              <a:t>    </a:t>
+            </a:r>
+          </a:p>
+          <a:p>
+            <a:pPr>
+              <a:buSzPts val="1400"/>
+              <a:defRPr sz="1400"/>
+            </a:pPr>
+            <a:r>
+              <a:t>How do we use the output of the ADC</a:t>
+            </a:r>
+          </a:p>
+          <a:p>
+            <a:pPr lvl="1">
+              <a:buSzPts val="1400"/>
+              <a:buFont typeface="Courier New"/>
+              <a:buChar char="o"/>
+              <a:defRPr sz="1400"/>
+            </a:pPr>
+            <a:r>
+              <a:t>There</a:t>
+            </a:r>
+            <a:r>
+              <a:t> </a:t>
+            </a:r>
+            <a:r>
+              <a:t>is</a:t>
+            </a:r>
+            <a:r>
+              <a:t> </a:t>
+            </a:r>
+            <a:r>
+              <a:t>only one</a:t>
+            </a:r>
+            <a:r>
+              <a:t> </a:t>
+            </a:r>
+            <a:r>
+              <a:t>analog</a:t>
+            </a:r>
+            <a:r>
+              <a:t> </a:t>
+            </a:r>
+            <a:r>
+              <a:t>output</a:t>
+            </a:r>
+            <a:r>
+              <a:t> </a:t>
+            </a:r>
+            <a:r>
+              <a:t>each</a:t>
+            </a:r>
+            <a:r>
+              <a:t> </a:t>
+            </a:r>
+            <a:r>
+              <a:t>time.</a:t>
+            </a:r>
+            <a:r>
+              <a:t> </a:t>
+            </a:r>
+            <a:r>
+              <a:t>The signal is passed to the Analog2Game. Analog2Game will pass the direction to the game.</a:t>
+            </a:r>
           </a:p>
         </p:txBody>
       </p:sp>
+      <p:pic>
+        <p:nvPicPr>
+          <p:cNvPr id="156" name="Picture 2" descr="Picture 2"/>
+          <p:cNvPicPr>
+            <a:picLocks noChangeAspect="1"/>
+          </p:cNvPicPr>
+          <p:nvPr/>
+        </p:nvPicPr>
+        <p:blipFill>
+          <a:blip r:embed="rId2">
+            <a:extLst/>
+          </a:blip>
+          <a:stretch>
+            <a:fillRect/>
+          </a:stretch>
+        </p:blipFill>
+        <p:spPr>
+          <a:xfrm>
+            <a:off x="7909372" y="634053"/>
+            <a:ext cx="4067421" cy="2399265"/>
+          </a:xfrm>
+          <a:prstGeom prst="rect">
+            <a:avLst/>
+          </a:prstGeom>
+          <a:ln w="12700">
+            <a:miter lim="400000"/>
+          </a:ln>
+        </p:spPr>
+      </p:pic>
+      <p:pic>
+        <p:nvPicPr>
+          <p:cNvPr id="157" name="Picture 4" descr="Picture 4"/>
+          <p:cNvPicPr>
+            <a:picLocks noChangeAspect="1"/>
+          </p:cNvPicPr>
+          <p:nvPr/>
+        </p:nvPicPr>
+        <p:blipFill>
+          <a:blip r:embed="rId3">
+            <a:extLst/>
+          </a:blip>
+          <a:srcRect l="7479" t="9301" r="9100" b="11370"/>
+          <a:stretch>
+            <a:fillRect/>
+          </a:stretch>
+        </p:blipFill>
+        <p:spPr>
+          <a:xfrm>
+            <a:off x="5641847" y="5140252"/>
+            <a:ext cx="3374138" cy="1612025"/>
+          </a:xfrm>
+          <a:prstGeom prst="rect">
+            <a:avLst/>
+          </a:prstGeom>
+          <a:ln w="12700">
+            <a:miter lim="400000"/>
+          </a:ln>
+        </p:spPr>
+      </p:pic>
+      <p:pic>
+        <p:nvPicPr>
+          <p:cNvPr id="158" name="Picture 6" descr="Picture 6"/>
+          <p:cNvPicPr>
+            <a:picLocks noChangeAspect="1"/>
+          </p:cNvPicPr>
+          <p:nvPr/>
+        </p:nvPicPr>
+        <p:blipFill>
+          <a:blip r:embed="rId4">
+            <a:extLst/>
+          </a:blip>
+          <a:stretch>
+            <a:fillRect/>
+          </a:stretch>
+        </p:blipFill>
+        <p:spPr>
+          <a:xfrm>
+            <a:off x="9015985" y="3041145"/>
+            <a:ext cx="3084576" cy="3711132"/>
+          </a:xfrm>
+          <a:prstGeom prst="rect">
+            <a:avLst/>
+          </a:prstGeom>
+          <a:ln w="12700">
+            <a:miter lim="400000"/>
+          </a:ln>
+        </p:spPr>
+      </p:pic>
     </p:spTree>
-    <p:extLst>
-      <p:ext uri="{BB962C8B-B14F-4D97-AF65-F5344CB8AC3E}">
-        <p14:creationId xmlns:p14="http://schemas.microsoft.com/office/powerpoint/2010/main" val="3053318514"/>
-      </p:ext>
-    </p:extLst>
   </p:cSld>
   <p:clrMapOvr>
     <a:masterClrMapping/>
   </p:clrMapOvr>
-  <p:transition spd="med"/>
+  <p:transition xmlns:p14="http://schemas.microsoft.com/office/powerpoint/2010/main" spd="med" advClick="1"/>
+</p:sld>
+</file>
+
+<file path=ppt/slides/slide8.xml><?xml version="1.0" encoding="utf-8"?>
+<p:sld xmlns:a="http://schemas.openxmlformats.org/drawingml/2006/main" xmlns:r="http://schemas.openxmlformats.org/officeDocument/2006/relationships" xmlns:p="http://schemas.openxmlformats.org/presentationml/2006/main" xmlns:m="http://schemas.openxmlformats.org/officeDocument/2006/math" xmlns:a14="http://schemas.microsoft.com/office/drawing/2010/main" showMasterSp="1" showMasterPhAnim="1">
+  <p:cSld>
+    <p:spTree>
+      <p:nvGrpSpPr>
+        <p:cNvPr id="1" name=""/>
+        <p:cNvGrpSpPr/>
+        <p:nvPr/>
+      </p:nvGrpSpPr>
+      <p:grpSpPr>
+        <a:xfrm>
+          <a:off x="0" y="0"/>
+          <a:ext cx="0" cy="0"/>
+          <a:chOff x="0" y="0"/>
+          <a:chExt cx="0" cy="0"/>
+        </a:xfrm>
+      </p:grpSpPr>
+      <p:pic>
+        <p:nvPicPr>
+          <p:cNvPr id="160" name="Picture 4" descr="Picture 4"/>
+          <p:cNvPicPr>
+            <a:picLocks noChangeAspect="1"/>
+          </p:cNvPicPr>
+          <p:nvPr/>
+        </p:nvPicPr>
+        <p:blipFill>
+          <a:blip r:embed="rId2">
+            <a:extLst/>
+          </a:blip>
+          <a:stretch>
+            <a:fillRect/>
+          </a:stretch>
+        </p:blipFill>
+        <p:spPr>
+          <a:xfrm>
+            <a:off x="357839" y="3997931"/>
+            <a:ext cx="8575849" cy="2844874"/>
+          </a:xfrm>
+          <a:prstGeom prst="rect">
+            <a:avLst/>
+          </a:prstGeom>
+          <a:ln w="12700">
+            <a:miter lim="400000"/>
+          </a:ln>
+        </p:spPr>
+      </p:pic>
+      <p:sp>
+        <p:nvSpPr>
+          <p:cNvPr id="161" name="Title 1"/>
+          <p:cNvSpPr txBox="1"/>
+          <p:nvPr>
+            <p:ph type="title"/>
+          </p:nvPr>
+        </p:nvSpPr>
+        <p:spPr>
+          <a:xfrm>
+            <a:off x="972600" y="1758200"/>
+            <a:ext cx="10251600" cy="713602"/>
+          </a:xfrm>
+          <a:prstGeom prst="rect">
+            <a:avLst/>
+          </a:prstGeom>
+        </p:spPr>
+        <p:txBody>
+          <a:bodyPr/>
+          <a:lstStyle/>
+          <a:p>
+            <a:pPr/>
+            <a:r>
+              <a:t>VGA Controller</a:t>
+            </a:r>
+          </a:p>
+        </p:txBody>
+      </p:sp>
+      <p:sp>
+        <p:nvSpPr>
+          <p:cNvPr id="162" name="Text Placeholder 2"/>
+          <p:cNvSpPr txBox="1"/>
+          <p:nvPr>
+            <p:ph type="body" sz="half" idx="1"/>
+          </p:nvPr>
+        </p:nvSpPr>
+        <p:spPr>
+          <a:xfrm>
+            <a:off x="454379" y="2702176"/>
+            <a:ext cx="6037862" cy="3014803"/>
+          </a:xfrm>
+          <a:prstGeom prst="rect">
+            <a:avLst/>
+          </a:prstGeom>
+        </p:spPr>
+        <p:txBody>
+          <a:bodyPr/>
+          <a:lstStyle/>
+          <a:p>
+            <a:pPr>
+              <a:buSzPts val="1400"/>
+              <a:defRPr sz="1400"/>
+            </a:pPr>
+            <a:r>
+              <a:t>We also need to replay the last frame of game</a:t>
+            </a:r>
+          </a:p>
+          <a:p>
+            <a:pPr>
+              <a:buSzPts val="1400"/>
+              <a:defRPr sz="1400"/>
+            </a:pPr>
+            <a:r>
+              <a:t>Capture the position of paddle and square, send it to the VGA</a:t>
+            </a:r>
+          </a:p>
+          <a:p>
+            <a:pPr>
+              <a:buSzPts val="1400"/>
+              <a:defRPr sz="1400"/>
+            </a:pPr>
+            <a:r>
+              <a:t>Using mode switch to show the image we capture from the game</a:t>
+            </a:r>
+          </a:p>
+        </p:txBody>
+      </p:sp>
+      <p:pic>
+        <p:nvPicPr>
+          <p:cNvPr id="163" name="Picture 2" descr="Picture 2"/>
+          <p:cNvPicPr>
+            <a:picLocks noChangeAspect="1"/>
+          </p:cNvPicPr>
+          <p:nvPr/>
+        </p:nvPicPr>
+        <p:blipFill>
+          <a:blip r:embed="rId3">
+            <a:extLst/>
+          </a:blip>
+          <a:stretch>
+            <a:fillRect/>
+          </a:stretch>
+        </p:blipFill>
+        <p:spPr>
+          <a:xfrm>
+            <a:off x="6378469" y="690245"/>
+            <a:ext cx="5681032" cy="3778251"/>
+          </a:xfrm>
+          <a:prstGeom prst="rect">
+            <a:avLst/>
+          </a:prstGeom>
+          <a:ln w="12700">
+            <a:miter lim="400000"/>
+          </a:ln>
+        </p:spPr>
+      </p:pic>
+    </p:spTree>
+  </p:cSld>
+  <p:clrMapOvr>
+    <a:masterClrMapping/>
+  </p:clrMapOvr>
+  <p:transition xmlns:p14="http://schemas.microsoft.com/office/powerpoint/2010/main" spd="med" advClick="1"/>
 </p:sld>
 </file>
 
 <file path=ppt/slides/slide9.xml><?xml version="1.0" encoding="utf-8"?>
-<p:sld xmlns:a="http://schemas.openxmlformats.org/drawingml/2006/main" xmlns:r="http://schemas.openxmlformats.org/officeDocument/2006/relationships" xmlns:p="http://schemas.openxmlformats.org/presentationml/2006/main">
+<p:sld xmlns:a="http://schemas.openxmlformats.org/drawingml/2006/main" xmlns:r="http://schemas.openxmlformats.org/officeDocument/2006/relationships" xmlns:p="http://schemas.openxmlformats.org/presentationml/2006/main" xmlns:m="http://schemas.openxmlformats.org/officeDocument/2006/math" xmlns:a14="http://schemas.microsoft.com/office/drawing/2010/main" showMasterSp="1" showMasterPhAnim="1">
   <p:cSld>
     <p:spTree>
       <p:nvGrpSpPr>
@@ -5321,122 +7159,183 @@
       </p:grpSpPr>
       <p:sp>
         <p:nvSpPr>
-          <p:cNvPr id="2" name="Title 1">
-            <a:extLst>
-              <a:ext uri="{FF2B5EF4-FFF2-40B4-BE49-F238E27FC236}">
-                <a16:creationId xmlns:a16="http://schemas.microsoft.com/office/drawing/2014/main" id="{200D8DF6-F784-4F6E-8355-DCA9B3C6A74C}"/>
-              </a:ext>
-            </a:extLst>
-          </p:cNvPr>
-          <p:cNvSpPr>
-            <a:spLocks noGrp="1"/>
-          </p:cNvSpPr>
+          <p:cNvPr id="165" name="Title 1"/>
+          <p:cNvSpPr txBox="1"/>
           <p:nvPr>
             <p:ph type="title"/>
           </p:nvPr>
         </p:nvSpPr>
-        <p:spPr/>
+        <p:spPr>
+          <a:xfrm>
+            <a:off x="972600" y="1758200"/>
+            <a:ext cx="10251600" cy="713602"/>
+          </a:xfrm>
+          <a:prstGeom prst="rect">
+            <a:avLst/>
+          </a:prstGeom>
+        </p:spPr>
         <p:txBody>
           <a:bodyPr/>
           <a:lstStyle/>
           <a:p>
-            <a:r>
-              <a:rPr lang="en-US" dirty="0"/>
-              <a:t>Verilog Example [Conor]</a:t>
+            <a:pPr/>
+            <a:r>
+              <a:t>Memory</a:t>
             </a:r>
           </a:p>
         </p:txBody>
       </p:sp>
       <p:sp>
         <p:nvSpPr>
-          <p:cNvPr id="3" name="Text Placeholder 2">
-            <a:extLst>
-              <a:ext uri="{FF2B5EF4-FFF2-40B4-BE49-F238E27FC236}">
-                <a16:creationId xmlns:a16="http://schemas.microsoft.com/office/drawing/2014/main" id="{45B15F33-002C-459E-8BA3-897CD52D3A59}"/>
-              </a:ext>
-            </a:extLst>
-          </p:cNvPr>
-          <p:cNvSpPr>
-            <a:spLocks noGrp="1"/>
-          </p:cNvSpPr>
+          <p:cNvPr id="166" name="Text Placeholder 2"/>
+          <p:cNvSpPr txBox="1"/>
           <p:nvPr>
             <p:ph type="body" sz="half" idx="1"/>
           </p:nvPr>
         </p:nvSpPr>
-        <p:spPr/>
+        <p:spPr>
+          <a:xfrm>
+            <a:off x="972600" y="2771831"/>
+            <a:ext cx="10251600" cy="3014803"/>
+          </a:xfrm>
+          <a:prstGeom prst="rect">
+            <a:avLst/>
+          </a:prstGeom>
+        </p:spPr>
         <p:txBody>
           <a:bodyPr/>
           <a:lstStyle/>
           <a:p>
-            <a:r>
-              <a:rPr lang="en-US" dirty="0"/>
-              <a:t>ADC instantiation</a:t>
-            </a:r>
-          </a:p>
-          <a:p>
-            <a:r>
-              <a:rPr lang="en-US" dirty="0"/>
-              <a:t>Explain DRP connection</a:t>
-            </a:r>
-          </a:p>
-          <a:p>
-            <a:r>
-              <a:rPr lang="en-US" dirty="0"/>
-              <a:t>Annotate code with simple comments of functionality</a:t>
+            <a:pPr/>
+            <a:r>
+              <a:t>What were we planning on doing with the memory?</a:t>
+            </a:r>
+          </a:p>
+          <a:p>
+            <a:pPr lvl="1"/>
+            <a:r>
+              <a:t>Record the process of playing and replay it after game over</a:t>
+            </a:r>
+          </a:p>
+          <a:p>
+            <a:pPr/>
+            <a:r>
+              <a:t>Why didn’t it work?</a:t>
+            </a:r>
+          </a:p>
+          <a:p>
+            <a:pPr lvl="1"/>
+            <a:r>
+              <a:t>Possible overwritten data </a:t>
+            </a:r>
+          </a:p>
+          <a:p>
+            <a:pPr lvl="1"/>
+            <a:r>
+              <a:t>The delay of redrawing is overlapped by next redrawing </a:t>
+            </a:r>
+          </a:p>
+          <a:p>
+            <a:pPr/>
+            <a:r>
+              <a:t>How does Quad SPI flash work?</a:t>
+            </a:r>
+          </a:p>
+          <a:p>
+            <a:pPr lvl="1"/>
+            <a:r>
+              <a:t>Not suitable for saving data</a:t>
+            </a:r>
+          </a:p>
+          <a:p>
+            <a:pPr/>
+            <a:r>
+              <a:t>What did we end up doing instead?</a:t>
+            </a:r>
+          </a:p>
+          <a:p>
+            <a:pPr lvl="1"/>
+            <a:r>
+              <a:t>Saving images of game process such as when square hits the edge</a:t>
             </a:r>
           </a:p>
         </p:txBody>
       </p:sp>
       <p:pic>
         <p:nvPicPr>
-          <p:cNvPr id="4" name="Picture 3">
-            <a:extLst>
-              <a:ext uri="{FF2B5EF4-FFF2-40B4-BE49-F238E27FC236}">
-                <a16:creationId xmlns:a16="http://schemas.microsoft.com/office/drawing/2014/main" id="{0BA66D91-A091-4CEE-96AC-D79949A0B061}"/>
-              </a:ext>
-            </a:extLst>
-          </p:cNvPr>
+          <p:cNvPr id="167" name="Picture 3" descr="Picture 3"/>
           <p:cNvPicPr>
             <a:picLocks noChangeAspect="1"/>
           </p:cNvPicPr>
           <p:nvPr/>
         </p:nvPicPr>
         <p:blipFill>
-          <a:blip r:embed="rId2"/>
+          <a:blip r:embed="rId2">
+            <a:extLst/>
+          </a:blip>
+          <a:srcRect l="0" t="0" r="15444" b="0"/>
           <a:stretch>
             <a:fillRect/>
           </a:stretch>
         </p:blipFill>
         <p:spPr>
           <a:xfrm>
-            <a:off x="7358126" y="2437301"/>
-            <a:ext cx="2144218" cy="3683863"/>
+            <a:off x="8238281" y="2471801"/>
+            <a:ext cx="3871886" cy="4081398"/>
           </a:xfrm>
           <a:prstGeom prst="rect">
             <a:avLst/>
           </a:prstGeom>
+          <a:ln w="12700">
+            <a:miter lim="400000"/>
+          </a:ln>
+        </p:spPr>
+      </p:pic>
+      <p:pic>
+        <p:nvPicPr>
+          <p:cNvPr id="168" name="Picture 4" descr="Picture 4"/>
+          <p:cNvPicPr>
+            <a:picLocks noChangeAspect="1"/>
+          </p:cNvPicPr>
+          <p:nvPr/>
+        </p:nvPicPr>
+        <p:blipFill>
+          <a:blip r:embed="rId3">
+            <a:extLst/>
+          </a:blip>
+          <a:srcRect l="1" t="0" r="369" b="12396"/>
+          <a:stretch>
+            <a:fillRect/>
+          </a:stretch>
+        </p:blipFill>
+        <p:spPr>
+          <a:xfrm>
+            <a:off x="4858651" y="4883086"/>
+            <a:ext cx="3379631" cy="1807095"/>
+          </a:xfrm>
+          <a:prstGeom prst="rect">
+            <a:avLst/>
+          </a:prstGeom>
+          <a:ln w="12700">
+            <a:miter lim="400000"/>
+          </a:ln>
         </p:spPr>
       </p:pic>
     </p:spTree>
-    <p:extLst>
-      <p:ext uri="{BB962C8B-B14F-4D97-AF65-F5344CB8AC3E}">
-        <p14:creationId xmlns:p14="http://schemas.microsoft.com/office/powerpoint/2010/main" val="2209896776"/>
-      </p:ext>
-    </p:extLst>
   </p:cSld>
   <p:clrMapOvr>
     <a:masterClrMapping/>
   </p:clrMapOvr>
-  <p:transition spd="med"/>
+  <p:transition xmlns:p14="http://schemas.microsoft.com/office/powerpoint/2010/main" spd="med" advClick="1"/>
 </p:sld>
 </file>
 
 <file path=ppt/theme/theme1.xml><?xml version="1.0" encoding="utf-8"?>
-<a:theme xmlns:a="http://schemas.openxmlformats.org/drawingml/2006/main" name="Streamline">
+<a:theme xmlns:a="http://schemas.openxmlformats.org/drawingml/2006/main" xmlns:r="http://schemas.openxmlformats.org/officeDocument/2006/relationships" name="Streamline">
   <a:themeElements>
     <a:clrScheme name="Streamline">
       <a:dk1>
-        <a:srgbClr val="1A9988"/>
+        <a:srgbClr val="FFFFFF"/>
       </a:dk1>
       <a:lt1>
         <a:srgbClr val="1A9988"/>
@@ -5474,14 +7373,14 @@
     </a:clrScheme>
     <a:fontScheme name="Streamline">
       <a:majorFont>
+        <a:latin typeface="Calibri"/>
+        <a:ea typeface="Calibri"/>
+        <a:cs typeface="Calibri"/>
+      </a:majorFont>
+      <a:minorFont>
         <a:latin typeface="Helvetica"/>
         <a:ea typeface="Helvetica"/>
         <a:cs typeface="Helvetica"/>
-      </a:majorFont>
-      <a:minorFont>
-        <a:latin typeface="Calibri"/>
-        <a:ea typeface="Calibri"/>
-        <a:cs typeface="Calibri"/>
       </a:minorFont>
     </a:fontScheme>
     <a:fmtScheme name="Streamline">
@@ -5558,7 +7457,7 @@
       <a:effectStyleLst>
         <a:effectStyle>
           <a:effectLst>
-            <a:outerShdw blurRad="38100" dist="23000" dir="5400000" rotWithShape="0">
+            <a:outerShdw sx="100000" sy="100000" kx="0" ky="0" algn="b" rotWithShape="0" blurRad="38100" dist="23000" dir="5400000">
               <a:srgbClr val="000000">
                 <a:alpha val="35000"/>
               </a:srgbClr>
@@ -5567,7 +7466,7 @@
         </a:effectStyle>
         <a:effectStyle>
           <a:effectLst>
-            <a:outerShdw blurRad="38100" dist="23000" dir="5400000" rotWithShape="0">
+            <a:outerShdw sx="100000" sy="100000" kx="0" ky="0" algn="b" rotWithShape="0" blurRad="38100" dist="23000" dir="5400000">
               <a:srgbClr val="000000">
                 <a:alpha val="35000"/>
               </a:srgbClr>
@@ -5576,9 +7475,9 @@
         </a:effectStyle>
         <a:effectStyle>
           <a:effectLst>
-            <a:outerShdw blurRad="38100" dist="20000" dir="5400000" rotWithShape="0">
+            <a:outerShdw sx="100000" sy="100000" kx="0" ky="0" algn="b" rotWithShape="0" blurRad="38100" dist="23000" dir="5400000">
               <a:srgbClr val="000000">
-                <a:alpha val="38000"/>
+                <a:alpha val="35000"/>
               </a:srgbClr>
             </a:outerShdw>
           </a:effectLst>
@@ -5640,7 +7539,7 @@
     <a:spDef>
       <a:spPr>
         <a:solidFill>
-          <a:srgbClr val="FFFFFF"/>
+          <a:srgbClr val="1A9988"/>
         </a:solidFill>
         <a:ln w="25400" cap="flat">
           <a:solidFill>
@@ -5650,7 +7549,7 @@
           <a:round/>
         </a:ln>
         <a:effectLst>
-          <a:outerShdw blurRad="38100" dist="23000" dir="5400000" rotWithShape="0">
+          <a:outerShdw sx="100000" sy="100000" kx="0" ky="0" algn="b" rotWithShape="0" blurRad="38100" dist="23000" dir="5400000">
             <a:srgbClr val="000000">
               <a:alpha val="35000"/>
             </a:srgbClr>
@@ -5658,7 +7557,7 @@
         </a:effectLst>
         <a:sp3d/>
       </a:spPr>
-      <a:bodyPr rot="0" spcFirstLastPara="1" vertOverflow="overflow" horzOverflow="overflow" vert="horz" wrap="square" lIns="45719" tIns="45719" rIns="45719" bIns="45719" numCol="1" spcCol="38100" rtlCol="0" anchor="ctr">
+      <a:bodyPr rot="0" spcFirstLastPara="1" vertOverflow="overflow" horzOverflow="overflow" vert="horz" wrap="square" lIns="45718" tIns="45718" rIns="45718" bIns="45718" numCol="1" spcCol="38100" rtlCol="0" anchor="ctr" upright="0">
         <a:spAutoFit/>
       </a:bodyPr>
       <a:lstStyle>
@@ -5677,7 +7576,7 @@
           <a:buFontTx/>
           <a:buNone/>
           <a:tabLst/>
-          <a:defRPr kumimoji="0" sz="1800" b="0" i="0" u="none" strike="noStrike" cap="none" spc="0" normalizeH="0" baseline="0">
+          <a:defRPr b="0" baseline="0" cap="none" i="0" spc="0" strike="noStrike" sz="1800" u="none" kumimoji="0" normalizeH="0">
             <a:ln>
               <a:noFill/>
             </a:ln>
@@ -5686,10 +7585,10 @@
             </a:solidFill>
             <a:effectLst/>
             <a:uFillTx/>
-            <a:latin typeface="Arial"/>
-            <a:ea typeface="Arial"/>
-            <a:cs typeface="Arial"/>
-            <a:sym typeface="Arial"/>
+            <a:latin typeface="+mj-lt"/>
+            <a:ea typeface="+mj-ea"/>
+            <a:cs typeface="+mj-cs"/>
+            <a:sym typeface="Calibri"/>
           </a:defRPr>
         </a:defPPr>
         <a:lvl1pPr marL="0" marR="0" indent="0" algn="l" defTabSz="914400" rtl="0" fontAlgn="auto" latinLnBrk="1" hangingPunct="0">
@@ -5707,7 +7606,7 @@
           <a:buFontTx/>
           <a:buNone/>
           <a:tabLst/>
-          <a:defRPr kumimoji="0" sz="1800" b="0" i="0" u="none" strike="noStrike" cap="none" spc="0" normalizeH="0" baseline="0">
+          <a:defRPr b="0" baseline="0" cap="none" i="0" spc="0" strike="noStrike" sz="1800" u="none" kumimoji="0" normalizeH="0">
             <a:ln>
               <a:noFill/>
             </a:ln>
@@ -5733,7 +7632,7 @@
           <a:buFontTx/>
           <a:buNone/>
           <a:tabLst/>
-          <a:defRPr kumimoji="0" sz="1800" b="0" i="0" u="none" strike="noStrike" cap="none" spc="0" normalizeH="0" baseline="0">
+          <a:defRPr b="0" baseline="0" cap="none" i="0" spc="0" strike="noStrike" sz="1800" u="none" kumimoji="0" normalizeH="0">
             <a:ln>
               <a:noFill/>
             </a:ln>
@@ -5759,7 +7658,7 @@
           <a:buFontTx/>
           <a:buNone/>
           <a:tabLst/>
-          <a:defRPr kumimoji="0" sz="1800" b="0" i="0" u="none" strike="noStrike" cap="none" spc="0" normalizeH="0" baseline="0">
+          <a:defRPr b="0" baseline="0" cap="none" i="0" spc="0" strike="noStrike" sz="1800" u="none" kumimoji="0" normalizeH="0">
             <a:ln>
               <a:noFill/>
             </a:ln>
@@ -5785,7 +7684,7 @@
           <a:buFontTx/>
           <a:buNone/>
           <a:tabLst/>
-          <a:defRPr kumimoji="0" sz="1800" b="0" i="0" u="none" strike="noStrike" cap="none" spc="0" normalizeH="0" baseline="0">
+          <a:defRPr b="0" baseline="0" cap="none" i="0" spc="0" strike="noStrike" sz="1800" u="none" kumimoji="0" normalizeH="0">
             <a:ln>
               <a:noFill/>
             </a:ln>
@@ -5811,7 +7710,7 @@
           <a:buFontTx/>
           <a:buNone/>
           <a:tabLst/>
-          <a:defRPr kumimoji="0" sz="1800" b="0" i="0" u="none" strike="noStrike" cap="none" spc="0" normalizeH="0" baseline="0">
+          <a:defRPr b="0" baseline="0" cap="none" i="0" spc="0" strike="noStrike" sz="1800" u="none" kumimoji="0" normalizeH="0">
             <a:ln>
               <a:noFill/>
             </a:ln>
@@ -5837,7 +7736,7 @@
           <a:buFontTx/>
           <a:buNone/>
           <a:tabLst/>
-          <a:defRPr kumimoji="0" sz="1800" b="0" i="0" u="none" strike="noStrike" cap="none" spc="0" normalizeH="0" baseline="0">
+          <a:defRPr b="0" baseline="0" cap="none" i="0" spc="0" strike="noStrike" sz="1800" u="none" kumimoji="0" normalizeH="0">
             <a:ln>
               <a:noFill/>
             </a:ln>
@@ -5863,7 +7762,7 @@
           <a:buFontTx/>
           <a:buNone/>
           <a:tabLst/>
-          <a:defRPr kumimoji="0" sz="1800" b="0" i="0" u="none" strike="noStrike" cap="none" spc="0" normalizeH="0" baseline="0">
+          <a:defRPr b="0" baseline="0" cap="none" i="0" spc="0" strike="noStrike" sz="1800" u="none" kumimoji="0" normalizeH="0">
             <a:ln>
               <a:noFill/>
             </a:ln>
@@ -5889,7 +7788,7 @@
           <a:buFontTx/>
           <a:buNone/>
           <a:tabLst/>
-          <a:defRPr kumimoji="0" sz="1800" b="0" i="0" u="none" strike="noStrike" cap="none" spc="0" normalizeH="0" baseline="0">
+          <a:defRPr b="0" baseline="0" cap="none" i="0" spc="0" strike="noStrike" sz="1800" u="none" kumimoji="0" normalizeH="0">
             <a:ln>
               <a:noFill/>
             </a:ln>
@@ -5915,7 +7814,7 @@
           <a:buFontTx/>
           <a:buNone/>
           <a:tabLst/>
-          <a:defRPr kumimoji="0" sz="1800" b="0" i="0" u="none" strike="noStrike" cap="none" spc="0" normalizeH="0" baseline="0">
+          <a:defRPr b="0" baseline="0" cap="none" i="0" spc="0" strike="noStrike" sz="1800" u="none" kumimoji="0" normalizeH="0">
             <a:ln>
               <a:noFill/>
             </a:ln>
@@ -5928,15 +7827,9 @@
         </a:lvl9pPr>
       </a:lstStyle>
       <a:style>
-        <a:lnRef idx="0">
-          <a:scrgbClr r="0" g="0" b="0"/>
-        </a:lnRef>
-        <a:fillRef idx="0">
-          <a:scrgbClr r="0" g="0" b="0"/>
-        </a:fillRef>
-        <a:effectRef idx="0">
-          <a:scrgbClr r="0" g="0" b="0"/>
-        </a:effectRef>
+        <a:lnRef idx="0"/>
+        <a:fillRef idx="0"/>
+        <a:effectRef idx="0"/>
         <a:fontRef idx="none"/>
       </a:style>
     </a:spDef>
@@ -5951,15 +7844,15 @@
           <a:round/>
         </a:ln>
         <a:effectLst>
-          <a:outerShdw blurRad="38100" dist="20000" dir="5400000" rotWithShape="0">
+          <a:outerShdw sx="100000" sy="100000" kx="0" ky="0" algn="b" rotWithShape="0" blurRad="38100" dist="23000" dir="5400000">
             <a:srgbClr val="000000">
-              <a:alpha val="38000"/>
+              <a:alpha val="35000"/>
             </a:srgbClr>
           </a:outerShdw>
         </a:effectLst>
         <a:sp3d/>
       </a:spPr>
-      <a:bodyPr rot="0" spcFirstLastPara="1" vertOverflow="overflow" horzOverflow="overflow" vert="horz" wrap="square" lIns="91439" tIns="45719" rIns="91439" bIns="45719" numCol="1" spcCol="38100" rtlCol="0" anchor="t">
+      <a:bodyPr rot="0" spcFirstLastPara="1" vertOverflow="overflow" horzOverflow="overflow" vert="horz" wrap="square" lIns="91439" tIns="45719" rIns="91439" bIns="45719" numCol="1" spcCol="38100" rtlCol="0" anchor="t" upright="0">
         <a:noAutofit/>
       </a:bodyPr>
       <a:lstStyle>
@@ -5978,7 +7871,7 @@
           <a:buFontTx/>
           <a:buNone/>
           <a:tabLst/>
-          <a:defRPr kumimoji="0" sz="1800" b="0" i="0" u="none" strike="noStrike" cap="none" spc="0" normalizeH="0" baseline="0">
+          <a:defRPr b="0" baseline="0" cap="none" i="0" spc="0" strike="noStrike" sz="1800" u="none" kumimoji="0" normalizeH="0">
             <a:ln>
               <a:noFill/>
             </a:ln>
@@ -6004,7 +7897,7 @@
           <a:buFontTx/>
           <a:buNone/>
           <a:tabLst/>
-          <a:defRPr kumimoji="0" sz="1800" b="0" i="0" u="none" strike="noStrike" cap="none" spc="0" normalizeH="0" baseline="0">
+          <a:defRPr b="0" baseline="0" cap="none" i="0" spc="0" strike="noStrike" sz="1800" u="none" kumimoji="0" normalizeH="0">
             <a:ln>
               <a:noFill/>
             </a:ln>
@@ -6030,7 +7923,7 @@
           <a:buFontTx/>
           <a:buNone/>
           <a:tabLst/>
-          <a:defRPr kumimoji="0" sz="1800" b="0" i="0" u="none" strike="noStrike" cap="none" spc="0" normalizeH="0" baseline="0">
+          <a:defRPr b="0" baseline="0" cap="none" i="0" spc="0" strike="noStrike" sz="1800" u="none" kumimoji="0" normalizeH="0">
             <a:ln>
               <a:noFill/>
             </a:ln>
@@ -6056,7 +7949,7 @@
           <a:buFontTx/>
           <a:buNone/>
           <a:tabLst/>
-          <a:defRPr kumimoji="0" sz="1800" b="0" i="0" u="none" strike="noStrike" cap="none" spc="0" normalizeH="0" baseline="0">
+          <a:defRPr b="0" baseline="0" cap="none" i="0" spc="0" strike="noStrike" sz="1800" u="none" kumimoji="0" normalizeH="0">
             <a:ln>
               <a:noFill/>
             </a:ln>
@@ -6082,7 +7975,7 @@
           <a:buFontTx/>
           <a:buNone/>
           <a:tabLst/>
-          <a:defRPr kumimoji="0" sz="1800" b="0" i="0" u="none" strike="noStrike" cap="none" spc="0" normalizeH="0" baseline="0">
+          <a:defRPr b="0" baseline="0" cap="none" i="0" spc="0" strike="noStrike" sz="1800" u="none" kumimoji="0" normalizeH="0">
             <a:ln>
               <a:noFill/>
             </a:ln>
@@ -6108,7 +8001,7 @@
           <a:buFontTx/>
           <a:buNone/>
           <a:tabLst/>
-          <a:defRPr kumimoji="0" sz="1800" b="0" i="0" u="none" strike="noStrike" cap="none" spc="0" normalizeH="0" baseline="0">
+          <a:defRPr b="0" baseline="0" cap="none" i="0" spc="0" strike="noStrike" sz="1800" u="none" kumimoji="0" normalizeH="0">
             <a:ln>
               <a:noFill/>
             </a:ln>
@@ -6134,7 +8027,7 @@
           <a:buFontTx/>
           <a:buNone/>
           <a:tabLst/>
-          <a:defRPr kumimoji="0" sz="1800" b="0" i="0" u="none" strike="noStrike" cap="none" spc="0" normalizeH="0" baseline="0">
+          <a:defRPr b="0" baseline="0" cap="none" i="0" spc="0" strike="noStrike" sz="1800" u="none" kumimoji="0" normalizeH="0">
             <a:ln>
               <a:noFill/>
             </a:ln>
@@ -6160,7 +8053,7 @@
           <a:buFontTx/>
           <a:buNone/>
           <a:tabLst/>
-          <a:defRPr kumimoji="0" sz="1800" b="0" i="0" u="none" strike="noStrike" cap="none" spc="0" normalizeH="0" baseline="0">
+          <a:defRPr b="0" baseline="0" cap="none" i="0" spc="0" strike="noStrike" sz="1800" u="none" kumimoji="0" normalizeH="0">
             <a:ln>
               <a:noFill/>
             </a:ln>
@@ -6186,7 +8079,7 @@
           <a:buFontTx/>
           <a:buNone/>
           <a:tabLst/>
-          <a:defRPr kumimoji="0" sz="1800" b="0" i="0" u="none" strike="noStrike" cap="none" spc="0" normalizeH="0" baseline="0">
+          <a:defRPr b="0" baseline="0" cap="none" i="0" spc="0" strike="noStrike" sz="1800" u="none" kumimoji="0" normalizeH="0">
             <a:ln>
               <a:noFill/>
             </a:ln>
@@ -6212,7 +8105,7 @@
           <a:buFontTx/>
           <a:buNone/>
           <a:tabLst/>
-          <a:defRPr kumimoji="0" sz="1800" b="0" i="0" u="none" strike="noStrike" cap="none" spc="0" normalizeH="0" baseline="0">
+          <a:defRPr b="0" baseline="0" cap="none" i="0" spc="0" strike="noStrike" sz="1800" u="none" kumimoji="0" normalizeH="0">
             <a:ln>
               <a:noFill/>
             </a:ln>
@@ -6225,15 +8118,9 @@
         </a:lvl9pPr>
       </a:lstStyle>
       <a:style>
-        <a:lnRef idx="0">
-          <a:scrgbClr r="0" g="0" b="0"/>
-        </a:lnRef>
-        <a:fillRef idx="0">
-          <a:scrgbClr r="0" g="0" b="0"/>
-        </a:fillRef>
-        <a:effectRef idx="0">
-          <a:scrgbClr r="0" g="0" b="0"/>
-        </a:effectRef>
+        <a:lnRef idx="0"/>
+        <a:fillRef idx="0"/>
+        <a:effectRef idx="0"/>
         <a:fontRef idx="none"/>
       </a:style>
     </a:lnDef>
@@ -6247,7 +8134,7 @@
         <a:effectLst/>
         <a:sp3d/>
       </a:spPr>
-      <a:bodyPr rot="0" spcFirstLastPara="1" vertOverflow="overflow" horzOverflow="overflow" vert="horz" wrap="square" lIns="45719" tIns="45719" rIns="45719" bIns="45719" numCol="1" spcCol="38100" rtlCol="0" anchor="t">
+      <a:bodyPr rot="0" spcFirstLastPara="1" vertOverflow="overflow" horzOverflow="overflow" vert="horz" wrap="square" lIns="45718" tIns="45718" rIns="45718" bIns="45718" numCol="1" spcCol="38100" rtlCol="0" anchor="t" upright="0">
         <a:spAutoFit/>
       </a:bodyPr>
       <a:lstStyle>
@@ -6266,7 +8153,7 @@
           <a:buFontTx/>
           <a:buNone/>
           <a:tabLst/>
-          <a:defRPr kumimoji="0" sz="1800" b="0" i="0" u="none" strike="noStrike" cap="none" spc="0" normalizeH="0" baseline="0">
+          <a:defRPr b="0" baseline="0" cap="none" i="0" spc="0" strike="noStrike" sz="1800" u="none" kumimoji="0" normalizeH="0">
             <a:ln>
               <a:noFill/>
             </a:ln>
@@ -6275,10 +8162,10 @@
             </a:solidFill>
             <a:effectLst/>
             <a:uFillTx/>
-            <a:latin typeface="Arial"/>
-            <a:ea typeface="Arial"/>
-            <a:cs typeface="Arial"/>
-            <a:sym typeface="Arial"/>
+            <a:latin typeface="+mj-lt"/>
+            <a:ea typeface="+mj-ea"/>
+            <a:cs typeface="+mj-cs"/>
+            <a:sym typeface="Calibri"/>
           </a:defRPr>
         </a:defPPr>
         <a:lvl1pPr marL="0" marR="0" indent="0" algn="l" defTabSz="914400" rtl="0" fontAlgn="auto" latinLnBrk="1" hangingPunct="0">
@@ -6296,7 +8183,7 @@
           <a:buFontTx/>
           <a:buNone/>
           <a:tabLst/>
-          <a:defRPr kumimoji="0" sz="1800" b="0" i="0" u="none" strike="noStrike" cap="none" spc="0" normalizeH="0" baseline="0">
+          <a:defRPr b="0" baseline="0" cap="none" i="0" spc="0" strike="noStrike" sz="1800" u="none" kumimoji="0" normalizeH="0">
             <a:ln>
               <a:noFill/>
             </a:ln>
@@ -6322,7 +8209,7 @@
           <a:buFontTx/>
           <a:buNone/>
           <a:tabLst/>
-          <a:defRPr kumimoji="0" sz="1800" b="0" i="0" u="none" strike="noStrike" cap="none" spc="0" normalizeH="0" baseline="0">
+          <a:defRPr b="0" baseline="0" cap="none" i="0" spc="0" strike="noStrike" sz="1800" u="none" kumimoji="0" normalizeH="0">
             <a:ln>
               <a:noFill/>
             </a:ln>
@@ -6348,7 +8235,7 @@
           <a:buFontTx/>
           <a:buNone/>
           <a:tabLst/>
-          <a:defRPr kumimoji="0" sz="1800" b="0" i="0" u="none" strike="noStrike" cap="none" spc="0" normalizeH="0" baseline="0">
+          <a:defRPr b="0" baseline="0" cap="none" i="0" spc="0" strike="noStrike" sz="1800" u="none" kumimoji="0" normalizeH="0">
             <a:ln>
               <a:noFill/>
             </a:ln>
@@ -6374,7 +8261,7 @@
           <a:buFontTx/>
           <a:buNone/>
           <a:tabLst/>
-          <a:defRPr kumimoji="0" sz="1800" b="0" i="0" u="none" strike="noStrike" cap="none" spc="0" normalizeH="0" baseline="0">
+          <a:defRPr b="0" baseline="0" cap="none" i="0" spc="0" strike="noStrike" sz="1800" u="none" kumimoji="0" normalizeH="0">
             <a:ln>
               <a:noFill/>
             </a:ln>
@@ -6400,7 +8287,7 @@
           <a:buFontTx/>
           <a:buNone/>
           <a:tabLst/>
-          <a:defRPr kumimoji="0" sz="1800" b="0" i="0" u="none" strike="noStrike" cap="none" spc="0" normalizeH="0" baseline="0">
+          <a:defRPr b="0" baseline="0" cap="none" i="0" spc="0" strike="noStrike" sz="1800" u="none" kumimoji="0" normalizeH="0">
             <a:ln>
               <a:noFill/>
             </a:ln>
@@ -6426,7 +8313,7 @@
           <a:buFontTx/>
           <a:buNone/>
           <a:tabLst/>
-          <a:defRPr kumimoji="0" sz="1800" b="0" i="0" u="none" strike="noStrike" cap="none" spc="0" normalizeH="0" baseline="0">
+          <a:defRPr b="0" baseline="0" cap="none" i="0" spc="0" strike="noStrike" sz="1800" u="none" kumimoji="0" normalizeH="0">
             <a:ln>
               <a:noFill/>
             </a:ln>
@@ -6452,7 +8339,7 @@
           <a:buFontTx/>
           <a:buNone/>
           <a:tabLst/>
-          <a:defRPr kumimoji="0" sz="1800" b="0" i="0" u="none" strike="noStrike" cap="none" spc="0" normalizeH="0" baseline="0">
+          <a:defRPr b="0" baseline="0" cap="none" i="0" spc="0" strike="noStrike" sz="1800" u="none" kumimoji="0" normalizeH="0">
             <a:ln>
               <a:noFill/>
             </a:ln>
@@ -6478,7 +8365,7 @@
           <a:buFontTx/>
           <a:buNone/>
           <a:tabLst/>
-          <a:defRPr kumimoji="0" sz="1800" b="0" i="0" u="none" strike="noStrike" cap="none" spc="0" normalizeH="0" baseline="0">
+          <a:defRPr b="0" baseline="0" cap="none" i="0" spc="0" strike="noStrike" sz="1800" u="none" kumimoji="0" normalizeH="0">
             <a:ln>
               <a:noFill/>
             </a:ln>
@@ -6504,7 +8391,7 @@
           <a:buFontTx/>
           <a:buNone/>
           <a:tabLst/>
-          <a:defRPr kumimoji="0" sz="1800" b="0" i="0" u="none" strike="noStrike" cap="none" spc="0" normalizeH="0" baseline="0">
+          <a:defRPr b="0" baseline="0" cap="none" i="0" spc="0" strike="noStrike" sz="1800" u="none" kumimoji="0" normalizeH="0">
             <a:ln>
               <a:noFill/>
             </a:ln>
@@ -6517,25 +8404,18 @@
         </a:lvl9pPr>
       </a:lstStyle>
       <a:style>
-        <a:lnRef idx="0">
-          <a:scrgbClr r="0" g="0" b="0"/>
-        </a:lnRef>
-        <a:fillRef idx="0">
-          <a:scrgbClr r="0" g="0" b="0"/>
-        </a:fillRef>
-        <a:effectRef idx="0">
-          <a:scrgbClr r="0" g="0" b="0"/>
-        </a:effectRef>
+        <a:lnRef idx="0"/>
+        <a:fillRef idx="0"/>
+        <a:effectRef idx="0"/>
         <a:fontRef idx="none"/>
       </a:style>
     </a:txDef>
   </a:objectDefaults>
-  <a:extraClrSchemeLst/>
 </a:theme>
 </file>
 
 <file path=ppt/theme/theme2.xml><?xml version="1.0" encoding="utf-8"?>
-<a:theme xmlns:a="http://schemas.openxmlformats.org/drawingml/2006/main" name="Streamline">
+<a:theme xmlns:a="http://schemas.openxmlformats.org/drawingml/2006/main" xmlns:r="http://schemas.openxmlformats.org/officeDocument/2006/relationships" name="Streamline">
   <a:themeElements>
     <a:clrScheme name="Streamline">
       <a:dk1>
@@ -6577,14 +8457,14 @@
     </a:clrScheme>
     <a:fontScheme name="Streamline">
       <a:majorFont>
+        <a:latin typeface="Calibri"/>
+        <a:ea typeface="Calibri"/>
+        <a:cs typeface="Calibri"/>
+      </a:majorFont>
+      <a:minorFont>
         <a:latin typeface="Helvetica"/>
         <a:ea typeface="Helvetica"/>
         <a:cs typeface="Helvetica"/>
-      </a:majorFont>
-      <a:minorFont>
-        <a:latin typeface="Calibri"/>
-        <a:ea typeface="Calibri"/>
-        <a:cs typeface="Calibri"/>
       </a:minorFont>
     </a:fontScheme>
     <a:fmtScheme name="Streamline">
@@ -6661,7 +8541,7 @@
       <a:effectStyleLst>
         <a:effectStyle>
           <a:effectLst>
-            <a:outerShdw blurRad="38100" dist="23000" dir="5400000" rotWithShape="0">
+            <a:outerShdw sx="100000" sy="100000" kx="0" ky="0" algn="b" rotWithShape="0" blurRad="38100" dist="23000" dir="5400000">
               <a:srgbClr val="000000">
                 <a:alpha val="35000"/>
               </a:srgbClr>
@@ -6670,7 +8550,7 @@
         </a:effectStyle>
         <a:effectStyle>
           <a:effectLst>
-            <a:outerShdw blurRad="38100" dist="23000" dir="5400000" rotWithShape="0">
+            <a:outerShdw sx="100000" sy="100000" kx="0" ky="0" algn="b" rotWithShape="0" blurRad="38100" dist="23000" dir="5400000">
               <a:srgbClr val="000000">
                 <a:alpha val="35000"/>
               </a:srgbClr>
@@ -6679,9 +8559,9 @@
         </a:effectStyle>
         <a:effectStyle>
           <a:effectLst>
-            <a:outerShdw blurRad="38100" dist="20000" dir="5400000" rotWithShape="0">
+            <a:outerShdw sx="100000" sy="100000" kx="0" ky="0" algn="b" rotWithShape="0" blurRad="38100" dist="23000" dir="5400000">
               <a:srgbClr val="000000">
-                <a:alpha val="38000"/>
+                <a:alpha val="35000"/>
               </a:srgbClr>
             </a:outerShdw>
           </a:effectLst>
@@ -6743,7 +8623,7 @@
     <a:spDef>
       <a:spPr>
         <a:solidFill>
-          <a:srgbClr val="FFFFFF"/>
+          <a:srgbClr val="1A9988"/>
         </a:solidFill>
         <a:ln w="25400" cap="flat">
           <a:solidFill>
@@ -6753,7 +8633,7 @@
           <a:round/>
         </a:ln>
         <a:effectLst>
-          <a:outerShdw blurRad="38100" dist="23000" dir="5400000" rotWithShape="0">
+          <a:outerShdw sx="100000" sy="100000" kx="0" ky="0" algn="b" rotWithShape="0" blurRad="38100" dist="23000" dir="5400000">
             <a:srgbClr val="000000">
               <a:alpha val="35000"/>
             </a:srgbClr>
@@ -6761,7 +8641,7 @@
         </a:effectLst>
         <a:sp3d/>
       </a:spPr>
-      <a:bodyPr rot="0" spcFirstLastPara="1" vertOverflow="overflow" horzOverflow="overflow" vert="horz" wrap="square" lIns="45719" tIns="45719" rIns="45719" bIns="45719" numCol="1" spcCol="38100" rtlCol="0" anchor="ctr">
+      <a:bodyPr rot="0" spcFirstLastPara="1" vertOverflow="overflow" horzOverflow="overflow" vert="horz" wrap="square" lIns="45718" tIns="45718" rIns="45718" bIns="45718" numCol="1" spcCol="38100" rtlCol="0" anchor="ctr" upright="0">
         <a:spAutoFit/>
       </a:bodyPr>
       <a:lstStyle>
@@ -6780,7 +8660,7 @@
           <a:buFontTx/>
           <a:buNone/>
           <a:tabLst/>
-          <a:defRPr kumimoji="0" sz="1800" b="0" i="0" u="none" strike="noStrike" cap="none" spc="0" normalizeH="0" baseline="0">
+          <a:defRPr b="0" baseline="0" cap="none" i="0" spc="0" strike="noStrike" sz="1800" u="none" kumimoji="0" normalizeH="0">
             <a:ln>
               <a:noFill/>
             </a:ln>
@@ -6789,10 +8669,10 @@
             </a:solidFill>
             <a:effectLst/>
             <a:uFillTx/>
-            <a:latin typeface="Arial"/>
-            <a:ea typeface="Arial"/>
-            <a:cs typeface="Arial"/>
-            <a:sym typeface="Arial"/>
+            <a:latin typeface="+mj-lt"/>
+            <a:ea typeface="+mj-ea"/>
+            <a:cs typeface="+mj-cs"/>
+            <a:sym typeface="Calibri"/>
           </a:defRPr>
         </a:defPPr>
         <a:lvl1pPr marL="0" marR="0" indent="0" algn="l" defTabSz="914400" rtl="0" fontAlgn="auto" latinLnBrk="1" hangingPunct="0">
@@ -6810,7 +8690,7 @@
           <a:buFontTx/>
           <a:buNone/>
           <a:tabLst/>
-          <a:defRPr kumimoji="0" sz="1800" b="0" i="0" u="none" strike="noStrike" cap="none" spc="0" normalizeH="0" baseline="0">
+          <a:defRPr b="0" baseline="0" cap="none" i="0" spc="0" strike="noStrike" sz="1800" u="none" kumimoji="0" normalizeH="0">
             <a:ln>
               <a:noFill/>
             </a:ln>
@@ -6836,7 +8716,7 @@
           <a:buFontTx/>
           <a:buNone/>
           <a:tabLst/>
-          <a:defRPr kumimoji="0" sz="1800" b="0" i="0" u="none" strike="noStrike" cap="none" spc="0" normalizeH="0" baseline="0">
+          <a:defRPr b="0" baseline="0" cap="none" i="0" spc="0" strike="noStrike" sz="1800" u="none" kumimoji="0" normalizeH="0">
             <a:ln>
               <a:noFill/>
             </a:ln>
@@ -6862,7 +8742,7 @@
           <a:buFontTx/>
           <a:buNone/>
           <a:tabLst/>
-          <a:defRPr kumimoji="0" sz="1800" b="0" i="0" u="none" strike="noStrike" cap="none" spc="0" normalizeH="0" baseline="0">
+          <a:defRPr b="0" baseline="0" cap="none" i="0" spc="0" strike="noStrike" sz="1800" u="none" kumimoji="0" normalizeH="0">
             <a:ln>
               <a:noFill/>
             </a:ln>
@@ -6888,7 +8768,7 @@
           <a:buFontTx/>
           <a:buNone/>
           <a:tabLst/>
-          <a:defRPr kumimoji="0" sz="1800" b="0" i="0" u="none" strike="noStrike" cap="none" spc="0" normalizeH="0" baseline="0">
+          <a:defRPr b="0" baseline="0" cap="none" i="0" spc="0" strike="noStrike" sz="1800" u="none" kumimoji="0" normalizeH="0">
             <a:ln>
               <a:noFill/>
             </a:ln>
@@ -6914,7 +8794,7 @@
           <a:buFontTx/>
           <a:buNone/>
           <a:tabLst/>
-          <a:defRPr kumimoji="0" sz="1800" b="0" i="0" u="none" strike="noStrike" cap="none" spc="0" normalizeH="0" baseline="0">
+          <a:defRPr b="0" baseline="0" cap="none" i="0" spc="0" strike="noStrike" sz="1800" u="none" kumimoji="0" normalizeH="0">
             <a:ln>
               <a:noFill/>
             </a:ln>
@@ -6940,7 +8820,7 @@
           <a:buFontTx/>
           <a:buNone/>
           <a:tabLst/>
-          <a:defRPr kumimoji="0" sz="1800" b="0" i="0" u="none" strike="noStrike" cap="none" spc="0" normalizeH="0" baseline="0">
+          <a:defRPr b="0" baseline="0" cap="none" i="0" spc="0" strike="noStrike" sz="1800" u="none" kumimoji="0" normalizeH="0">
             <a:ln>
               <a:noFill/>
             </a:ln>
@@ -6966,7 +8846,7 @@
           <a:buFontTx/>
           <a:buNone/>
           <a:tabLst/>
-          <a:defRPr kumimoji="0" sz="1800" b="0" i="0" u="none" strike="noStrike" cap="none" spc="0" normalizeH="0" baseline="0">
+          <a:defRPr b="0" baseline="0" cap="none" i="0" spc="0" strike="noStrike" sz="1800" u="none" kumimoji="0" normalizeH="0">
             <a:ln>
               <a:noFill/>
             </a:ln>
@@ -6992,7 +8872,7 @@
           <a:buFontTx/>
           <a:buNone/>
           <a:tabLst/>
-          <a:defRPr kumimoji="0" sz="1800" b="0" i="0" u="none" strike="noStrike" cap="none" spc="0" normalizeH="0" baseline="0">
+          <a:defRPr b="0" baseline="0" cap="none" i="0" spc="0" strike="noStrike" sz="1800" u="none" kumimoji="0" normalizeH="0">
             <a:ln>
               <a:noFill/>
             </a:ln>
@@ -7018,7 +8898,7 @@
           <a:buFontTx/>
           <a:buNone/>
           <a:tabLst/>
-          <a:defRPr kumimoji="0" sz="1800" b="0" i="0" u="none" strike="noStrike" cap="none" spc="0" normalizeH="0" baseline="0">
+          <a:defRPr b="0" baseline="0" cap="none" i="0" spc="0" strike="noStrike" sz="1800" u="none" kumimoji="0" normalizeH="0">
             <a:ln>
               <a:noFill/>
             </a:ln>
@@ -7031,15 +8911,9 @@
         </a:lvl9pPr>
       </a:lstStyle>
       <a:style>
-        <a:lnRef idx="0">
-          <a:scrgbClr r="0" g="0" b="0"/>
-        </a:lnRef>
-        <a:fillRef idx="0">
-          <a:scrgbClr r="0" g="0" b="0"/>
-        </a:fillRef>
-        <a:effectRef idx="0">
-          <a:scrgbClr r="0" g="0" b="0"/>
-        </a:effectRef>
+        <a:lnRef idx="0"/>
+        <a:fillRef idx="0"/>
+        <a:effectRef idx="0"/>
         <a:fontRef idx="none"/>
       </a:style>
     </a:spDef>
@@ -7054,15 +8928,15 @@
           <a:round/>
         </a:ln>
         <a:effectLst>
-          <a:outerShdw blurRad="38100" dist="20000" dir="5400000" rotWithShape="0">
+          <a:outerShdw sx="100000" sy="100000" kx="0" ky="0" algn="b" rotWithShape="0" blurRad="38100" dist="23000" dir="5400000">
             <a:srgbClr val="000000">
-              <a:alpha val="38000"/>
+              <a:alpha val="35000"/>
             </a:srgbClr>
           </a:outerShdw>
         </a:effectLst>
         <a:sp3d/>
       </a:spPr>
-      <a:bodyPr rot="0" spcFirstLastPara="1" vertOverflow="overflow" horzOverflow="overflow" vert="horz" wrap="square" lIns="91439" tIns="45719" rIns="91439" bIns="45719" numCol="1" spcCol="38100" rtlCol="0" anchor="t">
+      <a:bodyPr rot="0" spcFirstLastPara="1" vertOverflow="overflow" horzOverflow="overflow" vert="horz" wrap="square" lIns="91439" tIns="45719" rIns="91439" bIns="45719" numCol="1" spcCol="38100" rtlCol="0" anchor="t" upright="0">
         <a:noAutofit/>
       </a:bodyPr>
       <a:lstStyle>
@@ -7081,7 +8955,7 @@
           <a:buFontTx/>
           <a:buNone/>
           <a:tabLst/>
-          <a:defRPr kumimoji="0" sz="1800" b="0" i="0" u="none" strike="noStrike" cap="none" spc="0" normalizeH="0" baseline="0">
+          <a:defRPr b="0" baseline="0" cap="none" i="0" spc="0" strike="noStrike" sz="1800" u="none" kumimoji="0" normalizeH="0">
             <a:ln>
               <a:noFill/>
             </a:ln>
@@ -7107,7 +8981,7 @@
           <a:buFontTx/>
           <a:buNone/>
           <a:tabLst/>
-          <a:defRPr kumimoji="0" sz="1800" b="0" i="0" u="none" strike="noStrike" cap="none" spc="0" normalizeH="0" baseline="0">
+          <a:defRPr b="0" baseline="0" cap="none" i="0" spc="0" strike="noStrike" sz="1800" u="none" kumimoji="0" normalizeH="0">
             <a:ln>
               <a:noFill/>
             </a:ln>
@@ -7133,7 +9007,7 @@
           <a:buFontTx/>
           <a:buNone/>
           <a:tabLst/>
-          <a:defRPr kumimoji="0" sz="1800" b="0" i="0" u="none" strike="noStrike" cap="none" spc="0" normalizeH="0" baseline="0">
+          <a:defRPr b="0" baseline="0" cap="none" i="0" spc="0" strike="noStrike" sz="1800" u="none" kumimoji="0" normalizeH="0">
             <a:ln>
               <a:noFill/>
             </a:ln>
@@ -7159,7 +9033,7 @@
           <a:buFontTx/>
           <a:buNone/>
           <a:tabLst/>
-          <a:defRPr kumimoji="0" sz="1800" b="0" i="0" u="none" strike="noStrike" cap="none" spc="0" normalizeH="0" baseline="0">
+          <a:defRPr b="0" baseline="0" cap="none" i="0" spc="0" strike="noStrike" sz="1800" u="none" kumimoji="0" normalizeH="0">
             <a:ln>
               <a:noFill/>
             </a:ln>
@@ -7185,7 +9059,7 @@
           <a:buFontTx/>
           <a:buNone/>
           <a:tabLst/>
-          <a:defRPr kumimoji="0" sz="1800" b="0" i="0" u="none" strike="noStrike" cap="none" spc="0" normalizeH="0" baseline="0">
+          <a:defRPr b="0" baseline="0" cap="none" i="0" spc="0" strike="noStrike" sz="1800" u="none" kumimoji="0" normalizeH="0">
             <a:ln>
               <a:noFill/>
             </a:ln>
@@ -7211,7 +9085,7 @@
           <a:buFontTx/>
           <a:buNone/>
           <a:tabLst/>
-          <a:defRPr kumimoji="0" sz="1800" b="0" i="0" u="none" strike="noStrike" cap="none" spc="0" normalizeH="0" baseline="0">
+          <a:defRPr b="0" baseline="0" cap="none" i="0" spc="0" strike="noStrike" sz="1800" u="none" kumimoji="0" normalizeH="0">
             <a:ln>
               <a:noFill/>
             </a:ln>
@@ -7237,7 +9111,7 @@
           <a:buFontTx/>
           <a:buNone/>
           <a:tabLst/>
-          <a:defRPr kumimoji="0" sz="1800" b="0" i="0" u="none" strike="noStrike" cap="none" spc="0" normalizeH="0" baseline="0">
+          <a:defRPr b="0" baseline="0" cap="none" i="0" spc="0" strike="noStrike" sz="1800" u="none" kumimoji="0" normalizeH="0">
             <a:ln>
               <a:noFill/>
             </a:ln>
@@ -7263,7 +9137,7 @@
           <a:buFontTx/>
           <a:buNone/>
           <a:tabLst/>
-          <a:defRPr kumimoji="0" sz="1800" b="0" i="0" u="none" strike="noStrike" cap="none" spc="0" normalizeH="0" baseline="0">
+          <a:defRPr b="0" baseline="0" cap="none" i="0" spc="0" strike="noStrike" sz="1800" u="none" kumimoji="0" normalizeH="0">
             <a:ln>
               <a:noFill/>
             </a:ln>
@@ -7289,7 +9163,7 @@
           <a:buFontTx/>
           <a:buNone/>
           <a:tabLst/>
-          <a:defRPr kumimoji="0" sz="1800" b="0" i="0" u="none" strike="noStrike" cap="none" spc="0" normalizeH="0" baseline="0">
+          <a:defRPr b="0" baseline="0" cap="none" i="0" spc="0" strike="noStrike" sz="1800" u="none" kumimoji="0" normalizeH="0">
             <a:ln>
               <a:noFill/>
             </a:ln>
@@ -7315,7 +9189,7 @@
           <a:buFontTx/>
           <a:buNone/>
           <a:tabLst/>
-          <a:defRPr kumimoji="0" sz="1800" b="0" i="0" u="none" strike="noStrike" cap="none" spc="0" normalizeH="0" baseline="0">
+          <a:defRPr b="0" baseline="0" cap="none" i="0" spc="0" strike="noStrike" sz="1800" u="none" kumimoji="0" normalizeH="0">
             <a:ln>
               <a:noFill/>
             </a:ln>
@@ -7328,15 +9202,9 @@
         </a:lvl9pPr>
       </a:lstStyle>
       <a:style>
-        <a:lnRef idx="0">
-          <a:scrgbClr r="0" g="0" b="0"/>
-        </a:lnRef>
-        <a:fillRef idx="0">
-          <a:scrgbClr r="0" g="0" b="0"/>
-        </a:fillRef>
-        <a:effectRef idx="0">
-          <a:scrgbClr r="0" g="0" b="0"/>
-        </a:effectRef>
+        <a:lnRef idx="0"/>
+        <a:fillRef idx="0"/>
+        <a:effectRef idx="0"/>
         <a:fontRef idx="none"/>
       </a:style>
     </a:lnDef>
@@ -7350,7 +9218,7 @@
         <a:effectLst/>
         <a:sp3d/>
       </a:spPr>
-      <a:bodyPr rot="0" spcFirstLastPara="1" vertOverflow="overflow" horzOverflow="overflow" vert="horz" wrap="square" lIns="45719" tIns="45719" rIns="45719" bIns="45719" numCol="1" spcCol="38100" rtlCol="0" anchor="t">
+      <a:bodyPr rot="0" spcFirstLastPara="1" vertOverflow="overflow" horzOverflow="overflow" vert="horz" wrap="square" lIns="45718" tIns="45718" rIns="45718" bIns="45718" numCol="1" spcCol="38100" rtlCol="0" anchor="t" upright="0">
         <a:spAutoFit/>
       </a:bodyPr>
       <a:lstStyle>
@@ -7369,7 +9237,7 @@
           <a:buFontTx/>
           <a:buNone/>
           <a:tabLst/>
-          <a:defRPr kumimoji="0" sz="1800" b="0" i="0" u="none" strike="noStrike" cap="none" spc="0" normalizeH="0" baseline="0">
+          <a:defRPr b="0" baseline="0" cap="none" i="0" spc="0" strike="noStrike" sz="1800" u="none" kumimoji="0" normalizeH="0">
             <a:ln>
               <a:noFill/>
             </a:ln>
@@ -7378,10 +9246,10 @@
             </a:solidFill>
             <a:effectLst/>
             <a:uFillTx/>
-            <a:latin typeface="Arial"/>
-            <a:ea typeface="Arial"/>
-            <a:cs typeface="Arial"/>
-            <a:sym typeface="Arial"/>
+            <a:latin typeface="+mj-lt"/>
+            <a:ea typeface="+mj-ea"/>
+            <a:cs typeface="+mj-cs"/>
+            <a:sym typeface="Calibri"/>
           </a:defRPr>
         </a:defPPr>
         <a:lvl1pPr marL="0" marR="0" indent="0" algn="l" defTabSz="914400" rtl="0" fontAlgn="auto" latinLnBrk="1" hangingPunct="0">
@@ -7399,7 +9267,7 @@
           <a:buFontTx/>
           <a:buNone/>
           <a:tabLst/>
-          <a:defRPr kumimoji="0" sz="1800" b="0" i="0" u="none" strike="noStrike" cap="none" spc="0" normalizeH="0" baseline="0">
+          <a:defRPr b="0" baseline="0" cap="none" i="0" spc="0" strike="noStrike" sz="1800" u="none" kumimoji="0" normalizeH="0">
             <a:ln>
               <a:noFill/>
             </a:ln>
@@ -7425,7 +9293,7 @@
           <a:buFontTx/>
           <a:buNone/>
           <a:tabLst/>
-          <a:defRPr kumimoji="0" sz="1800" b="0" i="0" u="none" strike="noStrike" cap="none" spc="0" normalizeH="0" baseline="0">
+          <a:defRPr b="0" baseline="0" cap="none" i="0" spc="0" strike="noStrike" sz="1800" u="none" kumimoji="0" normalizeH="0">
             <a:ln>
               <a:noFill/>
             </a:ln>
@@ -7451,7 +9319,7 @@
           <a:buFontTx/>
           <a:buNone/>
           <a:tabLst/>
-          <a:defRPr kumimoji="0" sz="1800" b="0" i="0" u="none" strike="noStrike" cap="none" spc="0" normalizeH="0" baseline="0">
+          <a:defRPr b="0" baseline="0" cap="none" i="0" spc="0" strike="noStrike" sz="1800" u="none" kumimoji="0" normalizeH="0">
             <a:ln>
               <a:noFill/>
             </a:ln>
@@ -7477,7 +9345,7 @@
           <a:buFontTx/>
           <a:buNone/>
           <a:tabLst/>
-          <a:defRPr kumimoji="0" sz="1800" b="0" i="0" u="none" strike="noStrike" cap="none" spc="0" normalizeH="0" baseline="0">
+          <a:defRPr b="0" baseline="0" cap="none" i="0" spc="0" strike="noStrike" sz="1800" u="none" kumimoji="0" normalizeH="0">
             <a:ln>
               <a:noFill/>
             </a:ln>
@@ -7503,7 +9371,7 @@
           <a:buFontTx/>
           <a:buNone/>
           <a:tabLst/>
-          <a:defRPr kumimoji="0" sz="1800" b="0" i="0" u="none" strike="noStrike" cap="none" spc="0" normalizeH="0" baseline="0">
+          <a:defRPr b="0" baseline="0" cap="none" i="0" spc="0" strike="noStrike" sz="1800" u="none" kumimoji="0" normalizeH="0">
             <a:ln>
               <a:noFill/>
             </a:ln>
@@ -7529,7 +9397,7 @@
           <a:buFontTx/>
           <a:buNone/>
           <a:tabLst/>
-          <a:defRPr kumimoji="0" sz="1800" b="0" i="0" u="none" strike="noStrike" cap="none" spc="0" normalizeH="0" baseline="0">
+          <a:defRPr b="0" baseline="0" cap="none" i="0" spc="0" strike="noStrike" sz="1800" u="none" kumimoji="0" normalizeH="0">
             <a:ln>
               <a:noFill/>
             </a:ln>
@@ -7555,7 +9423,7 @@
           <a:buFontTx/>
           <a:buNone/>
           <a:tabLst/>
-          <a:defRPr kumimoji="0" sz="1800" b="0" i="0" u="none" strike="noStrike" cap="none" spc="0" normalizeH="0" baseline="0">
+          <a:defRPr b="0" baseline="0" cap="none" i="0" spc="0" strike="noStrike" sz="1800" u="none" kumimoji="0" normalizeH="0">
             <a:ln>
               <a:noFill/>
             </a:ln>
@@ -7581,7 +9449,7 @@
           <a:buFontTx/>
           <a:buNone/>
           <a:tabLst/>
-          <a:defRPr kumimoji="0" sz="1800" b="0" i="0" u="none" strike="noStrike" cap="none" spc="0" normalizeH="0" baseline="0">
+          <a:defRPr b="0" baseline="0" cap="none" i="0" spc="0" strike="noStrike" sz="1800" u="none" kumimoji="0" normalizeH="0">
             <a:ln>
               <a:noFill/>
             </a:ln>
@@ -7607,7 +9475,7 @@
           <a:buFontTx/>
           <a:buNone/>
           <a:tabLst/>
-          <a:defRPr kumimoji="0" sz="1800" b="0" i="0" u="none" strike="noStrike" cap="none" spc="0" normalizeH="0" baseline="0">
+          <a:defRPr b="0" baseline="0" cap="none" i="0" spc="0" strike="noStrike" sz="1800" u="none" kumimoji="0" normalizeH="0">
             <a:ln>
               <a:noFill/>
             </a:ln>
@@ -7620,19 +9488,12 @@
         </a:lvl9pPr>
       </a:lstStyle>
       <a:style>
-        <a:lnRef idx="0">
-          <a:scrgbClr r="0" g="0" b="0"/>
-        </a:lnRef>
-        <a:fillRef idx="0">
-          <a:scrgbClr r="0" g="0" b="0"/>
-        </a:fillRef>
-        <a:effectRef idx="0">
-          <a:scrgbClr r="0" g="0" b="0"/>
-        </a:effectRef>
+        <a:lnRef idx="0"/>
+        <a:fillRef idx="0"/>
+        <a:effectRef idx="0"/>
         <a:fontRef idx="none"/>
       </a:style>
     </a:txDef>
   </a:objectDefaults>
-  <a:extraClrSchemeLst/>
 </a:theme>
 </file>